--- a/CoreJavaNotes.pptx
+++ b/CoreJavaNotes.pptx
@@ -5,7 +5,7 @@
     <p:sldMasterId id="2147483648" r:id="rId1"/>
   </p:sldMasterIdLst>
   <p:notesMasterIdLst>
-    <p:notesMasterId r:id="rId14"/>
+    <p:notesMasterId r:id="rId21"/>
   </p:notesMasterIdLst>
   <p:sldIdLst>
     <p:sldId id="265" r:id="rId2"/>
@@ -18,8 +18,15 @@
     <p:sldId id="272" r:id="rId9"/>
     <p:sldId id="273" r:id="rId10"/>
     <p:sldId id="274" r:id="rId11"/>
-    <p:sldId id="275" r:id="rId12"/>
-    <p:sldId id="269" r:id="rId13"/>
+    <p:sldId id="269" r:id="rId12"/>
+    <p:sldId id="276" r:id="rId13"/>
+    <p:sldId id="277" r:id="rId14"/>
+    <p:sldId id="278" r:id="rId15"/>
+    <p:sldId id="279" r:id="rId16"/>
+    <p:sldId id="280" r:id="rId17"/>
+    <p:sldId id="281" r:id="rId18"/>
+    <p:sldId id="282" r:id="rId19"/>
+    <p:sldId id="283" r:id="rId20"/>
   </p:sldIdLst>
   <p:sldSz cx="12192000" cy="6858000"/>
   <p:notesSz cx="6858000" cy="9144000"/>
@@ -208,7 +215,7 @@
           <a:p>
             <a:fld id="{31A22706-0000-41AF-B6FF-4DE11A567547}" type="datetimeFigureOut">
               <a:rPr lang="en-IN" smtClean="0"/>
-              <a:t>15-01-2021</a:t>
+              <a:t>19-01-2021</a:t>
             </a:fld>
             <a:endParaRPr lang="en-IN"/>
           </a:p>
@@ -787,7 +794,7 @@
           <a:p>
             <a:fld id="{A4F3704B-ED65-4BAA-9587-8FAC4677B14E}" type="datetimeFigureOut">
               <a:rPr lang="en-IN" smtClean="0"/>
-              <a:t>15-01-2021</a:t>
+              <a:t>19-01-2021</a:t>
             </a:fld>
             <a:endParaRPr lang="en-IN"/>
           </a:p>
@@ -957,7 +964,7 @@
           <a:p>
             <a:fld id="{A4F3704B-ED65-4BAA-9587-8FAC4677B14E}" type="datetimeFigureOut">
               <a:rPr lang="en-IN" smtClean="0"/>
-              <a:t>15-01-2021</a:t>
+              <a:t>19-01-2021</a:t>
             </a:fld>
             <a:endParaRPr lang="en-IN"/>
           </a:p>
@@ -1137,7 +1144,7 @@
           <a:p>
             <a:fld id="{A4F3704B-ED65-4BAA-9587-8FAC4677B14E}" type="datetimeFigureOut">
               <a:rPr lang="en-IN" smtClean="0"/>
-              <a:t>15-01-2021</a:t>
+              <a:t>19-01-2021</a:t>
             </a:fld>
             <a:endParaRPr lang="en-IN"/>
           </a:p>
@@ -1307,7 +1314,7 @@
           <a:p>
             <a:fld id="{A4F3704B-ED65-4BAA-9587-8FAC4677B14E}" type="datetimeFigureOut">
               <a:rPr lang="en-IN" smtClean="0"/>
-              <a:t>15-01-2021</a:t>
+              <a:t>19-01-2021</a:t>
             </a:fld>
             <a:endParaRPr lang="en-IN"/>
           </a:p>
@@ -1553,7 +1560,7 @@
           <a:p>
             <a:fld id="{A4F3704B-ED65-4BAA-9587-8FAC4677B14E}" type="datetimeFigureOut">
               <a:rPr lang="en-IN" smtClean="0"/>
-              <a:t>15-01-2021</a:t>
+              <a:t>19-01-2021</a:t>
             </a:fld>
             <a:endParaRPr lang="en-IN"/>
           </a:p>
@@ -1785,7 +1792,7 @@
           <a:p>
             <a:fld id="{A4F3704B-ED65-4BAA-9587-8FAC4677B14E}" type="datetimeFigureOut">
               <a:rPr lang="en-IN" smtClean="0"/>
-              <a:t>15-01-2021</a:t>
+              <a:t>19-01-2021</a:t>
             </a:fld>
             <a:endParaRPr lang="en-IN"/>
           </a:p>
@@ -2152,7 +2159,7 @@
           <a:p>
             <a:fld id="{A4F3704B-ED65-4BAA-9587-8FAC4677B14E}" type="datetimeFigureOut">
               <a:rPr lang="en-IN" smtClean="0"/>
-              <a:t>15-01-2021</a:t>
+              <a:t>19-01-2021</a:t>
             </a:fld>
             <a:endParaRPr lang="en-IN"/>
           </a:p>
@@ -2270,7 +2277,7 @@
           <a:p>
             <a:fld id="{A4F3704B-ED65-4BAA-9587-8FAC4677B14E}" type="datetimeFigureOut">
               <a:rPr lang="en-IN" smtClean="0"/>
-              <a:t>15-01-2021</a:t>
+              <a:t>19-01-2021</a:t>
             </a:fld>
             <a:endParaRPr lang="en-IN"/>
           </a:p>
@@ -2365,7 +2372,7 @@
           <a:p>
             <a:fld id="{A4F3704B-ED65-4BAA-9587-8FAC4677B14E}" type="datetimeFigureOut">
               <a:rPr lang="en-IN" smtClean="0"/>
-              <a:t>15-01-2021</a:t>
+              <a:t>19-01-2021</a:t>
             </a:fld>
             <a:endParaRPr lang="en-IN"/>
           </a:p>
@@ -2642,7 +2649,7 @@
           <a:p>
             <a:fld id="{A4F3704B-ED65-4BAA-9587-8FAC4677B14E}" type="datetimeFigureOut">
               <a:rPr lang="en-IN" smtClean="0"/>
-              <a:t>15-01-2021</a:t>
+              <a:t>19-01-2021</a:t>
             </a:fld>
             <a:endParaRPr lang="en-IN"/>
           </a:p>
@@ -2895,7 +2902,7 @@
           <a:p>
             <a:fld id="{A4F3704B-ED65-4BAA-9587-8FAC4677B14E}" type="datetimeFigureOut">
               <a:rPr lang="en-IN" smtClean="0"/>
-              <a:t>15-01-2021</a:t>
+              <a:t>19-01-2021</a:t>
             </a:fld>
             <a:endParaRPr lang="en-IN"/>
           </a:p>
@@ -3108,7 +3115,7 @@
           <a:p>
             <a:fld id="{A4F3704B-ED65-4BAA-9587-8FAC4677B14E}" type="datetimeFigureOut">
               <a:rPr lang="en-IN" smtClean="0"/>
-              <a:t>15-01-2021</a:t>
+              <a:t>19-01-2021</a:t>
             </a:fld>
             <a:endParaRPr lang="en-IN"/>
           </a:p>
@@ -5619,212 +5626,6 @@
           <a:chExt cx="0" cy="0"/>
         </a:xfrm>
       </p:grpSpPr>
-      <p:sp>
-        <p:nvSpPr>
-          <p:cNvPr id="2" name="Title 1"/>
-          <p:cNvSpPr>
-            <a:spLocks noGrp="1"/>
-          </p:cNvSpPr>
-          <p:nvPr>
-            <p:ph type="title"/>
-          </p:nvPr>
-        </p:nvSpPr>
-        <p:spPr>
-          <a:xfrm>
-            <a:off x="838200" y="365126"/>
-            <a:ext cx="10515600" cy="358206"/>
-          </a:xfrm>
-        </p:spPr>
-        <p:txBody>
-          <a:bodyPr>
-            <a:normAutofit fontScale="90000"/>
-          </a:bodyPr>
-          <a:lstStyle/>
-          <a:p>
-            <a:r>
-              <a:rPr lang="en-IN" sz="2000" dirty="0" smtClean="0">
-                <a:latin typeface="Verdana" panose="020B0604030504040204" pitchFamily="34" charset="0"/>
-                <a:ea typeface="Verdana" panose="020B0604030504040204" pitchFamily="34" charset="0"/>
-                <a:cs typeface="Verdana" panose="020B0604030504040204" pitchFamily="34" charset="0"/>
-              </a:rPr>
-              <a:t>4 ways to initialize a variables</a:t>
-            </a:r>
-            <a:endParaRPr lang="en-IN" sz="2000" dirty="0">
-              <a:latin typeface="Verdana" panose="020B0604030504040204" pitchFamily="34" charset="0"/>
-              <a:ea typeface="Verdana" panose="020B0604030504040204" pitchFamily="34" charset="0"/>
-              <a:cs typeface="Verdana" panose="020B0604030504040204" pitchFamily="34" charset="0"/>
-            </a:endParaRPr>
-          </a:p>
-        </p:txBody>
-      </p:sp>
-      <p:sp>
-        <p:nvSpPr>
-          <p:cNvPr id="3" name="Content Placeholder 2"/>
-          <p:cNvSpPr>
-            <a:spLocks noGrp="1"/>
-          </p:cNvSpPr>
-          <p:nvPr>
-            <p:ph idx="1"/>
-          </p:nvPr>
-        </p:nvSpPr>
-        <p:spPr>
-          <a:xfrm>
-            <a:off x="838200" y="968991"/>
-            <a:ext cx="10515600" cy="5207972"/>
-          </a:xfrm>
-        </p:spPr>
-        <p:txBody>
-          <a:bodyPr>
-            <a:normAutofit/>
-          </a:bodyPr>
-          <a:lstStyle/>
-          <a:p>
-            <a:r>
-              <a:rPr lang="en-IN" sz="1400" dirty="0" smtClean="0">
-                <a:latin typeface="Verdana" panose="020B0604030504040204" pitchFamily="34" charset="0"/>
-                <a:ea typeface="Verdana" panose="020B0604030504040204" pitchFamily="34" charset="0"/>
-                <a:cs typeface="Verdana" panose="020B0604030504040204" pitchFamily="34" charset="0"/>
-              </a:rPr>
-              <a:t>Using literals  : int </a:t>
-            </a:r>
-            <a:r>
-              <a:rPr lang="en-IN" sz="1400" dirty="0" err="1" smtClean="0">
-                <a:latin typeface="Verdana" panose="020B0604030504040204" pitchFamily="34" charset="0"/>
-                <a:ea typeface="Verdana" panose="020B0604030504040204" pitchFamily="34" charset="0"/>
-                <a:cs typeface="Verdana" panose="020B0604030504040204" pitchFamily="34" charset="0"/>
-              </a:rPr>
-              <a:t>i</a:t>
-            </a:r>
-            <a:r>
-              <a:rPr lang="en-IN" sz="1400" dirty="0" smtClean="0">
-                <a:latin typeface="Verdana" panose="020B0604030504040204" pitchFamily="34" charset="0"/>
-                <a:ea typeface="Verdana" panose="020B0604030504040204" pitchFamily="34" charset="0"/>
-                <a:cs typeface="Verdana" panose="020B0604030504040204" pitchFamily="34" charset="0"/>
-              </a:rPr>
-              <a:t>=10</a:t>
-            </a:r>
-          </a:p>
-          <a:p>
-            <a:r>
-              <a:rPr lang="en-IN" sz="1400" dirty="0" smtClean="0">
-                <a:latin typeface="Verdana" panose="020B0604030504040204" pitchFamily="34" charset="0"/>
-                <a:ea typeface="Verdana" panose="020B0604030504040204" pitchFamily="34" charset="0"/>
-                <a:cs typeface="Verdana" panose="020B0604030504040204" pitchFamily="34" charset="0"/>
-              </a:rPr>
-              <a:t>Using another variables: int j=1</a:t>
-            </a:r>
-          </a:p>
-          <a:p>
-            <a:r>
-              <a:rPr lang="en-IN" sz="1400" dirty="0" smtClean="0">
-                <a:latin typeface="Verdana" panose="020B0604030504040204" pitchFamily="34" charset="0"/>
-                <a:ea typeface="Verdana" panose="020B0604030504040204" pitchFamily="34" charset="0"/>
-                <a:cs typeface="Verdana" panose="020B0604030504040204" pitchFamily="34" charset="0"/>
-              </a:rPr>
-              <a:t>Using expression: int k=</a:t>
-            </a:r>
-            <a:r>
-              <a:rPr lang="en-IN" sz="1400" dirty="0" err="1" smtClean="0">
-                <a:latin typeface="Verdana" panose="020B0604030504040204" pitchFamily="34" charset="0"/>
-                <a:ea typeface="Verdana" panose="020B0604030504040204" pitchFamily="34" charset="0"/>
-                <a:cs typeface="Verdana" panose="020B0604030504040204" pitchFamily="34" charset="0"/>
-              </a:rPr>
-              <a:t>i+j</a:t>
-            </a:r>
-            <a:endParaRPr lang="en-IN" sz="1400" dirty="0" smtClean="0">
-              <a:latin typeface="Verdana" panose="020B0604030504040204" pitchFamily="34" charset="0"/>
-              <a:ea typeface="Verdana" panose="020B0604030504040204" pitchFamily="34" charset="0"/>
-              <a:cs typeface="Verdana" panose="020B0604030504040204" pitchFamily="34" charset="0"/>
-            </a:endParaRPr>
-          </a:p>
-          <a:p>
-            <a:r>
-              <a:rPr lang="en-IN" sz="1400" dirty="0" smtClean="0">
-                <a:latin typeface="Verdana" panose="020B0604030504040204" pitchFamily="34" charset="0"/>
-                <a:ea typeface="Verdana" panose="020B0604030504040204" pitchFamily="34" charset="0"/>
-                <a:cs typeface="Verdana" panose="020B0604030504040204" pitchFamily="34" charset="0"/>
-              </a:rPr>
-              <a:t>Using non-void method call: int x=m1()</a:t>
-            </a:r>
-            <a:endParaRPr lang="en-IN" sz="1400" dirty="0">
-              <a:latin typeface="Verdana" panose="020B0604030504040204" pitchFamily="34" charset="0"/>
-              <a:ea typeface="Verdana" panose="020B0604030504040204" pitchFamily="34" charset="0"/>
-              <a:cs typeface="Verdana" panose="020B0604030504040204" pitchFamily="34" charset="0"/>
-            </a:endParaRPr>
-          </a:p>
-          <a:p>
-            <a:pPr marL="0" indent="0">
-              <a:buNone/>
-            </a:pPr>
-            <a:r>
-              <a:rPr lang="en-IN" sz="1400" dirty="0" smtClean="0">
-                <a:latin typeface="Verdana" panose="020B0604030504040204" pitchFamily="34" charset="0"/>
-                <a:ea typeface="Verdana" panose="020B0604030504040204" pitchFamily="34" charset="0"/>
-                <a:cs typeface="Verdana" panose="020B0604030504040204" pitchFamily="34" charset="0"/>
-              </a:rPr>
-              <a:t>Note: In all four ways of assignment compiler checks only source data type and its range but not its value, but in case of int and char literals assignment it checks type, range and also its value. If the value is within the range of destination type variable compiler allows assignment else it leads CTE: Incompatible type: Possible </a:t>
-            </a:r>
-            <a:r>
-              <a:rPr lang="en-IN" sz="1400" dirty="0" err="1" smtClean="0">
-                <a:latin typeface="Verdana" panose="020B0604030504040204" pitchFamily="34" charset="0"/>
-                <a:ea typeface="Verdana" panose="020B0604030504040204" pitchFamily="34" charset="0"/>
-                <a:cs typeface="Verdana" panose="020B0604030504040204" pitchFamily="34" charset="0"/>
-              </a:rPr>
-              <a:t>lossy</a:t>
-            </a:r>
-            <a:r>
-              <a:rPr lang="en-IN" sz="1400" dirty="0" smtClean="0">
-                <a:latin typeface="Verdana" panose="020B0604030504040204" pitchFamily="34" charset="0"/>
-                <a:ea typeface="Verdana" panose="020B0604030504040204" pitchFamily="34" charset="0"/>
-                <a:cs typeface="Verdana" panose="020B0604030504040204" pitchFamily="34" charset="0"/>
-              </a:rPr>
-              <a:t> conversion error</a:t>
-            </a:r>
-            <a:endParaRPr lang="en-IN" sz="1400" dirty="0">
-              <a:latin typeface="Verdana" panose="020B0604030504040204" pitchFamily="34" charset="0"/>
-              <a:ea typeface="Verdana" panose="020B0604030504040204" pitchFamily="34" charset="0"/>
-              <a:cs typeface="Verdana" panose="020B0604030504040204" pitchFamily="34" charset="0"/>
-            </a:endParaRPr>
-          </a:p>
-        </p:txBody>
-      </p:sp>
-    </p:spTree>
-    <p:extLst>
-      <p:ext uri="{BB962C8B-B14F-4D97-AF65-F5344CB8AC3E}">
-        <p14:creationId xmlns:p14="http://schemas.microsoft.com/office/powerpoint/2010/main" val="586411742"/>
-      </p:ext>
-    </p:extLst>
-  </p:cSld>
-  <p:clrMapOvr>
-    <a:masterClrMapping/>
-  </p:clrMapOvr>
-  <p:timing>
-    <p:tnLst>
-      <p:par>
-        <p:cTn id="1" dur="indefinite" restart="never" nodeType="tmRoot"/>
-      </p:par>
-    </p:tnLst>
-  </p:timing>
-</p:sld>
-</file>
-
-<file path=ppt/slides/slide12.xml><?xml version="1.0" encoding="utf-8"?>
-<p:sld xmlns:a="http://schemas.openxmlformats.org/drawingml/2006/main" xmlns:r="http://schemas.openxmlformats.org/officeDocument/2006/relationships" xmlns:p="http://schemas.openxmlformats.org/presentationml/2006/main">
-  <p:cSld>
-    <p:spTree>
-      <p:nvGrpSpPr>
-        <p:cNvPr id="1" name=""/>
-        <p:cNvGrpSpPr/>
-        <p:nvPr/>
-      </p:nvGrpSpPr>
-      <p:grpSpPr>
-        <a:xfrm>
-          <a:off x="0" y="0"/>
-          <a:ext cx="0" cy="0"/>
-          <a:chOff x="0" y="0"/>
-          <a:chExt cx="0" cy="0"/>
-        </a:xfrm>
-      </p:grpSpPr>
       <p:graphicFrame>
         <p:nvGraphicFramePr>
           <p:cNvPr id="4" name="Table 3"/>
@@ -7180,6 +6981,6245 @@
       </p:par>
     </p:tnLst>
   </p:timing>
+</p:sld>
+</file>
+
+<file path=ppt/slides/slide12.xml><?xml version="1.0" encoding="utf-8"?>
+<p:sld xmlns:a="http://schemas.openxmlformats.org/drawingml/2006/main" xmlns:r="http://schemas.openxmlformats.org/officeDocument/2006/relationships" xmlns:p="http://schemas.openxmlformats.org/presentationml/2006/main">
+  <p:cSld>
+    <p:spTree>
+      <p:nvGrpSpPr>
+        <p:cNvPr id="1" name=""/>
+        <p:cNvGrpSpPr/>
+        <p:nvPr/>
+      </p:nvGrpSpPr>
+      <p:grpSpPr>
+        <a:xfrm>
+          <a:off x="0" y="0"/>
+          <a:ext cx="0" cy="0"/>
+          <a:chOff x="0" y="0"/>
+          <a:chExt cx="0" cy="0"/>
+        </a:xfrm>
+      </p:grpSpPr>
+      <p:sp>
+        <p:nvSpPr>
+          <p:cNvPr id="2" name="Title 1"/>
+          <p:cNvSpPr>
+            <a:spLocks noGrp="1"/>
+          </p:cNvSpPr>
+          <p:nvPr>
+            <p:ph type="title"/>
+          </p:nvPr>
+        </p:nvSpPr>
+        <p:spPr>
+          <a:xfrm>
+            <a:off x="838200" y="365126"/>
+            <a:ext cx="10515600" cy="358206"/>
+          </a:xfrm>
+        </p:spPr>
+        <p:txBody>
+          <a:bodyPr>
+            <a:normAutofit fontScale="90000"/>
+          </a:bodyPr>
+          <a:lstStyle/>
+          <a:p>
+            <a:r>
+              <a:rPr lang="en-IN" sz="2000" dirty="0" smtClean="0">
+                <a:latin typeface="Verdana" panose="020B0604030504040204" pitchFamily="34" charset="0"/>
+                <a:ea typeface="Verdana" panose="020B0604030504040204" pitchFamily="34" charset="0"/>
+                <a:cs typeface="Verdana" panose="020B0604030504040204" pitchFamily="34" charset="0"/>
+              </a:rPr>
+              <a:t>4 ways to initialize a variables</a:t>
+            </a:r>
+            <a:endParaRPr lang="en-IN" sz="2000" dirty="0">
+              <a:latin typeface="Verdana" panose="020B0604030504040204" pitchFamily="34" charset="0"/>
+              <a:ea typeface="Verdana" panose="020B0604030504040204" pitchFamily="34" charset="0"/>
+              <a:cs typeface="Verdana" panose="020B0604030504040204" pitchFamily="34" charset="0"/>
+            </a:endParaRPr>
+          </a:p>
+        </p:txBody>
+      </p:sp>
+      <p:sp>
+        <p:nvSpPr>
+          <p:cNvPr id="3" name="Content Placeholder 2"/>
+          <p:cNvSpPr>
+            <a:spLocks noGrp="1"/>
+          </p:cNvSpPr>
+          <p:nvPr>
+            <p:ph idx="1"/>
+          </p:nvPr>
+        </p:nvSpPr>
+        <p:spPr>
+          <a:xfrm>
+            <a:off x="838200" y="968991"/>
+            <a:ext cx="10515600" cy="5581934"/>
+          </a:xfrm>
+        </p:spPr>
+        <p:txBody>
+          <a:bodyPr>
+            <a:normAutofit/>
+          </a:bodyPr>
+          <a:lstStyle/>
+          <a:p>
+            <a:r>
+              <a:rPr lang="en-IN" sz="1400" dirty="0" smtClean="0">
+                <a:latin typeface="Verdana" panose="020B0604030504040204" pitchFamily="34" charset="0"/>
+                <a:ea typeface="Verdana" panose="020B0604030504040204" pitchFamily="34" charset="0"/>
+                <a:cs typeface="Verdana" panose="020B0604030504040204" pitchFamily="34" charset="0"/>
+              </a:rPr>
+              <a:t>Using literals  : int </a:t>
+            </a:r>
+            <a:r>
+              <a:rPr lang="en-IN" sz="1400" dirty="0" err="1" smtClean="0">
+                <a:latin typeface="Verdana" panose="020B0604030504040204" pitchFamily="34" charset="0"/>
+                <a:ea typeface="Verdana" panose="020B0604030504040204" pitchFamily="34" charset="0"/>
+                <a:cs typeface="Verdana" panose="020B0604030504040204" pitchFamily="34" charset="0"/>
+              </a:rPr>
+              <a:t>i</a:t>
+            </a:r>
+            <a:r>
+              <a:rPr lang="en-IN" sz="1400" dirty="0" smtClean="0">
+                <a:latin typeface="Verdana" panose="020B0604030504040204" pitchFamily="34" charset="0"/>
+                <a:ea typeface="Verdana" panose="020B0604030504040204" pitchFamily="34" charset="0"/>
+                <a:cs typeface="Verdana" panose="020B0604030504040204" pitchFamily="34" charset="0"/>
+              </a:rPr>
+              <a:t>=10</a:t>
+            </a:r>
+          </a:p>
+          <a:p>
+            <a:r>
+              <a:rPr lang="en-IN" sz="1400" dirty="0" smtClean="0">
+                <a:latin typeface="Verdana" panose="020B0604030504040204" pitchFamily="34" charset="0"/>
+                <a:ea typeface="Verdana" panose="020B0604030504040204" pitchFamily="34" charset="0"/>
+                <a:cs typeface="Verdana" panose="020B0604030504040204" pitchFamily="34" charset="0"/>
+              </a:rPr>
+              <a:t>Using another variables: int j=1</a:t>
+            </a:r>
+          </a:p>
+          <a:p>
+            <a:r>
+              <a:rPr lang="en-IN" sz="1400" dirty="0" smtClean="0">
+                <a:latin typeface="Verdana" panose="020B0604030504040204" pitchFamily="34" charset="0"/>
+                <a:ea typeface="Verdana" panose="020B0604030504040204" pitchFamily="34" charset="0"/>
+                <a:cs typeface="Verdana" panose="020B0604030504040204" pitchFamily="34" charset="0"/>
+              </a:rPr>
+              <a:t>Using expression: int k=</a:t>
+            </a:r>
+            <a:r>
+              <a:rPr lang="en-IN" sz="1400" dirty="0" err="1" smtClean="0">
+                <a:latin typeface="Verdana" panose="020B0604030504040204" pitchFamily="34" charset="0"/>
+                <a:ea typeface="Verdana" panose="020B0604030504040204" pitchFamily="34" charset="0"/>
+                <a:cs typeface="Verdana" panose="020B0604030504040204" pitchFamily="34" charset="0"/>
+              </a:rPr>
+              <a:t>i+j</a:t>
+            </a:r>
+            <a:endParaRPr lang="en-IN" sz="1400" dirty="0" smtClean="0">
+              <a:latin typeface="Verdana" panose="020B0604030504040204" pitchFamily="34" charset="0"/>
+              <a:ea typeface="Verdana" panose="020B0604030504040204" pitchFamily="34" charset="0"/>
+              <a:cs typeface="Verdana" panose="020B0604030504040204" pitchFamily="34" charset="0"/>
+            </a:endParaRPr>
+          </a:p>
+          <a:p>
+            <a:r>
+              <a:rPr lang="en-IN" sz="1400" dirty="0" smtClean="0">
+                <a:latin typeface="Verdana" panose="020B0604030504040204" pitchFamily="34" charset="0"/>
+                <a:ea typeface="Verdana" panose="020B0604030504040204" pitchFamily="34" charset="0"/>
+                <a:cs typeface="Verdana" panose="020B0604030504040204" pitchFamily="34" charset="0"/>
+              </a:rPr>
+              <a:t>Using non-void method call: int x=m1()</a:t>
+            </a:r>
+            <a:endParaRPr lang="en-IN" sz="1400" dirty="0">
+              <a:latin typeface="Verdana" panose="020B0604030504040204" pitchFamily="34" charset="0"/>
+              <a:ea typeface="Verdana" panose="020B0604030504040204" pitchFamily="34" charset="0"/>
+              <a:cs typeface="Verdana" panose="020B0604030504040204" pitchFamily="34" charset="0"/>
+            </a:endParaRPr>
+          </a:p>
+          <a:p>
+            <a:pPr marL="0" indent="0">
+              <a:buNone/>
+            </a:pPr>
+            <a:r>
+              <a:rPr lang="en-IN" sz="1400" b="1" dirty="0" smtClean="0">
+                <a:latin typeface="Verdana" panose="020B0604030504040204" pitchFamily="34" charset="0"/>
+                <a:ea typeface="Verdana" panose="020B0604030504040204" pitchFamily="34" charset="0"/>
+                <a:cs typeface="Verdana" panose="020B0604030504040204" pitchFamily="34" charset="0"/>
+              </a:rPr>
+              <a:t>Note-1:</a:t>
+            </a:r>
+            <a:r>
+              <a:rPr lang="en-IN" sz="1400" dirty="0" smtClean="0">
+                <a:latin typeface="Verdana" panose="020B0604030504040204" pitchFamily="34" charset="0"/>
+                <a:ea typeface="Verdana" panose="020B0604030504040204" pitchFamily="34" charset="0"/>
+                <a:cs typeface="Verdana" panose="020B0604030504040204" pitchFamily="34" charset="0"/>
+              </a:rPr>
+              <a:t> In all four ways of assignment compiler checks only source data type and its range but not its value, but in case of int and char literals assignment it checks type, range and also its value. If the value is within the range of destination type variable compiler allows assignment else it leads CTE: Incompatible type: Possible </a:t>
+            </a:r>
+            <a:r>
+              <a:rPr lang="en-IN" sz="1400" dirty="0" err="1" smtClean="0">
+                <a:latin typeface="Verdana" panose="020B0604030504040204" pitchFamily="34" charset="0"/>
+                <a:ea typeface="Verdana" panose="020B0604030504040204" pitchFamily="34" charset="0"/>
+                <a:cs typeface="Verdana" panose="020B0604030504040204" pitchFamily="34" charset="0"/>
+              </a:rPr>
+              <a:t>lossy</a:t>
+            </a:r>
+            <a:r>
+              <a:rPr lang="en-IN" sz="1400" dirty="0" smtClean="0">
+                <a:latin typeface="Verdana" panose="020B0604030504040204" pitchFamily="34" charset="0"/>
+                <a:ea typeface="Verdana" panose="020B0604030504040204" pitchFamily="34" charset="0"/>
+                <a:cs typeface="Verdana" panose="020B0604030504040204" pitchFamily="34" charset="0"/>
+              </a:rPr>
+              <a:t> conversion error.</a:t>
+            </a:r>
+            <a:endParaRPr lang="en-IN" sz="1400" dirty="0">
+              <a:latin typeface="Verdana" panose="020B0604030504040204" pitchFamily="34" charset="0"/>
+              <a:ea typeface="Verdana" panose="020B0604030504040204" pitchFamily="34" charset="0"/>
+              <a:cs typeface="Verdana" panose="020B0604030504040204" pitchFamily="34" charset="0"/>
+            </a:endParaRPr>
+          </a:p>
+          <a:p>
+            <a:pPr marL="0" indent="0">
+              <a:buNone/>
+            </a:pPr>
+            <a:r>
+              <a:rPr lang="en-IN" sz="1400" b="1" dirty="0" smtClean="0">
+                <a:latin typeface="Verdana" panose="020B0604030504040204" pitchFamily="34" charset="0"/>
+                <a:ea typeface="Verdana" panose="020B0604030504040204" pitchFamily="34" charset="0"/>
+                <a:cs typeface="Verdana" panose="020B0604030504040204" pitchFamily="34" charset="0"/>
+              </a:rPr>
+              <a:t>Note-2</a:t>
+            </a:r>
+            <a:r>
+              <a:rPr lang="en-IN" sz="1400" b="1" dirty="0">
+                <a:latin typeface="Verdana" panose="020B0604030504040204" pitchFamily="34" charset="0"/>
+                <a:ea typeface="Verdana" panose="020B0604030504040204" pitchFamily="34" charset="0"/>
+                <a:cs typeface="Verdana" panose="020B0604030504040204" pitchFamily="34" charset="0"/>
+              </a:rPr>
+              <a:t>:</a:t>
+            </a:r>
+            <a:r>
+              <a:rPr lang="en-IN" sz="1400" dirty="0">
+                <a:latin typeface="Verdana" panose="020B0604030504040204" pitchFamily="34" charset="0"/>
+                <a:ea typeface="Verdana" panose="020B0604030504040204" pitchFamily="34" charset="0"/>
+                <a:cs typeface="Verdana" panose="020B0604030504040204" pitchFamily="34" charset="0"/>
+              </a:rPr>
+              <a:t> While evaluating an expression containing </a:t>
+            </a:r>
+            <a:r>
+              <a:rPr lang="en-IN" sz="1400" dirty="0" smtClean="0">
+                <a:latin typeface="Verdana" panose="020B0604030504040204" pitchFamily="34" charset="0"/>
+                <a:ea typeface="Verdana" panose="020B0604030504040204" pitchFamily="34" charset="0"/>
+                <a:cs typeface="Verdana" panose="020B0604030504040204" pitchFamily="34" charset="0"/>
+              </a:rPr>
+              <a:t>byte, short</a:t>
+            </a:r>
+            <a:r>
+              <a:rPr lang="en-IN" sz="1400" dirty="0" smtClean="0">
+                <a:latin typeface="Verdana" panose="020B0604030504040204" pitchFamily="34" charset="0"/>
+                <a:ea typeface="Verdana" panose="020B0604030504040204" pitchFamily="34" charset="0"/>
+                <a:cs typeface="Verdana" panose="020B0604030504040204" pitchFamily="34" charset="0"/>
+              </a:rPr>
+              <a:t> or char</a:t>
+            </a:r>
+            <a:r>
+              <a:rPr lang="en-IN" sz="1400" dirty="0" smtClean="0">
+                <a:latin typeface="Verdana" panose="020B0604030504040204" pitchFamily="34" charset="0"/>
+                <a:ea typeface="Verdana" panose="020B0604030504040204" pitchFamily="34" charset="0"/>
+                <a:cs typeface="Verdana" panose="020B0604030504040204" pitchFamily="34" charset="0"/>
+              </a:rPr>
+              <a:t> </a:t>
+            </a:r>
+            <a:r>
+              <a:rPr lang="en-IN" sz="1400" dirty="0">
+                <a:latin typeface="Verdana" panose="020B0604030504040204" pitchFamily="34" charset="0"/>
+                <a:ea typeface="Verdana" panose="020B0604030504040204" pitchFamily="34" charset="0"/>
+                <a:cs typeface="Verdana" panose="020B0604030504040204" pitchFamily="34" charset="0"/>
+              </a:rPr>
+              <a:t>the whole expression is converted to int then evaluated and the result is also of type int</a:t>
+            </a:r>
+            <a:r>
+              <a:rPr lang="en-IN" sz="1400" dirty="0" smtClean="0">
+                <a:latin typeface="Verdana" panose="020B0604030504040204" pitchFamily="34" charset="0"/>
+                <a:ea typeface="Verdana" panose="020B0604030504040204" pitchFamily="34" charset="0"/>
+                <a:cs typeface="Verdana" panose="020B0604030504040204" pitchFamily="34" charset="0"/>
+              </a:rPr>
+              <a:t>.</a:t>
+            </a:r>
+          </a:p>
+          <a:p>
+            <a:pPr marL="0" indent="0">
+              <a:buNone/>
+            </a:pPr>
+            <a:r>
+              <a:rPr lang="en-IN" sz="1400" dirty="0" smtClean="0">
+                <a:latin typeface="Verdana" panose="020B0604030504040204" pitchFamily="34" charset="0"/>
+                <a:ea typeface="Verdana" panose="020B0604030504040204" pitchFamily="34" charset="0"/>
+                <a:cs typeface="Verdana" panose="020B0604030504040204" pitchFamily="34" charset="0"/>
+              </a:rPr>
+              <a:t>Ex:</a:t>
+            </a:r>
+          </a:p>
+          <a:p>
+            <a:pPr marL="0" indent="0">
+              <a:buNone/>
+            </a:pPr>
+            <a:r>
+              <a:rPr lang="en-IN" sz="1400" dirty="0" smtClean="0">
+                <a:latin typeface="Verdana" panose="020B0604030504040204" pitchFamily="34" charset="0"/>
+                <a:ea typeface="Verdana" panose="020B0604030504040204" pitchFamily="34" charset="0"/>
+                <a:cs typeface="Verdana" panose="020B0604030504040204" pitchFamily="34" charset="0"/>
+              </a:rPr>
+              <a:t>byte b=10+20; CTE: </a:t>
+            </a:r>
+            <a:r>
+              <a:rPr lang="en-IN" sz="1400" dirty="0" err="1" smtClean="0">
+                <a:latin typeface="Verdana" panose="020B0604030504040204" pitchFamily="34" charset="0"/>
+                <a:ea typeface="Verdana" panose="020B0604030504040204" pitchFamily="34" charset="0"/>
+                <a:cs typeface="Verdana" panose="020B0604030504040204" pitchFamily="34" charset="0"/>
+              </a:rPr>
+              <a:t>Possbile</a:t>
+            </a:r>
+            <a:r>
+              <a:rPr lang="en-IN" sz="1400" dirty="0" smtClean="0">
+                <a:latin typeface="Verdana" panose="020B0604030504040204" pitchFamily="34" charset="0"/>
+                <a:ea typeface="Verdana" panose="020B0604030504040204" pitchFamily="34" charset="0"/>
+                <a:cs typeface="Verdana" panose="020B0604030504040204" pitchFamily="34" charset="0"/>
+              </a:rPr>
+              <a:t> </a:t>
+            </a:r>
+            <a:r>
+              <a:rPr lang="en-IN" sz="1400" dirty="0" err="1" smtClean="0">
+                <a:latin typeface="Verdana" panose="020B0604030504040204" pitchFamily="34" charset="0"/>
+                <a:ea typeface="Verdana" panose="020B0604030504040204" pitchFamily="34" charset="0"/>
+                <a:cs typeface="Verdana" panose="020B0604030504040204" pitchFamily="34" charset="0"/>
+              </a:rPr>
+              <a:t>lossy</a:t>
+            </a:r>
+            <a:r>
+              <a:rPr lang="en-IN" sz="1400" dirty="0" smtClean="0">
+                <a:latin typeface="Verdana" panose="020B0604030504040204" pitchFamily="34" charset="0"/>
+                <a:ea typeface="Verdana" panose="020B0604030504040204" pitchFamily="34" charset="0"/>
+                <a:cs typeface="Verdana" panose="020B0604030504040204" pitchFamily="34" charset="0"/>
+              </a:rPr>
+              <a:t> conversion</a:t>
+            </a:r>
+          </a:p>
+          <a:p>
+            <a:pPr marL="0" indent="0">
+              <a:buNone/>
+            </a:pPr>
+            <a:r>
+              <a:rPr lang="en-IN" sz="1400" dirty="0" smtClean="0">
+                <a:latin typeface="Verdana" panose="020B0604030504040204" pitchFamily="34" charset="0"/>
+                <a:ea typeface="Verdana" panose="020B0604030504040204" pitchFamily="34" charset="0"/>
+                <a:cs typeface="Verdana" panose="020B0604030504040204" pitchFamily="34" charset="0"/>
+              </a:rPr>
+              <a:t>byte b=int + int</a:t>
+            </a:r>
+            <a:endParaRPr lang="en-IN" sz="1400" dirty="0">
+              <a:latin typeface="Verdana" panose="020B0604030504040204" pitchFamily="34" charset="0"/>
+              <a:ea typeface="Verdana" panose="020B0604030504040204" pitchFamily="34" charset="0"/>
+              <a:cs typeface="Verdana" panose="020B0604030504040204" pitchFamily="34" charset="0"/>
+            </a:endParaRPr>
+          </a:p>
+          <a:p>
+            <a:pPr marL="0" indent="0">
+              <a:buNone/>
+            </a:pPr>
+            <a:r>
+              <a:rPr lang="en-IN" sz="1400" dirty="0" smtClean="0">
+                <a:latin typeface="Verdana" panose="020B0604030504040204" pitchFamily="34" charset="0"/>
+                <a:ea typeface="Verdana" panose="020B0604030504040204" pitchFamily="34" charset="0"/>
+                <a:cs typeface="Verdana" panose="020B0604030504040204" pitchFamily="34" charset="0"/>
+              </a:rPr>
+              <a:t>byte b=int</a:t>
+            </a:r>
+          </a:p>
+          <a:p>
+            <a:pPr marL="0" indent="0">
+              <a:buNone/>
+            </a:pPr>
+            <a:r>
+              <a:rPr lang="en-IN" sz="1400" b="1" dirty="0" smtClean="0">
+                <a:latin typeface="Verdana" panose="020B0604030504040204" pitchFamily="34" charset="0"/>
+                <a:ea typeface="Verdana" panose="020B0604030504040204" pitchFamily="34" charset="0"/>
+                <a:cs typeface="Verdana" panose="020B0604030504040204" pitchFamily="34" charset="0"/>
+              </a:rPr>
+              <a:t>Note-3: </a:t>
+            </a:r>
+            <a:r>
+              <a:rPr lang="en-IN" sz="1400" dirty="0" smtClean="0">
+                <a:latin typeface="Verdana" panose="020B0604030504040204" pitchFamily="34" charset="0"/>
+                <a:ea typeface="Verdana" panose="020B0604030504040204" pitchFamily="34" charset="0"/>
+                <a:cs typeface="Verdana" panose="020B0604030504040204" pitchFamily="34" charset="0"/>
+              </a:rPr>
+              <a:t>Primarily Data type is int  (Integrals literals are of int type)</a:t>
+            </a:r>
+          </a:p>
+          <a:p>
+            <a:pPr marL="0" indent="0">
+              <a:buNone/>
+            </a:pPr>
+            <a:r>
+              <a:rPr lang="en-IN" sz="1400" b="1" dirty="0" smtClean="0">
+                <a:latin typeface="Verdana" panose="020B0604030504040204" pitchFamily="34" charset="0"/>
+                <a:ea typeface="Verdana" panose="020B0604030504040204" pitchFamily="34" charset="0"/>
+                <a:cs typeface="Verdana" panose="020B0604030504040204" pitchFamily="34" charset="0"/>
+              </a:rPr>
+              <a:t>Note-4: </a:t>
+            </a:r>
+            <a:r>
+              <a:rPr lang="en-IN" sz="1400" dirty="0" smtClean="0">
+                <a:latin typeface="Verdana" panose="020B0604030504040204" pitchFamily="34" charset="0"/>
+                <a:ea typeface="Verdana" panose="020B0604030504040204" pitchFamily="34" charset="0"/>
+                <a:cs typeface="Verdana" panose="020B0604030504040204" pitchFamily="34" charset="0"/>
+              </a:rPr>
+              <a:t>if we pass value to method call it will consider int if that method parameter has less size data type. For example: byte or short</a:t>
+            </a:r>
+          </a:p>
+          <a:p>
+            <a:pPr marL="0" indent="0">
+              <a:buNone/>
+            </a:pPr>
+            <a:r>
+              <a:rPr lang="en-IN" sz="1400" dirty="0">
+                <a:latin typeface="Verdana" panose="020B0604030504040204" pitchFamily="34" charset="0"/>
+                <a:ea typeface="Verdana" panose="020B0604030504040204" pitchFamily="34" charset="0"/>
+                <a:cs typeface="Verdana" panose="020B0604030504040204" pitchFamily="34" charset="0"/>
+              </a:rPr>
+              <a:t>i</a:t>
+            </a:r>
+            <a:r>
+              <a:rPr lang="en-IN" sz="1400" dirty="0" smtClean="0">
+                <a:latin typeface="Verdana" panose="020B0604030504040204" pitchFamily="34" charset="0"/>
+                <a:ea typeface="Verdana" panose="020B0604030504040204" pitchFamily="34" charset="0"/>
+                <a:cs typeface="Verdana" panose="020B0604030504040204" pitchFamily="34" charset="0"/>
+              </a:rPr>
+              <a:t>nt fun(byte b1,byte b2){//}  </a:t>
+            </a:r>
+          </a:p>
+          <a:p>
+            <a:pPr marL="0" indent="0">
+              <a:buNone/>
+            </a:pPr>
+            <a:r>
+              <a:rPr lang="en-IN" sz="1400" dirty="0" smtClean="0">
+                <a:latin typeface="Verdana" panose="020B0604030504040204" pitchFamily="34" charset="0"/>
+                <a:ea typeface="Verdana" panose="020B0604030504040204" pitchFamily="34" charset="0"/>
+                <a:cs typeface="Verdana" panose="020B0604030504040204" pitchFamily="34" charset="0"/>
+              </a:rPr>
+              <a:t>fun(10,20)// CTE: Possible </a:t>
+            </a:r>
+            <a:r>
+              <a:rPr lang="en-IN" sz="1400" dirty="0" err="1" smtClean="0">
+                <a:latin typeface="Verdana" panose="020B0604030504040204" pitchFamily="34" charset="0"/>
+                <a:ea typeface="Verdana" panose="020B0604030504040204" pitchFamily="34" charset="0"/>
+                <a:cs typeface="Verdana" panose="020B0604030504040204" pitchFamily="34" charset="0"/>
+              </a:rPr>
+              <a:t>lossy</a:t>
+            </a:r>
+            <a:r>
+              <a:rPr lang="en-IN" sz="1400" dirty="0" smtClean="0">
+                <a:latin typeface="Verdana" panose="020B0604030504040204" pitchFamily="34" charset="0"/>
+                <a:ea typeface="Verdana" panose="020B0604030504040204" pitchFamily="34" charset="0"/>
+                <a:cs typeface="Verdana" panose="020B0604030504040204" pitchFamily="34" charset="0"/>
+              </a:rPr>
+              <a:t> conversion</a:t>
+            </a:r>
+            <a:endParaRPr lang="en-IN" sz="1400" dirty="0">
+              <a:latin typeface="Verdana" panose="020B0604030504040204" pitchFamily="34" charset="0"/>
+              <a:ea typeface="Verdana" panose="020B0604030504040204" pitchFamily="34" charset="0"/>
+              <a:cs typeface="Verdana" panose="020B0604030504040204" pitchFamily="34" charset="0"/>
+            </a:endParaRPr>
+          </a:p>
+        </p:txBody>
+      </p:sp>
+    </p:spTree>
+    <p:extLst>
+      <p:ext uri="{BB962C8B-B14F-4D97-AF65-F5344CB8AC3E}">
+        <p14:creationId xmlns:p14="http://schemas.microsoft.com/office/powerpoint/2010/main" val="1759296280"/>
+      </p:ext>
+    </p:extLst>
+  </p:cSld>
+  <p:clrMapOvr>
+    <a:masterClrMapping/>
+  </p:clrMapOvr>
+  <p:timing>
+    <p:tnLst>
+      <p:par>
+        <p:cTn id="1" dur="indefinite" restart="never" nodeType="tmRoot"/>
+      </p:par>
+    </p:tnLst>
+  </p:timing>
+</p:sld>
+</file>
+
+<file path=ppt/slides/slide13.xml><?xml version="1.0" encoding="utf-8"?>
+<p:sld xmlns:a="http://schemas.openxmlformats.org/drawingml/2006/main" xmlns:r="http://schemas.openxmlformats.org/officeDocument/2006/relationships" xmlns:p="http://schemas.openxmlformats.org/presentationml/2006/main">
+  <p:cSld>
+    <p:spTree>
+      <p:nvGrpSpPr>
+        <p:cNvPr id="1" name=""/>
+        <p:cNvGrpSpPr/>
+        <p:nvPr/>
+      </p:nvGrpSpPr>
+      <p:grpSpPr>
+        <a:xfrm>
+          <a:off x="0" y="0"/>
+          <a:ext cx="0" cy="0"/>
+          <a:chOff x="0" y="0"/>
+          <a:chExt cx="0" cy="0"/>
+        </a:xfrm>
+      </p:grpSpPr>
+      <p:sp>
+        <p:nvSpPr>
+          <p:cNvPr id="2" name="Title 1"/>
+          <p:cNvSpPr>
+            <a:spLocks noGrp="1"/>
+          </p:cNvSpPr>
+          <p:nvPr>
+            <p:ph type="title"/>
+          </p:nvPr>
+        </p:nvSpPr>
+        <p:spPr>
+          <a:xfrm>
+            <a:off x="838200" y="365126"/>
+            <a:ext cx="10515600" cy="674056"/>
+          </a:xfrm>
+        </p:spPr>
+        <p:txBody>
+          <a:bodyPr>
+            <a:normAutofit/>
+          </a:bodyPr>
+          <a:lstStyle/>
+          <a:p>
+            <a:r>
+              <a:rPr lang="en-IN" sz="2000" dirty="0" smtClean="0">
+                <a:latin typeface="Verdana" panose="020B0604030504040204" pitchFamily="34" charset="0"/>
+                <a:ea typeface="Verdana" panose="020B0604030504040204" pitchFamily="34" charset="0"/>
+                <a:cs typeface="Verdana" panose="020B0604030504040204" pitchFamily="34" charset="0"/>
+              </a:rPr>
+              <a:t>Class and Object</a:t>
+            </a:r>
+            <a:endParaRPr lang="en-IN" sz="2000" dirty="0">
+              <a:latin typeface="Verdana" panose="020B0604030504040204" pitchFamily="34" charset="0"/>
+              <a:ea typeface="Verdana" panose="020B0604030504040204" pitchFamily="34" charset="0"/>
+              <a:cs typeface="Verdana" panose="020B0604030504040204" pitchFamily="34" charset="0"/>
+            </a:endParaRPr>
+          </a:p>
+        </p:txBody>
+      </p:sp>
+      <p:sp>
+        <p:nvSpPr>
+          <p:cNvPr id="3" name="Content Placeholder 2"/>
+          <p:cNvSpPr>
+            <a:spLocks noGrp="1"/>
+          </p:cNvSpPr>
+          <p:nvPr>
+            <p:ph idx="1"/>
+          </p:nvPr>
+        </p:nvSpPr>
+        <p:spPr>
+          <a:xfrm>
+            <a:off x="838200" y="928048"/>
+            <a:ext cx="10515600" cy="5663821"/>
+          </a:xfrm>
+        </p:spPr>
+        <p:txBody>
+          <a:bodyPr>
+            <a:normAutofit/>
+          </a:bodyPr>
+          <a:lstStyle/>
+          <a:p>
+            <a:endParaRPr lang="en-IN" sz="1400" dirty="0" smtClean="0">
+              <a:latin typeface="Verdana" panose="020B0604030504040204" pitchFamily="34" charset="0"/>
+              <a:ea typeface="Verdana" panose="020B0604030504040204" pitchFamily="34" charset="0"/>
+              <a:cs typeface="Verdana" panose="020B0604030504040204" pitchFamily="34" charset="0"/>
+            </a:endParaRPr>
+          </a:p>
+          <a:p>
+            <a:r>
+              <a:rPr lang="en-IN" sz="1400" dirty="0" smtClean="0">
+                <a:latin typeface="Verdana" panose="020B0604030504040204" pitchFamily="34" charset="0"/>
+                <a:ea typeface="Verdana" panose="020B0604030504040204" pitchFamily="34" charset="0"/>
+                <a:cs typeface="Verdana" panose="020B0604030504040204" pitchFamily="34" charset="0"/>
+              </a:rPr>
+              <a:t>Class is a specification/blueprint/template that defines state and behaviour of an object.</a:t>
+            </a:r>
+          </a:p>
+          <a:p>
+            <a:r>
+              <a:rPr lang="en-IN" sz="1400" dirty="0" smtClean="0">
+                <a:latin typeface="Verdana" panose="020B0604030504040204" pitchFamily="34" charset="0"/>
+                <a:ea typeface="Verdana" panose="020B0604030504040204" pitchFamily="34" charset="0"/>
+                <a:cs typeface="Verdana" panose="020B0604030504040204" pitchFamily="34" charset="0"/>
+              </a:rPr>
+              <a:t>Object is an instance of a class.</a:t>
+            </a:r>
+          </a:p>
+          <a:p>
+            <a:r>
+              <a:rPr lang="en-IN" sz="1400" dirty="0" smtClean="0">
+                <a:latin typeface="Verdana" panose="020B0604030504040204" pitchFamily="34" charset="0"/>
+                <a:ea typeface="Verdana" panose="020B0604030504040204" pitchFamily="34" charset="0"/>
+                <a:cs typeface="Verdana" panose="020B0604030504040204" pitchFamily="34" charset="0"/>
+              </a:rPr>
+              <a:t>Objects is stored in heap memory.</a:t>
+            </a:r>
+          </a:p>
+          <a:p>
+            <a:r>
+              <a:rPr lang="en-IN" sz="1400" dirty="0" smtClean="0">
+                <a:latin typeface="Verdana" panose="020B0604030504040204" pitchFamily="34" charset="0"/>
+                <a:ea typeface="Verdana" panose="020B0604030504040204" pitchFamily="34" charset="0"/>
+                <a:cs typeface="Verdana" panose="020B0604030504040204" pitchFamily="34" charset="0"/>
+              </a:rPr>
+              <a:t>Object is created using constructor.</a:t>
+            </a:r>
+          </a:p>
+          <a:p>
+            <a:pPr marL="0" indent="0">
+              <a:buNone/>
+            </a:pPr>
+            <a:endParaRPr lang="en-IN" sz="1400" dirty="0" smtClean="0">
+              <a:latin typeface="Verdana" panose="020B0604030504040204" pitchFamily="34" charset="0"/>
+              <a:ea typeface="Verdana" panose="020B0604030504040204" pitchFamily="34" charset="0"/>
+              <a:cs typeface="Verdana" panose="020B0604030504040204" pitchFamily="34" charset="0"/>
+            </a:endParaRPr>
+          </a:p>
+          <a:p>
+            <a:endParaRPr lang="en-IN" sz="1400" dirty="0">
+              <a:latin typeface="Verdana" panose="020B0604030504040204" pitchFamily="34" charset="0"/>
+              <a:ea typeface="Verdana" panose="020B0604030504040204" pitchFamily="34" charset="0"/>
+              <a:cs typeface="Verdana" panose="020B0604030504040204" pitchFamily="34" charset="0"/>
+            </a:endParaRPr>
+          </a:p>
+        </p:txBody>
+      </p:sp>
+      <p:graphicFrame>
+        <p:nvGraphicFramePr>
+          <p:cNvPr id="4" name="Table 3"/>
+          <p:cNvGraphicFramePr>
+            <a:graphicFrameLocks noGrp="1"/>
+          </p:cNvGraphicFramePr>
+          <p:nvPr>
+            <p:extLst/>
+          </p:nvPr>
+        </p:nvGraphicFramePr>
+        <p:xfrm>
+          <a:off x="926357" y="2497539"/>
+          <a:ext cx="6620680" cy="4297680"/>
+        </p:xfrm>
+        <a:graphic>
+          <a:graphicData uri="http://schemas.openxmlformats.org/drawingml/2006/table">
+            <a:tbl>
+              <a:tblPr firstRow="1" bandRow="1">
+                <a:tableStyleId>{284E427A-3D55-4303-BF80-6455036E1DE7}</a:tableStyleId>
+              </a:tblPr>
+              <a:tblGrid>
+                <a:gridCol w="6620680"/>
+              </a:tblGrid>
+              <a:tr h="3852334">
+                <a:tc>
+                  <a:txBody>
+                    <a:bodyPr/>
+                    <a:lstStyle/>
+                    <a:p>
+                      <a:r>
+                        <a:rPr lang="en-IN" sz="1200" b="0" dirty="0" smtClean="0">
+                          <a:latin typeface="Verdana" panose="020B0604030504040204" pitchFamily="34" charset="0"/>
+                          <a:ea typeface="Verdana" panose="020B0604030504040204" pitchFamily="34" charset="0"/>
+                          <a:cs typeface="Verdana" panose="020B0604030504040204" pitchFamily="34" charset="0"/>
+                        </a:rPr>
+                        <a:t>                                     class name</a:t>
+                      </a:r>
+                    </a:p>
+                    <a:p>
+                      <a:r>
+                        <a:rPr lang="en-IN" sz="1200" b="0" dirty="0" smtClean="0">
+                          <a:latin typeface="Verdana" panose="020B0604030504040204" pitchFamily="34" charset="0"/>
+                          <a:ea typeface="Verdana" panose="020B0604030504040204" pitchFamily="34" charset="0"/>
+                          <a:cs typeface="Verdana" panose="020B0604030504040204" pitchFamily="34" charset="0"/>
+                        </a:rPr>
+                        <a:t>                               </a:t>
+                      </a:r>
+                    </a:p>
+                    <a:p>
+                      <a:r>
+                        <a:rPr lang="en-IN" sz="1200" b="0" dirty="0" smtClean="0">
+                          <a:latin typeface="Verdana" panose="020B0604030504040204" pitchFamily="34" charset="0"/>
+                          <a:ea typeface="Verdana" panose="020B0604030504040204" pitchFamily="34" charset="0"/>
+                          <a:cs typeface="Verdana" panose="020B0604030504040204" pitchFamily="34" charset="0"/>
+                        </a:rPr>
+                        <a:t>class Employee{</a:t>
+                      </a:r>
+                    </a:p>
+                    <a:p>
+                      <a:r>
+                        <a:rPr lang="en-IN" sz="1200" b="0" dirty="0" smtClean="0">
+                          <a:latin typeface="Verdana" panose="020B0604030504040204" pitchFamily="34" charset="0"/>
+                          <a:ea typeface="Verdana" panose="020B0604030504040204" pitchFamily="34" charset="0"/>
+                          <a:cs typeface="Verdana" panose="020B0604030504040204" pitchFamily="34" charset="0"/>
+                        </a:rPr>
+                        <a:t>  String name;</a:t>
+                      </a:r>
+                    </a:p>
+                    <a:p>
+                      <a:r>
+                        <a:rPr lang="en-IN" sz="1200" b="0" dirty="0" smtClean="0">
+                          <a:latin typeface="Verdana" panose="020B0604030504040204" pitchFamily="34" charset="0"/>
+                          <a:ea typeface="Verdana" panose="020B0604030504040204" pitchFamily="34" charset="0"/>
+                          <a:cs typeface="Verdana" panose="020B0604030504040204" pitchFamily="34" charset="0"/>
+                        </a:rPr>
+                        <a:t>  String age;   </a:t>
+                      </a:r>
+                    </a:p>
+                    <a:p>
+                      <a:r>
+                        <a:rPr lang="en-IN" sz="1200" b="0" dirty="0" smtClean="0">
+                          <a:latin typeface="Verdana" panose="020B0604030504040204" pitchFamily="34" charset="0"/>
+                          <a:ea typeface="Verdana" panose="020B0604030504040204" pitchFamily="34" charset="0"/>
+                          <a:cs typeface="Verdana" panose="020B0604030504040204" pitchFamily="34" charset="0"/>
+                        </a:rPr>
+                        <a:t>                                  </a:t>
+                      </a:r>
+                    </a:p>
+                    <a:p>
+                      <a:r>
+                        <a:rPr lang="en-IN" sz="1200" b="0" dirty="0" smtClean="0">
+                          <a:latin typeface="Verdana" panose="020B0604030504040204" pitchFamily="34" charset="0"/>
+                          <a:ea typeface="Verdana" panose="020B0604030504040204" pitchFamily="34" charset="0"/>
+                          <a:cs typeface="Verdana" panose="020B0604030504040204" pitchFamily="34" charset="0"/>
+                        </a:rPr>
+                        <a:t>  Employee(String </a:t>
+                      </a:r>
+                      <a:r>
+                        <a:rPr lang="en-IN" sz="1200" b="0" dirty="0" err="1" smtClean="0">
+                          <a:latin typeface="Verdana" panose="020B0604030504040204" pitchFamily="34" charset="0"/>
+                          <a:ea typeface="Verdana" panose="020B0604030504040204" pitchFamily="34" charset="0"/>
+                          <a:cs typeface="Verdana" panose="020B0604030504040204" pitchFamily="34" charset="0"/>
+                        </a:rPr>
+                        <a:t>name,String</a:t>
+                      </a:r>
+                      <a:r>
+                        <a:rPr lang="en-IN" sz="1200" b="0" dirty="0" smtClean="0">
+                          <a:latin typeface="Verdana" panose="020B0604030504040204" pitchFamily="34" charset="0"/>
+                          <a:ea typeface="Verdana" panose="020B0604030504040204" pitchFamily="34" charset="0"/>
+                          <a:cs typeface="Verdana" panose="020B0604030504040204" pitchFamily="34" charset="0"/>
+                        </a:rPr>
+                        <a:t> age){</a:t>
+                      </a:r>
+                    </a:p>
+                    <a:p>
+                      <a:r>
+                        <a:rPr lang="en-IN" sz="1200" b="0" dirty="0" smtClean="0">
+                          <a:latin typeface="Verdana" panose="020B0604030504040204" pitchFamily="34" charset="0"/>
+                          <a:ea typeface="Verdana" panose="020B0604030504040204" pitchFamily="34" charset="0"/>
+                          <a:cs typeface="Verdana" panose="020B0604030504040204" pitchFamily="34" charset="0"/>
+                        </a:rPr>
+                        <a:t>   //initialize instance variables;               </a:t>
+                      </a:r>
+                    </a:p>
+                    <a:p>
+                      <a:r>
+                        <a:rPr lang="en-IN" sz="1200" b="0" dirty="0" smtClean="0">
+                          <a:latin typeface="Verdana" panose="020B0604030504040204" pitchFamily="34" charset="0"/>
+                          <a:ea typeface="Verdana" panose="020B0604030504040204" pitchFamily="34" charset="0"/>
+                          <a:cs typeface="Verdana" panose="020B0604030504040204" pitchFamily="34" charset="0"/>
+                        </a:rPr>
+                        <a:t>  }</a:t>
+                      </a:r>
+                    </a:p>
+                    <a:p>
+                      <a:endParaRPr lang="en-IN" sz="1200" b="0" dirty="0" smtClean="0">
+                        <a:latin typeface="Verdana" panose="020B0604030504040204" pitchFamily="34" charset="0"/>
+                        <a:ea typeface="Verdana" panose="020B0604030504040204" pitchFamily="34" charset="0"/>
+                        <a:cs typeface="Verdana" panose="020B0604030504040204" pitchFamily="34" charset="0"/>
+                      </a:endParaRPr>
+                    </a:p>
+                    <a:p>
+                      <a:r>
+                        <a:rPr lang="en-IN" sz="1200" b="0" dirty="0" smtClean="0">
+                          <a:latin typeface="Verdana" panose="020B0604030504040204" pitchFamily="34" charset="0"/>
+                          <a:ea typeface="Verdana" panose="020B0604030504040204" pitchFamily="34" charset="0"/>
+                          <a:cs typeface="Verdana" panose="020B0604030504040204" pitchFamily="34" charset="0"/>
+                        </a:rPr>
+                        <a:t>  public void </a:t>
+                      </a:r>
+                      <a:r>
+                        <a:rPr lang="en-IN" sz="1200" b="0" dirty="0" err="1" smtClean="0">
+                          <a:latin typeface="Verdana" panose="020B0604030504040204" pitchFamily="34" charset="0"/>
+                          <a:ea typeface="Verdana" panose="020B0604030504040204" pitchFamily="34" charset="0"/>
+                          <a:cs typeface="Verdana" panose="020B0604030504040204" pitchFamily="34" charset="0"/>
+                        </a:rPr>
+                        <a:t>workOnAssignments</a:t>
+                      </a:r>
+                      <a:r>
+                        <a:rPr lang="en-IN" sz="1200" b="0" dirty="0" smtClean="0">
+                          <a:latin typeface="Verdana" panose="020B0604030504040204" pitchFamily="34" charset="0"/>
+                          <a:ea typeface="Verdana" panose="020B0604030504040204" pitchFamily="34" charset="0"/>
+                          <a:cs typeface="Verdana" panose="020B0604030504040204" pitchFamily="34" charset="0"/>
+                        </a:rPr>
+                        <a:t>(){</a:t>
+                      </a:r>
+                    </a:p>
+                    <a:p>
+                      <a:r>
+                        <a:rPr lang="en-IN" sz="1200" b="0" dirty="0" smtClean="0">
+                          <a:latin typeface="Verdana" panose="020B0604030504040204" pitchFamily="34" charset="0"/>
+                          <a:ea typeface="Verdana" panose="020B0604030504040204" pitchFamily="34" charset="0"/>
+                          <a:cs typeface="Verdana" panose="020B0604030504040204" pitchFamily="34" charset="0"/>
+                        </a:rPr>
+                        <a:t>   //logic</a:t>
+                      </a:r>
+                    </a:p>
+                    <a:p>
+                      <a:r>
+                        <a:rPr lang="en-IN" sz="1200" b="0" dirty="0" smtClean="0">
+                          <a:latin typeface="Verdana" panose="020B0604030504040204" pitchFamily="34" charset="0"/>
+                          <a:ea typeface="Verdana" panose="020B0604030504040204" pitchFamily="34" charset="0"/>
+                          <a:cs typeface="Verdana" panose="020B0604030504040204" pitchFamily="34" charset="0"/>
+                        </a:rPr>
+                        <a:t>  }</a:t>
+                      </a:r>
+                    </a:p>
+                    <a:p>
+                      <a:r>
+                        <a:rPr lang="en-IN" sz="1200" b="0" dirty="0" smtClean="0">
+                          <a:latin typeface="Verdana" panose="020B0604030504040204" pitchFamily="34" charset="0"/>
+                          <a:ea typeface="Verdana" panose="020B0604030504040204" pitchFamily="34" charset="0"/>
+                          <a:cs typeface="Verdana" panose="020B0604030504040204" pitchFamily="34" charset="0"/>
+                        </a:rPr>
+                        <a:t>}</a:t>
+                      </a:r>
+                    </a:p>
+                    <a:p>
+                      <a:endParaRPr lang="en-IN" sz="1200" b="0" dirty="0" smtClean="0">
+                        <a:latin typeface="Verdana" panose="020B0604030504040204" pitchFamily="34" charset="0"/>
+                        <a:ea typeface="Verdana" panose="020B0604030504040204" pitchFamily="34" charset="0"/>
+                        <a:cs typeface="Verdana" panose="020B0604030504040204" pitchFamily="34" charset="0"/>
+                      </a:endParaRPr>
+                    </a:p>
+                    <a:p>
+                      <a:r>
+                        <a:rPr lang="en-IN" sz="1200" b="0" dirty="0" smtClean="0">
+                          <a:latin typeface="Verdana" panose="020B0604030504040204" pitchFamily="34" charset="0"/>
+                          <a:ea typeface="Verdana" panose="020B0604030504040204" pitchFamily="34" charset="0"/>
+                          <a:cs typeface="Verdana" panose="020B0604030504040204" pitchFamily="34" charset="0"/>
+                        </a:rPr>
+                        <a:t>//</a:t>
+                      </a:r>
+                    </a:p>
+                    <a:p>
+                      <a:r>
+                        <a:rPr lang="en-IN" sz="1200" b="0" dirty="0" smtClean="0">
+                          <a:latin typeface="Verdana" panose="020B0604030504040204" pitchFamily="34" charset="0"/>
+                          <a:ea typeface="Verdana" panose="020B0604030504040204" pitchFamily="34" charset="0"/>
+                          <a:cs typeface="Verdana" panose="020B0604030504040204" pitchFamily="34" charset="0"/>
+                        </a:rPr>
+                        <a:t>Employee emp1=new Employee();</a:t>
+                      </a:r>
+                    </a:p>
+                    <a:p>
+                      <a:r>
+                        <a:rPr lang="en-IN" sz="1200" b="0" dirty="0" smtClean="0">
+                          <a:latin typeface="Verdana" panose="020B0604030504040204" pitchFamily="34" charset="0"/>
+                          <a:ea typeface="Verdana" panose="020B0604030504040204" pitchFamily="34" charset="0"/>
+                          <a:cs typeface="Verdana" panose="020B0604030504040204" pitchFamily="34" charset="0"/>
+                        </a:rPr>
+                        <a:t>employee1.setName(“</a:t>
+                      </a:r>
+                      <a:r>
+                        <a:rPr lang="en-IN" sz="1200" b="0" dirty="0" err="1" smtClean="0">
+                          <a:latin typeface="Verdana" panose="020B0604030504040204" pitchFamily="34" charset="0"/>
+                          <a:ea typeface="Verdana" panose="020B0604030504040204" pitchFamily="34" charset="0"/>
+                          <a:cs typeface="Verdana" panose="020B0604030504040204" pitchFamily="34" charset="0"/>
+                        </a:rPr>
+                        <a:t>Rajat</a:t>
+                      </a:r>
+                      <a:r>
+                        <a:rPr lang="en-IN" sz="1200" b="0" dirty="0" smtClean="0">
+                          <a:latin typeface="Verdana" panose="020B0604030504040204" pitchFamily="34" charset="0"/>
+                          <a:ea typeface="Verdana" panose="020B0604030504040204" pitchFamily="34" charset="0"/>
+                          <a:cs typeface="Verdana" panose="020B0604030504040204" pitchFamily="34" charset="0"/>
+                        </a:rPr>
+                        <a:t>");</a:t>
+                      </a:r>
+                    </a:p>
+                    <a:p>
+                      <a:r>
+                        <a:rPr lang="en-IN" sz="1200" b="0" dirty="0" smtClean="0">
+                          <a:latin typeface="Verdana" panose="020B0604030504040204" pitchFamily="34" charset="0"/>
+                          <a:ea typeface="Verdana" panose="020B0604030504040204" pitchFamily="34" charset="0"/>
+                          <a:cs typeface="Verdana" panose="020B0604030504040204" pitchFamily="34" charset="0"/>
+                        </a:rPr>
+                        <a:t>employee1.setAge(22);   </a:t>
+                      </a:r>
+                    </a:p>
+                    <a:p>
+                      <a:r>
+                        <a:rPr lang="en-IN" sz="1200" b="0" dirty="0" smtClean="0">
+                          <a:latin typeface="Verdana" panose="020B0604030504040204" pitchFamily="34" charset="0"/>
+                          <a:ea typeface="Verdana" panose="020B0604030504040204" pitchFamily="34" charset="0"/>
+                          <a:cs typeface="Verdana" panose="020B0604030504040204" pitchFamily="34" charset="0"/>
+                        </a:rPr>
+                        <a:t>Employee emp2=new Employee();</a:t>
+                      </a:r>
+                    </a:p>
+                    <a:p>
+                      <a:r>
+                        <a:rPr lang="en-IN" sz="1200" b="0" dirty="0" smtClean="0">
+                          <a:latin typeface="Verdana" panose="020B0604030504040204" pitchFamily="34" charset="0"/>
+                          <a:ea typeface="Verdana" panose="020B0604030504040204" pitchFamily="34" charset="0"/>
+                          <a:cs typeface="Verdana" panose="020B0604030504040204" pitchFamily="34" charset="0"/>
+                        </a:rPr>
+                        <a:t>employee2.setName(“</a:t>
+                      </a:r>
+                      <a:r>
+                        <a:rPr lang="en-IN" sz="1200" b="0" dirty="0" err="1" smtClean="0">
+                          <a:latin typeface="Verdana" panose="020B0604030504040204" pitchFamily="34" charset="0"/>
+                          <a:ea typeface="Verdana" panose="020B0604030504040204" pitchFamily="34" charset="0"/>
+                          <a:cs typeface="Verdana" panose="020B0604030504040204" pitchFamily="34" charset="0"/>
+                        </a:rPr>
+                        <a:t>Vinay</a:t>
+                      </a:r>
+                      <a:r>
+                        <a:rPr lang="en-IN" sz="1200" b="0" dirty="0" smtClean="0">
+                          <a:latin typeface="Verdana" panose="020B0604030504040204" pitchFamily="34" charset="0"/>
+                          <a:ea typeface="Verdana" panose="020B0604030504040204" pitchFamily="34" charset="0"/>
+                          <a:cs typeface="Verdana" panose="020B0604030504040204" pitchFamily="34" charset="0"/>
+                        </a:rPr>
+                        <a:t>");</a:t>
+                      </a:r>
+                    </a:p>
+                    <a:p>
+                      <a:r>
+                        <a:rPr lang="en-IN" sz="1200" b="0" dirty="0" smtClean="0">
+                          <a:latin typeface="Verdana" panose="020B0604030504040204" pitchFamily="34" charset="0"/>
+                          <a:ea typeface="Verdana" panose="020B0604030504040204" pitchFamily="34" charset="0"/>
+                          <a:cs typeface="Verdana" panose="020B0604030504040204" pitchFamily="34" charset="0"/>
+                        </a:rPr>
+                        <a:t>employee2.setAge(22);</a:t>
+                      </a:r>
+                    </a:p>
+                    <a:p>
+                      <a:endParaRPr lang="en-IN" sz="1200" b="0" dirty="0">
+                        <a:latin typeface="Verdana" panose="020B0604030504040204" pitchFamily="34" charset="0"/>
+                        <a:ea typeface="Verdana" panose="020B0604030504040204" pitchFamily="34" charset="0"/>
+                        <a:cs typeface="Verdana" panose="020B0604030504040204" pitchFamily="34" charset="0"/>
+                      </a:endParaRPr>
+                    </a:p>
+                  </a:txBody>
+                  <a:tcPr/>
+                </a:tc>
+              </a:tr>
+            </a:tbl>
+          </a:graphicData>
+        </a:graphic>
+      </p:graphicFrame>
+      <p:sp>
+        <p:nvSpPr>
+          <p:cNvPr id="5" name="TextBox 4"/>
+          <p:cNvSpPr txBox="1"/>
+          <p:nvPr/>
+        </p:nvSpPr>
+        <p:spPr>
+          <a:xfrm>
+            <a:off x="4888235" y="3249484"/>
+            <a:ext cx="1694375" cy="307777"/>
+          </a:xfrm>
+          <a:prstGeom prst="rect">
+            <a:avLst/>
+          </a:prstGeom>
+          <a:noFill/>
+          <a:ln>
+            <a:noFill/>
+          </a:ln>
+        </p:spPr>
+        <p:txBody>
+          <a:bodyPr wrap="none" rtlCol="0">
+            <a:spAutoFit/>
+          </a:bodyPr>
+          <a:lstStyle/>
+          <a:p>
+            <a:r>
+              <a:rPr lang="en-IN" sz="1400" dirty="0">
+                <a:solidFill>
+                  <a:schemeClr val="bg1"/>
+                </a:solidFill>
+                <a:latin typeface="Verdana" panose="020B0604030504040204" pitchFamily="34" charset="0"/>
+                <a:ea typeface="Verdana" panose="020B0604030504040204" pitchFamily="34" charset="0"/>
+                <a:cs typeface="Verdana" panose="020B0604030504040204" pitchFamily="34" charset="0"/>
+              </a:rPr>
+              <a:t>i</a:t>
+            </a:r>
+            <a:r>
+              <a:rPr lang="en-IN" sz="1400" dirty="0" smtClean="0">
+                <a:solidFill>
+                  <a:schemeClr val="bg1"/>
+                </a:solidFill>
+                <a:latin typeface="Verdana" panose="020B0604030504040204" pitchFamily="34" charset="0"/>
+                <a:ea typeface="Verdana" panose="020B0604030504040204" pitchFamily="34" charset="0"/>
+                <a:cs typeface="Verdana" panose="020B0604030504040204" pitchFamily="34" charset="0"/>
+              </a:rPr>
+              <a:t>nstance </a:t>
+            </a:r>
+            <a:r>
+              <a:rPr lang="en-IN" sz="1400" dirty="0" err="1" smtClean="0">
+                <a:solidFill>
+                  <a:schemeClr val="bg1"/>
+                </a:solidFill>
+                <a:latin typeface="Verdana" panose="020B0604030504040204" pitchFamily="34" charset="0"/>
+                <a:ea typeface="Verdana" panose="020B0604030504040204" pitchFamily="34" charset="0"/>
+                <a:cs typeface="Verdana" panose="020B0604030504040204" pitchFamily="34" charset="0"/>
+              </a:rPr>
+              <a:t>varibles</a:t>
+            </a:r>
+            <a:endParaRPr lang="en-IN" sz="1400" dirty="0">
+              <a:solidFill>
+                <a:schemeClr val="bg1"/>
+              </a:solidFill>
+              <a:latin typeface="Verdana" panose="020B0604030504040204" pitchFamily="34" charset="0"/>
+              <a:ea typeface="Verdana" panose="020B0604030504040204" pitchFamily="34" charset="0"/>
+              <a:cs typeface="Verdana" panose="020B0604030504040204" pitchFamily="34" charset="0"/>
+            </a:endParaRPr>
+          </a:p>
+        </p:txBody>
+      </p:sp>
+      <p:sp>
+        <p:nvSpPr>
+          <p:cNvPr id="6" name="TextBox 5"/>
+          <p:cNvSpPr txBox="1"/>
+          <p:nvPr/>
+        </p:nvSpPr>
+        <p:spPr>
+          <a:xfrm>
+            <a:off x="5679746" y="4450185"/>
+            <a:ext cx="1204176" cy="307777"/>
+          </a:xfrm>
+          <a:prstGeom prst="rect">
+            <a:avLst/>
+          </a:prstGeom>
+          <a:noFill/>
+          <a:ln>
+            <a:noFill/>
+          </a:ln>
+        </p:spPr>
+        <p:txBody>
+          <a:bodyPr wrap="none" rtlCol="0">
+            <a:spAutoFit/>
+          </a:bodyPr>
+          <a:lstStyle/>
+          <a:p>
+            <a:r>
+              <a:rPr lang="en-IN" sz="1400" dirty="0" smtClean="0">
+                <a:solidFill>
+                  <a:schemeClr val="bg1"/>
+                </a:solidFill>
+                <a:latin typeface="Verdana" panose="020B0604030504040204" pitchFamily="34" charset="0"/>
+                <a:ea typeface="Verdana" panose="020B0604030504040204" pitchFamily="34" charset="0"/>
+                <a:cs typeface="Verdana" panose="020B0604030504040204" pitchFamily="34" charset="0"/>
+              </a:rPr>
+              <a:t>constructor</a:t>
+            </a:r>
+            <a:endParaRPr lang="en-IN" sz="1400" dirty="0">
+              <a:solidFill>
+                <a:schemeClr val="bg1"/>
+              </a:solidFill>
+              <a:latin typeface="Verdana" panose="020B0604030504040204" pitchFamily="34" charset="0"/>
+              <a:ea typeface="Verdana" panose="020B0604030504040204" pitchFamily="34" charset="0"/>
+              <a:cs typeface="Verdana" panose="020B0604030504040204" pitchFamily="34" charset="0"/>
+            </a:endParaRPr>
+          </a:p>
+        </p:txBody>
+      </p:sp>
+      <p:sp>
+        <p:nvSpPr>
+          <p:cNvPr id="7" name="TextBox 6"/>
+          <p:cNvSpPr txBox="1"/>
+          <p:nvPr/>
+        </p:nvSpPr>
+        <p:spPr>
+          <a:xfrm>
+            <a:off x="6200637" y="5298624"/>
+            <a:ext cx="965329" cy="307777"/>
+          </a:xfrm>
+          <a:prstGeom prst="rect">
+            <a:avLst/>
+          </a:prstGeom>
+          <a:noFill/>
+          <a:ln>
+            <a:noFill/>
+          </a:ln>
+        </p:spPr>
+        <p:txBody>
+          <a:bodyPr wrap="none" rtlCol="0">
+            <a:spAutoFit/>
+          </a:bodyPr>
+          <a:lstStyle/>
+          <a:p>
+            <a:r>
+              <a:rPr lang="en-IN" sz="1400" dirty="0" smtClean="0">
+                <a:solidFill>
+                  <a:schemeClr val="bg1"/>
+                </a:solidFill>
+                <a:latin typeface="Verdana" panose="020B0604030504040204" pitchFamily="34" charset="0"/>
+                <a:ea typeface="Verdana" panose="020B0604030504040204" pitchFamily="34" charset="0"/>
+                <a:cs typeface="Verdana" panose="020B0604030504040204" pitchFamily="34" charset="0"/>
+              </a:rPr>
+              <a:t>methods</a:t>
+            </a:r>
+            <a:endParaRPr lang="en-IN" sz="1400" dirty="0">
+              <a:solidFill>
+                <a:schemeClr val="bg1"/>
+              </a:solidFill>
+              <a:latin typeface="Verdana" panose="020B0604030504040204" pitchFamily="34" charset="0"/>
+              <a:ea typeface="Verdana" panose="020B0604030504040204" pitchFamily="34" charset="0"/>
+              <a:cs typeface="Verdana" panose="020B0604030504040204" pitchFamily="34" charset="0"/>
+            </a:endParaRPr>
+          </a:p>
+        </p:txBody>
+      </p:sp>
+      <p:cxnSp>
+        <p:nvCxnSpPr>
+          <p:cNvPr id="9" name="Straight Arrow Connector 8"/>
+          <p:cNvCxnSpPr/>
+          <p:nvPr/>
+        </p:nvCxnSpPr>
+        <p:spPr>
+          <a:xfrm flipV="1">
+            <a:off x="2074459" y="2690546"/>
+            <a:ext cx="914401" cy="184245"/>
+          </a:xfrm>
+          <a:prstGeom prst="straightConnector1">
+            <a:avLst/>
+          </a:prstGeom>
+          <a:ln>
+            <a:solidFill>
+              <a:schemeClr val="bg1"/>
+            </a:solidFill>
+            <a:tailEnd type="triangle"/>
+          </a:ln>
+        </p:spPr>
+        <p:style>
+          <a:lnRef idx="1">
+            <a:schemeClr val="dk1"/>
+          </a:lnRef>
+          <a:fillRef idx="0">
+            <a:schemeClr val="dk1"/>
+          </a:fillRef>
+          <a:effectRef idx="0">
+            <a:schemeClr val="dk1"/>
+          </a:effectRef>
+          <a:fontRef idx="minor">
+            <a:schemeClr val="tx1"/>
+          </a:fontRef>
+        </p:style>
+      </p:cxnSp>
+      <p:cxnSp>
+        <p:nvCxnSpPr>
+          <p:cNvPr id="11" name="Straight Arrow Connector 10"/>
+          <p:cNvCxnSpPr/>
+          <p:nvPr/>
+        </p:nvCxnSpPr>
+        <p:spPr>
+          <a:xfrm>
+            <a:off x="2222311" y="3207126"/>
+            <a:ext cx="2663652" cy="168863"/>
+          </a:xfrm>
+          <a:prstGeom prst="straightConnector1">
+            <a:avLst/>
+          </a:prstGeom>
+          <a:ln>
+            <a:solidFill>
+              <a:schemeClr val="bg1"/>
+            </a:solidFill>
+            <a:tailEnd type="triangle"/>
+          </a:ln>
+        </p:spPr>
+        <p:style>
+          <a:lnRef idx="1">
+            <a:schemeClr val="dk1"/>
+          </a:lnRef>
+          <a:fillRef idx="0">
+            <a:schemeClr val="dk1"/>
+          </a:fillRef>
+          <a:effectRef idx="0">
+            <a:schemeClr val="dk1"/>
+          </a:effectRef>
+          <a:fontRef idx="minor">
+            <a:schemeClr val="tx1"/>
+          </a:fontRef>
+        </p:style>
+      </p:cxnSp>
+      <p:cxnSp>
+        <p:nvCxnSpPr>
+          <p:cNvPr id="13" name="Straight Arrow Connector 12"/>
+          <p:cNvCxnSpPr/>
+          <p:nvPr/>
+        </p:nvCxnSpPr>
+        <p:spPr>
+          <a:xfrm>
+            <a:off x="2074459" y="3418347"/>
+            <a:ext cx="2811504" cy="0"/>
+          </a:xfrm>
+          <a:prstGeom prst="straightConnector1">
+            <a:avLst/>
+          </a:prstGeom>
+          <a:ln>
+            <a:solidFill>
+              <a:schemeClr val="bg1"/>
+            </a:solidFill>
+            <a:tailEnd type="triangle"/>
+          </a:ln>
+        </p:spPr>
+        <p:style>
+          <a:lnRef idx="1">
+            <a:schemeClr val="dk1"/>
+          </a:lnRef>
+          <a:fillRef idx="0">
+            <a:schemeClr val="dk1"/>
+          </a:fillRef>
+          <a:effectRef idx="0">
+            <a:schemeClr val="dk1"/>
+          </a:effectRef>
+          <a:fontRef idx="minor">
+            <a:schemeClr val="tx1"/>
+          </a:fontRef>
+        </p:style>
+      </p:cxnSp>
+      <p:cxnSp>
+        <p:nvCxnSpPr>
+          <p:cNvPr id="15" name="Straight Arrow Connector 14"/>
+          <p:cNvCxnSpPr>
+            <a:endCxn id="6" idx="1"/>
+          </p:cNvCxnSpPr>
+          <p:nvPr/>
+        </p:nvCxnSpPr>
+        <p:spPr>
+          <a:xfrm>
+            <a:off x="2224583" y="3755573"/>
+            <a:ext cx="3455163" cy="848501"/>
+          </a:xfrm>
+          <a:prstGeom prst="straightConnector1">
+            <a:avLst/>
+          </a:prstGeom>
+          <a:ln>
+            <a:solidFill>
+              <a:schemeClr val="bg1"/>
+            </a:solidFill>
+            <a:tailEnd type="triangle"/>
+          </a:ln>
+        </p:spPr>
+        <p:style>
+          <a:lnRef idx="1">
+            <a:schemeClr val="dk1"/>
+          </a:lnRef>
+          <a:fillRef idx="0">
+            <a:schemeClr val="dk1"/>
+          </a:fillRef>
+          <a:effectRef idx="0">
+            <a:schemeClr val="dk1"/>
+          </a:effectRef>
+          <a:fontRef idx="minor">
+            <a:schemeClr val="tx1"/>
+          </a:fontRef>
+        </p:style>
+      </p:cxnSp>
+      <p:cxnSp>
+        <p:nvCxnSpPr>
+          <p:cNvPr id="17" name="Straight Arrow Connector 16"/>
+          <p:cNvCxnSpPr>
+            <a:endCxn id="7" idx="1"/>
+          </p:cNvCxnSpPr>
+          <p:nvPr/>
+        </p:nvCxnSpPr>
+        <p:spPr>
+          <a:xfrm>
+            <a:off x="3807725" y="4583815"/>
+            <a:ext cx="2392912" cy="868698"/>
+          </a:xfrm>
+          <a:prstGeom prst="straightConnector1">
+            <a:avLst/>
+          </a:prstGeom>
+          <a:ln>
+            <a:solidFill>
+              <a:schemeClr val="bg1"/>
+            </a:solidFill>
+            <a:tailEnd type="triangle"/>
+          </a:ln>
+        </p:spPr>
+        <p:style>
+          <a:lnRef idx="1">
+            <a:schemeClr val="dk1"/>
+          </a:lnRef>
+          <a:fillRef idx="0">
+            <a:schemeClr val="dk1"/>
+          </a:fillRef>
+          <a:effectRef idx="0">
+            <a:schemeClr val="dk1"/>
+          </a:effectRef>
+          <a:fontRef idx="minor">
+            <a:schemeClr val="tx1"/>
+          </a:fontRef>
+        </p:style>
+      </p:cxnSp>
+      <p:sp>
+        <p:nvSpPr>
+          <p:cNvPr id="18" name="Rectangle 17"/>
+          <p:cNvSpPr/>
+          <p:nvPr/>
+        </p:nvSpPr>
+        <p:spPr>
+          <a:xfrm>
+            <a:off x="7928108" y="2857159"/>
+            <a:ext cx="714789" cy="3049493"/>
+          </a:xfrm>
+          <a:prstGeom prst="rect">
+            <a:avLst/>
+          </a:prstGeom>
+        </p:spPr>
+        <p:style>
+          <a:lnRef idx="1">
+            <a:schemeClr val="accent4"/>
+          </a:lnRef>
+          <a:fillRef idx="2">
+            <a:schemeClr val="accent4"/>
+          </a:fillRef>
+          <a:effectRef idx="1">
+            <a:schemeClr val="accent4"/>
+          </a:effectRef>
+          <a:fontRef idx="minor">
+            <a:schemeClr val="dk1"/>
+          </a:fontRef>
+        </p:style>
+        <p:txBody>
+          <a:bodyPr rtlCol="0" anchor="ctr"/>
+          <a:lstStyle/>
+          <a:p>
+            <a:pPr algn="ctr"/>
+            <a:endParaRPr lang="en-IN" sz="1200" dirty="0">
+              <a:latin typeface="Verdana" panose="020B0604030504040204" pitchFamily="34" charset="0"/>
+              <a:ea typeface="Verdana" panose="020B0604030504040204" pitchFamily="34" charset="0"/>
+              <a:cs typeface="Verdana" panose="020B0604030504040204" pitchFamily="34" charset="0"/>
+            </a:endParaRPr>
+          </a:p>
+        </p:txBody>
+      </p:sp>
+      <p:sp>
+        <p:nvSpPr>
+          <p:cNvPr id="19" name="Oval 18"/>
+          <p:cNvSpPr/>
+          <p:nvPr/>
+        </p:nvSpPr>
+        <p:spPr>
+          <a:xfrm>
+            <a:off x="9296748" y="3316406"/>
+            <a:ext cx="2673258" cy="2590246"/>
+          </a:xfrm>
+          <a:prstGeom prst="ellipse">
+            <a:avLst/>
+          </a:prstGeom>
+        </p:spPr>
+        <p:style>
+          <a:lnRef idx="1">
+            <a:schemeClr val="accent4"/>
+          </a:lnRef>
+          <a:fillRef idx="2">
+            <a:schemeClr val="accent4"/>
+          </a:fillRef>
+          <a:effectRef idx="1">
+            <a:schemeClr val="accent4"/>
+          </a:effectRef>
+          <a:fontRef idx="minor">
+            <a:schemeClr val="dk1"/>
+          </a:fontRef>
+        </p:style>
+        <p:txBody>
+          <a:bodyPr rtlCol="0" anchor="ctr"/>
+          <a:lstStyle/>
+          <a:p>
+            <a:pPr algn="ctr"/>
+            <a:endParaRPr lang="en-IN" dirty="0" smtClean="0"/>
+          </a:p>
+          <a:p>
+            <a:pPr algn="ctr"/>
+            <a:endParaRPr lang="en-IN" dirty="0"/>
+          </a:p>
+          <a:p>
+            <a:pPr algn="ctr"/>
+            <a:endParaRPr lang="en-IN" dirty="0" smtClean="0"/>
+          </a:p>
+          <a:p>
+            <a:pPr algn="ctr"/>
+            <a:endParaRPr lang="en-IN" dirty="0"/>
+          </a:p>
+          <a:p>
+            <a:pPr algn="ctr"/>
+            <a:endParaRPr lang="en-IN" dirty="0" smtClean="0"/>
+          </a:p>
+          <a:p>
+            <a:pPr algn="ctr"/>
+            <a:endParaRPr lang="en-IN" dirty="0"/>
+          </a:p>
+          <a:p>
+            <a:pPr algn="ctr"/>
+            <a:endParaRPr lang="en-IN" dirty="0" smtClean="0"/>
+          </a:p>
+          <a:p>
+            <a:pPr algn="ctr"/>
+            <a:r>
+              <a:rPr lang="en-IN" sz="1600" dirty="0" smtClean="0">
+                <a:latin typeface="Verdana" panose="020B0604030504040204" pitchFamily="34" charset="0"/>
+                <a:ea typeface="Verdana" panose="020B0604030504040204" pitchFamily="34" charset="0"/>
+                <a:cs typeface="Verdana" panose="020B0604030504040204" pitchFamily="34" charset="0"/>
+              </a:rPr>
+              <a:t>Heap Area</a:t>
+            </a:r>
+            <a:endParaRPr lang="en-IN" sz="1600" dirty="0">
+              <a:latin typeface="Verdana" panose="020B0604030504040204" pitchFamily="34" charset="0"/>
+              <a:ea typeface="Verdana" panose="020B0604030504040204" pitchFamily="34" charset="0"/>
+              <a:cs typeface="Verdana" panose="020B0604030504040204" pitchFamily="34" charset="0"/>
+            </a:endParaRPr>
+          </a:p>
+        </p:txBody>
+      </p:sp>
+      <p:cxnSp>
+        <p:nvCxnSpPr>
+          <p:cNvPr id="21" name="Straight Connector 20"/>
+          <p:cNvCxnSpPr/>
+          <p:nvPr/>
+        </p:nvCxnSpPr>
+        <p:spPr>
+          <a:xfrm>
+            <a:off x="7928108" y="5390518"/>
+            <a:ext cx="714789" cy="0"/>
+          </a:xfrm>
+          <a:prstGeom prst="line">
+            <a:avLst/>
+          </a:prstGeom>
+        </p:spPr>
+        <p:style>
+          <a:lnRef idx="3">
+            <a:schemeClr val="accent2"/>
+          </a:lnRef>
+          <a:fillRef idx="0">
+            <a:schemeClr val="accent2"/>
+          </a:fillRef>
+          <a:effectRef idx="2">
+            <a:schemeClr val="accent2"/>
+          </a:effectRef>
+          <a:fontRef idx="minor">
+            <a:schemeClr val="tx1"/>
+          </a:fontRef>
+        </p:style>
+      </p:cxnSp>
+      <p:cxnSp>
+        <p:nvCxnSpPr>
+          <p:cNvPr id="22" name="Straight Connector 21"/>
+          <p:cNvCxnSpPr/>
+          <p:nvPr/>
+        </p:nvCxnSpPr>
+        <p:spPr>
+          <a:xfrm>
+            <a:off x="7930380" y="4819584"/>
+            <a:ext cx="714789" cy="0"/>
+          </a:xfrm>
+          <a:prstGeom prst="line">
+            <a:avLst/>
+          </a:prstGeom>
+        </p:spPr>
+        <p:style>
+          <a:lnRef idx="3">
+            <a:schemeClr val="accent2"/>
+          </a:lnRef>
+          <a:fillRef idx="0">
+            <a:schemeClr val="accent2"/>
+          </a:fillRef>
+          <a:effectRef idx="2">
+            <a:schemeClr val="accent2"/>
+          </a:effectRef>
+          <a:fontRef idx="minor">
+            <a:schemeClr val="tx1"/>
+          </a:fontRef>
+        </p:style>
+      </p:cxnSp>
+      <p:sp>
+        <p:nvSpPr>
+          <p:cNvPr id="23" name="Rectangle 22"/>
+          <p:cNvSpPr/>
+          <p:nvPr/>
+        </p:nvSpPr>
+        <p:spPr>
+          <a:xfrm>
+            <a:off x="10018269" y="3739116"/>
+            <a:ext cx="1214650" cy="524354"/>
+          </a:xfrm>
+          <a:prstGeom prst="rect">
+            <a:avLst/>
+          </a:prstGeom>
+        </p:spPr>
+        <p:style>
+          <a:lnRef idx="1">
+            <a:schemeClr val="accent6"/>
+          </a:lnRef>
+          <a:fillRef idx="2">
+            <a:schemeClr val="accent6"/>
+          </a:fillRef>
+          <a:effectRef idx="1">
+            <a:schemeClr val="accent6"/>
+          </a:effectRef>
+          <a:fontRef idx="minor">
+            <a:schemeClr val="dk1"/>
+          </a:fontRef>
+        </p:style>
+        <p:txBody>
+          <a:bodyPr rtlCol="0" anchor="ctr"/>
+          <a:lstStyle/>
+          <a:p>
+            <a:r>
+              <a:rPr lang="en-IN" sz="1200" dirty="0" err="1" smtClean="0">
+                <a:latin typeface="Verdana" panose="020B0604030504040204" pitchFamily="34" charset="0"/>
+                <a:ea typeface="Verdana" panose="020B0604030504040204" pitchFamily="34" charset="0"/>
+                <a:cs typeface="Verdana" panose="020B0604030504040204" pitchFamily="34" charset="0"/>
+              </a:rPr>
+              <a:t>Name:Rajat</a:t>
+            </a:r>
+            <a:endParaRPr lang="en-IN" sz="1200" dirty="0" smtClean="0">
+              <a:latin typeface="Verdana" panose="020B0604030504040204" pitchFamily="34" charset="0"/>
+              <a:ea typeface="Verdana" panose="020B0604030504040204" pitchFamily="34" charset="0"/>
+              <a:cs typeface="Verdana" panose="020B0604030504040204" pitchFamily="34" charset="0"/>
+            </a:endParaRPr>
+          </a:p>
+          <a:p>
+            <a:r>
+              <a:rPr lang="en-IN" sz="1200" dirty="0" smtClean="0">
+                <a:latin typeface="Verdana" panose="020B0604030504040204" pitchFamily="34" charset="0"/>
+                <a:ea typeface="Verdana" panose="020B0604030504040204" pitchFamily="34" charset="0"/>
+                <a:cs typeface="Verdana" panose="020B0604030504040204" pitchFamily="34" charset="0"/>
+              </a:rPr>
+              <a:t>Age: 22</a:t>
+            </a:r>
+            <a:endParaRPr lang="en-IN" sz="1200" dirty="0">
+              <a:latin typeface="Verdana" panose="020B0604030504040204" pitchFamily="34" charset="0"/>
+              <a:ea typeface="Verdana" panose="020B0604030504040204" pitchFamily="34" charset="0"/>
+              <a:cs typeface="Verdana" panose="020B0604030504040204" pitchFamily="34" charset="0"/>
+            </a:endParaRPr>
+          </a:p>
+        </p:txBody>
+      </p:sp>
+      <p:sp>
+        <p:nvSpPr>
+          <p:cNvPr id="24" name="Rectangle 23"/>
+          <p:cNvSpPr/>
+          <p:nvPr/>
+        </p:nvSpPr>
+        <p:spPr>
+          <a:xfrm>
+            <a:off x="9961729" y="4458726"/>
+            <a:ext cx="1392071" cy="540662"/>
+          </a:xfrm>
+          <a:prstGeom prst="rect">
+            <a:avLst/>
+          </a:prstGeom>
+        </p:spPr>
+        <p:style>
+          <a:lnRef idx="1">
+            <a:schemeClr val="accent6"/>
+          </a:lnRef>
+          <a:fillRef idx="2">
+            <a:schemeClr val="accent6"/>
+          </a:fillRef>
+          <a:effectRef idx="1">
+            <a:schemeClr val="accent6"/>
+          </a:effectRef>
+          <a:fontRef idx="minor">
+            <a:schemeClr val="dk1"/>
+          </a:fontRef>
+        </p:style>
+        <p:txBody>
+          <a:bodyPr rtlCol="0" anchor="ctr"/>
+          <a:lstStyle/>
+          <a:p>
+            <a:pPr algn="ctr"/>
+            <a:endParaRPr lang="en-IN" dirty="0" smtClean="0"/>
+          </a:p>
+          <a:p>
+            <a:r>
+              <a:rPr lang="en-IN" sz="1200" dirty="0" err="1" smtClean="0">
+                <a:latin typeface="Verdana" panose="020B0604030504040204" pitchFamily="34" charset="0"/>
+                <a:ea typeface="Verdana" panose="020B0604030504040204" pitchFamily="34" charset="0"/>
+                <a:cs typeface="Verdana" panose="020B0604030504040204" pitchFamily="34" charset="0"/>
+              </a:rPr>
+              <a:t>Name:Vinay</a:t>
+            </a:r>
+            <a:endParaRPr lang="en-IN" sz="1200" dirty="0" smtClean="0">
+              <a:latin typeface="Verdana" panose="020B0604030504040204" pitchFamily="34" charset="0"/>
+              <a:ea typeface="Verdana" panose="020B0604030504040204" pitchFamily="34" charset="0"/>
+              <a:cs typeface="Verdana" panose="020B0604030504040204" pitchFamily="34" charset="0"/>
+            </a:endParaRPr>
+          </a:p>
+          <a:p>
+            <a:r>
+              <a:rPr lang="en-IN" sz="1200" dirty="0" smtClean="0">
+                <a:latin typeface="Verdana" panose="020B0604030504040204" pitchFamily="34" charset="0"/>
+                <a:ea typeface="Verdana" panose="020B0604030504040204" pitchFamily="34" charset="0"/>
+                <a:cs typeface="Verdana" panose="020B0604030504040204" pitchFamily="34" charset="0"/>
+              </a:rPr>
+              <a:t>Age: 22</a:t>
+            </a:r>
+            <a:endParaRPr lang="en-IN" sz="1200" dirty="0">
+              <a:latin typeface="Verdana" panose="020B0604030504040204" pitchFamily="34" charset="0"/>
+              <a:ea typeface="Verdana" panose="020B0604030504040204" pitchFamily="34" charset="0"/>
+              <a:cs typeface="Verdana" panose="020B0604030504040204" pitchFamily="34" charset="0"/>
+            </a:endParaRPr>
+          </a:p>
+          <a:p>
+            <a:pPr algn="ctr"/>
+            <a:endParaRPr lang="en-IN" dirty="0"/>
+          </a:p>
+        </p:txBody>
+      </p:sp>
+      <p:sp>
+        <p:nvSpPr>
+          <p:cNvPr id="25" name="TextBox 24"/>
+          <p:cNvSpPr txBox="1"/>
+          <p:nvPr/>
+        </p:nvSpPr>
+        <p:spPr>
+          <a:xfrm>
+            <a:off x="7975962" y="5534553"/>
+            <a:ext cx="619080" cy="276999"/>
+          </a:xfrm>
+          <a:prstGeom prst="rect">
+            <a:avLst/>
+          </a:prstGeom>
+          <a:noFill/>
+          <a:ln>
+            <a:noFill/>
+          </a:ln>
+        </p:spPr>
+        <p:txBody>
+          <a:bodyPr wrap="none" rtlCol="0">
+            <a:spAutoFit/>
+          </a:bodyPr>
+          <a:lstStyle/>
+          <a:p>
+            <a:r>
+              <a:rPr lang="en-IN" sz="1200" dirty="0">
+                <a:latin typeface="Verdana" panose="020B0604030504040204" pitchFamily="34" charset="0"/>
+                <a:ea typeface="Verdana" panose="020B0604030504040204" pitchFamily="34" charset="0"/>
+                <a:cs typeface="Verdana" panose="020B0604030504040204" pitchFamily="34" charset="0"/>
+              </a:rPr>
+              <a:t>emp1</a:t>
+            </a:r>
+            <a:endParaRPr lang="en-IN" sz="1200" dirty="0"/>
+          </a:p>
+        </p:txBody>
+      </p:sp>
+      <p:sp>
+        <p:nvSpPr>
+          <p:cNvPr id="26" name="TextBox 25"/>
+          <p:cNvSpPr txBox="1"/>
+          <p:nvPr/>
+        </p:nvSpPr>
+        <p:spPr>
+          <a:xfrm>
+            <a:off x="7964586" y="5004559"/>
+            <a:ext cx="619080" cy="276999"/>
+          </a:xfrm>
+          <a:prstGeom prst="rect">
+            <a:avLst/>
+          </a:prstGeom>
+          <a:noFill/>
+          <a:ln>
+            <a:noFill/>
+          </a:ln>
+        </p:spPr>
+        <p:txBody>
+          <a:bodyPr wrap="none" rtlCol="0">
+            <a:spAutoFit/>
+          </a:bodyPr>
+          <a:lstStyle/>
+          <a:p>
+            <a:r>
+              <a:rPr lang="en-IN" sz="1200" dirty="0" smtClean="0">
+                <a:latin typeface="Verdana" panose="020B0604030504040204" pitchFamily="34" charset="0"/>
+                <a:ea typeface="Verdana" panose="020B0604030504040204" pitchFamily="34" charset="0"/>
+                <a:cs typeface="Verdana" panose="020B0604030504040204" pitchFamily="34" charset="0"/>
+              </a:rPr>
+              <a:t>emp2</a:t>
+            </a:r>
+            <a:endParaRPr lang="en-IN" sz="1200" dirty="0"/>
+          </a:p>
+        </p:txBody>
+      </p:sp>
+      <p:sp>
+        <p:nvSpPr>
+          <p:cNvPr id="27" name="TextBox 26"/>
+          <p:cNvSpPr txBox="1"/>
+          <p:nvPr/>
+        </p:nvSpPr>
+        <p:spPr>
+          <a:xfrm>
+            <a:off x="7635716" y="6050686"/>
+            <a:ext cx="1661032" cy="338554"/>
+          </a:xfrm>
+          <a:prstGeom prst="rect">
+            <a:avLst/>
+          </a:prstGeom>
+          <a:noFill/>
+          <a:ln>
+            <a:noFill/>
+          </a:ln>
+        </p:spPr>
+        <p:txBody>
+          <a:bodyPr wrap="none" rtlCol="0">
+            <a:spAutoFit/>
+          </a:bodyPr>
+          <a:lstStyle/>
+          <a:p>
+            <a:r>
+              <a:rPr lang="en-IN" sz="1600" dirty="0" smtClean="0">
+                <a:latin typeface="Verdana" panose="020B0604030504040204" pitchFamily="34" charset="0"/>
+                <a:ea typeface="Verdana" panose="020B0604030504040204" pitchFamily="34" charset="0"/>
+                <a:cs typeface="Verdana" panose="020B0604030504040204" pitchFamily="34" charset="0"/>
+              </a:rPr>
+              <a:t>Stack Memory</a:t>
+            </a:r>
+            <a:endParaRPr lang="en-IN" sz="1600" dirty="0"/>
+          </a:p>
+        </p:txBody>
+      </p:sp>
+      <p:sp>
+        <p:nvSpPr>
+          <p:cNvPr id="28" name="TextBox 27"/>
+          <p:cNvSpPr txBox="1"/>
+          <p:nvPr/>
+        </p:nvSpPr>
+        <p:spPr>
+          <a:xfrm>
+            <a:off x="10325653" y="5004561"/>
+            <a:ext cx="575799" cy="276999"/>
+          </a:xfrm>
+          <a:prstGeom prst="rect">
+            <a:avLst/>
+          </a:prstGeom>
+          <a:noFill/>
+          <a:ln>
+            <a:noFill/>
+          </a:ln>
+        </p:spPr>
+        <p:txBody>
+          <a:bodyPr wrap="none" rtlCol="0">
+            <a:spAutoFit/>
+          </a:bodyPr>
+          <a:lstStyle/>
+          <a:p>
+            <a:r>
+              <a:rPr lang="en-IN" sz="1200" dirty="0" smtClean="0">
+                <a:latin typeface="Verdana" panose="020B0604030504040204" pitchFamily="34" charset="0"/>
+                <a:ea typeface="Verdana" panose="020B0604030504040204" pitchFamily="34" charset="0"/>
+                <a:cs typeface="Verdana" panose="020B0604030504040204" pitchFamily="34" charset="0"/>
+              </a:rPr>
+              <a:t>1010</a:t>
+            </a:r>
+            <a:endParaRPr lang="en-IN" sz="1200" dirty="0"/>
+          </a:p>
+        </p:txBody>
+      </p:sp>
+      <p:sp>
+        <p:nvSpPr>
+          <p:cNvPr id="29" name="TextBox 28"/>
+          <p:cNvSpPr txBox="1"/>
+          <p:nvPr/>
+        </p:nvSpPr>
+        <p:spPr>
+          <a:xfrm>
+            <a:off x="10259687" y="4215260"/>
+            <a:ext cx="575799" cy="276999"/>
+          </a:xfrm>
+          <a:prstGeom prst="rect">
+            <a:avLst/>
+          </a:prstGeom>
+          <a:noFill/>
+          <a:ln>
+            <a:noFill/>
+          </a:ln>
+        </p:spPr>
+        <p:txBody>
+          <a:bodyPr wrap="none" rtlCol="0">
+            <a:spAutoFit/>
+          </a:bodyPr>
+          <a:lstStyle/>
+          <a:p>
+            <a:r>
+              <a:rPr lang="en-IN" sz="1200" dirty="0" smtClean="0">
+                <a:latin typeface="Verdana" panose="020B0604030504040204" pitchFamily="34" charset="0"/>
+                <a:ea typeface="Verdana" panose="020B0604030504040204" pitchFamily="34" charset="0"/>
+                <a:cs typeface="Verdana" panose="020B0604030504040204" pitchFamily="34" charset="0"/>
+              </a:rPr>
+              <a:t>2020</a:t>
+            </a:r>
+            <a:endParaRPr lang="en-IN" sz="1200" dirty="0"/>
+          </a:p>
+        </p:txBody>
+      </p:sp>
+      <p:cxnSp>
+        <p:nvCxnSpPr>
+          <p:cNvPr id="31" name="Straight Arrow Connector 30"/>
+          <p:cNvCxnSpPr>
+            <a:endCxn id="24" idx="1"/>
+          </p:cNvCxnSpPr>
+          <p:nvPr/>
+        </p:nvCxnSpPr>
+        <p:spPr>
+          <a:xfrm flipV="1">
+            <a:off x="8642896" y="4729057"/>
+            <a:ext cx="1318833" cy="943995"/>
+          </a:xfrm>
+          <a:prstGeom prst="straightConnector1">
+            <a:avLst/>
+          </a:prstGeom>
+          <a:ln>
+            <a:tailEnd type="triangle"/>
+          </a:ln>
+        </p:spPr>
+        <p:style>
+          <a:lnRef idx="1">
+            <a:schemeClr val="dk1"/>
+          </a:lnRef>
+          <a:fillRef idx="0">
+            <a:schemeClr val="dk1"/>
+          </a:fillRef>
+          <a:effectRef idx="0">
+            <a:schemeClr val="dk1"/>
+          </a:effectRef>
+          <a:fontRef idx="minor">
+            <a:schemeClr val="tx1"/>
+          </a:fontRef>
+        </p:style>
+      </p:cxnSp>
+      <p:cxnSp>
+        <p:nvCxnSpPr>
+          <p:cNvPr id="33" name="Straight Arrow Connector 32"/>
+          <p:cNvCxnSpPr/>
+          <p:nvPr/>
+        </p:nvCxnSpPr>
+        <p:spPr>
+          <a:xfrm flipV="1">
+            <a:off x="8620144" y="4078238"/>
+            <a:ext cx="1391393" cy="1064820"/>
+          </a:xfrm>
+          <a:prstGeom prst="straightConnector1">
+            <a:avLst/>
+          </a:prstGeom>
+          <a:ln>
+            <a:tailEnd type="triangle"/>
+          </a:ln>
+        </p:spPr>
+        <p:style>
+          <a:lnRef idx="1">
+            <a:schemeClr val="dk1"/>
+          </a:lnRef>
+          <a:fillRef idx="0">
+            <a:schemeClr val="dk1"/>
+          </a:fillRef>
+          <a:effectRef idx="0">
+            <a:schemeClr val="dk1"/>
+          </a:effectRef>
+          <a:fontRef idx="minor">
+            <a:schemeClr val="tx1"/>
+          </a:fontRef>
+        </p:style>
+      </p:cxnSp>
+    </p:spTree>
+    <p:extLst>
+      <p:ext uri="{BB962C8B-B14F-4D97-AF65-F5344CB8AC3E}">
+        <p14:creationId xmlns:p14="http://schemas.microsoft.com/office/powerpoint/2010/main" val="265701609"/>
+      </p:ext>
+    </p:extLst>
+  </p:cSld>
+  <p:clrMapOvr>
+    <a:masterClrMapping/>
+  </p:clrMapOvr>
+  <p:timing>
+    <p:tnLst>
+      <p:par>
+        <p:cTn id="1" dur="indefinite" restart="never" nodeType="tmRoot"/>
+      </p:par>
+    </p:tnLst>
+  </p:timing>
+</p:sld>
+</file>
+
+<file path=ppt/slides/slide14.xml><?xml version="1.0" encoding="utf-8"?>
+<p:sld xmlns:a="http://schemas.openxmlformats.org/drawingml/2006/main" xmlns:r="http://schemas.openxmlformats.org/officeDocument/2006/relationships" xmlns:p="http://schemas.openxmlformats.org/presentationml/2006/main">
+  <p:cSld>
+    <p:spTree>
+      <p:nvGrpSpPr>
+        <p:cNvPr id="1" name=""/>
+        <p:cNvGrpSpPr/>
+        <p:nvPr/>
+      </p:nvGrpSpPr>
+      <p:grpSpPr>
+        <a:xfrm>
+          <a:off x="0" y="0"/>
+          <a:ext cx="0" cy="0"/>
+          <a:chOff x="0" y="0"/>
+          <a:chExt cx="0" cy="0"/>
+        </a:xfrm>
+      </p:grpSpPr>
+      <p:sp>
+        <p:nvSpPr>
+          <p:cNvPr id="3" name="Subtitle 2"/>
+          <p:cNvSpPr>
+            <a:spLocks noGrp="1"/>
+          </p:cNvSpPr>
+          <p:nvPr>
+            <p:ph type="subTitle" idx="1"/>
+          </p:nvPr>
+        </p:nvSpPr>
+        <p:spPr>
+          <a:xfrm>
+            <a:off x="327546" y="504967"/>
+            <a:ext cx="11696132" cy="6168788"/>
+          </a:xfrm>
+        </p:spPr>
+        <p:txBody>
+          <a:bodyPr/>
+          <a:lstStyle/>
+          <a:p>
+            <a:pPr algn="l"/>
+            <a:r>
+              <a:rPr lang="en-IN" dirty="0" smtClean="0"/>
+              <a:t>Implicit Promotion of primitive data types:</a:t>
+            </a:r>
+          </a:p>
+          <a:p>
+            <a:pPr algn="l"/>
+            <a:endParaRPr lang="en-IN" dirty="0"/>
+          </a:p>
+        </p:txBody>
+      </p:sp>
+      <p:sp>
+        <p:nvSpPr>
+          <p:cNvPr id="4" name="Rectangle 3"/>
+          <p:cNvSpPr/>
+          <p:nvPr/>
+        </p:nvSpPr>
+        <p:spPr>
+          <a:xfrm>
+            <a:off x="421927" y="1806052"/>
+            <a:ext cx="696036" cy="464024"/>
+          </a:xfrm>
+          <a:prstGeom prst="rect">
+            <a:avLst/>
+          </a:prstGeom>
+        </p:spPr>
+        <p:style>
+          <a:lnRef idx="1">
+            <a:schemeClr val="accent6"/>
+          </a:lnRef>
+          <a:fillRef idx="3">
+            <a:schemeClr val="accent6"/>
+          </a:fillRef>
+          <a:effectRef idx="2">
+            <a:schemeClr val="accent6"/>
+          </a:effectRef>
+          <a:fontRef idx="minor">
+            <a:schemeClr val="lt1"/>
+          </a:fontRef>
+        </p:style>
+        <p:txBody>
+          <a:bodyPr rtlCol="0" anchor="ctr"/>
+          <a:lstStyle/>
+          <a:p>
+            <a:pPr algn="ctr"/>
+            <a:r>
+              <a:rPr lang="en-IN" sz="1400" dirty="0" smtClean="0">
+                <a:latin typeface="Verdana" panose="020B0604030504040204" pitchFamily="34" charset="0"/>
+                <a:ea typeface="Verdana" panose="020B0604030504040204" pitchFamily="34" charset="0"/>
+                <a:cs typeface="Verdana" panose="020B0604030504040204" pitchFamily="34" charset="0"/>
+              </a:rPr>
+              <a:t>byte</a:t>
+            </a:r>
+            <a:endParaRPr lang="en-IN" sz="1400" dirty="0">
+              <a:latin typeface="Verdana" panose="020B0604030504040204" pitchFamily="34" charset="0"/>
+              <a:ea typeface="Verdana" panose="020B0604030504040204" pitchFamily="34" charset="0"/>
+              <a:cs typeface="Verdana" panose="020B0604030504040204" pitchFamily="34" charset="0"/>
+            </a:endParaRPr>
+          </a:p>
+        </p:txBody>
+      </p:sp>
+      <p:sp>
+        <p:nvSpPr>
+          <p:cNvPr id="5" name="Rectangle 4"/>
+          <p:cNvSpPr/>
+          <p:nvPr/>
+        </p:nvSpPr>
+        <p:spPr>
+          <a:xfrm>
+            <a:off x="2022143" y="1305633"/>
+            <a:ext cx="696036" cy="464024"/>
+          </a:xfrm>
+          <a:prstGeom prst="rect">
+            <a:avLst/>
+          </a:prstGeom>
+        </p:spPr>
+        <p:style>
+          <a:lnRef idx="1">
+            <a:schemeClr val="accent6"/>
+          </a:lnRef>
+          <a:fillRef idx="3">
+            <a:schemeClr val="accent6"/>
+          </a:fillRef>
+          <a:effectRef idx="2">
+            <a:schemeClr val="accent6"/>
+          </a:effectRef>
+          <a:fontRef idx="minor">
+            <a:schemeClr val="lt1"/>
+          </a:fontRef>
+        </p:style>
+        <p:txBody>
+          <a:bodyPr rtlCol="0" anchor="ctr"/>
+          <a:lstStyle/>
+          <a:p>
+            <a:pPr algn="ctr"/>
+            <a:r>
+              <a:rPr lang="en-IN" sz="1400" dirty="0" smtClean="0">
+                <a:latin typeface="Verdana" panose="020B0604030504040204" pitchFamily="34" charset="0"/>
+                <a:ea typeface="Verdana" panose="020B0604030504040204" pitchFamily="34" charset="0"/>
+                <a:cs typeface="Verdana" panose="020B0604030504040204" pitchFamily="34" charset="0"/>
+              </a:rPr>
+              <a:t>short</a:t>
+            </a:r>
+            <a:endParaRPr lang="en-IN" sz="1400" dirty="0">
+              <a:latin typeface="Verdana" panose="020B0604030504040204" pitchFamily="34" charset="0"/>
+              <a:ea typeface="Verdana" panose="020B0604030504040204" pitchFamily="34" charset="0"/>
+              <a:cs typeface="Verdana" panose="020B0604030504040204" pitchFamily="34" charset="0"/>
+            </a:endParaRPr>
+          </a:p>
+        </p:txBody>
+      </p:sp>
+      <p:sp>
+        <p:nvSpPr>
+          <p:cNvPr id="6" name="Rectangle 5"/>
+          <p:cNvSpPr/>
+          <p:nvPr/>
+        </p:nvSpPr>
+        <p:spPr>
+          <a:xfrm>
+            <a:off x="3914607" y="1806052"/>
+            <a:ext cx="696036" cy="464024"/>
+          </a:xfrm>
+          <a:prstGeom prst="rect">
+            <a:avLst/>
+          </a:prstGeom>
+        </p:spPr>
+        <p:style>
+          <a:lnRef idx="1">
+            <a:schemeClr val="accent6"/>
+          </a:lnRef>
+          <a:fillRef idx="3">
+            <a:schemeClr val="accent6"/>
+          </a:fillRef>
+          <a:effectRef idx="2">
+            <a:schemeClr val="accent6"/>
+          </a:effectRef>
+          <a:fontRef idx="minor">
+            <a:schemeClr val="lt1"/>
+          </a:fontRef>
+        </p:style>
+        <p:txBody>
+          <a:bodyPr rtlCol="0" anchor="ctr"/>
+          <a:lstStyle/>
+          <a:p>
+            <a:pPr algn="ctr"/>
+            <a:r>
+              <a:rPr lang="en-IN" sz="1400" dirty="0" smtClean="0">
+                <a:latin typeface="Verdana" panose="020B0604030504040204" pitchFamily="34" charset="0"/>
+                <a:ea typeface="Verdana" panose="020B0604030504040204" pitchFamily="34" charset="0"/>
+                <a:cs typeface="Verdana" panose="020B0604030504040204" pitchFamily="34" charset="0"/>
+              </a:rPr>
+              <a:t>int</a:t>
+            </a:r>
+            <a:endParaRPr lang="en-IN" sz="1400" dirty="0">
+              <a:latin typeface="Verdana" panose="020B0604030504040204" pitchFamily="34" charset="0"/>
+              <a:ea typeface="Verdana" panose="020B0604030504040204" pitchFamily="34" charset="0"/>
+              <a:cs typeface="Verdana" panose="020B0604030504040204" pitchFamily="34" charset="0"/>
+            </a:endParaRPr>
+          </a:p>
+        </p:txBody>
+      </p:sp>
+      <p:sp>
+        <p:nvSpPr>
+          <p:cNvPr id="7" name="Rectangle 6"/>
+          <p:cNvSpPr/>
+          <p:nvPr/>
+        </p:nvSpPr>
+        <p:spPr>
+          <a:xfrm>
+            <a:off x="5693368" y="1806052"/>
+            <a:ext cx="696036" cy="464024"/>
+          </a:xfrm>
+          <a:prstGeom prst="rect">
+            <a:avLst/>
+          </a:prstGeom>
+        </p:spPr>
+        <p:style>
+          <a:lnRef idx="1">
+            <a:schemeClr val="accent6"/>
+          </a:lnRef>
+          <a:fillRef idx="3">
+            <a:schemeClr val="accent6"/>
+          </a:fillRef>
+          <a:effectRef idx="2">
+            <a:schemeClr val="accent6"/>
+          </a:effectRef>
+          <a:fontRef idx="minor">
+            <a:schemeClr val="lt1"/>
+          </a:fontRef>
+        </p:style>
+        <p:txBody>
+          <a:bodyPr rtlCol="0" anchor="ctr"/>
+          <a:lstStyle/>
+          <a:p>
+            <a:pPr algn="ctr"/>
+            <a:r>
+              <a:rPr lang="en-IN" sz="1400" dirty="0" smtClean="0">
+                <a:latin typeface="Verdana" panose="020B0604030504040204" pitchFamily="34" charset="0"/>
+                <a:ea typeface="Verdana" panose="020B0604030504040204" pitchFamily="34" charset="0"/>
+                <a:cs typeface="Verdana" panose="020B0604030504040204" pitchFamily="34" charset="0"/>
+              </a:rPr>
+              <a:t>long</a:t>
+            </a:r>
+            <a:endParaRPr lang="en-IN" sz="1400" dirty="0">
+              <a:latin typeface="Verdana" panose="020B0604030504040204" pitchFamily="34" charset="0"/>
+              <a:ea typeface="Verdana" panose="020B0604030504040204" pitchFamily="34" charset="0"/>
+              <a:cs typeface="Verdana" panose="020B0604030504040204" pitchFamily="34" charset="0"/>
+            </a:endParaRPr>
+          </a:p>
+        </p:txBody>
+      </p:sp>
+      <p:sp>
+        <p:nvSpPr>
+          <p:cNvPr id="8" name="Rectangle 7"/>
+          <p:cNvSpPr/>
+          <p:nvPr/>
+        </p:nvSpPr>
+        <p:spPr>
+          <a:xfrm>
+            <a:off x="7453935" y="1806052"/>
+            <a:ext cx="696036" cy="441273"/>
+          </a:xfrm>
+          <a:prstGeom prst="rect">
+            <a:avLst/>
+          </a:prstGeom>
+        </p:spPr>
+        <p:style>
+          <a:lnRef idx="1">
+            <a:schemeClr val="accent6"/>
+          </a:lnRef>
+          <a:fillRef idx="3">
+            <a:schemeClr val="accent6"/>
+          </a:fillRef>
+          <a:effectRef idx="2">
+            <a:schemeClr val="accent6"/>
+          </a:effectRef>
+          <a:fontRef idx="minor">
+            <a:schemeClr val="lt1"/>
+          </a:fontRef>
+        </p:style>
+        <p:txBody>
+          <a:bodyPr rtlCol="0" anchor="ctr"/>
+          <a:lstStyle/>
+          <a:p>
+            <a:pPr algn="ctr"/>
+            <a:r>
+              <a:rPr lang="en-IN" sz="1400" dirty="0" smtClean="0">
+                <a:latin typeface="Verdana" panose="020B0604030504040204" pitchFamily="34" charset="0"/>
+                <a:ea typeface="Verdana" panose="020B0604030504040204" pitchFamily="34" charset="0"/>
+                <a:cs typeface="Verdana" panose="020B0604030504040204" pitchFamily="34" charset="0"/>
+              </a:rPr>
+              <a:t>float</a:t>
+            </a:r>
+            <a:endParaRPr lang="en-IN" sz="1400" dirty="0">
+              <a:latin typeface="Verdana" panose="020B0604030504040204" pitchFamily="34" charset="0"/>
+              <a:ea typeface="Verdana" panose="020B0604030504040204" pitchFamily="34" charset="0"/>
+              <a:cs typeface="Verdana" panose="020B0604030504040204" pitchFamily="34" charset="0"/>
+            </a:endParaRPr>
+          </a:p>
+        </p:txBody>
+      </p:sp>
+      <p:sp>
+        <p:nvSpPr>
+          <p:cNvPr id="9" name="Rectangle 8"/>
+          <p:cNvSpPr/>
+          <p:nvPr/>
+        </p:nvSpPr>
+        <p:spPr>
+          <a:xfrm>
+            <a:off x="9109866" y="1783301"/>
+            <a:ext cx="798369" cy="464024"/>
+          </a:xfrm>
+          <a:prstGeom prst="rect">
+            <a:avLst/>
+          </a:prstGeom>
+        </p:spPr>
+        <p:style>
+          <a:lnRef idx="1">
+            <a:schemeClr val="accent6"/>
+          </a:lnRef>
+          <a:fillRef idx="3">
+            <a:schemeClr val="accent6"/>
+          </a:fillRef>
+          <a:effectRef idx="2">
+            <a:schemeClr val="accent6"/>
+          </a:effectRef>
+          <a:fontRef idx="minor">
+            <a:schemeClr val="lt1"/>
+          </a:fontRef>
+        </p:style>
+        <p:txBody>
+          <a:bodyPr rtlCol="0" anchor="ctr"/>
+          <a:lstStyle/>
+          <a:p>
+            <a:pPr algn="ctr"/>
+            <a:r>
+              <a:rPr lang="en-IN" sz="1400" dirty="0" smtClean="0">
+                <a:latin typeface="Verdana" panose="020B0604030504040204" pitchFamily="34" charset="0"/>
+                <a:ea typeface="Verdana" panose="020B0604030504040204" pitchFamily="34" charset="0"/>
+                <a:cs typeface="Verdana" panose="020B0604030504040204" pitchFamily="34" charset="0"/>
+              </a:rPr>
+              <a:t>double</a:t>
+            </a:r>
+            <a:endParaRPr lang="en-IN" sz="1400" dirty="0">
+              <a:latin typeface="Verdana" panose="020B0604030504040204" pitchFamily="34" charset="0"/>
+              <a:ea typeface="Verdana" panose="020B0604030504040204" pitchFamily="34" charset="0"/>
+              <a:cs typeface="Verdana" panose="020B0604030504040204" pitchFamily="34" charset="0"/>
+            </a:endParaRPr>
+          </a:p>
+        </p:txBody>
+      </p:sp>
+      <p:sp>
+        <p:nvSpPr>
+          <p:cNvPr id="11" name="Rectangle 10"/>
+          <p:cNvSpPr/>
+          <p:nvPr/>
+        </p:nvSpPr>
+        <p:spPr>
+          <a:xfrm>
+            <a:off x="2022143" y="2570323"/>
+            <a:ext cx="696036" cy="464024"/>
+          </a:xfrm>
+          <a:prstGeom prst="rect">
+            <a:avLst/>
+          </a:prstGeom>
+        </p:spPr>
+        <p:style>
+          <a:lnRef idx="1">
+            <a:schemeClr val="accent6"/>
+          </a:lnRef>
+          <a:fillRef idx="3">
+            <a:schemeClr val="accent6"/>
+          </a:fillRef>
+          <a:effectRef idx="2">
+            <a:schemeClr val="accent6"/>
+          </a:effectRef>
+          <a:fontRef idx="minor">
+            <a:schemeClr val="lt1"/>
+          </a:fontRef>
+        </p:style>
+        <p:txBody>
+          <a:bodyPr rtlCol="0" anchor="ctr"/>
+          <a:lstStyle/>
+          <a:p>
+            <a:pPr algn="ctr"/>
+            <a:r>
+              <a:rPr lang="en-IN" sz="1400" dirty="0" smtClean="0">
+                <a:latin typeface="Verdana" panose="020B0604030504040204" pitchFamily="34" charset="0"/>
+                <a:ea typeface="Verdana" panose="020B0604030504040204" pitchFamily="34" charset="0"/>
+                <a:cs typeface="Verdana" panose="020B0604030504040204" pitchFamily="34" charset="0"/>
+              </a:rPr>
+              <a:t>char</a:t>
+            </a:r>
+            <a:endParaRPr lang="en-IN" sz="1400" dirty="0">
+              <a:latin typeface="Verdana" panose="020B0604030504040204" pitchFamily="34" charset="0"/>
+              <a:ea typeface="Verdana" panose="020B0604030504040204" pitchFamily="34" charset="0"/>
+              <a:cs typeface="Verdana" panose="020B0604030504040204" pitchFamily="34" charset="0"/>
+            </a:endParaRPr>
+          </a:p>
+        </p:txBody>
+      </p:sp>
+      <p:cxnSp>
+        <p:nvCxnSpPr>
+          <p:cNvPr id="13" name="Straight Arrow Connector 12"/>
+          <p:cNvCxnSpPr>
+            <a:stCxn id="4" idx="3"/>
+            <a:endCxn id="5" idx="1"/>
+          </p:cNvCxnSpPr>
+          <p:nvPr/>
+        </p:nvCxnSpPr>
+        <p:spPr>
+          <a:xfrm flipV="1">
+            <a:off x="1117963" y="1537645"/>
+            <a:ext cx="904180" cy="500419"/>
+          </a:xfrm>
+          <a:prstGeom prst="straightConnector1">
+            <a:avLst/>
+          </a:prstGeom>
+          <a:ln>
+            <a:tailEnd type="triangle"/>
+          </a:ln>
+        </p:spPr>
+        <p:style>
+          <a:lnRef idx="1">
+            <a:schemeClr val="dk1"/>
+          </a:lnRef>
+          <a:fillRef idx="0">
+            <a:schemeClr val="dk1"/>
+          </a:fillRef>
+          <a:effectRef idx="0">
+            <a:schemeClr val="dk1"/>
+          </a:effectRef>
+          <a:fontRef idx="minor">
+            <a:schemeClr val="tx1"/>
+          </a:fontRef>
+        </p:style>
+      </p:cxnSp>
+      <p:cxnSp>
+        <p:nvCxnSpPr>
+          <p:cNvPr id="15" name="Straight Arrow Connector 14"/>
+          <p:cNvCxnSpPr>
+            <a:stCxn id="5" idx="3"/>
+            <a:endCxn id="6" idx="1"/>
+          </p:cNvCxnSpPr>
+          <p:nvPr/>
+        </p:nvCxnSpPr>
+        <p:spPr>
+          <a:xfrm>
+            <a:off x="2718179" y="1537645"/>
+            <a:ext cx="1196428" cy="500419"/>
+          </a:xfrm>
+          <a:prstGeom prst="straightConnector1">
+            <a:avLst/>
+          </a:prstGeom>
+          <a:ln>
+            <a:tailEnd type="triangle"/>
+          </a:ln>
+        </p:spPr>
+        <p:style>
+          <a:lnRef idx="1">
+            <a:schemeClr val="dk1"/>
+          </a:lnRef>
+          <a:fillRef idx="0">
+            <a:schemeClr val="dk1"/>
+          </a:fillRef>
+          <a:effectRef idx="0">
+            <a:schemeClr val="dk1"/>
+          </a:effectRef>
+          <a:fontRef idx="minor">
+            <a:schemeClr val="tx1"/>
+          </a:fontRef>
+        </p:style>
+      </p:cxnSp>
+      <p:cxnSp>
+        <p:nvCxnSpPr>
+          <p:cNvPr id="17" name="Straight Arrow Connector 16"/>
+          <p:cNvCxnSpPr>
+            <a:stCxn id="6" idx="3"/>
+            <a:endCxn id="7" idx="1"/>
+          </p:cNvCxnSpPr>
+          <p:nvPr/>
+        </p:nvCxnSpPr>
+        <p:spPr>
+          <a:xfrm>
+            <a:off x="4610643" y="2038064"/>
+            <a:ext cx="1082725" cy="0"/>
+          </a:xfrm>
+          <a:prstGeom prst="straightConnector1">
+            <a:avLst/>
+          </a:prstGeom>
+          <a:ln>
+            <a:tailEnd type="triangle"/>
+          </a:ln>
+        </p:spPr>
+        <p:style>
+          <a:lnRef idx="1">
+            <a:schemeClr val="dk1"/>
+          </a:lnRef>
+          <a:fillRef idx="0">
+            <a:schemeClr val="dk1"/>
+          </a:fillRef>
+          <a:effectRef idx="0">
+            <a:schemeClr val="dk1"/>
+          </a:effectRef>
+          <a:fontRef idx="minor">
+            <a:schemeClr val="tx1"/>
+          </a:fontRef>
+        </p:style>
+      </p:cxnSp>
+      <p:cxnSp>
+        <p:nvCxnSpPr>
+          <p:cNvPr id="19" name="Straight Arrow Connector 18"/>
+          <p:cNvCxnSpPr>
+            <a:stCxn id="7" idx="3"/>
+            <a:endCxn id="8" idx="1"/>
+          </p:cNvCxnSpPr>
+          <p:nvPr/>
+        </p:nvCxnSpPr>
+        <p:spPr>
+          <a:xfrm flipV="1">
+            <a:off x="6389404" y="2026689"/>
+            <a:ext cx="1064531" cy="11375"/>
+          </a:xfrm>
+          <a:prstGeom prst="straightConnector1">
+            <a:avLst/>
+          </a:prstGeom>
+          <a:ln>
+            <a:tailEnd type="triangle"/>
+          </a:ln>
+        </p:spPr>
+        <p:style>
+          <a:lnRef idx="1">
+            <a:schemeClr val="dk1"/>
+          </a:lnRef>
+          <a:fillRef idx="0">
+            <a:schemeClr val="dk1"/>
+          </a:fillRef>
+          <a:effectRef idx="0">
+            <a:schemeClr val="dk1"/>
+          </a:effectRef>
+          <a:fontRef idx="minor">
+            <a:schemeClr val="tx1"/>
+          </a:fontRef>
+        </p:style>
+      </p:cxnSp>
+      <p:cxnSp>
+        <p:nvCxnSpPr>
+          <p:cNvPr id="21" name="Straight Arrow Connector 20"/>
+          <p:cNvCxnSpPr>
+            <a:stCxn id="8" idx="3"/>
+            <a:endCxn id="9" idx="1"/>
+          </p:cNvCxnSpPr>
+          <p:nvPr/>
+        </p:nvCxnSpPr>
+        <p:spPr>
+          <a:xfrm flipV="1">
+            <a:off x="8149971" y="2015313"/>
+            <a:ext cx="959895" cy="11376"/>
+          </a:xfrm>
+          <a:prstGeom prst="straightConnector1">
+            <a:avLst/>
+          </a:prstGeom>
+          <a:ln>
+            <a:tailEnd type="triangle"/>
+          </a:ln>
+        </p:spPr>
+        <p:style>
+          <a:lnRef idx="1">
+            <a:schemeClr val="dk1"/>
+          </a:lnRef>
+          <a:fillRef idx="0">
+            <a:schemeClr val="dk1"/>
+          </a:fillRef>
+          <a:effectRef idx="0">
+            <a:schemeClr val="dk1"/>
+          </a:effectRef>
+          <a:fontRef idx="minor">
+            <a:schemeClr val="tx1"/>
+          </a:fontRef>
+        </p:style>
+      </p:cxnSp>
+      <p:cxnSp>
+        <p:nvCxnSpPr>
+          <p:cNvPr id="23" name="Straight Arrow Connector 22"/>
+          <p:cNvCxnSpPr>
+            <a:stCxn id="11" idx="3"/>
+            <a:endCxn id="6" idx="1"/>
+          </p:cNvCxnSpPr>
+          <p:nvPr/>
+        </p:nvCxnSpPr>
+        <p:spPr>
+          <a:xfrm flipV="1">
+            <a:off x="2718179" y="2038064"/>
+            <a:ext cx="1196428" cy="764271"/>
+          </a:xfrm>
+          <a:prstGeom prst="straightConnector1">
+            <a:avLst/>
+          </a:prstGeom>
+          <a:ln>
+            <a:tailEnd type="triangle"/>
+          </a:ln>
+        </p:spPr>
+        <p:style>
+          <a:lnRef idx="1">
+            <a:schemeClr val="dk1"/>
+          </a:lnRef>
+          <a:fillRef idx="0">
+            <a:schemeClr val="dk1"/>
+          </a:fillRef>
+          <a:effectRef idx="0">
+            <a:schemeClr val="dk1"/>
+          </a:effectRef>
+          <a:fontRef idx="minor">
+            <a:schemeClr val="tx1"/>
+          </a:fontRef>
+        </p:style>
+      </p:cxnSp>
+      <p:graphicFrame>
+        <p:nvGraphicFramePr>
+          <p:cNvPr id="24" name="Table 23"/>
+          <p:cNvGraphicFramePr>
+            <a:graphicFrameLocks noGrp="1"/>
+          </p:cNvGraphicFramePr>
+          <p:nvPr>
+            <p:extLst/>
+          </p:nvPr>
+        </p:nvGraphicFramePr>
+        <p:xfrm>
+          <a:off x="1117963" y="3589361"/>
+          <a:ext cx="8128000" cy="2966720"/>
+        </p:xfrm>
+        <a:graphic>
+          <a:graphicData uri="http://schemas.openxmlformats.org/drawingml/2006/table">
+            <a:tbl>
+              <a:tblPr firstRow="1" bandRow="1">
+                <a:tableStyleId>{638B1855-1B75-4FBE-930C-398BA8C253C6}</a:tableStyleId>
+              </a:tblPr>
+              <a:tblGrid>
+                <a:gridCol w="4064000"/>
+                <a:gridCol w="4064000"/>
+              </a:tblGrid>
+              <a:tr h="370840">
+                <a:tc>
+                  <a:txBody>
+                    <a:bodyPr/>
+                    <a:lstStyle/>
+                    <a:p>
+                      <a:r>
+                        <a:rPr lang="en-IN" dirty="0" smtClean="0">
+                          <a:solidFill>
+                            <a:schemeClr val="tx1"/>
+                          </a:solidFill>
+                        </a:rPr>
+                        <a:t>Primitive Data Type</a:t>
+                      </a:r>
+                      <a:endParaRPr lang="en-IN" dirty="0">
+                        <a:solidFill>
+                          <a:schemeClr val="tx1"/>
+                        </a:solidFill>
+                      </a:endParaRPr>
+                    </a:p>
+                  </a:txBody>
+                  <a:tcPr>
+                    <a:lnL w="12700" cap="flat" cmpd="sng" algn="ctr">
+                      <a:solidFill>
+                        <a:schemeClr val="tx1"/>
+                      </a:solidFill>
+                      <a:prstDash val="solid"/>
+                      <a:round/>
+                      <a:headEnd type="none" w="med" len="med"/>
+                      <a:tailEnd type="none" w="med" len="med"/>
+                    </a:lnL>
+                    <a:lnR w="12700" cap="flat" cmpd="sng" algn="ctr">
+                      <a:solidFill>
+                        <a:schemeClr val="tx1"/>
+                      </a:solidFill>
+                      <a:prstDash val="solid"/>
+                      <a:round/>
+                      <a:headEnd type="none" w="med" len="med"/>
+                      <a:tailEnd type="none" w="med" len="med"/>
+                    </a:lnR>
+                    <a:lnT w="12700" cap="flat" cmpd="sng" algn="ctr">
+                      <a:solidFill>
+                        <a:schemeClr val="tx1"/>
+                      </a:solidFill>
+                      <a:prstDash val="solid"/>
+                      <a:round/>
+                      <a:headEnd type="none" w="med" len="med"/>
+                      <a:tailEnd type="none" w="med" len="med"/>
+                    </a:lnT>
+                    <a:lnB w="12700" cap="flat" cmpd="sng" algn="ctr">
+                      <a:solidFill>
+                        <a:schemeClr val="tx1"/>
+                      </a:solidFill>
+                      <a:prstDash val="solid"/>
+                      <a:round/>
+                      <a:headEnd type="none" w="med" len="med"/>
+                      <a:tailEnd type="none" w="med" len="med"/>
+                    </a:lnB>
+                  </a:tcPr>
+                </a:tc>
+                <a:tc>
+                  <a:txBody>
+                    <a:bodyPr/>
+                    <a:lstStyle/>
+                    <a:p>
+                      <a:r>
+                        <a:rPr lang="en-IN" dirty="0" smtClean="0">
+                          <a:solidFill>
+                            <a:schemeClr val="tx1"/>
+                          </a:solidFill>
+                        </a:rPr>
+                        <a:t>Can be implicit promoted to </a:t>
+                      </a:r>
+                      <a:endParaRPr lang="en-IN" dirty="0">
+                        <a:solidFill>
+                          <a:schemeClr val="tx1"/>
+                        </a:solidFill>
+                      </a:endParaRPr>
+                    </a:p>
+                  </a:txBody>
+                  <a:tcPr>
+                    <a:lnL w="12700" cap="flat" cmpd="sng" algn="ctr">
+                      <a:solidFill>
+                        <a:schemeClr val="tx1"/>
+                      </a:solidFill>
+                      <a:prstDash val="solid"/>
+                      <a:round/>
+                      <a:headEnd type="none" w="med" len="med"/>
+                      <a:tailEnd type="none" w="med" len="med"/>
+                    </a:lnL>
+                    <a:lnR w="12700" cap="flat" cmpd="sng" algn="ctr">
+                      <a:solidFill>
+                        <a:schemeClr val="tx1"/>
+                      </a:solidFill>
+                      <a:prstDash val="solid"/>
+                      <a:round/>
+                      <a:headEnd type="none" w="med" len="med"/>
+                      <a:tailEnd type="none" w="med" len="med"/>
+                    </a:lnR>
+                    <a:lnT w="12700" cap="flat" cmpd="sng" algn="ctr">
+                      <a:solidFill>
+                        <a:schemeClr val="tx1"/>
+                      </a:solidFill>
+                      <a:prstDash val="solid"/>
+                      <a:round/>
+                      <a:headEnd type="none" w="med" len="med"/>
+                      <a:tailEnd type="none" w="med" len="med"/>
+                    </a:lnT>
+                    <a:lnB w="12700" cap="flat" cmpd="sng" algn="ctr">
+                      <a:solidFill>
+                        <a:schemeClr val="tx1"/>
+                      </a:solidFill>
+                      <a:prstDash val="solid"/>
+                      <a:round/>
+                      <a:headEnd type="none" w="med" len="med"/>
+                      <a:tailEnd type="none" w="med" len="med"/>
+                    </a:lnB>
+                  </a:tcPr>
+                </a:tc>
+              </a:tr>
+              <a:tr h="370840">
+                <a:tc>
+                  <a:txBody>
+                    <a:bodyPr/>
+                    <a:lstStyle/>
+                    <a:p>
+                      <a:r>
+                        <a:rPr lang="en-IN" dirty="0" smtClean="0"/>
+                        <a:t>byte</a:t>
+                      </a:r>
+                      <a:endParaRPr lang="en-IN" dirty="0"/>
+                    </a:p>
+                  </a:txBody>
+                  <a:tcPr>
+                    <a:lnL w="12700" cap="flat" cmpd="sng" algn="ctr">
+                      <a:solidFill>
+                        <a:schemeClr val="tx1"/>
+                      </a:solidFill>
+                      <a:prstDash val="solid"/>
+                      <a:round/>
+                      <a:headEnd type="none" w="med" len="med"/>
+                      <a:tailEnd type="none" w="med" len="med"/>
+                    </a:lnL>
+                    <a:lnR w="12700" cap="flat" cmpd="sng" algn="ctr">
+                      <a:solidFill>
+                        <a:schemeClr val="tx1"/>
+                      </a:solidFill>
+                      <a:prstDash val="solid"/>
+                      <a:round/>
+                      <a:headEnd type="none" w="med" len="med"/>
+                      <a:tailEnd type="none" w="med" len="med"/>
+                    </a:lnR>
+                    <a:lnT w="12700" cap="flat" cmpd="sng" algn="ctr">
+                      <a:solidFill>
+                        <a:schemeClr val="tx1"/>
+                      </a:solidFill>
+                      <a:prstDash val="solid"/>
+                      <a:round/>
+                      <a:headEnd type="none" w="med" len="med"/>
+                      <a:tailEnd type="none" w="med" len="med"/>
+                    </a:lnT>
+                    <a:lnB w="12700" cap="flat" cmpd="sng" algn="ctr">
+                      <a:solidFill>
+                        <a:schemeClr val="tx1"/>
+                      </a:solidFill>
+                      <a:prstDash val="solid"/>
+                      <a:round/>
+                      <a:headEnd type="none" w="med" len="med"/>
+                      <a:tailEnd type="none" w="med" len="med"/>
+                    </a:lnB>
+                  </a:tcPr>
+                </a:tc>
+                <a:tc>
+                  <a:txBody>
+                    <a:bodyPr/>
+                    <a:lstStyle/>
+                    <a:p>
+                      <a:r>
+                        <a:rPr lang="en-IN" dirty="0" smtClean="0"/>
+                        <a:t>short, int , long, float, double</a:t>
+                      </a:r>
+                      <a:endParaRPr lang="en-IN" dirty="0"/>
+                    </a:p>
+                  </a:txBody>
+                  <a:tcPr>
+                    <a:lnL w="12700" cap="flat" cmpd="sng" algn="ctr">
+                      <a:solidFill>
+                        <a:schemeClr val="tx1"/>
+                      </a:solidFill>
+                      <a:prstDash val="solid"/>
+                      <a:round/>
+                      <a:headEnd type="none" w="med" len="med"/>
+                      <a:tailEnd type="none" w="med" len="med"/>
+                    </a:lnL>
+                    <a:lnR w="12700" cap="flat" cmpd="sng" algn="ctr">
+                      <a:solidFill>
+                        <a:schemeClr val="tx1"/>
+                      </a:solidFill>
+                      <a:prstDash val="solid"/>
+                      <a:round/>
+                      <a:headEnd type="none" w="med" len="med"/>
+                      <a:tailEnd type="none" w="med" len="med"/>
+                    </a:lnR>
+                    <a:lnT w="12700" cap="flat" cmpd="sng" algn="ctr">
+                      <a:solidFill>
+                        <a:schemeClr val="tx1"/>
+                      </a:solidFill>
+                      <a:prstDash val="solid"/>
+                      <a:round/>
+                      <a:headEnd type="none" w="med" len="med"/>
+                      <a:tailEnd type="none" w="med" len="med"/>
+                    </a:lnT>
+                    <a:lnB w="12700" cap="flat" cmpd="sng" algn="ctr">
+                      <a:solidFill>
+                        <a:schemeClr val="tx1"/>
+                      </a:solidFill>
+                      <a:prstDash val="solid"/>
+                      <a:round/>
+                      <a:headEnd type="none" w="med" len="med"/>
+                      <a:tailEnd type="none" w="med" len="med"/>
+                    </a:lnB>
+                  </a:tcPr>
+                </a:tc>
+              </a:tr>
+              <a:tr h="370840">
+                <a:tc>
+                  <a:txBody>
+                    <a:bodyPr/>
+                    <a:lstStyle/>
+                    <a:p>
+                      <a:r>
+                        <a:rPr lang="en-IN" dirty="0" smtClean="0"/>
+                        <a:t>short</a:t>
+                      </a:r>
+                      <a:endParaRPr lang="en-IN" dirty="0"/>
+                    </a:p>
+                  </a:txBody>
+                  <a:tcPr>
+                    <a:lnL w="12700" cap="flat" cmpd="sng" algn="ctr">
+                      <a:solidFill>
+                        <a:schemeClr val="tx1"/>
+                      </a:solidFill>
+                      <a:prstDash val="solid"/>
+                      <a:round/>
+                      <a:headEnd type="none" w="med" len="med"/>
+                      <a:tailEnd type="none" w="med" len="med"/>
+                    </a:lnL>
+                    <a:lnR w="12700" cap="flat" cmpd="sng" algn="ctr">
+                      <a:solidFill>
+                        <a:schemeClr val="tx1"/>
+                      </a:solidFill>
+                      <a:prstDash val="solid"/>
+                      <a:round/>
+                      <a:headEnd type="none" w="med" len="med"/>
+                      <a:tailEnd type="none" w="med" len="med"/>
+                    </a:lnR>
+                    <a:lnT w="12700" cap="flat" cmpd="sng" algn="ctr">
+                      <a:solidFill>
+                        <a:schemeClr val="tx1"/>
+                      </a:solidFill>
+                      <a:prstDash val="solid"/>
+                      <a:round/>
+                      <a:headEnd type="none" w="med" len="med"/>
+                      <a:tailEnd type="none" w="med" len="med"/>
+                    </a:lnT>
+                    <a:lnB w="12700" cap="flat" cmpd="sng" algn="ctr">
+                      <a:solidFill>
+                        <a:schemeClr val="tx1"/>
+                      </a:solidFill>
+                      <a:prstDash val="solid"/>
+                      <a:round/>
+                      <a:headEnd type="none" w="med" len="med"/>
+                      <a:tailEnd type="none" w="med" len="med"/>
+                    </a:lnB>
+                  </a:tcPr>
+                </a:tc>
+                <a:tc>
+                  <a:txBody>
+                    <a:bodyPr/>
+                    <a:lstStyle/>
+                    <a:p>
+                      <a:r>
+                        <a:rPr lang="en-IN" dirty="0" smtClean="0"/>
+                        <a:t>int,</a:t>
+                      </a:r>
+                      <a:r>
+                        <a:rPr lang="en-IN" baseline="0" dirty="0" smtClean="0"/>
+                        <a:t> long, float, double</a:t>
+                      </a:r>
+                      <a:endParaRPr lang="en-IN" dirty="0"/>
+                    </a:p>
+                  </a:txBody>
+                  <a:tcPr>
+                    <a:lnL w="12700" cap="flat" cmpd="sng" algn="ctr">
+                      <a:solidFill>
+                        <a:schemeClr val="tx1"/>
+                      </a:solidFill>
+                      <a:prstDash val="solid"/>
+                      <a:round/>
+                      <a:headEnd type="none" w="med" len="med"/>
+                      <a:tailEnd type="none" w="med" len="med"/>
+                    </a:lnL>
+                    <a:lnR w="12700" cap="flat" cmpd="sng" algn="ctr">
+                      <a:solidFill>
+                        <a:schemeClr val="tx1"/>
+                      </a:solidFill>
+                      <a:prstDash val="solid"/>
+                      <a:round/>
+                      <a:headEnd type="none" w="med" len="med"/>
+                      <a:tailEnd type="none" w="med" len="med"/>
+                    </a:lnR>
+                    <a:lnT w="12700" cap="flat" cmpd="sng" algn="ctr">
+                      <a:solidFill>
+                        <a:schemeClr val="tx1"/>
+                      </a:solidFill>
+                      <a:prstDash val="solid"/>
+                      <a:round/>
+                      <a:headEnd type="none" w="med" len="med"/>
+                      <a:tailEnd type="none" w="med" len="med"/>
+                    </a:lnT>
+                    <a:lnB w="12700" cap="flat" cmpd="sng" algn="ctr">
+                      <a:solidFill>
+                        <a:schemeClr val="tx1"/>
+                      </a:solidFill>
+                      <a:prstDash val="solid"/>
+                      <a:round/>
+                      <a:headEnd type="none" w="med" len="med"/>
+                      <a:tailEnd type="none" w="med" len="med"/>
+                    </a:lnB>
+                  </a:tcPr>
+                </a:tc>
+              </a:tr>
+              <a:tr h="370840">
+                <a:tc>
+                  <a:txBody>
+                    <a:bodyPr/>
+                    <a:lstStyle/>
+                    <a:p>
+                      <a:r>
+                        <a:rPr lang="en-IN" dirty="0" smtClean="0"/>
+                        <a:t>char</a:t>
+                      </a:r>
+                      <a:endParaRPr lang="en-IN" dirty="0"/>
+                    </a:p>
+                  </a:txBody>
+                  <a:tcPr>
+                    <a:lnL w="12700" cap="flat" cmpd="sng" algn="ctr">
+                      <a:solidFill>
+                        <a:schemeClr val="tx1"/>
+                      </a:solidFill>
+                      <a:prstDash val="solid"/>
+                      <a:round/>
+                      <a:headEnd type="none" w="med" len="med"/>
+                      <a:tailEnd type="none" w="med" len="med"/>
+                    </a:lnL>
+                    <a:lnR w="12700" cap="flat" cmpd="sng" algn="ctr">
+                      <a:solidFill>
+                        <a:schemeClr val="tx1"/>
+                      </a:solidFill>
+                      <a:prstDash val="solid"/>
+                      <a:round/>
+                      <a:headEnd type="none" w="med" len="med"/>
+                      <a:tailEnd type="none" w="med" len="med"/>
+                    </a:lnR>
+                    <a:lnT w="12700" cap="flat" cmpd="sng" algn="ctr">
+                      <a:solidFill>
+                        <a:schemeClr val="tx1"/>
+                      </a:solidFill>
+                      <a:prstDash val="solid"/>
+                      <a:round/>
+                      <a:headEnd type="none" w="med" len="med"/>
+                      <a:tailEnd type="none" w="med" len="med"/>
+                    </a:lnT>
+                    <a:lnB w="12700" cap="flat" cmpd="sng" algn="ctr">
+                      <a:solidFill>
+                        <a:schemeClr val="tx1"/>
+                      </a:solidFill>
+                      <a:prstDash val="solid"/>
+                      <a:round/>
+                      <a:headEnd type="none" w="med" len="med"/>
+                      <a:tailEnd type="none" w="med" len="med"/>
+                    </a:lnB>
+                  </a:tcPr>
+                </a:tc>
+                <a:tc>
+                  <a:txBody>
+                    <a:bodyPr/>
+                    <a:lstStyle/>
+                    <a:p>
+                      <a:r>
+                        <a:rPr lang="en-IN" dirty="0" smtClean="0"/>
+                        <a:t>int, long, float,</a:t>
+                      </a:r>
+                      <a:r>
+                        <a:rPr lang="en-IN" baseline="0" dirty="0" smtClean="0"/>
+                        <a:t> double</a:t>
+                      </a:r>
+                      <a:endParaRPr lang="en-IN" dirty="0"/>
+                    </a:p>
+                  </a:txBody>
+                  <a:tcPr>
+                    <a:lnL w="12700" cap="flat" cmpd="sng" algn="ctr">
+                      <a:solidFill>
+                        <a:schemeClr val="tx1"/>
+                      </a:solidFill>
+                      <a:prstDash val="solid"/>
+                      <a:round/>
+                      <a:headEnd type="none" w="med" len="med"/>
+                      <a:tailEnd type="none" w="med" len="med"/>
+                    </a:lnL>
+                    <a:lnR w="12700" cap="flat" cmpd="sng" algn="ctr">
+                      <a:solidFill>
+                        <a:schemeClr val="tx1"/>
+                      </a:solidFill>
+                      <a:prstDash val="solid"/>
+                      <a:round/>
+                      <a:headEnd type="none" w="med" len="med"/>
+                      <a:tailEnd type="none" w="med" len="med"/>
+                    </a:lnR>
+                    <a:lnT w="12700" cap="flat" cmpd="sng" algn="ctr">
+                      <a:solidFill>
+                        <a:schemeClr val="tx1"/>
+                      </a:solidFill>
+                      <a:prstDash val="solid"/>
+                      <a:round/>
+                      <a:headEnd type="none" w="med" len="med"/>
+                      <a:tailEnd type="none" w="med" len="med"/>
+                    </a:lnT>
+                    <a:lnB w="12700" cap="flat" cmpd="sng" algn="ctr">
+                      <a:solidFill>
+                        <a:schemeClr val="tx1"/>
+                      </a:solidFill>
+                      <a:prstDash val="solid"/>
+                      <a:round/>
+                      <a:headEnd type="none" w="med" len="med"/>
+                      <a:tailEnd type="none" w="med" len="med"/>
+                    </a:lnB>
+                  </a:tcPr>
+                </a:tc>
+              </a:tr>
+              <a:tr h="370840">
+                <a:tc>
+                  <a:txBody>
+                    <a:bodyPr/>
+                    <a:lstStyle/>
+                    <a:p>
+                      <a:r>
+                        <a:rPr lang="en-IN" dirty="0" smtClean="0"/>
+                        <a:t>int</a:t>
+                      </a:r>
+                      <a:endParaRPr lang="en-IN" dirty="0"/>
+                    </a:p>
+                  </a:txBody>
+                  <a:tcPr>
+                    <a:lnL w="12700" cap="flat" cmpd="sng" algn="ctr">
+                      <a:solidFill>
+                        <a:schemeClr val="tx1"/>
+                      </a:solidFill>
+                      <a:prstDash val="solid"/>
+                      <a:round/>
+                      <a:headEnd type="none" w="med" len="med"/>
+                      <a:tailEnd type="none" w="med" len="med"/>
+                    </a:lnL>
+                    <a:lnR w="12700" cap="flat" cmpd="sng" algn="ctr">
+                      <a:solidFill>
+                        <a:schemeClr val="tx1"/>
+                      </a:solidFill>
+                      <a:prstDash val="solid"/>
+                      <a:round/>
+                      <a:headEnd type="none" w="med" len="med"/>
+                      <a:tailEnd type="none" w="med" len="med"/>
+                    </a:lnR>
+                    <a:lnT w="12700" cap="flat" cmpd="sng" algn="ctr">
+                      <a:solidFill>
+                        <a:schemeClr val="tx1"/>
+                      </a:solidFill>
+                      <a:prstDash val="solid"/>
+                      <a:round/>
+                      <a:headEnd type="none" w="med" len="med"/>
+                      <a:tailEnd type="none" w="med" len="med"/>
+                    </a:lnT>
+                    <a:lnB w="12700" cap="flat" cmpd="sng" algn="ctr">
+                      <a:solidFill>
+                        <a:schemeClr val="tx1"/>
+                      </a:solidFill>
+                      <a:prstDash val="solid"/>
+                      <a:round/>
+                      <a:headEnd type="none" w="med" len="med"/>
+                      <a:tailEnd type="none" w="med" len="med"/>
+                    </a:lnB>
+                  </a:tcPr>
+                </a:tc>
+                <a:tc>
+                  <a:txBody>
+                    <a:bodyPr/>
+                    <a:lstStyle/>
+                    <a:p>
+                      <a:r>
+                        <a:rPr lang="en-IN" dirty="0" smtClean="0"/>
+                        <a:t>long, float, double</a:t>
+                      </a:r>
+                      <a:endParaRPr lang="en-IN" dirty="0"/>
+                    </a:p>
+                  </a:txBody>
+                  <a:tcPr>
+                    <a:lnL w="12700" cap="flat" cmpd="sng" algn="ctr">
+                      <a:solidFill>
+                        <a:schemeClr val="tx1"/>
+                      </a:solidFill>
+                      <a:prstDash val="solid"/>
+                      <a:round/>
+                      <a:headEnd type="none" w="med" len="med"/>
+                      <a:tailEnd type="none" w="med" len="med"/>
+                    </a:lnL>
+                    <a:lnR w="12700" cap="flat" cmpd="sng" algn="ctr">
+                      <a:solidFill>
+                        <a:schemeClr val="tx1"/>
+                      </a:solidFill>
+                      <a:prstDash val="solid"/>
+                      <a:round/>
+                      <a:headEnd type="none" w="med" len="med"/>
+                      <a:tailEnd type="none" w="med" len="med"/>
+                    </a:lnR>
+                    <a:lnT w="12700" cap="flat" cmpd="sng" algn="ctr">
+                      <a:solidFill>
+                        <a:schemeClr val="tx1"/>
+                      </a:solidFill>
+                      <a:prstDash val="solid"/>
+                      <a:round/>
+                      <a:headEnd type="none" w="med" len="med"/>
+                      <a:tailEnd type="none" w="med" len="med"/>
+                    </a:lnT>
+                    <a:lnB w="12700" cap="flat" cmpd="sng" algn="ctr">
+                      <a:solidFill>
+                        <a:schemeClr val="tx1"/>
+                      </a:solidFill>
+                      <a:prstDash val="solid"/>
+                      <a:round/>
+                      <a:headEnd type="none" w="med" len="med"/>
+                      <a:tailEnd type="none" w="med" len="med"/>
+                    </a:lnB>
+                  </a:tcPr>
+                </a:tc>
+              </a:tr>
+              <a:tr h="370840">
+                <a:tc>
+                  <a:txBody>
+                    <a:bodyPr/>
+                    <a:lstStyle/>
+                    <a:p>
+                      <a:r>
+                        <a:rPr lang="en-IN" dirty="0" smtClean="0"/>
+                        <a:t>long</a:t>
+                      </a:r>
+                      <a:endParaRPr lang="en-IN" dirty="0"/>
+                    </a:p>
+                  </a:txBody>
+                  <a:tcPr>
+                    <a:lnL w="12700" cap="flat" cmpd="sng" algn="ctr">
+                      <a:solidFill>
+                        <a:schemeClr val="tx1"/>
+                      </a:solidFill>
+                      <a:prstDash val="solid"/>
+                      <a:round/>
+                      <a:headEnd type="none" w="med" len="med"/>
+                      <a:tailEnd type="none" w="med" len="med"/>
+                    </a:lnL>
+                    <a:lnR w="12700" cap="flat" cmpd="sng" algn="ctr">
+                      <a:solidFill>
+                        <a:schemeClr val="tx1"/>
+                      </a:solidFill>
+                      <a:prstDash val="solid"/>
+                      <a:round/>
+                      <a:headEnd type="none" w="med" len="med"/>
+                      <a:tailEnd type="none" w="med" len="med"/>
+                    </a:lnR>
+                    <a:lnT w="12700" cap="flat" cmpd="sng" algn="ctr">
+                      <a:solidFill>
+                        <a:schemeClr val="tx1"/>
+                      </a:solidFill>
+                      <a:prstDash val="solid"/>
+                      <a:round/>
+                      <a:headEnd type="none" w="med" len="med"/>
+                      <a:tailEnd type="none" w="med" len="med"/>
+                    </a:lnT>
+                    <a:lnB w="12700" cap="flat" cmpd="sng" algn="ctr">
+                      <a:solidFill>
+                        <a:schemeClr val="tx1"/>
+                      </a:solidFill>
+                      <a:prstDash val="solid"/>
+                      <a:round/>
+                      <a:headEnd type="none" w="med" len="med"/>
+                      <a:tailEnd type="none" w="med" len="med"/>
+                    </a:lnB>
+                  </a:tcPr>
+                </a:tc>
+                <a:tc>
+                  <a:txBody>
+                    <a:bodyPr/>
+                    <a:lstStyle/>
+                    <a:p>
+                      <a:r>
+                        <a:rPr lang="en-IN" dirty="0" smtClean="0"/>
+                        <a:t>float, double</a:t>
+                      </a:r>
+                      <a:endParaRPr lang="en-IN" dirty="0"/>
+                    </a:p>
+                  </a:txBody>
+                  <a:tcPr>
+                    <a:lnL w="12700" cap="flat" cmpd="sng" algn="ctr">
+                      <a:solidFill>
+                        <a:schemeClr val="tx1"/>
+                      </a:solidFill>
+                      <a:prstDash val="solid"/>
+                      <a:round/>
+                      <a:headEnd type="none" w="med" len="med"/>
+                      <a:tailEnd type="none" w="med" len="med"/>
+                    </a:lnL>
+                    <a:lnR w="12700" cap="flat" cmpd="sng" algn="ctr">
+                      <a:solidFill>
+                        <a:schemeClr val="tx1"/>
+                      </a:solidFill>
+                      <a:prstDash val="solid"/>
+                      <a:round/>
+                      <a:headEnd type="none" w="med" len="med"/>
+                      <a:tailEnd type="none" w="med" len="med"/>
+                    </a:lnR>
+                    <a:lnT w="12700" cap="flat" cmpd="sng" algn="ctr">
+                      <a:solidFill>
+                        <a:schemeClr val="tx1"/>
+                      </a:solidFill>
+                      <a:prstDash val="solid"/>
+                      <a:round/>
+                      <a:headEnd type="none" w="med" len="med"/>
+                      <a:tailEnd type="none" w="med" len="med"/>
+                    </a:lnT>
+                    <a:lnB w="12700" cap="flat" cmpd="sng" algn="ctr">
+                      <a:solidFill>
+                        <a:schemeClr val="tx1"/>
+                      </a:solidFill>
+                      <a:prstDash val="solid"/>
+                      <a:round/>
+                      <a:headEnd type="none" w="med" len="med"/>
+                      <a:tailEnd type="none" w="med" len="med"/>
+                    </a:lnB>
+                  </a:tcPr>
+                </a:tc>
+              </a:tr>
+              <a:tr h="370840">
+                <a:tc>
+                  <a:txBody>
+                    <a:bodyPr/>
+                    <a:lstStyle/>
+                    <a:p>
+                      <a:r>
+                        <a:rPr lang="en-IN" dirty="0" smtClean="0"/>
+                        <a:t>float</a:t>
+                      </a:r>
+                      <a:endParaRPr lang="en-IN" dirty="0"/>
+                    </a:p>
+                  </a:txBody>
+                  <a:tcPr>
+                    <a:lnL w="12700" cap="flat" cmpd="sng" algn="ctr">
+                      <a:solidFill>
+                        <a:schemeClr val="tx1"/>
+                      </a:solidFill>
+                      <a:prstDash val="solid"/>
+                      <a:round/>
+                      <a:headEnd type="none" w="med" len="med"/>
+                      <a:tailEnd type="none" w="med" len="med"/>
+                    </a:lnL>
+                    <a:lnR w="12700" cap="flat" cmpd="sng" algn="ctr">
+                      <a:solidFill>
+                        <a:schemeClr val="tx1"/>
+                      </a:solidFill>
+                      <a:prstDash val="solid"/>
+                      <a:round/>
+                      <a:headEnd type="none" w="med" len="med"/>
+                      <a:tailEnd type="none" w="med" len="med"/>
+                    </a:lnR>
+                    <a:lnT w="12700" cap="flat" cmpd="sng" algn="ctr">
+                      <a:solidFill>
+                        <a:schemeClr val="tx1"/>
+                      </a:solidFill>
+                      <a:prstDash val="solid"/>
+                      <a:round/>
+                      <a:headEnd type="none" w="med" len="med"/>
+                      <a:tailEnd type="none" w="med" len="med"/>
+                    </a:lnT>
+                    <a:lnB w="12700" cap="flat" cmpd="sng" algn="ctr">
+                      <a:solidFill>
+                        <a:schemeClr val="tx1"/>
+                      </a:solidFill>
+                      <a:prstDash val="solid"/>
+                      <a:round/>
+                      <a:headEnd type="none" w="med" len="med"/>
+                      <a:tailEnd type="none" w="med" len="med"/>
+                    </a:lnB>
+                  </a:tcPr>
+                </a:tc>
+                <a:tc>
+                  <a:txBody>
+                    <a:bodyPr/>
+                    <a:lstStyle/>
+                    <a:p>
+                      <a:r>
+                        <a:rPr lang="en-IN" dirty="0" smtClean="0"/>
+                        <a:t>double</a:t>
+                      </a:r>
+                      <a:endParaRPr lang="en-IN" dirty="0"/>
+                    </a:p>
+                  </a:txBody>
+                  <a:tcPr>
+                    <a:lnL w="12700" cap="flat" cmpd="sng" algn="ctr">
+                      <a:solidFill>
+                        <a:schemeClr val="tx1"/>
+                      </a:solidFill>
+                      <a:prstDash val="solid"/>
+                      <a:round/>
+                      <a:headEnd type="none" w="med" len="med"/>
+                      <a:tailEnd type="none" w="med" len="med"/>
+                    </a:lnL>
+                    <a:lnR w="12700" cap="flat" cmpd="sng" algn="ctr">
+                      <a:solidFill>
+                        <a:schemeClr val="tx1"/>
+                      </a:solidFill>
+                      <a:prstDash val="solid"/>
+                      <a:round/>
+                      <a:headEnd type="none" w="med" len="med"/>
+                      <a:tailEnd type="none" w="med" len="med"/>
+                    </a:lnR>
+                    <a:lnT w="12700" cap="flat" cmpd="sng" algn="ctr">
+                      <a:solidFill>
+                        <a:schemeClr val="tx1"/>
+                      </a:solidFill>
+                      <a:prstDash val="solid"/>
+                      <a:round/>
+                      <a:headEnd type="none" w="med" len="med"/>
+                      <a:tailEnd type="none" w="med" len="med"/>
+                    </a:lnT>
+                    <a:lnB w="12700" cap="flat" cmpd="sng" algn="ctr">
+                      <a:solidFill>
+                        <a:schemeClr val="tx1"/>
+                      </a:solidFill>
+                      <a:prstDash val="solid"/>
+                      <a:round/>
+                      <a:headEnd type="none" w="med" len="med"/>
+                      <a:tailEnd type="none" w="med" len="med"/>
+                    </a:lnB>
+                  </a:tcPr>
+                </a:tc>
+              </a:tr>
+              <a:tr h="370840">
+                <a:tc>
+                  <a:txBody>
+                    <a:bodyPr/>
+                    <a:lstStyle/>
+                    <a:p>
+                      <a:r>
+                        <a:rPr lang="en-IN" dirty="0" smtClean="0"/>
+                        <a:t>boolean</a:t>
+                      </a:r>
+                      <a:endParaRPr lang="en-IN" dirty="0"/>
+                    </a:p>
+                  </a:txBody>
+                  <a:tcPr>
+                    <a:lnL w="12700" cap="flat" cmpd="sng" algn="ctr">
+                      <a:solidFill>
+                        <a:schemeClr val="tx1"/>
+                      </a:solidFill>
+                      <a:prstDash val="solid"/>
+                      <a:round/>
+                      <a:headEnd type="none" w="med" len="med"/>
+                      <a:tailEnd type="none" w="med" len="med"/>
+                    </a:lnL>
+                    <a:lnR w="12700" cap="flat" cmpd="sng" algn="ctr">
+                      <a:solidFill>
+                        <a:schemeClr val="tx1"/>
+                      </a:solidFill>
+                      <a:prstDash val="solid"/>
+                      <a:round/>
+                      <a:headEnd type="none" w="med" len="med"/>
+                      <a:tailEnd type="none" w="med" len="med"/>
+                    </a:lnR>
+                    <a:lnT w="12700" cap="flat" cmpd="sng" algn="ctr">
+                      <a:solidFill>
+                        <a:schemeClr val="tx1"/>
+                      </a:solidFill>
+                      <a:prstDash val="solid"/>
+                      <a:round/>
+                      <a:headEnd type="none" w="med" len="med"/>
+                      <a:tailEnd type="none" w="med" len="med"/>
+                    </a:lnT>
+                    <a:lnB w="12700" cap="flat" cmpd="sng" algn="ctr">
+                      <a:solidFill>
+                        <a:schemeClr val="tx1"/>
+                      </a:solidFill>
+                      <a:prstDash val="solid"/>
+                      <a:round/>
+                      <a:headEnd type="none" w="med" len="med"/>
+                      <a:tailEnd type="none" w="med" len="med"/>
+                    </a:lnB>
+                  </a:tcPr>
+                </a:tc>
+                <a:tc>
+                  <a:txBody>
+                    <a:bodyPr/>
+                    <a:lstStyle/>
+                    <a:p>
+                      <a:r>
+                        <a:rPr lang="en-IN" dirty="0" smtClean="0"/>
+                        <a:t>-</a:t>
+                      </a:r>
+                      <a:endParaRPr lang="en-IN" dirty="0"/>
+                    </a:p>
+                  </a:txBody>
+                  <a:tcPr>
+                    <a:lnL w="12700" cap="flat" cmpd="sng" algn="ctr">
+                      <a:solidFill>
+                        <a:schemeClr val="tx1"/>
+                      </a:solidFill>
+                      <a:prstDash val="solid"/>
+                      <a:round/>
+                      <a:headEnd type="none" w="med" len="med"/>
+                      <a:tailEnd type="none" w="med" len="med"/>
+                    </a:lnL>
+                    <a:lnR w="12700" cap="flat" cmpd="sng" algn="ctr">
+                      <a:solidFill>
+                        <a:schemeClr val="tx1"/>
+                      </a:solidFill>
+                      <a:prstDash val="solid"/>
+                      <a:round/>
+                      <a:headEnd type="none" w="med" len="med"/>
+                      <a:tailEnd type="none" w="med" len="med"/>
+                    </a:lnR>
+                    <a:lnT w="12700" cap="flat" cmpd="sng" algn="ctr">
+                      <a:solidFill>
+                        <a:schemeClr val="tx1"/>
+                      </a:solidFill>
+                      <a:prstDash val="solid"/>
+                      <a:round/>
+                      <a:headEnd type="none" w="med" len="med"/>
+                      <a:tailEnd type="none" w="med" len="med"/>
+                    </a:lnT>
+                    <a:lnB w="12700" cap="flat" cmpd="sng" algn="ctr">
+                      <a:solidFill>
+                        <a:schemeClr val="tx1"/>
+                      </a:solidFill>
+                      <a:prstDash val="solid"/>
+                      <a:round/>
+                      <a:headEnd type="none" w="med" len="med"/>
+                      <a:tailEnd type="none" w="med" len="med"/>
+                    </a:lnB>
+                  </a:tcPr>
+                </a:tc>
+              </a:tr>
+            </a:tbl>
+          </a:graphicData>
+        </a:graphic>
+      </p:graphicFrame>
+    </p:spTree>
+    <p:extLst>
+      <p:ext uri="{BB962C8B-B14F-4D97-AF65-F5344CB8AC3E}">
+        <p14:creationId xmlns:p14="http://schemas.microsoft.com/office/powerpoint/2010/main" val="2560929761"/>
+      </p:ext>
+    </p:extLst>
+  </p:cSld>
+  <p:clrMapOvr>
+    <a:masterClrMapping/>
+  </p:clrMapOvr>
+  <p:timing>
+    <p:tnLst>
+      <p:par>
+        <p:cTn id="1" dur="indefinite" restart="never" nodeType="tmRoot"/>
+      </p:par>
+    </p:tnLst>
+  </p:timing>
+</p:sld>
+</file>
+
+<file path=ppt/slides/slide15.xml><?xml version="1.0" encoding="utf-8"?>
+<p:sld xmlns:a="http://schemas.openxmlformats.org/drawingml/2006/main" xmlns:r="http://schemas.openxmlformats.org/officeDocument/2006/relationships" xmlns:p="http://schemas.openxmlformats.org/presentationml/2006/main">
+  <p:cSld>
+    <p:spTree>
+      <p:nvGrpSpPr>
+        <p:cNvPr id="1" name=""/>
+        <p:cNvGrpSpPr/>
+        <p:nvPr/>
+      </p:nvGrpSpPr>
+      <p:grpSpPr>
+        <a:xfrm>
+          <a:off x="0" y="0"/>
+          <a:ext cx="0" cy="0"/>
+          <a:chOff x="0" y="0"/>
+          <a:chExt cx="0" cy="0"/>
+        </a:xfrm>
+      </p:grpSpPr>
+      <p:sp>
+        <p:nvSpPr>
+          <p:cNvPr id="2" name="Title 1"/>
+          <p:cNvSpPr>
+            <a:spLocks noGrp="1"/>
+          </p:cNvSpPr>
+          <p:nvPr>
+            <p:ph type="title"/>
+          </p:nvPr>
+        </p:nvSpPr>
+        <p:spPr>
+          <a:xfrm>
+            <a:off x="838200" y="365125"/>
+            <a:ext cx="10515600" cy="303615"/>
+          </a:xfrm>
+        </p:spPr>
+        <p:txBody>
+          <a:bodyPr>
+            <a:normAutofit fontScale="90000"/>
+          </a:bodyPr>
+          <a:lstStyle/>
+          <a:p>
+            <a:r>
+              <a:rPr lang="en-IN" sz="2000" dirty="0" smtClean="0">
+                <a:latin typeface="Verdana" panose="020B0604030504040204" pitchFamily="34" charset="0"/>
+                <a:ea typeface="Verdana" panose="020B0604030504040204" pitchFamily="34" charset="0"/>
+                <a:cs typeface="Verdana" panose="020B0604030504040204" pitchFamily="34" charset="0"/>
+              </a:rPr>
+              <a:t>Variables and Types of Variables</a:t>
+            </a:r>
+            <a:endParaRPr lang="en-IN" sz="2000" dirty="0">
+              <a:latin typeface="Verdana" panose="020B0604030504040204" pitchFamily="34" charset="0"/>
+              <a:ea typeface="Verdana" panose="020B0604030504040204" pitchFamily="34" charset="0"/>
+              <a:cs typeface="Verdana" panose="020B0604030504040204" pitchFamily="34" charset="0"/>
+            </a:endParaRPr>
+          </a:p>
+        </p:txBody>
+      </p:sp>
+      <p:sp>
+        <p:nvSpPr>
+          <p:cNvPr id="3" name="Content Placeholder 2"/>
+          <p:cNvSpPr>
+            <a:spLocks noGrp="1"/>
+          </p:cNvSpPr>
+          <p:nvPr>
+            <p:ph idx="1"/>
+          </p:nvPr>
+        </p:nvSpPr>
+        <p:spPr>
+          <a:xfrm>
+            <a:off x="838200" y="668740"/>
+            <a:ext cx="10515600" cy="5508223"/>
+          </a:xfrm>
+        </p:spPr>
+        <p:txBody>
+          <a:bodyPr>
+            <a:normAutofit/>
+          </a:bodyPr>
+          <a:lstStyle/>
+          <a:p>
+            <a:r>
+              <a:rPr lang="en-IN" sz="1400" dirty="0" smtClean="0">
+                <a:latin typeface="Verdana" panose="020B0604030504040204" pitchFamily="34" charset="0"/>
+                <a:ea typeface="Verdana" panose="020B0604030504040204" pitchFamily="34" charset="0"/>
+                <a:cs typeface="Verdana" panose="020B0604030504040204" pitchFamily="34" charset="0"/>
+              </a:rPr>
+              <a:t>A variable is an identifier whose values can be changed during the program execution.</a:t>
+            </a:r>
+          </a:p>
+          <a:p>
+            <a:r>
+              <a:rPr lang="en-IN" sz="1400" dirty="0" smtClean="0">
+                <a:latin typeface="Verdana" panose="020B0604030504040204" pitchFamily="34" charset="0"/>
+                <a:ea typeface="Verdana" panose="020B0604030504040204" pitchFamily="34" charset="0"/>
+                <a:cs typeface="Verdana" panose="020B0604030504040204" pitchFamily="34" charset="0"/>
+              </a:rPr>
+              <a:t>Java Variable is nothing but memory location used to stored the data temporarily which can be manipulate during the program execution.</a:t>
+            </a:r>
+          </a:p>
+          <a:p>
+            <a:r>
+              <a:rPr lang="en-IN" sz="1400" dirty="0" smtClean="0">
+                <a:latin typeface="Verdana" panose="020B0604030504040204" pitchFamily="34" charset="0"/>
+                <a:ea typeface="Verdana" panose="020B0604030504040204" pitchFamily="34" charset="0"/>
+                <a:cs typeface="Verdana" panose="020B0604030504040204" pitchFamily="34" charset="0"/>
+              </a:rPr>
+              <a:t>Variables in java is strongly typed hence they all must have a data type followed by an identifiers.</a:t>
+            </a:r>
+          </a:p>
+          <a:p>
+            <a:pPr marL="0" indent="0">
+              <a:buNone/>
+            </a:pPr>
+            <a:endParaRPr lang="en-IN" sz="1400" dirty="0" smtClean="0">
+              <a:latin typeface="Verdana" panose="020B0604030504040204" pitchFamily="34" charset="0"/>
+              <a:ea typeface="Verdana" panose="020B0604030504040204" pitchFamily="34" charset="0"/>
+              <a:cs typeface="Verdana" panose="020B0604030504040204" pitchFamily="34" charset="0"/>
+            </a:endParaRPr>
+          </a:p>
+          <a:p>
+            <a:pPr marL="0" indent="0">
+              <a:buNone/>
+            </a:pPr>
+            <a:endParaRPr lang="en-IN" sz="1400" dirty="0" smtClean="0">
+              <a:latin typeface="Verdana" panose="020B0604030504040204" pitchFamily="34" charset="0"/>
+              <a:ea typeface="Verdana" panose="020B0604030504040204" pitchFamily="34" charset="0"/>
+              <a:cs typeface="Verdana" panose="020B0604030504040204" pitchFamily="34" charset="0"/>
+            </a:endParaRPr>
+          </a:p>
+          <a:p>
+            <a:endParaRPr lang="en-IN" sz="1400" dirty="0" smtClean="0">
+              <a:latin typeface="Verdana" panose="020B0604030504040204" pitchFamily="34" charset="0"/>
+              <a:ea typeface="Verdana" panose="020B0604030504040204" pitchFamily="34" charset="0"/>
+              <a:cs typeface="Verdana" panose="020B0604030504040204" pitchFamily="34" charset="0"/>
+            </a:endParaRPr>
+          </a:p>
+          <a:p>
+            <a:endParaRPr lang="en-IN" sz="1400" dirty="0">
+              <a:latin typeface="Verdana" panose="020B0604030504040204" pitchFamily="34" charset="0"/>
+              <a:ea typeface="Verdana" panose="020B0604030504040204" pitchFamily="34" charset="0"/>
+              <a:cs typeface="Verdana" panose="020B0604030504040204" pitchFamily="34" charset="0"/>
+            </a:endParaRPr>
+          </a:p>
+          <a:p>
+            <a:endParaRPr lang="en-IN" sz="1400" dirty="0" smtClean="0">
+              <a:latin typeface="Verdana" panose="020B0604030504040204" pitchFamily="34" charset="0"/>
+              <a:ea typeface="Verdana" panose="020B0604030504040204" pitchFamily="34" charset="0"/>
+              <a:cs typeface="Verdana" panose="020B0604030504040204" pitchFamily="34" charset="0"/>
+            </a:endParaRPr>
+          </a:p>
+          <a:p>
+            <a:endParaRPr lang="en-IN" sz="1400" dirty="0">
+              <a:latin typeface="Verdana" panose="020B0604030504040204" pitchFamily="34" charset="0"/>
+              <a:ea typeface="Verdana" panose="020B0604030504040204" pitchFamily="34" charset="0"/>
+              <a:cs typeface="Verdana" panose="020B0604030504040204" pitchFamily="34" charset="0"/>
+            </a:endParaRPr>
+          </a:p>
+          <a:p>
+            <a:endParaRPr lang="en-IN" sz="1400" dirty="0" smtClean="0">
+              <a:latin typeface="Verdana" panose="020B0604030504040204" pitchFamily="34" charset="0"/>
+              <a:ea typeface="Verdana" panose="020B0604030504040204" pitchFamily="34" charset="0"/>
+              <a:cs typeface="Verdana" panose="020B0604030504040204" pitchFamily="34" charset="0"/>
+            </a:endParaRPr>
+          </a:p>
+          <a:p>
+            <a:endParaRPr lang="en-IN" sz="1400" dirty="0">
+              <a:latin typeface="Verdana" panose="020B0604030504040204" pitchFamily="34" charset="0"/>
+              <a:ea typeface="Verdana" panose="020B0604030504040204" pitchFamily="34" charset="0"/>
+              <a:cs typeface="Verdana" panose="020B0604030504040204" pitchFamily="34" charset="0"/>
+            </a:endParaRPr>
+          </a:p>
+          <a:p>
+            <a:r>
+              <a:rPr lang="en-IN" sz="1400" b="1" dirty="0" smtClean="0">
+                <a:latin typeface="Verdana" panose="020B0604030504040204" pitchFamily="34" charset="0"/>
+                <a:ea typeface="Verdana" panose="020B0604030504040204" pitchFamily="34" charset="0"/>
+                <a:cs typeface="Verdana" panose="020B0604030504040204" pitchFamily="34" charset="0"/>
+              </a:rPr>
+              <a:t>Primitive variables: </a:t>
+            </a:r>
+            <a:r>
+              <a:rPr lang="en-IN" sz="1400" dirty="0" smtClean="0">
+                <a:latin typeface="Verdana" panose="020B0604030504040204" pitchFamily="34" charset="0"/>
+                <a:ea typeface="Verdana" panose="020B0604030504040204" pitchFamily="34" charset="0"/>
+                <a:cs typeface="Verdana" panose="020B0604030504040204" pitchFamily="34" charset="0"/>
+              </a:rPr>
+              <a:t>These variables are created by using primitive data types.</a:t>
+            </a:r>
+          </a:p>
+          <a:p>
+            <a:r>
+              <a:rPr lang="en-IN" sz="1400" b="1" dirty="0" smtClean="0">
+                <a:latin typeface="Verdana" panose="020B0604030504040204" pitchFamily="34" charset="0"/>
+                <a:ea typeface="Verdana" panose="020B0604030504040204" pitchFamily="34" charset="0"/>
+                <a:cs typeface="Verdana" panose="020B0604030504040204" pitchFamily="34" charset="0"/>
+              </a:rPr>
+              <a:t>Referenced </a:t>
+            </a:r>
+            <a:r>
+              <a:rPr lang="en-IN" sz="1400" b="1" dirty="0" err="1" smtClean="0">
+                <a:latin typeface="Verdana" panose="020B0604030504040204" pitchFamily="34" charset="0"/>
+                <a:ea typeface="Verdana" panose="020B0604030504040204" pitchFamily="34" charset="0"/>
+                <a:cs typeface="Verdana" panose="020B0604030504040204" pitchFamily="34" charset="0"/>
+              </a:rPr>
+              <a:t>Varibles</a:t>
+            </a:r>
+            <a:r>
+              <a:rPr lang="en-IN" sz="1400" b="1" dirty="0" smtClean="0">
+                <a:latin typeface="Verdana" panose="020B0604030504040204" pitchFamily="34" charset="0"/>
+                <a:ea typeface="Verdana" panose="020B0604030504040204" pitchFamily="34" charset="0"/>
+                <a:cs typeface="Verdana" panose="020B0604030504040204" pitchFamily="34" charset="0"/>
+              </a:rPr>
+              <a:t>: </a:t>
+            </a:r>
+            <a:r>
+              <a:rPr lang="en-IN" sz="1400" dirty="0" smtClean="0">
+                <a:latin typeface="Verdana" panose="020B0604030504040204" pitchFamily="34" charset="0"/>
+                <a:ea typeface="Verdana" panose="020B0604030504040204" pitchFamily="34" charset="0"/>
+                <a:cs typeface="Verdana" panose="020B0604030504040204" pitchFamily="34" charset="0"/>
+              </a:rPr>
+              <a:t>These variables are created by using referenced data types.</a:t>
+            </a:r>
+            <a:endParaRPr lang="en-IN" sz="1400" dirty="0">
+              <a:latin typeface="Verdana" panose="020B0604030504040204" pitchFamily="34" charset="0"/>
+              <a:ea typeface="Verdana" panose="020B0604030504040204" pitchFamily="34" charset="0"/>
+              <a:cs typeface="Verdana" panose="020B0604030504040204" pitchFamily="34" charset="0"/>
+            </a:endParaRPr>
+          </a:p>
+          <a:p>
+            <a:r>
+              <a:rPr lang="en-IN" sz="1400" dirty="0" smtClean="0">
+                <a:latin typeface="Verdana" panose="020B0604030504040204" pitchFamily="34" charset="0"/>
+                <a:ea typeface="Verdana" panose="020B0604030504040204" pitchFamily="34" charset="0"/>
+                <a:cs typeface="Verdana" panose="020B0604030504040204" pitchFamily="34" charset="0"/>
+              </a:rPr>
+              <a:t>The difference between primitive and referenced variables is “primitive variables stores data directly, where as referenced variables stores reference of the object, not direct values.”</a:t>
+            </a:r>
+          </a:p>
+          <a:p>
+            <a:r>
+              <a:rPr lang="en-IN" sz="1400" dirty="0" smtClean="0">
+                <a:latin typeface="Verdana" panose="020B0604030504040204" pitchFamily="34" charset="0"/>
+                <a:ea typeface="Verdana" panose="020B0604030504040204" pitchFamily="34" charset="0"/>
+                <a:cs typeface="Verdana" panose="020B0604030504040204" pitchFamily="34" charset="0"/>
+              </a:rPr>
+              <a:t>Reference variable are initialized with object reference the is created and returned by “new” keyword/operator.</a:t>
+            </a:r>
+          </a:p>
+          <a:p>
+            <a:endParaRPr lang="en-IN" sz="1400" dirty="0" smtClean="0">
+              <a:latin typeface="Verdana" panose="020B0604030504040204" pitchFamily="34" charset="0"/>
+              <a:ea typeface="Verdana" panose="020B0604030504040204" pitchFamily="34" charset="0"/>
+              <a:cs typeface="Verdana" panose="020B0604030504040204" pitchFamily="34" charset="0"/>
+            </a:endParaRPr>
+          </a:p>
+        </p:txBody>
+      </p:sp>
+      <p:sp>
+        <p:nvSpPr>
+          <p:cNvPr id="4" name="Rectangle 3"/>
+          <p:cNvSpPr/>
+          <p:nvPr/>
+        </p:nvSpPr>
+        <p:spPr>
+          <a:xfrm>
+            <a:off x="4367283" y="1924335"/>
+            <a:ext cx="1542198" cy="464023"/>
+          </a:xfrm>
+          <a:prstGeom prst="rect">
+            <a:avLst/>
+          </a:prstGeom>
+        </p:spPr>
+        <p:style>
+          <a:lnRef idx="1">
+            <a:schemeClr val="accent6"/>
+          </a:lnRef>
+          <a:fillRef idx="2">
+            <a:schemeClr val="accent6"/>
+          </a:fillRef>
+          <a:effectRef idx="1">
+            <a:schemeClr val="accent6"/>
+          </a:effectRef>
+          <a:fontRef idx="minor">
+            <a:schemeClr val="dk1"/>
+          </a:fontRef>
+        </p:style>
+        <p:txBody>
+          <a:bodyPr rtlCol="0" anchor="ctr"/>
+          <a:lstStyle/>
+          <a:p>
+            <a:pPr algn="ctr"/>
+            <a:r>
+              <a:rPr lang="en-IN" dirty="0" smtClean="0">
+                <a:latin typeface="Verdana" panose="020B0604030504040204" pitchFamily="34" charset="0"/>
+                <a:ea typeface="Verdana" panose="020B0604030504040204" pitchFamily="34" charset="0"/>
+                <a:cs typeface="Verdana" panose="020B0604030504040204" pitchFamily="34" charset="0"/>
+              </a:rPr>
+              <a:t>Data Types</a:t>
+            </a:r>
+            <a:endParaRPr lang="en-IN" dirty="0">
+              <a:latin typeface="Verdana" panose="020B0604030504040204" pitchFamily="34" charset="0"/>
+              <a:ea typeface="Verdana" panose="020B0604030504040204" pitchFamily="34" charset="0"/>
+              <a:cs typeface="Verdana" panose="020B0604030504040204" pitchFamily="34" charset="0"/>
+            </a:endParaRPr>
+          </a:p>
+        </p:txBody>
+      </p:sp>
+      <p:sp>
+        <p:nvSpPr>
+          <p:cNvPr id="5" name="Rectangle 4"/>
+          <p:cNvSpPr/>
+          <p:nvPr/>
+        </p:nvSpPr>
+        <p:spPr>
+          <a:xfrm>
+            <a:off x="1926603" y="2726816"/>
+            <a:ext cx="1542198" cy="464023"/>
+          </a:xfrm>
+          <a:prstGeom prst="rect">
+            <a:avLst/>
+          </a:prstGeom>
+        </p:spPr>
+        <p:style>
+          <a:lnRef idx="1">
+            <a:schemeClr val="accent6"/>
+          </a:lnRef>
+          <a:fillRef idx="2">
+            <a:schemeClr val="accent6"/>
+          </a:fillRef>
+          <a:effectRef idx="1">
+            <a:schemeClr val="accent6"/>
+          </a:effectRef>
+          <a:fontRef idx="minor">
+            <a:schemeClr val="dk1"/>
+          </a:fontRef>
+        </p:style>
+        <p:txBody>
+          <a:bodyPr rtlCol="0" anchor="ctr"/>
+          <a:lstStyle/>
+          <a:p>
+            <a:pPr algn="ctr"/>
+            <a:r>
+              <a:rPr lang="en-IN" dirty="0" smtClean="0">
+                <a:latin typeface="Verdana" panose="020B0604030504040204" pitchFamily="34" charset="0"/>
+                <a:ea typeface="Verdana" panose="020B0604030504040204" pitchFamily="34" charset="0"/>
+                <a:cs typeface="Verdana" panose="020B0604030504040204" pitchFamily="34" charset="0"/>
+              </a:rPr>
+              <a:t>Primitive</a:t>
+            </a:r>
+            <a:endParaRPr lang="en-IN" dirty="0">
+              <a:latin typeface="Verdana" panose="020B0604030504040204" pitchFamily="34" charset="0"/>
+              <a:ea typeface="Verdana" panose="020B0604030504040204" pitchFamily="34" charset="0"/>
+              <a:cs typeface="Verdana" panose="020B0604030504040204" pitchFamily="34" charset="0"/>
+            </a:endParaRPr>
+          </a:p>
+        </p:txBody>
+      </p:sp>
+      <p:sp>
+        <p:nvSpPr>
+          <p:cNvPr id="6" name="Rectangle 5"/>
+          <p:cNvSpPr/>
+          <p:nvPr/>
+        </p:nvSpPr>
+        <p:spPr>
+          <a:xfrm>
+            <a:off x="7319750" y="2726817"/>
+            <a:ext cx="1542198" cy="464023"/>
+          </a:xfrm>
+          <a:prstGeom prst="rect">
+            <a:avLst/>
+          </a:prstGeom>
+        </p:spPr>
+        <p:style>
+          <a:lnRef idx="1">
+            <a:schemeClr val="accent6"/>
+          </a:lnRef>
+          <a:fillRef idx="2">
+            <a:schemeClr val="accent6"/>
+          </a:fillRef>
+          <a:effectRef idx="1">
+            <a:schemeClr val="accent6"/>
+          </a:effectRef>
+          <a:fontRef idx="minor">
+            <a:schemeClr val="dk1"/>
+          </a:fontRef>
+        </p:style>
+        <p:txBody>
+          <a:bodyPr rtlCol="0" anchor="ctr"/>
+          <a:lstStyle/>
+          <a:p>
+            <a:pPr algn="ctr"/>
+            <a:r>
+              <a:rPr lang="en-IN" dirty="0" smtClean="0">
+                <a:latin typeface="Verdana" panose="020B0604030504040204" pitchFamily="34" charset="0"/>
+                <a:ea typeface="Verdana" panose="020B0604030504040204" pitchFamily="34" charset="0"/>
+                <a:cs typeface="Verdana" panose="020B0604030504040204" pitchFamily="34" charset="0"/>
+              </a:rPr>
+              <a:t>Reference</a:t>
+            </a:r>
+            <a:endParaRPr lang="en-IN" dirty="0">
+              <a:latin typeface="Verdana" panose="020B0604030504040204" pitchFamily="34" charset="0"/>
+              <a:ea typeface="Verdana" panose="020B0604030504040204" pitchFamily="34" charset="0"/>
+              <a:cs typeface="Verdana" panose="020B0604030504040204" pitchFamily="34" charset="0"/>
+            </a:endParaRPr>
+          </a:p>
+        </p:txBody>
+      </p:sp>
+      <p:sp>
+        <p:nvSpPr>
+          <p:cNvPr id="7" name="Rectangle 6"/>
+          <p:cNvSpPr/>
+          <p:nvPr/>
+        </p:nvSpPr>
+        <p:spPr>
+          <a:xfrm>
+            <a:off x="1460310" y="3588903"/>
+            <a:ext cx="2593075" cy="464023"/>
+          </a:xfrm>
+          <a:prstGeom prst="rect">
+            <a:avLst/>
+          </a:prstGeom>
+        </p:spPr>
+        <p:style>
+          <a:lnRef idx="1">
+            <a:schemeClr val="accent6"/>
+          </a:lnRef>
+          <a:fillRef idx="2">
+            <a:schemeClr val="accent6"/>
+          </a:fillRef>
+          <a:effectRef idx="1">
+            <a:schemeClr val="accent6"/>
+          </a:effectRef>
+          <a:fontRef idx="minor">
+            <a:schemeClr val="dk1"/>
+          </a:fontRef>
+        </p:style>
+        <p:txBody>
+          <a:bodyPr rtlCol="0" anchor="ctr"/>
+          <a:lstStyle/>
+          <a:p>
+            <a:pPr algn="ctr"/>
+            <a:r>
+              <a:rPr lang="en-IN" dirty="0" smtClean="0">
+                <a:latin typeface="Verdana" panose="020B0604030504040204" pitchFamily="34" charset="0"/>
+                <a:ea typeface="Verdana" panose="020B0604030504040204" pitchFamily="34" charset="0"/>
+                <a:cs typeface="Verdana" panose="020B0604030504040204" pitchFamily="34" charset="0"/>
+              </a:rPr>
+              <a:t>Primitive variables</a:t>
+            </a:r>
+            <a:endParaRPr lang="en-IN" dirty="0">
+              <a:latin typeface="Verdana" panose="020B0604030504040204" pitchFamily="34" charset="0"/>
+              <a:ea typeface="Verdana" panose="020B0604030504040204" pitchFamily="34" charset="0"/>
+              <a:cs typeface="Verdana" panose="020B0604030504040204" pitchFamily="34" charset="0"/>
+            </a:endParaRPr>
+          </a:p>
+        </p:txBody>
+      </p:sp>
+      <p:sp>
+        <p:nvSpPr>
+          <p:cNvPr id="8" name="Rectangle 7"/>
+          <p:cNvSpPr/>
+          <p:nvPr/>
+        </p:nvSpPr>
+        <p:spPr>
+          <a:xfrm>
+            <a:off x="6892119" y="3588902"/>
+            <a:ext cx="2483893" cy="464023"/>
+          </a:xfrm>
+          <a:prstGeom prst="rect">
+            <a:avLst/>
+          </a:prstGeom>
+        </p:spPr>
+        <p:style>
+          <a:lnRef idx="1">
+            <a:schemeClr val="accent6"/>
+          </a:lnRef>
+          <a:fillRef idx="2">
+            <a:schemeClr val="accent6"/>
+          </a:fillRef>
+          <a:effectRef idx="1">
+            <a:schemeClr val="accent6"/>
+          </a:effectRef>
+          <a:fontRef idx="minor">
+            <a:schemeClr val="dk1"/>
+          </a:fontRef>
+        </p:style>
+        <p:txBody>
+          <a:bodyPr rtlCol="0" anchor="ctr"/>
+          <a:lstStyle/>
+          <a:p>
+            <a:pPr algn="ctr"/>
+            <a:r>
+              <a:rPr lang="en-IN" dirty="0" smtClean="0">
+                <a:latin typeface="Verdana" panose="020B0604030504040204" pitchFamily="34" charset="0"/>
+                <a:ea typeface="Verdana" panose="020B0604030504040204" pitchFamily="34" charset="0"/>
+                <a:cs typeface="Verdana" panose="020B0604030504040204" pitchFamily="34" charset="0"/>
+              </a:rPr>
+              <a:t>Reference variables</a:t>
+            </a:r>
+            <a:endParaRPr lang="en-IN" dirty="0">
+              <a:latin typeface="Verdana" panose="020B0604030504040204" pitchFamily="34" charset="0"/>
+              <a:ea typeface="Verdana" panose="020B0604030504040204" pitchFamily="34" charset="0"/>
+              <a:cs typeface="Verdana" panose="020B0604030504040204" pitchFamily="34" charset="0"/>
+            </a:endParaRPr>
+          </a:p>
+        </p:txBody>
+      </p:sp>
+      <p:cxnSp>
+        <p:nvCxnSpPr>
+          <p:cNvPr id="10" name="Straight Arrow Connector 9"/>
+          <p:cNvCxnSpPr>
+            <a:stCxn id="4" idx="2"/>
+            <a:endCxn id="5" idx="0"/>
+          </p:cNvCxnSpPr>
+          <p:nvPr/>
+        </p:nvCxnSpPr>
+        <p:spPr>
+          <a:xfrm flipH="1">
+            <a:off x="2697702" y="2388358"/>
+            <a:ext cx="2440680" cy="338458"/>
+          </a:xfrm>
+          <a:prstGeom prst="straightConnector1">
+            <a:avLst/>
+          </a:prstGeom>
+          <a:ln>
+            <a:tailEnd type="triangle"/>
+          </a:ln>
+        </p:spPr>
+        <p:style>
+          <a:lnRef idx="1">
+            <a:schemeClr val="accent1"/>
+          </a:lnRef>
+          <a:fillRef idx="0">
+            <a:schemeClr val="accent1"/>
+          </a:fillRef>
+          <a:effectRef idx="0">
+            <a:schemeClr val="accent1"/>
+          </a:effectRef>
+          <a:fontRef idx="minor">
+            <a:schemeClr val="tx1"/>
+          </a:fontRef>
+        </p:style>
+      </p:cxnSp>
+      <p:cxnSp>
+        <p:nvCxnSpPr>
+          <p:cNvPr id="12" name="Straight Arrow Connector 11"/>
+          <p:cNvCxnSpPr/>
+          <p:nvPr/>
+        </p:nvCxnSpPr>
+        <p:spPr>
+          <a:xfrm>
+            <a:off x="5145206" y="2388358"/>
+            <a:ext cx="2961564" cy="338458"/>
+          </a:xfrm>
+          <a:prstGeom prst="straightConnector1">
+            <a:avLst/>
+          </a:prstGeom>
+          <a:ln>
+            <a:tailEnd type="triangle"/>
+          </a:ln>
+        </p:spPr>
+        <p:style>
+          <a:lnRef idx="1">
+            <a:schemeClr val="accent1"/>
+          </a:lnRef>
+          <a:fillRef idx="0">
+            <a:schemeClr val="accent1"/>
+          </a:fillRef>
+          <a:effectRef idx="0">
+            <a:schemeClr val="accent1"/>
+          </a:effectRef>
+          <a:fontRef idx="minor">
+            <a:schemeClr val="tx1"/>
+          </a:fontRef>
+        </p:style>
+      </p:cxnSp>
+      <p:cxnSp>
+        <p:nvCxnSpPr>
+          <p:cNvPr id="14" name="Straight Arrow Connector 13"/>
+          <p:cNvCxnSpPr>
+            <a:stCxn id="5" idx="2"/>
+          </p:cNvCxnSpPr>
+          <p:nvPr/>
+        </p:nvCxnSpPr>
+        <p:spPr>
+          <a:xfrm>
+            <a:off x="2697702" y="3190839"/>
+            <a:ext cx="0" cy="398063"/>
+          </a:xfrm>
+          <a:prstGeom prst="straightConnector1">
+            <a:avLst/>
+          </a:prstGeom>
+          <a:ln>
+            <a:tailEnd type="triangle"/>
+          </a:ln>
+        </p:spPr>
+        <p:style>
+          <a:lnRef idx="1">
+            <a:schemeClr val="accent1"/>
+          </a:lnRef>
+          <a:fillRef idx="0">
+            <a:schemeClr val="accent1"/>
+          </a:fillRef>
+          <a:effectRef idx="0">
+            <a:schemeClr val="accent1"/>
+          </a:effectRef>
+          <a:fontRef idx="minor">
+            <a:schemeClr val="tx1"/>
+          </a:fontRef>
+        </p:style>
+      </p:cxnSp>
+      <p:cxnSp>
+        <p:nvCxnSpPr>
+          <p:cNvPr id="16" name="Straight Arrow Connector 15"/>
+          <p:cNvCxnSpPr/>
+          <p:nvPr/>
+        </p:nvCxnSpPr>
+        <p:spPr>
+          <a:xfrm>
+            <a:off x="8066811" y="3190840"/>
+            <a:ext cx="9405" cy="398062"/>
+          </a:xfrm>
+          <a:prstGeom prst="straightConnector1">
+            <a:avLst/>
+          </a:prstGeom>
+          <a:ln>
+            <a:tailEnd type="triangle"/>
+          </a:ln>
+        </p:spPr>
+        <p:style>
+          <a:lnRef idx="1">
+            <a:schemeClr val="accent1"/>
+          </a:lnRef>
+          <a:fillRef idx="0">
+            <a:schemeClr val="accent1"/>
+          </a:fillRef>
+          <a:effectRef idx="0">
+            <a:schemeClr val="accent1"/>
+          </a:effectRef>
+          <a:fontRef idx="minor">
+            <a:schemeClr val="tx1"/>
+          </a:fontRef>
+        </p:style>
+      </p:cxnSp>
+    </p:spTree>
+    <p:extLst>
+      <p:ext uri="{BB962C8B-B14F-4D97-AF65-F5344CB8AC3E}">
+        <p14:creationId xmlns:p14="http://schemas.microsoft.com/office/powerpoint/2010/main" val="2212828443"/>
+      </p:ext>
+    </p:extLst>
+  </p:cSld>
+  <p:clrMapOvr>
+    <a:masterClrMapping/>
+  </p:clrMapOvr>
+  <p:timing>
+    <p:tnLst>
+      <p:par>
+        <p:cTn id="1" dur="indefinite" restart="never" nodeType="tmRoot"/>
+      </p:par>
+    </p:tnLst>
+  </p:timing>
+</p:sld>
+</file>
+
+<file path=ppt/slides/slide16.xml><?xml version="1.0" encoding="utf-8"?>
+<p:sld xmlns:a="http://schemas.openxmlformats.org/drawingml/2006/main" xmlns:r="http://schemas.openxmlformats.org/officeDocument/2006/relationships" xmlns:p="http://schemas.openxmlformats.org/presentationml/2006/main">
+  <p:cSld>
+    <p:spTree>
+      <p:nvGrpSpPr>
+        <p:cNvPr id="1" name=""/>
+        <p:cNvGrpSpPr/>
+        <p:nvPr/>
+      </p:nvGrpSpPr>
+      <p:grpSpPr>
+        <a:xfrm>
+          <a:off x="0" y="0"/>
+          <a:ext cx="0" cy="0"/>
+          <a:chOff x="0" y="0"/>
+          <a:chExt cx="0" cy="0"/>
+        </a:xfrm>
+      </p:grpSpPr>
+      <p:sp>
+        <p:nvSpPr>
+          <p:cNvPr id="3" name="Subtitle 2"/>
+          <p:cNvSpPr>
+            <a:spLocks noGrp="1"/>
+          </p:cNvSpPr>
+          <p:nvPr>
+            <p:ph type="subTitle" idx="1"/>
+          </p:nvPr>
+        </p:nvSpPr>
+        <p:spPr>
+          <a:xfrm>
+            <a:off x="259307" y="354841"/>
+            <a:ext cx="11668836" cy="6318913"/>
+          </a:xfrm>
+        </p:spPr>
+        <p:txBody>
+          <a:bodyPr>
+            <a:normAutofit fontScale="92500" lnSpcReduction="10000"/>
+          </a:bodyPr>
+          <a:lstStyle/>
+          <a:p>
+            <a:pPr algn="l"/>
+            <a:r>
+              <a:rPr lang="en-IN" sz="1400" b="1" i="1" u="sng" dirty="0" smtClean="0">
+                <a:latin typeface="Verdana" panose="020B0604030504040204" pitchFamily="34" charset="0"/>
+                <a:ea typeface="Verdana" panose="020B0604030504040204" pitchFamily="34" charset="0"/>
+                <a:cs typeface="Verdana" panose="020B0604030504040204" pitchFamily="34" charset="0"/>
+              </a:rPr>
+              <a:t>Defining/Initializing a variable:</a:t>
+            </a:r>
+          </a:p>
+          <a:p>
+            <a:pPr algn="l"/>
+            <a:r>
+              <a:rPr lang="en-IN" sz="1400" dirty="0" smtClean="0">
+                <a:latin typeface="Verdana" panose="020B0604030504040204" pitchFamily="34" charset="0"/>
+                <a:ea typeface="Verdana" panose="020B0604030504040204" pitchFamily="34" charset="0"/>
+                <a:cs typeface="Verdana" panose="020B0604030504040204" pitchFamily="34" charset="0"/>
+              </a:rPr>
+              <a:t>Variable creation with value is called defining a variable.</a:t>
+            </a:r>
+          </a:p>
+          <a:p>
+            <a:pPr algn="l"/>
+            <a:r>
+              <a:rPr lang="en-IN" sz="1400" dirty="0">
+                <a:latin typeface="Verdana" panose="020B0604030504040204" pitchFamily="34" charset="0"/>
+                <a:ea typeface="Verdana" panose="020B0604030504040204" pitchFamily="34" charset="0"/>
+                <a:cs typeface="Verdana" panose="020B0604030504040204" pitchFamily="34" charset="0"/>
+              </a:rPr>
+              <a:t>A variable can be initialized at the moment it is declared, through the </a:t>
+            </a:r>
+            <a:r>
+              <a:rPr lang="en-IN" sz="1400" dirty="0" smtClean="0">
+                <a:latin typeface="Verdana" panose="020B0604030504040204" pitchFamily="34" charset="0"/>
+                <a:ea typeface="Verdana" panose="020B0604030504040204" pitchFamily="34" charset="0"/>
+                <a:cs typeface="Verdana" panose="020B0604030504040204" pitchFamily="34" charset="0"/>
+              </a:rPr>
+              <a:t>statement.</a:t>
+            </a:r>
+          </a:p>
+          <a:p>
+            <a:pPr algn="l"/>
+            <a:r>
+              <a:rPr lang="en-IN" sz="1400" dirty="0" smtClean="0">
+                <a:latin typeface="Verdana" panose="020B0604030504040204" pitchFamily="34" charset="0"/>
+                <a:ea typeface="Verdana" panose="020B0604030504040204" pitchFamily="34" charset="0"/>
+                <a:cs typeface="Verdana" panose="020B0604030504040204" pitchFamily="34" charset="0"/>
+              </a:rPr>
+              <a:t>Storing a value in a variable at the time of its creation is called initializing a variable.</a:t>
+            </a:r>
+          </a:p>
+          <a:p>
+            <a:pPr algn="l"/>
+            <a:r>
+              <a:rPr lang="en-IN" sz="1400" b="1" dirty="0" smtClean="0">
+                <a:latin typeface="Verdana" panose="020B0604030504040204" pitchFamily="34" charset="0"/>
+                <a:ea typeface="Verdana" panose="020B0604030504040204" pitchFamily="34" charset="0"/>
+                <a:cs typeface="Verdana" panose="020B0604030504040204" pitchFamily="34" charset="0"/>
+              </a:rPr>
+              <a:t>&lt;Access Modifier&gt; &lt;Modifier&gt; &lt;data type&gt; &lt;variable name&gt;=&lt;value&gt;</a:t>
+            </a:r>
+          </a:p>
+          <a:p>
+            <a:pPr algn="l"/>
+            <a:r>
+              <a:rPr lang="en-IN" sz="1400" b="1" dirty="0" smtClean="0">
+                <a:latin typeface="Verdana" panose="020B0604030504040204" pitchFamily="34" charset="0"/>
+                <a:ea typeface="Verdana" panose="020B0604030504040204" pitchFamily="34" charset="0"/>
+                <a:cs typeface="Verdana" panose="020B0604030504040204" pitchFamily="34" charset="0"/>
+              </a:rPr>
+              <a:t>Access Modifier:</a:t>
+            </a:r>
+            <a:r>
+              <a:rPr lang="en-IN" sz="1400" dirty="0" smtClean="0">
+                <a:latin typeface="Verdana" panose="020B0604030504040204" pitchFamily="34" charset="0"/>
+                <a:ea typeface="Verdana" panose="020B0604030504040204" pitchFamily="34" charset="0"/>
+                <a:cs typeface="Verdana" panose="020B0604030504040204" pitchFamily="34" charset="0"/>
+              </a:rPr>
+              <a:t> Optional</a:t>
+            </a:r>
+          </a:p>
+          <a:p>
+            <a:pPr algn="l"/>
+            <a:r>
+              <a:rPr lang="en-IN" sz="1400" b="1" dirty="0" smtClean="0">
+                <a:latin typeface="Verdana" panose="020B0604030504040204" pitchFamily="34" charset="0"/>
+                <a:ea typeface="Verdana" panose="020B0604030504040204" pitchFamily="34" charset="0"/>
+                <a:cs typeface="Verdana" panose="020B0604030504040204" pitchFamily="34" charset="0"/>
+              </a:rPr>
+              <a:t>Modifier:</a:t>
+            </a:r>
+            <a:r>
+              <a:rPr lang="en-IN" sz="1400" dirty="0" smtClean="0">
+                <a:latin typeface="Verdana" panose="020B0604030504040204" pitchFamily="34" charset="0"/>
+                <a:ea typeface="Verdana" panose="020B0604030504040204" pitchFamily="34" charset="0"/>
+                <a:cs typeface="Verdana" panose="020B0604030504040204" pitchFamily="34" charset="0"/>
+              </a:rPr>
+              <a:t> Optional</a:t>
+            </a:r>
+          </a:p>
+          <a:p>
+            <a:pPr algn="l"/>
+            <a:r>
+              <a:rPr lang="en-IN" sz="1400" b="1" dirty="0" smtClean="0">
+                <a:latin typeface="Verdana" panose="020B0604030504040204" pitchFamily="34" charset="0"/>
+                <a:ea typeface="Verdana" panose="020B0604030504040204" pitchFamily="34" charset="0"/>
+                <a:cs typeface="Verdana" panose="020B0604030504040204" pitchFamily="34" charset="0"/>
+              </a:rPr>
+              <a:t>Data type:</a:t>
+            </a:r>
+            <a:r>
+              <a:rPr lang="en-IN" sz="1400" dirty="0" smtClean="0">
+                <a:latin typeface="Verdana" panose="020B0604030504040204" pitchFamily="34" charset="0"/>
+                <a:ea typeface="Verdana" panose="020B0604030504040204" pitchFamily="34" charset="0"/>
+                <a:cs typeface="Verdana" panose="020B0604030504040204" pitchFamily="34" charset="0"/>
+              </a:rPr>
+              <a:t> Mandatory</a:t>
+            </a:r>
+          </a:p>
+          <a:p>
+            <a:pPr algn="l"/>
+            <a:r>
+              <a:rPr lang="en-IN" sz="1400" b="1" dirty="0" smtClean="0">
+                <a:latin typeface="Verdana" panose="020B0604030504040204" pitchFamily="34" charset="0"/>
+                <a:ea typeface="Verdana" panose="020B0604030504040204" pitchFamily="34" charset="0"/>
+                <a:cs typeface="Verdana" panose="020B0604030504040204" pitchFamily="34" charset="0"/>
+              </a:rPr>
+              <a:t>Variable name:</a:t>
+            </a:r>
+            <a:r>
+              <a:rPr lang="en-IN" sz="1400" dirty="0" smtClean="0">
+                <a:latin typeface="Verdana" panose="020B0604030504040204" pitchFamily="34" charset="0"/>
+                <a:ea typeface="Verdana" panose="020B0604030504040204" pitchFamily="34" charset="0"/>
+                <a:cs typeface="Verdana" panose="020B0604030504040204" pitchFamily="34" charset="0"/>
+              </a:rPr>
+              <a:t> Mandatory</a:t>
+            </a:r>
+          </a:p>
+          <a:p>
+            <a:pPr algn="l"/>
+            <a:r>
+              <a:rPr lang="en-IN" sz="1400" b="1" dirty="0" smtClean="0">
+                <a:latin typeface="Verdana" panose="020B0604030504040204" pitchFamily="34" charset="0"/>
+                <a:ea typeface="Verdana" panose="020B0604030504040204" pitchFamily="34" charset="0"/>
+                <a:cs typeface="Verdana" panose="020B0604030504040204" pitchFamily="34" charset="0"/>
+              </a:rPr>
+              <a:t>Value:</a:t>
+            </a:r>
+            <a:r>
+              <a:rPr lang="en-IN" sz="1400" dirty="0" smtClean="0">
+                <a:latin typeface="Verdana" panose="020B0604030504040204" pitchFamily="34" charset="0"/>
+                <a:ea typeface="Verdana" panose="020B0604030504040204" pitchFamily="34" charset="0"/>
+                <a:cs typeface="Verdana" panose="020B0604030504040204" pitchFamily="34" charset="0"/>
+              </a:rPr>
+              <a:t> mandatory</a:t>
+            </a:r>
+          </a:p>
+          <a:p>
+            <a:pPr algn="l"/>
+            <a:endParaRPr lang="en-IN" sz="1400" dirty="0">
+              <a:latin typeface="Verdana" panose="020B0604030504040204" pitchFamily="34" charset="0"/>
+              <a:ea typeface="Verdana" panose="020B0604030504040204" pitchFamily="34" charset="0"/>
+              <a:cs typeface="Verdana" panose="020B0604030504040204" pitchFamily="34" charset="0"/>
+            </a:endParaRPr>
+          </a:p>
+          <a:p>
+            <a:pPr algn="l"/>
+            <a:r>
+              <a:rPr lang="en-IN" sz="1400" b="1" i="1" u="sng" dirty="0" smtClean="0">
+                <a:latin typeface="Verdana" panose="020B0604030504040204" pitchFamily="34" charset="0"/>
+                <a:ea typeface="Verdana" panose="020B0604030504040204" pitchFamily="34" charset="0"/>
+                <a:cs typeface="Verdana" panose="020B0604030504040204" pitchFamily="34" charset="0"/>
+              </a:rPr>
+              <a:t>Declaring a variable:</a:t>
+            </a:r>
+          </a:p>
+          <a:p>
+            <a:pPr algn="l"/>
+            <a:r>
+              <a:rPr lang="en-IN" sz="1400" dirty="0" smtClean="0">
+                <a:latin typeface="Verdana" panose="020B0604030504040204" pitchFamily="34" charset="0"/>
+                <a:ea typeface="Verdana" panose="020B0604030504040204" pitchFamily="34" charset="0"/>
+                <a:cs typeface="Verdana" panose="020B0604030504040204" pitchFamily="34" charset="0"/>
+              </a:rPr>
+              <a:t>Variable creation without a value is called declaring a variable.</a:t>
+            </a:r>
+          </a:p>
+          <a:p>
+            <a:pPr algn="l"/>
+            <a:r>
+              <a:rPr lang="en-IN" sz="1400" b="1" dirty="0">
+                <a:latin typeface="Verdana" panose="020B0604030504040204" pitchFamily="34" charset="0"/>
+                <a:ea typeface="Verdana" panose="020B0604030504040204" pitchFamily="34" charset="0"/>
+                <a:cs typeface="Verdana" panose="020B0604030504040204" pitchFamily="34" charset="0"/>
+              </a:rPr>
+              <a:t>&lt;Access Modifier&gt; &lt;Modifier&gt; &lt;data type&gt; &lt;variable name</a:t>
+            </a:r>
+            <a:r>
+              <a:rPr lang="en-IN" sz="1400" b="1" dirty="0" smtClean="0">
+                <a:latin typeface="Verdana" panose="020B0604030504040204" pitchFamily="34" charset="0"/>
+                <a:ea typeface="Verdana" panose="020B0604030504040204" pitchFamily="34" charset="0"/>
+                <a:cs typeface="Verdana" panose="020B0604030504040204" pitchFamily="34" charset="0"/>
+              </a:rPr>
+              <a:t>&gt;;</a:t>
+            </a:r>
+          </a:p>
+          <a:p>
+            <a:pPr algn="l"/>
+            <a:endParaRPr lang="en-IN" sz="1400" dirty="0" smtClean="0">
+              <a:latin typeface="Verdana" panose="020B0604030504040204" pitchFamily="34" charset="0"/>
+              <a:ea typeface="Verdana" panose="020B0604030504040204" pitchFamily="34" charset="0"/>
+              <a:cs typeface="Verdana" panose="020B0604030504040204" pitchFamily="34" charset="0"/>
+            </a:endParaRPr>
+          </a:p>
+          <a:p>
+            <a:pPr algn="l"/>
+            <a:r>
+              <a:rPr lang="en-IN" sz="1400" b="1" i="1" u="sng" dirty="0" smtClean="0">
+                <a:latin typeface="Verdana" panose="020B0604030504040204" pitchFamily="34" charset="0"/>
+                <a:ea typeface="Verdana" panose="020B0604030504040204" pitchFamily="34" charset="0"/>
+                <a:cs typeface="Verdana" panose="020B0604030504040204" pitchFamily="34" charset="0"/>
+              </a:rPr>
+              <a:t>Assigning a variable:</a:t>
+            </a:r>
+          </a:p>
+          <a:p>
+            <a:pPr algn="l"/>
+            <a:r>
+              <a:rPr lang="en-IN" sz="1400" dirty="0" smtClean="0">
+                <a:latin typeface="Verdana" panose="020B0604030504040204" pitchFamily="34" charset="0"/>
+                <a:ea typeface="Verdana" panose="020B0604030504040204" pitchFamily="34" charset="0"/>
+                <a:cs typeface="Verdana" panose="020B0604030504040204" pitchFamily="34" charset="0"/>
+              </a:rPr>
+              <a:t>Storing a value in a variable after its creation is called assigning a value to a variable.</a:t>
+            </a:r>
+          </a:p>
+          <a:p>
+            <a:pPr algn="l"/>
+            <a:r>
+              <a:rPr lang="en-IN" sz="1400" b="1" u="sng" dirty="0" smtClean="0">
+                <a:latin typeface="Verdana" panose="020B0604030504040204" pitchFamily="34" charset="0"/>
+                <a:ea typeface="Verdana" panose="020B0604030504040204" pitchFamily="34" charset="0"/>
+                <a:cs typeface="Verdana" panose="020B0604030504040204" pitchFamily="34" charset="0"/>
+              </a:rPr>
+              <a:t>Types of Variable based on class scope:</a:t>
+            </a:r>
+          </a:p>
+          <a:p>
+            <a:pPr marL="342900" indent="-342900" algn="l">
+              <a:buAutoNum type="arabicPeriod"/>
+            </a:pPr>
+            <a:r>
+              <a:rPr lang="en-IN" sz="1400" i="1" dirty="0" smtClean="0">
+                <a:latin typeface="Verdana" panose="020B0604030504040204" pitchFamily="34" charset="0"/>
+                <a:ea typeface="Verdana" panose="020B0604030504040204" pitchFamily="34" charset="0"/>
+                <a:cs typeface="Verdana" panose="020B0604030504040204" pitchFamily="34" charset="0"/>
+              </a:rPr>
+              <a:t>Local Variables</a:t>
+            </a:r>
+            <a:r>
+              <a:rPr lang="en-IN" sz="1400" dirty="0" smtClean="0">
+                <a:latin typeface="Verdana" panose="020B0604030504040204" pitchFamily="34" charset="0"/>
+                <a:ea typeface="Verdana" panose="020B0604030504040204" pitchFamily="34" charset="0"/>
+                <a:cs typeface="Verdana" panose="020B0604030504040204" pitchFamily="34" charset="0"/>
+              </a:rPr>
+              <a:t>, parameters</a:t>
+            </a:r>
+          </a:p>
+          <a:p>
+            <a:pPr marL="342900" indent="-342900" algn="l">
+              <a:buAutoNum type="arabicPeriod"/>
+            </a:pPr>
+            <a:r>
+              <a:rPr lang="en-IN" sz="1400" dirty="0" smtClean="0">
+                <a:latin typeface="Verdana" panose="020B0604030504040204" pitchFamily="34" charset="0"/>
+                <a:ea typeface="Verdana" panose="020B0604030504040204" pitchFamily="34" charset="0"/>
+                <a:cs typeface="Verdana" panose="020B0604030504040204" pitchFamily="34" charset="0"/>
+              </a:rPr>
+              <a:t>Class Level variables</a:t>
+            </a:r>
+          </a:p>
+          <a:p>
+            <a:pPr algn="l"/>
+            <a:r>
+              <a:rPr lang="en-IN" sz="1400" dirty="0" smtClean="0">
+                <a:latin typeface="Verdana" panose="020B0604030504040204" pitchFamily="34" charset="0"/>
+                <a:ea typeface="Verdana" panose="020B0604030504040204" pitchFamily="34" charset="0"/>
+                <a:cs typeface="Verdana" panose="020B0604030504040204" pitchFamily="34" charset="0"/>
+              </a:rPr>
+              <a:t>     a. </a:t>
+            </a:r>
+            <a:r>
+              <a:rPr lang="en-IN" sz="1400" i="1" dirty="0" smtClean="0">
+                <a:latin typeface="Verdana" panose="020B0604030504040204" pitchFamily="34" charset="0"/>
+                <a:ea typeface="Verdana" panose="020B0604030504040204" pitchFamily="34" charset="0"/>
+                <a:cs typeface="Verdana" panose="020B0604030504040204" pitchFamily="34" charset="0"/>
+              </a:rPr>
+              <a:t>static variables</a:t>
+            </a:r>
+          </a:p>
+          <a:p>
+            <a:pPr algn="l"/>
+            <a:r>
+              <a:rPr lang="en-IN" sz="1400" dirty="0">
+                <a:latin typeface="Verdana" panose="020B0604030504040204" pitchFamily="34" charset="0"/>
+                <a:ea typeface="Verdana" panose="020B0604030504040204" pitchFamily="34" charset="0"/>
+                <a:cs typeface="Verdana" panose="020B0604030504040204" pitchFamily="34" charset="0"/>
+              </a:rPr>
+              <a:t> </a:t>
+            </a:r>
+            <a:r>
+              <a:rPr lang="en-IN" sz="1400" dirty="0" smtClean="0">
+                <a:latin typeface="Verdana" panose="020B0604030504040204" pitchFamily="34" charset="0"/>
+                <a:ea typeface="Verdana" panose="020B0604030504040204" pitchFamily="34" charset="0"/>
+                <a:cs typeface="Verdana" panose="020B0604030504040204" pitchFamily="34" charset="0"/>
+              </a:rPr>
+              <a:t>    b. </a:t>
+            </a:r>
+            <a:r>
+              <a:rPr lang="en-IN" sz="1400" i="1" dirty="0" smtClean="0">
+                <a:latin typeface="Verdana" panose="020B0604030504040204" pitchFamily="34" charset="0"/>
+                <a:ea typeface="Verdana" panose="020B0604030504040204" pitchFamily="34" charset="0"/>
+                <a:cs typeface="Verdana" panose="020B0604030504040204" pitchFamily="34" charset="0"/>
+              </a:rPr>
+              <a:t>non-static variables</a:t>
+            </a:r>
+            <a:endParaRPr lang="en-IN" sz="1400" i="1" dirty="0">
+              <a:latin typeface="Verdana" panose="020B0604030504040204" pitchFamily="34" charset="0"/>
+              <a:ea typeface="Verdana" panose="020B0604030504040204" pitchFamily="34" charset="0"/>
+              <a:cs typeface="Verdana" panose="020B0604030504040204" pitchFamily="34" charset="0"/>
+            </a:endParaRPr>
+          </a:p>
+        </p:txBody>
+      </p:sp>
+    </p:spTree>
+    <p:extLst>
+      <p:ext uri="{BB962C8B-B14F-4D97-AF65-F5344CB8AC3E}">
+        <p14:creationId xmlns:p14="http://schemas.microsoft.com/office/powerpoint/2010/main" val="2214979512"/>
+      </p:ext>
+    </p:extLst>
+  </p:cSld>
+  <p:clrMapOvr>
+    <a:masterClrMapping/>
+  </p:clrMapOvr>
+  <p:timing>
+    <p:tnLst>
+      <p:par>
+        <p:cTn id="1" dur="indefinite" restart="never" nodeType="tmRoot"/>
+      </p:par>
+    </p:tnLst>
+  </p:timing>
+</p:sld>
+</file>
+
+<file path=ppt/slides/slide17.xml><?xml version="1.0" encoding="utf-8"?>
+<p:sld xmlns:a="http://schemas.openxmlformats.org/drawingml/2006/main" xmlns:r="http://schemas.openxmlformats.org/officeDocument/2006/relationships" xmlns:p="http://schemas.openxmlformats.org/presentationml/2006/main">
+  <p:cSld>
+    <p:spTree>
+      <p:nvGrpSpPr>
+        <p:cNvPr id="1" name=""/>
+        <p:cNvGrpSpPr/>
+        <p:nvPr/>
+      </p:nvGrpSpPr>
+      <p:grpSpPr>
+        <a:xfrm>
+          <a:off x="0" y="0"/>
+          <a:ext cx="0" cy="0"/>
+          <a:chOff x="0" y="0"/>
+          <a:chExt cx="0" cy="0"/>
+        </a:xfrm>
+      </p:grpSpPr>
+      <p:sp>
+        <p:nvSpPr>
+          <p:cNvPr id="3" name="Content Placeholder 2"/>
+          <p:cNvSpPr>
+            <a:spLocks noGrp="1"/>
+          </p:cNvSpPr>
+          <p:nvPr>
+            <p:ph idx="1"/>
+          </p:nvPr>
+        </p:nvSpPr>
+        <p:spPr>
+          <a:xfrm>
+            <a:off x="218365" y="136478"/>
+            <a:ext cx="11709778" cy="6721522"/>
+          </a:xfrm>
+        </p:spPr>
+        <p:txBody>
+          <a:bodyPr>
+            <a:normAutofit/>
+          </a:bodyPr>
+          <a:lstStyle/>
+          <a:p>
+            <a:r>
+              <a:rPr lang="en-IN" sz="1400" b="1" i="1" u="sng" dirty="0" smtClean="0">
+                <a:latin typeface="Verdana" panose="020B0604030504040204" pitchFamily="34" charset="0"/>
+                <a:ea typeface="Verdana" panose="020B0604030504040204" pitchFamily="34" charset="0"/>
+                <a:cs typeface="Verdana" panose="020B0604030504040204" pitchFamily="34" charset="0"/>
+              </a:rPr>
+              <a:t>Memory Location of all three variables:</a:t>
+            </a:r>
+          </a:p>
+          <a:p>
+            <a:pPr marL="0" indent="0">
+              <a:buNone/>
+            </a:pPr>
+            <a:r>
+              <a:rPr lang="en-IN" sz="1400" b="1" u="sng" dirty="0" smtClean="0">
+                <a:latin typeface="Verdana" panose="020B0604030504040204" pitchFamily="34" charset="0"/>
+                <a:ea typeface="Verdana" panose="020B0604030504040204" pitchFamily="34" charset="0"/>
+                <a:cs typeface="Verdana" panose="020B0604030504040204" pitchFamily="34" charset="0"/>
+              </a:rPr>
+              <a:t>Local Variables:</a:t>
+            </a:r>
+            <a:r>
+              <a:rPr lang="en-IN" sz="1400" dirty="0" smtClean="0">
+                <a:latin typeface="Verdana" panose="020B0604030504040204" pitchFamily="34" charset="0"/>
+                <a:ea typeface="Verdana" panose="020B0604030504040204" pitchFamily="34" charset="0"/>
+                <a:cs typeface="Verdana" panose="020B0604030504040204" pitchFamily="34" charset="0"/>
+              </a:rPr>
+              <a:t> These variables get the memory location when method is called and their creation statement is executed. They get the memory with respect to method so they are called method variables. Local variables are automatically created when method is executing and are destroyed automatically after method execution is completed, so they are also called auto variables.</a:t>
+            </a:r>
+          </a:p>
+          <a:p>
+            <a:pPr marL="0" indent="0">
+              <a:buNone/>
+            </a:pPr>
+            <a:endParaRPr lang="en-IN" sz="1400" dirty="0">
+              <a:latin typeface="Verdana" panose="020B0604030504040204" pitchFamily="34" charset="0"/>
+              <a:ea typeface="Verdana" panose="020B0604030504040204" pitchFamily="34" charset="0"/>
+              <a:cs typeface="Verdana" panose="020B0604030504040204" pitchFamily="34" charset="0"/>
+            </a:endParaRPr>
+          </a:p>
+          <a:p>
+            <a:pPr marL="0" indent="0">
+              <a:buNone/>
+            </a:pPr>
+            <a:r>
+              <a:rPr lang="en-IN" sz="1400" b="1" u="sng" dirty="0" smtClean="0">
+                <a:latin typeface="Verdana" panose="020B0604030504040204" pitchFamily="34" charset="0"/>
+                <a:ea typeface="Verdana" panose="020B0604030504040204" pitchFamily="34" charset="0"/>
+                <a:cs typeface="Verdana" panose="020B0604030504040204" pitchFamily="34" charset="0"/>
+              </a:rPr>
+              <a:t>Static Variables:</a:t>
+            </a:r>
+            <a:r>
+              <a:rPr lang="en-IN" sz="1400" dirty="0" smtClean="0">
+                <a:latin typeface="Verdana" panose="020B0604030504040204" pitchFamily="34" charset="0"/>
+                <a:ea typeface="Verdana" panose="020B0604030504040204" pitchFamily="34" charset="0"/>
+                <a:cs typeface="Verdana" panose="020B0604030504040204" pitchFamily="34" charset="0"/>
+              </a:rPr>
+              <a:t> These variables get memory location when class is loaded into JVM. They get memory with respect to class name, so they are also called “class variables/fields”.</a:t>
+            </a:r>
+          </a:p>
+          <a:p>
+            <a:pPr marL="0" indent="0">
+              <a:buNone/>
+            </a:pPr>
+            <a:endParaRPr lang="en-IN" sz="1400" dirty="0">
+              <a:latin typeface="Verdana" panose="020B0604030504040204" pitchFamily="34" charset="0"/>
+              <a:ea typeface="Verdana" panose="020B0604030504040204" pitchFamily="34" charset="0"/>
+              <a:cs typeface="Verdana" panose="020B0604030504040204" pitchFamily="34" charset="0"/>
+            </a:endParaRPr>
+          </a:p>
+          <a:p>
+            <a:pPr marL="0" indent="0">
+              <a:buNone/>
+            </a:pPr>
+            <a:r>
+              <a:rPr lang="en-IN" sz="1400" b="1" u="sng" dirty="0" smtClean="0">
+                <a:latin typeface="Verdana" panose="020B0604030504040204" pitchFamily="34" charset="0"/>
+                <a:ea typeface="Verdana" panose="020B0604030504040204" pitchFamily="34" charset="0"/>
+                <a:cs typeface="Verdana" panose="020B0604030504040204" pitchFamily="34" charset="0"/>
+              </a:rPr>
+              <a:t>Non-Static Variables:</a:t>
+            </a:r>
+            <a:r>
+              <a:rPr lang="en-IN" sz="1400" dirty="0" smtClean="0">
+                <a:latin typeface="Verdana" panose="020B0604030504040204" pitchFamily="34" charset="0"/>
+                <a:ea typeface="Verdana" panose="020B0604030504040204" pitchFamily="34" charset="0"/>
+                <a:cs typeface="Verdana" panose="020B0604030504040204" pitchFamily="34" charset="0"/>
+              </a:rPr>
+              <a:t> These variables get memory location when object is created using new keyword. They get memory with respect to object, so they are also called “object variables/instance variables/properties/attributes/fields”.</a:t>
+            </a:r>
+          </a:p>
+          <a:p>
+            <a:pPr marL="0" indent="0">
+              <a:buNone/>
+            </a:pPr>
+            <a:endParaRPr lang="en-IN" sz="1400" dirty="0">
+              <a:latin typeface="Verdana" panose="020B0604030504040204" pitchFamily="34" charset="0"/>
+              <a:ea typeface="Verdana" panose="020B0604030504040204" pitchFamily="34" charset="0"/>
+              <a:cs typeface="Verdana" panose="020B0604030504040204" pitchFamily="34" charset="0"/>
+            </a:endParaRPr>
+          </a:p>
+          <a:p>
+            <a:pPr marL="0" indent="0">
+              <a:buNone/>
+            </a:pPr>
+            <a:r>
+              <a:rPr lang="en-IN" sz="1400" b="1" u="sng" dirty="0" smtClean="0">
+                <a:latin typeface="Verdana" panose="020B0604030504040204" pitchFamily="34" charset="0"/>
+                <a:ea typeface="Verdana" panose="020B0604030504040204" pitchFamily="34" charset="0"/>
+                <a:cs typeface="Verdana" panose="020B0604030504040204" pitchFamily="34" charset="0"/>
+              </a:rPr>
+              <a:t>Rules of Local variables:</a:t>
+            </a:r>
+          </a:p>
+          <a:p>
+            <a:pPr marL="342900" indent="-342900">
+              <a:buAutoNum type="arabicPeriod"/>
+            </a:pPr>
+            <a:r>
+              <a:rPr lang="en-IN" sz="1400" dirty="0" smtClean="0">
+                <a:latin typeface="Verdana" panose="020B0604030504040204" pitchFamily="34" charset="0"/>
+                <a:ea typeface="Verdana" panose="020B0604030504040204" pitchFamily="34" charset="0"/>
+                <a:cs typeface="Verdana" panose="020B0604030504040204" pitchFamily="34" charset="0"/>
+              </a:rPr>
+              <a:t>Local variables can’t be access from another method because its scope is restricted within its method.</a:t>
+            </a:r>
+          </a:p>
+          <a:p>
+            <a:pPr marL="342900" indent="-342900">
+              <a:buAutoNum type="arabicPeriod"/>
+            </a:pPr>
+            <a:r>
+              <a:rPr lang="en-IN" sz="1400" dirty="0" smtClean="0">
+                <a:latin typeface="Verdana" panose="020B0604030504040204" pitchFamily="34" charset="0"/>
+                <a:ea typeface="Verdana" panose="020B0604030504040204" pitchFamily="34" charset="0"/>
+                <a:cs typeface="Verdana" panose="020B0604030504040204" pitchFamily="34" charset="0"/>
+              </a:rPr>
+              <a:t>Local variable should not be accesses without initialization.</a:t>
+            </a:r>
+          </a:p>
+          <a:p>
+            <a:pPr marL="342900" indent="-342900">
+              <a:buAutoNum type="arabicPeriod"/>
+            </a:pPr>
+            <a:r>
+              <a:rPr lang="en-IN" sz="1400" dirty="0" smtClean="0">
+                <a:latin typeface="Verdana" panose="020B0604030504040204" pitchFamily="34" charset="0"/>
+                <a:ea typeface="Verdana" panose="020B0604030504040204" pitchFamily="34" charset="0"/>
+                <a:cs typeface="Verdana" panose="020B0604030504040204" pitchFamily="34" charset="0"/>
+              </a:rPr>
+              <a:t>Local variable must be accessed only after its creation statement.</a:t>
+            </a:r>
+          </a:p>
+          <a:p>
+            <a:pPr marL="342900" indent="-342900">
+              <a:buAutoNum type="arabicPeriod"/>
+            </a:pPr>
+            <a:r>
+              <a:rPr lang="en-IN" sz="1400" dirty="0" smtClean="0">
+                <a:latin typeface="Verdana" panose="020B0604030504040204" pitchFamily="34" charset="0"/>
+                <a:ea typeface="Verdana" panose="020B0604030504040204" pitchFamily="34" charset="0"/>
+                <a:cs typeface="Verdana" panose="020B0604030504040204" pitchFamily="34" charset="0"/>
+              </a:rPr>
+              <a:t>Local variables can’t be declared as static it leads as CTE: Illegal star of expression, because local variable should get memory location only if method is called. But if we declare as static, it should get memory at the time of class loading, this is violating contract, so it leads to compile time error.</a:t>
+            </a:r>
+          </a:p>
+          <a:p>
+            <a:pPr marL="0" indent="0">
+              <a:buNone/>
+            </a:pPr>
+            <a:r>
+              <a:rPr lang="en-IN" sz="1400" b="1" u="sng" dirty="0" smtClean="0">
+                <a:latin typeface="Verdana" panose="020B0604030504040204" pitchFamily="34" charset="0"/>
+                <a:ea typeface="Verdana" panose="020B0604030504040204" pitchFamily="34" charset="0"/>
+                <a:cs typeface="Verdana" panose="020B0604030504040204" pitchFamily="34" charset="0"/>
+              </a:rPr>
+              <a:t>Rules of Class level variables:</a:t>
+            </a:r>
+          </a:p>
+          <a:p>
+            <a:pPr marL="342900" indent="-342900">
+              <a:buAutoNum type="arabicPeriod"/>
+            </a:pPr>
+            <a:r>
+              <a:rPr lang="en-IN" sz="1400" dirty="0" smtClean="0">
+                <a:latin typeface="Verdana" panose="020B0604030504040204" pitchFamily="34" charset="0"/>
+                <a:ea typeface="Verdana" panose="020B0604030504040204" pitchFamily="34" charset="0"/>
+                <a:cs typeface="Verdana" panose="020B0604030504040204" pitchFamily="34" charset="0"/>
+              </a:rPr>
+              <a:t>We must create class level variables only if we want to access a value throughout the class from all its method.</a:t>
+            </a:r>
+          </a:p>
+          <a:p>
+            <a:pPr marL="342900" indent="-342900">
+              <a:buAutoNum type="arabicPeriod"/>
+            </a:pPr>
+            <a:r>
+              <a:rPr lang="en-IN" sz="1400" dirty="0" smtClean="0">
+                <a:latin typeface="Verdana" panose="020B0604030504040204" pitchFamily="34" charset="0"/>
+                <a:ea typeface="Verdana" panose="020B0604030504040204" pitchFamily="34" charset="0"/>
+                <a:cs typeface="Verdana" panose="020B0604030504040204" pitchFamily="34" charset="0"/>
+              </a:rPr>
+              <a:t>Non-static variables and methods must be accessed with object form static methods else it leads CTE: non-static variable can’t be referenced from static context.</a:t>
+            </a:r>
+          </a:p>
+        </p:txBody>
+      </p:sp>
+    </p:spTree>
+    <p:extLst>
+      <p:ext uri="{BB962C8B-B14F-4D97-AF65-F5344CB8AC3E}">
+        <p14:creationId xmlns:p14="http://schemas.microsoft.com/office/powerpoint/2010/main" val="749950908"/>
+      </p:ext>
+    </p:extLst>
+  </p:cSld>
+  <p:clrMapOvr>
+    <a:masterClrMapping/>
+  </p:clrMapOvr>
+  <p:timing>
+    <p:tnLst>
+      <p:par>
+        <p:cTn id="1" dur="indefinite" restart="never" nodeType="tmRoot"/>
+      </p:par>
+    </p:tnLst>
+  </p:timing>
+</p:sld>
+</file>
+
+<file path=ppt/slides/slide18.xml><?xml version="1.0" encoding="utf-8"?>
+<p:sld xmlns:a="http://schemas.openxmlformats.org/drawingml/2006/main" xmlns:r="http://schemas.openxmlformats.org/officeDocument/2006/relationships" xmlns:p="http://schemas.openxmlformats.org/presentationml/2006/main">
+  <p:cSld>
+    <p:spTree>
+      <p:nvGrpSpPr>
+        <p:cNvPr id="1" name=""/>
+        <p:cNvGrpSpPr/>
+        <p:nvPr/>
+      </p:nvGrpSpPr>
+      <p:grpSpPr>
+        <a:xfrm>
+          <a:off x="0" y="0"/>
+          <a:ext cx="0" cy="0"/>
+          <a:chOff x="0" y="0"/>
+          <a:chExt cx="0" cy="0"/>
+        </a:xfrm>
+      </p:grpSpPr>
+      <p:sp>
+        <p:nvSpPr>
+          <p:cNvPr id="3" name="Content Placeholder 2"/>
+          <p:cNvSpPr>
+            <a:spLocks noGrp="1"/>
+          </p:cNvSpPr>
+          <p:nvPr>
+            <p:ph idx="1"/>
+          </p:nvPr>
+        </p:nvSpPr>
+        <p:spPr>
+          <a:xfrm>
+            <a:off x="191069" y="95534"/>
+            <a:ext cx="11832609" cy="6081429"/>
+          </a:xfrm>
+        </p:spPr>
+        <p:txBody>
+          <a:bodyPr>
+            <a:normAutofit/>
+          </a:bodyPr>
+          <a:lstStyle/>
+          <a:p>
+            <a:pPr marL="0" indent="0">
+              <a:buNone/>
+            </a:pPr>
+            <a:r>
+              <a:rPr lang="en-IN" sz="1400" b="1" dirty="0" smtClean="0">
+                <a:latin typeface="Verdana" panose="020B0604030504040204" pitchFamily="34" charset="0"/>
+                <a:ea typeface="Verdana" panose="020B0604030504040204" pitchFamily="34" charset="0"/>
+                <a:cs typeface="Verdana" panose="020B0604030504040204" pitchFamily="34" charset="0"/>
+              </a:rPr>
+              <a:t>Final Variable:</a:t>
+            </a:r>
+          </a:p>
+          <a:p>
+            <a:r>
+              <a:rPr lang="en-IN" sz="1400" dirty="0" smtClean="0">
+                <a:latin typeface="Verdana" panose="020B0604030504040204" pitchFamily="34" charset="0"/>
+                <a:ea typeface="Verdana" panose="020B0604030504040204" pitchFamily="34" charset="0"/>
+                <a:cs typeface="Verdana" panose="020B0604030504040204" pitchFamily="34" charset="0"/>
+              </a:rPr>
+              <a:t> The class level or local variable the has final keyword in its definitions is called final variable.</a:t>
+            </a:r>
+          </a:p>
+          <a:p>
+            <a:r>
+              <a:rPr lang="en-IN" sz="1400" i="1" dirty="0" smtClean="0">
+                <a:latin typeface="Verdana" panose="020B0604030504040204" pitchFamily="34" charset="0"/>
+                <a:ea typeface="Verdana" panose="020B0604030504040204" pitchFamily="34" charset="0"/>
+                <a:cs typeface="Verdana" panose="020B0604030504040204" pitchFamily="34" charset="0"/>
+              </a:rPr>
+              <a:t>Rule: </a:t>
+            </a:r>
+            <a:r>
+              <a:rPr lang="en-IN" sz="1400" dirty="0" smtClean="0">
+                <a:latin typeface="Verdana" panose="020B0604030504040204" pitchFamily="34" charset="0"/>
+                <a:ea typeface="Verdana" panose="020B0604030504040204" pitchFamily="34" charset="0"/>
+                <a:cs typeface="Verdana" panose="020B0604030504040204" pitchFamily="34" charset="0"/>
+              </a:rPr>
+              <a:t>one it is initialized by developer, its value can’t be changed. If we try to change its value, it leads to CTE.</a:t>
+            </a:r>
+          </a:p>
+          <a:p>
+            <a:pPr marL="0" indent="0">
+              <a:buNone/>
+            </a:pPr>
+            <a:r>
+              <a:rPr lang="en-IN" sz="1400" b="1" dirty="0" smtClean="0">
+                <a:latin typeface="Verdana" panose="020B0604030504040204" pitchFamily="34" charset="0"/>
+                <a:ea typeface="Verdana" panose="020B0604030504040204" pitchFamily="34" charset="0"/>
+                <a:cs typeface="Verdana" panose="020B0604030504040204" pitchFamily="34" charset="0"/>
+              </a:rPr>
+              <a:t>Transient Variable:</a:t>
+            </a:r>
+            <a:r>
+              <a:rPr lang="en-IN" sz="1400" dirty="0" smtClean="0">
+                <a:latin typeface="Verdana" panose="020B0604030504040204" pitchFamily="34" charset="0"/>
+                <a:ea typeface="Verdana" panose="020B0604030504040204" pitchFamily="34" charset="0"/>
+                <a:cs typeface="Verdana" panose="020B0604030504040204" pitchFamily="34" charset="0"/>
+              </a:rPr>
+              <a:t> </a:t>
+            </a:r>
+          </a:p>
+          <a:p>
+            <a:r>
+              <a:rPr lang="en-IN" sz="1400" dirty="0" smtClean="0">
+                <a:latin typeface="Verdana" panose="020B0604030504040204" pitchFamily="34" charset="0"/>
+                <a:ea typeface="Verdana" panose="020B0604030504040204" pitchFamily="34" charset="0"/>
+                <a:cs typeface="Verdana" panose="020B0604030504040204" pitchFamily="34" charset="0"/>
+              </a:rPr>
+              <a:t>The class level variable that has transient keyword in its definition is called transient variable.</a:t>
+            </a:r>
+          </a:p>
+          <a:p>
+            <a:r>
+              <a:rPr lang="en-IN" sz="1400" dirty="0" smtClean="0">
+                <a:latin typeface="Verdana" panose="020B0604030504040204" pitchFamily="34" charset="0"/>
+                <a:ea typeface="Verdana" panose="020B0604030504040204" pitchFamily="34" charset="0"/>
+                <a:cs typeface="Verdana" panose="020B0604030504040204" pitchFamily="34" charset="0"/>
+              </a:rPr>
+              <a:t>Rule: local variable can’t be declared as transient. It leads CTE: illegal start of expression.</a:t>
+            </a:r>
+          </a:p>
+          <a:p>
+            <a:r>
+              <a:rPr lang="en-IN" sz="1400" dirty="0" smtClean="0">
+                <a:latin typeface="Verdana" panose="020B0604030504040204" pitchFamily="34" charset="0"/>
+                <a:ea typeface="Verdana" panose="020B0604030504040204" pitchFamily="34" charset="0"/>
+                <a:cs typeface="Verdana" panose="020B0604030504040204" pitchFamily="34" charset="0"/>
+              </a:rPr>
+              <a:t>Note: We declare a variable as transient variable to tell to JVM that we do not want to store variable value in a file in object serialization. Since local variable is not part of object, declaring it as transient is illegal. </a:t>
+            </a:r>
+          </a:p>
+          <a:p>
+            <a:pPr marL="0" indent="0">
+              <a:buNone/>
+            </a:pPr>
+            <a:endParaRPr lang="en-IN" sz="1400" dirty="0">
+              <a:latin typeface="Verdana" panose="020B0604030504040204" pitchFamily="34" charset="0"/>
+              <a:ea typeface="Verdana" panose="020B0604030504040204" pitchFamily="34" charset="0"/>
+              <a:cs typeface="Verdana" panose="020B0604030504040204" pitchFamily="34" charset="0"/>
+            </a:endParaRPr>
+          </a:p>
+          <a:p>
+            <a:pPr marL="0" indent="0">
+              <a:buNone/>
+            </a:pPr>
+            <a:r>
+              <a:rPr lang="en-IN" sz="1400" b="1" dirty="0" smtClean="0">
+                <a:latin typeface="Verdana" panose="020B0604030504040204" pitchFamily="34" charset="0"/>
+                <a:ea typeface="Verdana" panose="020B0604030504040204" pitchFamily="34" charset="0"/>
+                <a:cs typeface="Verdana" panose="020B0604030504040204" pitchFamily="34" charset="0"/>
+              </a:rPr>
+              <a:t>Volatile variable:</a:t>
+            </a:r>
+          </a:p>
+          <a:p>
+            <a:r>
+              <a:rPr lang="en-IN" sz="1400" dirty="0" smtClean="0">
+                <a:latin typeface="Verdana" panose="020B0604030504040204" pitchFamily="34" charset="0"/>
+                <a:ea typeface="Verdana" panose="020B0604030504040204" pitchFamily="34" charset="0"/>
+                <a:cs typeface="Verdana" panose="020B0604030504040204" pitchFamily="34" charset="0"/>
+              </a:rPr>
+              <a:t>The </a:t>
+            </a:r>
+            <a:r>
+              <a:rPr lang="en-IN" sz="1400" dirty="0">
+                <a:latin typeface="Verdana" panose="020B0604030504040204" pitchFamily="34" charset="0"/>
+                <a:ea typeface="Verdana" panose="020B0604030504040204" pitchFamily="34" charset="0"/>
+                <a:cs typeface="Verdana" panose="020B0604030504040204" pitchFamily="34" charset="0"/>
+              </a:rPr>
+              <a:t>class level variable that has </a:t>
+            </a:r>
+            <a:r>
+              <a:rPr lang="en-IN" sz="1400" dirty="0" smtClean="0">
+                <a:latin typeface="Verdana" panose="020B0604030504040204" pitchFamily="34" charset="0"/>
+                <a:ea typeface="Verdana" panose="020B0604030504040204" pitchFamily="34" charset="0"/>
+                <a:cs typeface="Verdana" panose="020B0604030504040204" pitchFamily="34" charset="0"/>
+              </a:rPr>
+              <a:t>volatile keyword </a:t>
+            </a:r>
+            <a:r>
+              <a:rPr lang="en-IN" sz="1400" dirty="0">
+                <a:latin typeface="Verdana" panose="020B0604030504040204" pitchFamily="34" charset="0"/>
+                <a:ea typeface="Verdana" panose="020B0604030504040204" pitchFamily="34" charset="0"/>
+                <a:cs typeface="Verdana" panose="020B0604030504040204" pitchFamily="34" charset="0"/>
+              </a:rPr>
+              <a:t>in its definition is called transient variable</a:t>
+            </a:r>
+            <a:r>
+              <a:rPr lang="en-IN" sz="1400" dirty="0" smtClean="0">
+                <a:latin typeface="Verdana" panose="020B0604030504040204" pitchFamily="34" charset="0"/>
+                <a:ea typeface="Verdana" panose="020B0604030504040204" pitchFamily="34" charset="0"/>
+                <a:cs typeface="Verdana" panose="020B0604030504040204" pitchFamily="34" charset="0"/>
+              </a:rPr>
+              <a:t>.</a:t>
+            </a:r>
+          </a:p>
+          <a:p>
+            <a:r>
+              <a:rPr lang="en-IN" sz="1400" dirty="0" smtClean="0">
+                <a:latin typeface="Verdana" panose="020B0604030504040204" pitchFamily="34" charset="0"/>
+                <a:ea typeface="Verdana" panose="020B0604030504040204" pitchFamily="34" charset="0"/>
+                <a:cs typeface="Verdana" panose="020B0604030504040204" pitchFamily="34" charset="0"/>
+              </a:rPr>
+              <a:t>Rule: </a:t>
+            </a:r>
+            <a:r>
+              <a:rPr lang="en-IN" sz="1400" dirty="0">
+                <a:latin typeface="Verdana" panose="020B0604030504040204" pitchFamily="34" charset="0"/>
+                <a:ea typeface="Verdana" panose="020B0604030504040204" pitchFamily="34" charset="0"/>
+                <a:cs typeface="Verdana" panose="020B0604030504040204" pitchFamily="34" charset="0"/>
+              </a:rPr>
+              <a:t>local variable can’t be declared as </a:t>
+            </a:r>
+            <a:r>
+              <a:rPr lang="en-IN" sz="1400" dirty="0" smtClean="0">
+                <a:latin typeface="Verdana" panose="020B0604030504040204" pitchFamily="34" charset="0"/>
+                <a:ea typeface="Verdana" panose="020B0604030504040204" pitchFamily="34" charset="0"/>
+                <a:cs typeface="Verdana" panose="020B0604030504040204" pitchFamily="34" charset="0"/>
+              </a:rPr>
+              <a:t>transient. </a:t>
+            </a:r>
+            <a:r>
+              <a:rPr lang="en-IN" sz="1400" dirty="0">
+                <a:latin typeface="Verdana" panose="020B0604030504040204" pitchFamily="34" charset="0"/>
+                <a:ea typeface="Verdana" panose="020B0604030504040204" pitchFamily="34" charset="0"/>
+                <a:cs typeface="Verdana" panose="020B0604030504040204" pitchFamily="34" charset="0"/>
+              </a:rPr>
+              <a:t>It leads CTE: illegal start of expression.</a:t>
+            </a:r>
+          </a:p>
+          <a:p>
+            <a:r>
+              <a:rPr lang="en-IN" sz="1400" dirty="0" smtClean="0">
+                <a:latin typeface="Verdana" panose="020B0604030504040204" pitchFamily="34" charset="0"/>
+                <a:ea typeface="Verdana" panose="020B0604030504040204" pitchFamily="34" charset="0"/>
+                <a:cs typeface="Verdana" panose="020B0604030504040204" pitchFamily="34" charset="0"/>
+              </a:rPr>
+              <a:t>Note: We declare variable as volatile to tell to JVM that we don’t want to modify variable value concurrently by multiple threads. If we declare variable as volatile multiple threads are allowed to change its value in sequence one after one.</a:t>
+            </a:r>
+          </a:p>
+          <a:p>
+            <a:pPr marL="0" indent="0">
+              <a:buNone/>
+            </a:pPr>
+            <a:r>
+              <a:rPr lang="en-IN" sz="1400" dirty="0" smtClean="0">
+                <a:latin typeface="Verdana" panose="020B0604030504040204" pitchFamily="34" charset="0"/>
+                <a:ea typeface="Verdana" panose="020B0604030504040204" pitchFamily="34" charset="0"/>
+                <a:cs typeface="Verdana" panose="020B0604030504040204" pitchFamily="34" charset="0"/>
+              </a:rPr>
+              <a:t>    Since local variable is not directly accessible by thread, declaring it as volatile is illegal.</a:t>
+            </a:r>
+          </a:p>
+          <a:p>
+            <a:pPr marL="0" indent="0">
+              <a:buNone/>
+            </a:pPr>
+            <a:endParaRPr lang="en-IN" sz="1400" dirty="0">
+              <a:latin typeface="Verdana" panose="020B0604030504040204" pitchFamily="34" charset="0"/>
+              <a:ea typeface="Verdana" panose="020B0604030504040204" pitchFamily="34" charset="0"/>
+              <a:cs typeface="Verdana" panose="020B0604030504040204" pitchFamily="34" charset="0"/>
+            </a:endParaRPr>
+          </a:p>
+          <a:p>
+            <a:pPr marL="0" indent="0">
+              <a:buNone/>
+            </a:pPr>
+            <a:r>
+              <a:rPr lang="en-IN" sz="1400" b="1" dirty="0" smtClean="0">
+                <a:latin typeface="Verdana" panose="020B0604030504040204" pitchFamily="34" charset="0"/>
+                <a:ea typeface="Verdana" panose="020B0604030504040204" pitchFamily="34" charset="0"/>
+                <a:cs typeface="Verdana" panose="020B0604030504040204" pitchFamily="34" charset="0"/>
+              </a:rPr>
+              <a:t>Note:</a:t>
+            </a:r>
+          </a:p>
+          <a:p>
+            <a:pPr>
+              <a:buFont typeface="Wingdings" panose="05000000000000000000" pitchFamily="2" charset="2"/>
+              <a:buChar char="v"/>
+            </a:pPr>
+            <a:r>
+              <a:rPr lang="en-IN" sz="1400" dirty="0" smtClean="0">
+                <a:latin typeface="Verdana" panose="020B0604030504040204" pitchFamily="34" charset="0"/>
+                <a:ea typeface="Verdana" panose="020B0604030504040204" pitchFamily="34" charset="0"/>
+                <a:cs typeface="Verdana" panose="020B0604030504040204" pitchFamily="34" charset="0"/>
+              </a:rPr>
+              <a:t>Static members are meant for storing data and operate that data </a:t>
+            </a:r>
+            <a:r>
+              <a:rPr lang="en-IN" sz="1400" i="1" dirty="0" smtClean="0">
+                <a:latin typeface="Verdana" panose="020B0604030504040204" pitchFamily="34" charset="0"/>
+                <a:ea typeface="Verdana" panose="020B0604030504040204" pitchFamily="34" charset="0"/>
+                <a:cs typeface="Verdana" panose="020B0604030504040204" pitchFamily="34" charset="0"/>
+              </a:rPr>
+              <a:t>common</a:t>
+            </a:r>
+            <a:r>
+              <a:rPr lang="en-IN" sz="1400" dirty="0" smtClean="0">
+                <a:latin typeface="Verdana" panose="020B0604030504040204" pitchFamily="34" charset="0"/>
+                <a:ea typeface="Verdana" panose="020B0604030504040204" pitchFamily="34" charset="0"/>
+                <a:cs typeface="Verdana" panose="020B0604030504040204" pitchFamily="34" charset="0"/>
+              </a:rPr>
+              <a:t> to all instances of an object.</a:t>
+            </a:r>
+          </a:p>
+          <a:p>
+            <a:pPr>
+              <a:buFont typeface="Wingdings" panose="05000000000000000000" pitchFamily="2" charset="2"/>
+              <a:buChar char="v"/>
+            </a:pPr>
+            <a:r>
+              <a:rPr lang="en-IN" sz="1400" dirty="0" smtClean="0">
+                <a:latin typeface="Verdana" panose="020B0604030504040204" pitchFamily="34" charset="0"/>
+                <a:ea typeface="Verdana" panose="020B0604030504040204" pitchFamily="34" charset="0"/>
+                <a:cs typeface="Verdana" panose="020B0604030504040204" pitchFamily="34" charset="0"/>
+              </a:rPr>
+              <a:t>Non-static members are meant for storing data and operate that data </a:t>
+            </a:r>
+            <a:r>
+              <a:rPr lang="en-IN" sz="1400" i="1" dirty="0" smtClean="0">
+                <a:latin typeface="Verdana" panose="020B0604030504040204" pitchFamily="34" charset="0"/>
+                <a:ea typeface="Verdana" panose="020B0604030504040204" pitchFamily="34" charset="0"/>
+                <a:cs typeface="Verdana" panose="020B0604030504040204" pitchFamily="34" charset="0"/>
+              </a:rPr>
+              <a:t>separately</a:t>
+            </a:r>
+            <a:r>
+              <a:rPr lang="en-IN" sz="1400" dirty="0" smtClean="0">
+                <a:latin typeface="Verdana" panose="020B0604030504040204" pitchFamily="34" charset="0"/>
+                <a:ea typeface="Verdana" panose="020B0604030504040204" pitchFamily="34" charset="0"/>
+                <a:cs typeface="Verdana" panose="020B0604030504040204" pitchFamily="34" charset="0"/>
+              </a:rPr>
+              <a:t> and specific to every instance of an object.</a:t>
+            </a:r>
+          </a:p>
+          <a:p>
+            <a:pPr marL="0" indent="0">
+              <a:buNone/>
+            </a:pPr>
+            <a:endParaRPr lang="en-IN" sz="1400" dirty="0">
+              <a:latin typeface="Verdana" panose="020B0604030504040204" pitchFamily="34" charset="0"/>
+              <a:ea typeface="Verdana" panose="020B0604030504040204" pitchFamily="34" charset="0"/>
+              <a:cs typeface="Verdana" panose="020B0604030504040204" pitchFamily="34" charset="0"/>
+            </a:endParaRPr>
+          </a:p>
+          <a:p>
+            <a:pPr marL="0" indent="0">
+              <a:buNone/>
+            </a:pPr>
+            <a:endParaRPr lang="en-IN" sz="1400" dirty="0">
+              <a:latin typeface="Verdana" panose="020B0604030504040204" pitchFamily="34" charset="0"/>
+              <a:ea typeface="Verdana" panose="020B0604030504040204" pitchFamily="34" charset="0"/>
+              <a:cs typeface="Verdana" panose="020B0604030504040204" pitchFamily="34" charset="0"/>
+            </a:endParaRPr>
+          </a:p>
+        </p:txBody>
+      </p:sp>
+    </p:spTree>
+    <p:extLst>
+      <p:ext uri="{BB962C8B-B14F-4D97-AF65-F5344CB8AC3E}">
+        <p14:creationId xmlns:p14="http://schemas.microsoft.com/office/powerpoint/2010/main" val="4153493716"/>
+      </p:ext>
+    </p:extLst>
+  </p:cSld>
+  <p:clrMapOvr>
+    <a:masterClrMapping/>
+  </p:clrMapOvr>
+</p:sld>
+</file>
+
+<file path=ppt/slides/slide19.xml><?xml version="1.0" encoding="utf-8"?>
+<p:sld xmlns:a="http://schemas.openxmlformats.org/drawingml/2006/main" xmlns:r="http://schemas.openxmlformats.org/officeDocument/2006/relationships" xmlns:p="http://schemas.openxmlformats.org/presentationml/2006/main">
+  <p:cSld>
+    <p:spTree>
+      <p:nvGrpSpPr>
+        <p:cNvPr id="1" name=""/>
+        <p:cNvGrpSpPr/>
+        <p:nvPr/>
+      </p:nvGrpSpPr>
+      <p:grpSpPr>
+        <a:xfrm>
+          <a:off x="0" y="0"/>
+          <a:ext cx="0" cy="0"/>
+          <a:chOff x="0" y="0"/>
+          <a:chExt cx="0" cy="0"/>
+        </a:xfrm>
+      </p:grpSpPr>
+      <p:sp>
+        <p:nvSpPr>
+          <p:cNvPr id="2" name="Cube 1"/>
+          <p:cNvSpPr/>
+          <p:nvPr/>
+        </p:nvSpPr>
+        <p:spPr>
+          <a:xfrm>
+            <a:off x="7049068" y="222915"/>
+            <a:ext cx="1815152" cy="1282889"/>
+          </a:xfrm>
+          <a:prstGeom prst="cube">
+            <a:avLst/>
+          </a:prstGeom>
+          <a:solidFill>
+            <a:schemeClr val="bg1"/>
+          </a:solidFill>
+          <a:ln>
+            <a:solidFill>
+              <a:schemeClr val="tx1"/>
+            </a:solidFill>
+          </a:ln>
+        </p:spPr>
+        <p:style>
+          <a:lnRef idx="2">
+            <a:schemeClr val="accent1">
+              <a:shade val="50000"/>
+            </a:schemeClr>
+          </a:lnRef>
+          <a:fillRef idx="1">
+            <a:schemeClr val="accent1"/>
+          </a:fillRef>
+          <a:effectRef idx="0">
+            <a:schemeClr val="accent1"/>
+          </a:effectRef>
+          <a:fontRef idx="minor">
+            <a:schemeClr val="lt1"/>
+          </a:fontRef>
+        </p:style>
+        <p:txBody>
+          <a:bodyPr rtlCol="0" anchor="ctr"/>
+          <a:lstStyle/>
+          <a:p>
+            <a:pPr algn="ctr"/>
+            <a:r>
+              <a:rPr lang="en-IN" b="1" dirty="0" err="1" smtClean="0">
+                <a:solidFill>
+                  <a:srgbClr val="0070C0"/>
+                </a:solidFill>
+              </a:rPr>
+              <a:t>ClassLoader</a:t>
+            </a:r>
+            <a:r>
+              <a:rPr lang="en-IN" b="1" dirty="0" smtClean="0">
+                <a:solidFill>
+                  <a:srgbClr val="0070C0"/>
+                </a:solidFill>
+              </a:rPr>
+              <a:t> Sub System</a:t>
+            </a:r>
+            <a:endParaRPr lang="en-IN" b="1" dirty="0"/>
+          </a:p>
+        </p:txBody>
+      </p:sp>
+      <p:sp>
+        <p:nvSpPr>
+          <p:cNvPr id="3" name="Rectangle 2"/>
+          <p:cNvSpPr/>
+          <p:nvPr/>
+        </p:nvSpPr>
+        <p:spPr>
+          <a:xfrm>
+            <a:off x="1519479" y="2647668"/>
+            <a:ext cx="1009935" cy="914400"/>
+          </a:xfrm>
+          <a:prstGeom prst="rect">
+            <a:avLst/>
+          </a:prstGeom>
+          <a:ln>
+            <a:solidFill>
+              <a:srgbClr val="FF0000"/>
+            </a:solidFill>
+          </a:ln>
+        </p:spPr>
+        <p:style>
+          <a:lnRef idx="2">
+            <a:schemeClr val="accent2"/>
+          </a:lnRef>
+          <a:fillRef idx="1">
+            <a:schemeClr val="lt1"/>
+          </a:fillRef>
+          <a:effectRef idx="0">
+            <a:schemeClr val="accent2"/>
+          </a:effectRef>
+          <a:fontRef idx="minor">
+            <a:schemeClr val="dk1"/>
+          </a:fontRef>
+        </p:style>
+        <p:txBody>
+          <a:bodyPr rtlCol="0" anchor="ctr"/>
+          <a:lstStyle/>
+          <a:p>
+            <a:pPr algn="ctr"/>
+            <a:r>
+              <a:rPr lang="en-IN" b="1" dirty="0" smtClean="0">
+                <a:solidFill>
+                  <a:srgbClr val="0070C0"/>
+                </a:solidFill>
+              </a:rPr>
+              <a:t>Method Area</a:t>
+            </a:r>
+            <a:endParaRPr lang="en-IN" b="1" dirty="0">
+              <a:solidFill>
+                <a:srgbClr val="0070C0"/>
+              </a:solidFill>
+            </a:endParaRPr>
+          </a:p>
+        </p:txBody>
+      </p:sp>
+      <p:sp>
+        <p:nvSpPr>
+          <p:cNvPr id="5" name="Rectangle 4"/>
+          <p:cNvSpPr/>
+          <p:nvPr/>
+        </p:nvSpPr>
+        <p:spPr>
+          <a:xfrm>
+            <a:off x="3507492" y="2647667"/>
+            <a:ext cx="1009935" cy="914400"/>
+          </a:xfrm>
+          <a:prstGeom prst="rect">
+            <a:avLst/>
+          </a:prstGeom>
+          <a:ln>
+            <a:solidFill>
+              <a:srgbClr val="FF0000"/>
+            </a:solidFill>
+          </a:ln>
+        </p:spPr>
+        <p:style>
+          <a:lnRef idx="2">
+            <a:schemeClr val="accent2"/>
+          </a:lnRef>
+          <a:fillRef idx="1">
+            <a:schemeClr val="lt1"/>
+          </a:fillRef>
+          <a:effectRef idx="0">
+            <a:schemeClr val="accent2"/>
+          </a:effectRef>
+          <a:fontRef idx="minor">
+            <a:schemeClr val="dk1"/>
+          </a:fontRef>
+        </p:style>
+        <p:txBody>
+          <a:bodyPr rtlCol="0" anchor="ctr"/>
+          <a:lstStyle/>
+          <a:p>
+            <a:pPr algn="ctr"/>
+            <a:r>
+              <a:rPr lang="en-IN" b="1" dirty="0" smtClean="0">
+                <a:solidFill>
+                  <a:srgbClr val="0070C0"/>
+                </a:solidFill>
+              </a:rPr>
+              <a:t>Heap</a:t>
+            </a:r>
+          </a:p>
+          <a:p>
+            <a:pPr algn="ctr"/>
+            <a:r>
+              <a:rPr lang="en-IN" b="1" dirty="0" smtClean="0">
+                <a:solidFill>
+                  <a:srgbClr val="0070C0"/>
+                </a:solidFill>
+              </a:rPr>
+              <a:t>Area</a:t>
+            </a:r>
+            <a:endParaRPr lang="en-IN" b="1" dirty="0">
+              <a:solidFill>
+                <a:srgbClr val="0070C0"/>
+              </a:solidFill>
+            </a:endParaRPr>
+          </a:p>
+        </p:txBody>
+      </p:sp>
+      <p:sp>
+        <p:nvSpPr>
+          <p:cNvPr id="6" name="Rectangle 5"/>
+          <p:cNvSpPr/>
+          <p:nvPr/>
+        </p:nvSpPr>
+        <p:spPr>
+          <a:xfrm>
+            <a:off x="5581935" y="2634020"/>
+            <a:ext cx="1009935" cy="914400"/>
+          </a:xfrm>
+          <a:prstGeom prst="rect">
+            <a:avLst/>
+          </a:prstGeom>
+          <a:ln>
+            <a:solidFill>
+              <a:srgbClr val="FF0000"/>
+            </a:solidFill>
+          </a:ln>
+        </p:spPr>
+        <p:style>
+          <a:lnRef idx="2">
+            <a:schemeClr val="accent2"/>
+          </a:lnRef>
+          <a:fillRef idx="1">
+            <a:schemeClr val="lt1"/>
+          </a:fillRef>
+          <a:effectRef idx="0">
+            <a:schemeClr val="accent2"/>
+          </a:effectRef>
+          <a:fontRef idx="minor">
+            <a:schemeClr val="dk1"/>
+          </a:fontRef>
+        </p:style>
+        <p:txBody>
+          <a:bodyPr rtlCol="0" anchor="ctr"/>
+          <a:lstStyle/>
+          <a:p>
+            <a:pPr algn="ctr"/>
+            <a:r>
+              <a:rPr lang="en-IN" b="1" dirty="0" smtClean="0">
+                <a:solidFill>
+                  <a:srgbClr val="0070C0"/>
+                </a:solidFill>
+              </a:rPr>
+              <a:t>Stack</a:t>
+            </a:r>
+          </a:p>
+          <a:p>
+            <a:pPr algn="ctr"/>
+            <a:r>
+              <a:rPr lang="en-IN" b="1" dirty="0" smtClean="0">
+                <a:solidFill>
+                  <a:srgbClr val="0070C0"/>
+                </a:solidFill>
+              </a:rPr>
+              <a:t>Area</a:t>
+            </a:r>
+            <a:endParaRPr lang="en-IN" b="1" dirty="0">
+              <a:solidFill>
+                <a:srgbClr val="0070C0"/>
+              </a:solidFill>
+            </a:endParaRPr>
+          </a:p>
+        </p:txBody>
+      </p:sp>
+      <p:sp>
+        <p:nvSpPr>
+          <p:cNvPr id="7" name="Rectangle 6"/>
+          <p:cNvSpPr/>
+          <p:nvPr/>
+        </p:nvSpPr>
+        <p:spPr>
+          <a:xfrm>
+            <a:off x="7656378" y="2606722"/>
+            <a:ext cx="1228299" cy="914400"/>
+          </a:xfrm>
+          <a:prstGeom prst="rect">
+            <a:avLst/>
+          </a:prstGeom>
+          <a:ln>
+            <a:solidFill>
+              <a:srgbClr val="FF0000"/>
+            </a:solidFill>
+          </a:ln>
+        </p:spPr>
+        <p:style>
+          <a:lnRef idx="2">
+            <a:schemeClr val="accent2"/>
+          </a:lnRef>
+          <a:fillRef idx="1">
+            <a:schemeClr val="lt1"/>
+          </a:fillRef>
+          <a:effectRef idx="0">
+            <a:schemeClr val="accent2"/>
+          </a:effectRef>
+          <a:fontRef idx="minor">
+            <a:schemeClr val="dk1"/>
+          </a:fontRef>
+        </p:style>
+        <p:txBody>
+          <a:bodyPr rtlCol="0" anchor="ctr"/>
+          <a:lstStyle/>
+          <a:p>
+            <a:pPr algn="ctr"/>
+            <a:r>
+              <a:rPr lang="en-IN" b="1" dirty="0" smtClean="0">
+                <a:solidFill>
+                  <a:srgbClr val="0070C0"/>
+                </a:solidFill>
+              </a:rPr>
+              <a:t>PC</a:t>
+            </a:r>
+          </a:p>
+          <a:p>
+            <a:pPr algn="ctr"/>
+            <a:r>
+              <a:rPr lang="en-IN" b="1" dirty="0" smtClean="0">
+                <a:solidFill>
+                  <a:srgbClr val="0070C0"/>
+                </a:solidFill>
+              </a:rPr>
+              <a:t>Registers</a:t>
+            </a:r>
+            <a:endParaRPr lang="en-IN" b="1" dirty="0">
+              <a:solidFill>
+                <a:srgbClr val="0070C0"/>
+              </a:solidFill>
+            </a:endParaRPr>
+          </a:p>
+        </p:txBody>
+      </p:sp>
+      <p:sp>
+        <p:nvSpPr>
+          <p:cNvPr id="8" name="Rectangle 7"/>
+          <p:cNvSpPr/>
+          <p:nvPr/>
+        </p:nvSpPr>
+        <p:spPr>
+          <a:xfrm>
+            <a:off x="9949185" y="2606722"/>
+            <a:ext cx="1009935" cy="914400"/>
+          </a:xfrm>
+          <a:prstGeom prst="rect">
+            <a:avLst/>
+          </a:prstGeom>
+          <a:ln>
+            <a:solidFill>
+              <a:srgbClr val="FF0000"/>
+            </a:solidFill>
+          </a:ln>
+        </p:spPr>
+        <p:style>
+          <a:lnRef idx="2">
+            <a:schemeClr val="accent2"/>
+          </a:lnRef>
+          <a:fillRef idx="1">
+            <a:schemeClr val="lt1"/>
+          </a:fillRef>
+          <a:effectRef idx="0">
+            <a:schemeClr val="accent2"/>
+          </a:effectRef>
+          <a:fontRef idx="minor">
+            <a:schemeClr val="dk1"/>
+          </a:fontRef>
+        </p:style>
+        <p:txBody>
+          <a:bodyPr rtlCol="0" anchor="ctr"/>
+          <a:lstStyle/>
+          <a:p>
+            <a:pPr algn="ctr"/>
+            <a:r>
+              <a:rPr lang="en-IN" b="1" dirty="0" smtClean="0">
+                <a:solidFill>
+                  <a:srgbClr val="0070C0"/>
+                </a:solidFill>
+              </a:rPr>
+              <a:t>Native Method </a:t>
+            </a:r>
+          </a:p>
+          <a:p>
+            <a:pPr algn="ctr"/>
+            <a:r>
+              <a:rPr lang="en-IN" b="1" dirty="0" smtClean="0">
+                <a:solidFill>
+                  <a:srgbClr val="0070C0"/>
+                </a:solidFill>
+              </a:rPr>
+              <a:t>Stacks</a:t>
+            </a:r>
+            <a:endParaRPr lang="en-IN" b="1" dirty="0">
+              <a:solidFill>
+                <a:srgbClr val="0070C0"/>
+              </a:solidFill>
+            </a:endParaRPr>
+          </a:p>
+        </p:txBody>
+      </p:sp>
+      <p:sp>
+        <p:nvSpPr>
+          <p:cNvPr id="9" name="Rectangle 8"/>
+          <p:cNvSpPr/>
+          <p:nvPr/>
+        </p:nvSpPr>
+        <p:spPr>
+          <a:xfrm>
+            <a:off x="5622877" y="4929118"/>
+            <a:ext cx="1137325" cy="914400"/>
+          </a:xfrm>
+          <a:prstGeom prst="rect">
+            <a:avLst/>
+          </a:prstGeom>
+          <a:ln>
+            <a:solidFill>
+              <a:srgbClr val="FF0000"/>
+            </a:solidFill>
+          </a:ln>
+        </p:spPr>
+        <p:style>
+          <a:lnRef idx="2">
+            <a:schemeClr val="accent2"/>
+          </a:lnRef>
+          <a:fillRef idx="1">
+            <a:schemeClr val="lt1"/>
+          </a:fillRef>
+          <a:effectRef idx="0">
+            <a:schemeClr val="accent2"/>
+          </a:effectRef>
+          <a:fontRef idx="minor">
+            <a:schemeClr val="dk1"/>
+          </a:fontRef>
+        </p:style>
+        <p:txBody>
+          <a:bodyPr rtlCol="0" anchor="ctr"/>
+          <a:lstStyle/>
+          <a:p>
+            <a:pPr algn="ctr"/>
+            <a:endParaRPr lang="en-IN" b="1" dirty="0" smtClean="0">
+              <a:solidFill>
+                <a:srgbClr val="0070C0"/>
+              </a:solidFill>
+            </a:endParaRPr>
+          </a:p>
+          <a:p>
+            <a:pPr algn="ctr"/>
+            <a:r>
+              <a:rPr lang="en-IN" b="1" dirty="0" smtClean="0">
+                <a:solidFill>
+                  <a:srgbClr val="0070C0"/>
+                </a:solidFill>
+              </a:rPr>
+              <a:t>Java Native Interface</a:t>
+            </a:r>
+          </a:p>
+          <a:p>
+            <a:pPr algn="ctr"/>
+            <a:endParaRPr lang="en-IN" b="1" dirty="0">
+              <a:solidFill>
+                <a:srgbClr val="0070C0"/>
+              </a:solidFill>
+            </a:endParaRPr>
+          </a:p>
+        </p:txBody>
+      </p:sp>
+      <p:sp>
+        <p:nvSpPr>
+          <p:cNvPr id="10" name="Rectangle 9"/>
+          <p:cNvSpPr/>
+          <p:nvPr/>
+        </p:nvSpPr>
+        <p:spPr>
+          <a:xfrm>
+            <a:off x="7956644" y="4929118"/>
+            <a:ext cx="1160060" cy="914400"/>
+          </a:xfrm>
+          <a:prstGeom prst="rect">
+            <a:avLst/>
+          </a:prstGeom>
+          <a:ln>
+            <a:solidFill>
+              <a:srgbClr val="FF0000"/>
+            </a:solidFill>
+          </a:ln>
+        </p:spPr>
+        <p:style>
+          <a:lnRef idx="2">
+            <a:schemeClr val="accent2"/>
+          </a:lnRef>
+          <a:fillRef idx="1">
+            <a:schemeClr val="lt1"/>
+          </a:fillRef>
+          <a:effectRef idx="0">
+            <a:schemeClr val="accent2"/>
+          </a:effectRef>
+          <a:fontRef idx="minor">
+            <a:schemeClr val="dk1"/>
+          </a:fontRef>
+        </p:style>
+        <p:txBody>
+          <a:bodyPr rtlCol="0" anchor="ctr"/>
+          <a:lstStyle/>
+          <a:p>
+            <a:pPr algn="ctr"/>
+            <a:endParaRPr lang="en-IN" b="1" dirty="0" smtClean="0">
+              <a:solidFill>
+                <a:srgbClr val="0070C0"/>
+              </a:solidFill>
+            </a:endParaRPr>
+          </a:p>
+          <a:p>
+            <a:pPr algn="ctr"/>
+            <a:r>
+              <a:rPr lang="en-IN" b="1" dirty="0">
+                <a:solidFill>
+                  <a:srgbClr val="0070C0"/>
+                </a:solidFill>
+              </a:rPr>
+              <a:t>Native Method </a:t>
+            </a:r>
+          </a:p>
+          <a:p>
+            <a:pPr algn="ctr"/>
+            <a:r>
+              <a:rPr lang="en-IN" b="1" dirty="0" smtClean="0">
+                <a:solidFill>
+                  <a:srgbClr val="0070C0"/>
+                </a:solidFill>
+              </a:rPr>
+              <a:t>Libraries</a:t>
+            </a:r>
+            <a:endParaRPr lang="en-IN" b="1" dirty="0">
+              <a:solidFill>
+                <a:srgbClr val="0070C0"/>
+              </a:solidFill>
+            </a:endParaRPr>
+          </a:p>
+          <a:p>
+            <a:pPr algn="ctr"/>
+            <a:endParaRPr lang="en-IN" b="1" dirty="0">
+              <a:solidFill>
+                <a:srgbClr val="0070C0"/>
+              </a:solidFill>
+            </a:endParaRPr>
+          </a:p>
+        </p:txBody>
+      </p:sp>
+      <p:sp>
+        <p:nvSpPr>
+          <p:cNvPr id="11" name="Cube 10"/>
+          <p:cNvSpPr/>
+          <p:nvPr/>
+        </p:nvSpPr>
+        <p:spPr>
+          <a:xfrm>
+            <a:off x="1872018" y="4744873"/>
+            <a:ext cx="1815152" cy="1282889"/>
+          </a:xfrm>
+          <a:prstGeom prst="cube">
+            <a:avLst/>
+          </a:prstGeom>
+          <a:solidFill>
+            <a:schemeClr val="bg1"/>
+          </a:solidFill>
+          <a:ln>
+            <a:solidFill>
+              <a:schemeClr val="tx1"/>
+            </a:solidFill>
+          </a:ln>
+        </p:spPr>
+        <p:style>
+          <a:lnRef idx="2">
+            <a:schemeClr val="accent1">
+              <a:shade val="50000"/>
+            </a:schemeClr>
+          </a:lnRef>
+          <a:fillRef idx="1">
+            <a:schemeClr val="accent1"/>
+          </a:fillRef>
+          <a:effectRef idx="0">
+            <a:schemeClr val="accent1"/>
+          </a:effectRef>
+          <a:fontRef idx="minor">
+            <a:schemeClr val="lt1"/>
+          </a:fontRef>
+        </p:style>
+        <p:txBody>
+          <a:bodyPr rtlCol="0" anchor="ctr"/>
+          <a:lstStyle/>
+          <a:p>
+            <a:pPr algn="ctr"/>
+            <a:r>
+              <a:rPr lang="en-IN" b="1" dirty="0" smtClean="0">
+                <a:solidFill>
+                  <a:srgbClr val="0070C0"/>
+                </a:solidFill>
+              </a:rPr>
+              <a:t>Execution Engine</a:t>
+            </a:r>
+            <a:endParaRPr lang="en-IN" b="1" dirty="0"/>
+          </a:p>
+        </p:txBody>
+      </p:sp>
+      <p:cxnSp>
+        <p:nvCxnSpPr>
+          <p:cNvPr id="13" name="Straight Connector 12"/>
+          <p:cNvCxnSpPr/>
+          <p:nvPr/>
+        </p:nvCxnSpPr>
+        <p:spPr>
+          <a:xfrm>
+            <a:off x="982639" y="2238233"/>
+            <a:ext cx="10699845" cy="13648"/>
+          </a:xfrm>
+          <a:prstGeom prst="line">
+            <a:avLst/>
+          </a:prstGeom>
+          <a:ln>
+            <a:solidFill>
+              <a:srgbClr val="FF0000"/>
+            </a:solidFill>
+          </a:ln>
+        </p:spPr>
+        <p:style>
+          <a:lnRef idx="1">
+            <a:schemeClr val="accent1"/>
+          </a:lnRef>
+          <a:fillRef idx="0">
+            <a:schemeClr val="accent1"/>
+          </a:fillRef>
+          <a:effectRef idx="0">
+            <a:schemeClr val="accent1"/>
+          </a:effectRef>
+          <a:fontRef idx="minor">
+            <a:schemeClr val="tx1"/>
+          </a:fontRef>
+        </p:style>
+      </p:cxnSp>
+      <p:cxnSp>
+        <p:nvCxnSpPr>
+          <p:cNvPr id="15" name="Straight Connector 14"/>
+          <p:cNvCxnSpPr/>
+          <p:nvPr/>
+        </p:nvCxnSpPr>
+        <p:spPr>
+          <a:xfrm>
+            <a:off x="941696" y="4012443"/>
+            <a:ext cx="10740788" cy="0"/>
+          </a:xfrm>
+          <a:prstGeom prst="line">
+            <a:avLst/>
+          </a:prstGeom>
+          <a:ln>
+            <a:solidFill>
+              <a:srgbClr val="FF0000"/>
+            </a:solidFill>
+          </a:ln>
+        </p:spPr>
+        <p:style>
+          <a:lnRef idx="1">
+            <a:schemeClr val="accent1"/>
+          </a:lnRef>
+          <a:fillRef idx="0">
+            <a:schemeClr val="accent1"/>
+          </a:fillRef>
+          <a:effectRef idx="0">
+            <a:schemeClr val="accent1"/>
+          </a:effectRef>
+          <a:fontRef idx="minor">
+            <a:schemeClr val="tx1"/>
+          </a:fontRef>
+        </p:style>
+      </p:cxnSp>
+      <p:cxnSp>
+        <p:nvCxnSpPr>
+          <p:cNvPr id="17" name="Straight Connector 16"/>
+          <p:cNvCxnSpPr/>
+          <p:nvPr/>
+        </p:nvCxnSpPr>
+        <p:spPr>
+          <a:xfrm flipH="1">
+            <a:off x="982639" y="2238233"/>
+            <a:ext cx="40943" cy="1787857"/>
+          </a:xfrm>
+          <a:prstGeom prst="line">
+            <a:avLst/>
+          </a:prstGeom>
+          <a:ln>
+            <a:solidFill>
+              <a:srgbClr val="FF0000"/>
+            </a:solidFill>
+          </a:ln>
+        </p:spPr>
+        <p:style>
+          <a:lnRef idx="1">
+            <a:schemeClr val="accent1"/>
+          </a:lnRef>
+          <a:fillRef idx="0">
+            <a:schemeClr val="accent1"/>
+          </a:fillRef>
+          <a:effectRef idx="0">
+            <a:schemeClr val="accent1"/>
+          </a:effectRef>
+          <a:fontRef idx="minor">
+            <a:schemeClr val="tx1"/>
+          </a:fontRef>
+        </p:style>
+      </p:cxnSp>
+      <p:cxnSp>
+        <p:nvCxnSpPr>
+          <p:cNvPr id="19" name="Straight Connector 18"/>
+          <p:cNvCxnSpPr/>
+          <p:nvPr/>
+        </p:nvCxnSpPr>
+        <p:spPr>
+          <a:xfrm>
+            <a:off x="11682484" y="2251881"/>
+            <a:ext cx="0" cy="1774209"/>
+          </a:xfrm>
+          <a:prstGeom prst="line">
+            <a:avLst/>
+          </a:prstGeom>
+          <a:ln>
+            <a:solidFill>
+              <a:srgbClr val="FF0000"/>
+            </a:solidFill>
+          </a:ln>
+        </p:spPr>
+        <p:style>
+          <a:lnRef idx="1">
+            <a:schemeClr val="accent1"/>
+          </a:lnRef>
+          <a:fillRef idx="0">
+            <a:schemeClr val="accent1"/>
+          </a:fillRef>
+          <a:effectRef idx="0">
+            <a:schemeClr val="accent1"/>
+          </a:effectRef>
+          <a:fontRef idx="minor">
+            <a:schemeClr val="tx1"/>
+          </a:fontRef>
+        </p:style>
+      </p:cxnSp>
+      <p:sp>
+        <p:nvSpPr>
+          <p:cNvPr id="22" name="TextBox 21"/>
+          <p:cNvSpPr txBox="1"/>
+          <p:nvPr/>
+        </p:nvSpPr>
+        <p:spPr>
+          <a:xfrm>
+            <a:off x="4425191" y="3629465"/>
+            <a:ext cx="3041345" cy="369332"/>
+          </a:xfrm>
+          <a:prstGeom prst="rect">
+            <a:avLst/>
+          </a:prstGeom>
+          <a:noFill/>
+          <a:ln>
+            <a:noFill/>
+          </a:ln>
+        </p:spPr>
+        <p:txBody>
+          <a:bodyPr wrap="none" rtlCol="0">
+            <a:spAutoFit/>
+          </a:bodyPr>
+          <a:lstStyle/>
+          <a:p>
+            <a:r>
+              <a:rPr lang="en-IN" b="1" dirty="0" smtClean="0"/>
+              <a:t>Various memory areas of JVM</a:t>
+            </a:r>
+            <a:endParaRPr lang="en-IN" b="1" dirty="0"/>
+          </a:p>
+        </p:txBody>
+      </p:sp>
+      <p:cxnSp>
+        <p:nvCxnSpPr>
+          <p:cNvPr id="24" name="Straight Arrow Connector 23"/>
+          <p:cNvCxnSpPr/>
+          <p:nvPr/>
+        </p:nvCxnSpPr>
+        <p:spPr>
+          <a:xfrm>
+            <a:off x="3687170" y="5297935"/>
+            <a:ext cx="1935707" cy="17540"/>
+          </a:xfrm>
+          <a:prstGeom prst="straightConnector1">
+            <a:avLst/>
+          </a:prstGeom>
+          <a:ln>
+            <a:headEnd type="triangle"/>
+            <a:tailEnd type="triangle"/>
+          </a:ln>
+        </p:spPr>
+        <p:style>
+          <a:lnRef idx="3">
+            <a:schemeClr val="accent6"/>
+          </a:lnRef>
+          <a:fillRef idx="0">
+            <a:schemeClr val="accent6"/>
+          </a:fillRef>
+          <a:effectRef idx="2">
+            <a:schemeClr val="accent6"/>
+          </a:effectRef>
+          <a:fontRef idx="minor">
+            <a:schemeClr val="tx1"/>
+          </a:fontRef>
+        </p:style>
+      </p:cxnSp>
+      <p:cxnSp>
+        <p:nvCxnSpPr>
+          <p:cNvPr id="28" name="Straight Arrow Connector 27"/>
+          <p:cNvCxnSpPr>
+            <a:endCxn id="9" idx="0"/>
+          </p:cNvCxnSpPr>
+          <p:nvPr/>
+        </p:nvCxnSpPr>
+        <p:spPr>
+          <a:xfrm>
+            <a:off x="6191539" y="4026090"/>
+            <a:ext cx="1" cy="903028"/>
+          </a:xfrm>
+          <a:prstGeom prst="straightConnector1">
+            <a:avLst/>
+          </a:prstGeom>
+          <a:ln>
+            <a:headEnd type="triangle"/>
+            <a:tailEnd type="triangle"/>
+          </a:ln>
+        </p:spPr>
+        <p:style>
+          <a:lnRef idx="3">
+            <a:schemeClr val="accent6"/>
+          </a:lnRef>
+          <a:fillRef idx="0">
+            <a:schemeClr val="accent6"/>
+          </a:fillRef>
+          <a:effectRef idx="2">
+            <a:schemeClr val="accent6"/>
+          </a:effectRef>
+          <a:fontRef idx="minor">
+            <a:schemeClr val="tx1"/>
+          </a:fontRef>
+        </p:style>
+      </p:cxnSp>
+      <p:cxnSp>
+        <p:nvCxnSpPr>
+          <p:cNvPr id="30" name="Straight Arrow Connector 29"/>
+          <p:cNvCxnSpPr>
+            <a:stCxn id="10" idx="1"/>
+            <a:endCxn id="9" idx="3"/>
+          </p:cNvCxnSpPr>
+          <p:nvPr/>
+        </p:nvCxnSpPr>
+        <p:spPr>
+          <a:xfrm flipH="1">
+            <a:off x="6760202" y="5386318"/>
+            <a:ext cx="1196442" cy="0"/>
+          </a:xfrm>
+          <a:prstGeom prst="straightConnector1">
+            <a:avLst/>
+          </a:prstGeom>
+          <a:ln>
+            <a:tailEnd type="triangle"/>
+          </a:ln>
+        </p:spPr>
+        <p:style>
+          <a:lnRef idx="3">
+            <a:schemeClr val="accent6"/>
+          </a:lnRef>
+          <a:fillRef idx="0">
+            <a:schemeClr val="accent6"/>
+          </a:fillRef>
+          <a:effectRef idx="2">
+            <a:schemeClr val="accent6"/>
+          </a:effectRef>
+          <a:fontRef idx="minor">
+            <a:schemeClr val="tx1"/>
+          </a:fontRef>
+        </p:style>
+      </p:cxnSp>
+      <p:sp>
+        <p:nvSpPr>
+          <p:cNvPr id="31" name="Down Arrow 30"/>
+          <p:cNvSpPr/>
+          <p:nvPr/>
+        </p:nvSpPr>
+        <p:spPr>
+          <a:xfrm>
+            <a:off x="7874758" y="1505804"/>
+            <a:ext cx="368490" cy="732429"/>
+          </a:xfrm>
+          <a:prstGeom prst="downArrow">
+            <a:avLst/>
+          </a:prstGeom>
+          <a:solidFill>
+            <a:srgbClr val="FFFF00"/>
+          </a:solidFill>
+          <a:ln>
+            <a:solidFill>
+              <a:schemeClr val="tx1"/>
+            </a:solidFill>
+          </a:ln>
+        </p:spPr>
+        <p:style>
+          <a:lnRef idx="2">
+            <a:schemeClr val="accent1">
+              <a:shade val="50000"/>
+            </a:schemeClr>
+          </a:lnRef>
+          <a:fillRef idx="1">
+            <a:schemeClr val="accent1"/>
+          </a:fillRef>
+          <a:effectRef idx="0">
+            <a:schemeClr val="accent1"/>
+          </a:effectRef>
+          <a:fontRef idx="minor">
+            <a:schemeClr val="lt1"/>
+          </a:fontRef>
+        </p:style>
+        <p:txBody>
+          <a:bodyPr rtlCol="0" anchor="ctr"/>
+          <a:lstStyle/>
+          <a:p>
+            <a:pPr algn="ctr"/>
+            <a:endParaRPr lang="en-IN"/>
+          </a:p>
+        </p:txBody>
+      </p:sp>
+      <p:sp>
+        <p:nvSpPr>
+          <p:cNvPr id="32" name="Down Arrow 31"/>
+          <p:cNvSpPr/>
+          <p:nvPr/>
+        </p:nvSpPr>
+        <p:spPr>
+          <a:xfrm>
+            <a:off x="2988860" y="4012443"/>
+            <a:ext cx="354842" cy="746079"/>
+          </a:xfrm>
+          <a:prstGeom prst="downArrow">
+            <a:avLst/>
+          </a:prstGeom>
+          <a:solidFill>
+            <a:srgbClr val="FFFF00"/>
+          </a:solidFill>
+          <a:ln>
+            <a:solidFill>
+              <a:schemeClr val="tx1"/>
+            </a:solidFill>
+          </a:ln>
+        </p:spPr>
+        <p:style>
+          <a:lnRef idx="2">
+            <a:schemeClr val="accent1">
+              <a:shade val="50000"/>
+            </a:schemeClr>
+          </a:lnRef>
+          <a:fillRef idx="1">
+            <a:schemeClr val="accent1"/>
+          </a:fillRef>
+          <a:effectRef idx="0">
+            <a:schemeClr val="accent1"/>
+          </a:effectRef>
+          <a:fontRef idx="minor">
+            <a:schemeClr val="lt1"/>
+          </a:fontRef>
+        </p:style>
+        <p:txBody>
+          <a:bodyPr rtlCol="0" anchor="ctr"/>
+          <a:lstStyle/>
+          <a:p>
+            <a:pPr algn="ctr"/>
+            <a:endParaRPr lang="en-IN"/>
+          </a:p>
+        </p:txBody>
+      </p:sp>
+      <p:sp>
+        <p:nvSpPr>
+          <p:cNvPr id="34" name="Up Arrow 33"/>
+          <p:cNvSpPr/>
+          <p:nvPr/>
+        </p:nvSpPr>
+        <p:spPr>
+          <a:xfrm>
+            <a:off x="7200406" y="1492156"/>
+            <a:ext cx="368489" cy="746077"/>
+          </a:xfrm>
+          <a:prstGeom prst="upArrow">
+            <a:avLst/>
+          </a:prstGeom>
+          <a:solidFill>
+            <a:srgbClr val="FFFF00"/>
+          </a:solidFill>
+          <a:ln>
+            <a:solidFill>
+              <a:schemeClr val="tx1"/>
+            </a:solidFill>
+          </a:ln>
+        </p:spPr>
+        <p:style>
+          <a:lnRef idx="2">
+            <a:schemeClr val="accent1">
+              <a:shade val="50000"/>
+            </a:schemeClr>
+          </a:lnRef>
+          <a:fillRef idx="1">
+            <a:schemeClr val="accent1"/>
+          </a:fillRef>
+          <a:effectRef idx="0">
+            <a:schemeClr val="accent1"/>
+          </a:effectRef>
+          <a:fontRef idx="minor">
+            <a:schemeClr val="lt1"/>
+          </a:fontRef>
+        </p:style>
+        <p:txBody>
+          <a:bodyPr rtlCol="0" anchor="ctr"/>
+          <a:lstStyle/>
+          <a:p>
+            <a:pPr algn="ctr"/>
+            <a:endParaRPr lang="en-IN"/>
+          </a:p>
+        </p:txBody>
+      </p:sp>
+      <p:sp>
+        <p:nvSpPr>
+          <p:cNvPr id="35" name="Up Arrow 34"/>
+          <p:cNvSpPr/>
+          <p:nvPr/>
+        </p:nvSpPr>
+        <p:spPr>
+          <a:xfrm>
+            <a:off x="2429301" y="4012443"/>
+            <a:ext cx="354842" cy="732430"/>
+          </a:xfrm>
+          <a:prstGeom prst="upArrow">
+            <a:avLst/>
+          </a:prstGeom>
+          <a:solidFill>
+            <a:srgbClr val="FFFF00"/>
+          </a:solidFill>
+          <a:ln>
+            <a:solidFill>
+              <a:schemeClr val="tx1"/>
+            </a:solidFill>
+          </a:ln>
+        </p:spPr>
+        <p:style>
+          <a:lnRef idx="2">
+            <a:schemeClr val="accent1">
+              <a:shade val="50000"/>
+            </a:schemeClr>
+          </a:lnRef>
+          <a:fillRef idx="1">
+            <a:schemeClr val="accent1"/>
+          </a:fillRef>
+          <a:effectRef idx="0">
+            <a:schemeClr val="accent1"/>
+          </a:effectRef>
+          <a:fontRef idx="minor">
+            <a:schemeClr val="lt1"/>
+          </a:fontRef>
+        </p:style>
+        <p:txBody>
+          <a:bodyPr rtlCol="0" anchor="ctr"/>
+          <a:lstStyle/>
+          <a:p>
+            <a:pPr algn="ctr"/>
+            <a:endParaRPr lang="en-IN"/>
+          </a:p>
+        </p:txBody>
+      </p:sp>
+      <p:cxnSp>
+        <p:nvCxnSpPr>
+          <p:cNvPr id="37" name="Straight Arrow Connector 36"/>
+          <p:cNvCxnSpPr>
+            <a:endCxn id="2" idx="2"/>
+          </p:cNvCxnSpPr>
+          <p:nvPr/>
+        </p:nvCxnSpPr>
+        <p:spPr>
+          <a:xfrm>
+            <a:off x="4517427" y="996287"/>
+            <a:ext cx="2531641" cy="28434"/>
+          </a:xfrm>
+          <a:prstGeom prst="straightConnector1">
+            <a:avLst/>
+          </a:prstGeom>
+          <a:ln>
+            <a:tailEnd type="triangle"/>
+          </a:ln>
+        </p:spPr>
+        <p:style>
+          <a:lnRef idx="3">
+            <a:schemeClr val="accent6"/>
+          </a:lnRef>
+          <a:fillRef idx="0">
+            <a:schemeClr val="accent6"/>
+          </a:fillRef>
+          <a:effectRef idx="2">
+            <a:schemeClr val="accent6"/>
+          </a:effectRef>
+          <a:fontRef idx="minor">
+            <a:schemeClr val="tx1"/>
+          </a:fontRef>
+        </p:style>
+      </p:cxnSp>
+      <p:sp>
+        <p:nvSpPr>
+          <p:cNvPr id="40" name="TextBox 39"/>
+          <p:cNvSpPr txBox="1"/>
+          <p:nvPr/>
+        </p:nvSpPr>
+        <p:spPr>
+          <a:xfrm>
+            <a:off x="3343702" y="797130"/>
+            <a:ext cx="1104790" cy="369332"/>
+          </a:xfrm>
+          <a:prstGeom prst="rect">
+            <a:avLst/>
+          </a:prstGeom>
+          <a:noFill/>
+        </p:spPr>
+        <p:txBody>
+          <a:bodyPr wrap="none" rtlCol="0">
+            <a:spAutoFit/>
+          </a:bodyPr>
+          <a:lstStyle/>
+          <a:p>
+            <a:r>
+              <a:rPr lang="en-IN" b="1" dirty="0" smtClean="0">
+                <a:solidFill>
+                  <a:srgbClr val="0070C0"/>
+                </a:solidFill>
+              </a:rPr>
+              <a:t>Class files</a:t>
+            </a:r>
+            <a:endParaRPr lang="en-IN" b="1" dirty="0">
+              <a:solidFill>
+                <a:srgbClr val="0070C0"/>
+              </a:solidFill>
+            </a:endParaRPr>
+          </a:p>
+        </p:txBody>
+      </p:sp>
+    </p:spTree>
+    <p:extLst>
+      <p:ext uri="{BB962C8B-B14F-4D97-AF65-F5344CB8AC3E}">
+        <p14:creationId xmlns:p14="http://schemas.microsoft.com/office/powerpoint/2010/main" val="3777638895"/>
+      </p:ext>
+    </p:extLst>
+  </p:cSld>
+  <p:clrMapOvr>
+    <a:masterClrMapping/>
+  </p:clrMapOvr>
 </p:sld>
 </file>
 

--- a/CoreJavaNotes.pptx
+++ b/CoreJavaNotes.pptx
@@ -5,7 +5,7 @@
     <p:sldMasterId id="2147483648" r:id="rId1"/>
   </p:sldMasterIdLst>
   <p:notesMasterIdLst>
-    <p:notesMasterId r:id="rId21"/>
+    <p:notesMasterId r:id="rId24"/>
   </p:notesMasterIdLst>
   <p:sldIdLst>
     <p:sldId id="265" r:id="rId2"/>
@@ -27,6 +27,9 @@
     <p:sldId id="281" r:id="rId18"/>
     <p:sldId id="282" r:id="rId19"/>
     <p:sldId id="283" r:id="rId20"/>
+    <p:sldId id="284" r:id="rId21"/>
+    <p:sldId id="285" r:id="rId22"/>
+    <p:sldId id="286" r:id="rId23"/>
   </p:sldIdLst>
   <p:sldSz cx="12192000" cy="6858000"/>
   <p:notesSz cx="6858000" cy="9144000"/>
@@ -215,7 +218,7 @@
           <a:p>
             <a:fld id="{31A22706-0000-41AF-B6FF-4DE11A567547}" type="datetimeFigureOut">
               <a:rPr lang="en-IN" smtClean="0"/>
-              <a:t>19-01-2021</a:t>
+              <a:t>22-01-2021</a:t>
             </a:fld>
             <a:endParaRPr lang="en-IN"/>
           </a:p>
@@ -794,7 +797,7 @@
           <a:p>
             <a:fld id="{A4F3704B-ED65-4BAA-9587-8FAC4677B14E}" type="datetimeFigureOut">
               <a:rPr lang="en-IN" smtClean="0"/>
-              <a:t>19-01-2021</a:t>
+              <a:t>22-01-2021</a:t>
             </a:fld>
             <a:endParaRPr lang="en-IN"/>
           </a:p>
@@ -964,7 +967,7 @@
           <a:p>
             <a:fld id="{A4F3704B-ED65-4BAA-9587-8FAC4677B14E}" type="datetimeFigureOut">
               <a:rPr lang="en-IN" smtClean="0"/>
-              <a:t>19-01-2021</a:t>
+              <a:t>22-01-2021</a:t>
             </a:fld>
             <a:endParaRPr lang="en-IN"/>
           </a:p>
@@ -1144,7 +1147,7 @@
           <a:p>
             <a:fld id="{A4F3704B-ED65-4BAA-9587-8FAC4677B14E}" type="datetimeFigureOut">
               <a:rPr lang="en-IN" smtClean="0"/>
-              <a:t>19-01-2021</a:t>
+              <a:t>22-01-2021</a:t>
             </a:fld>
             <a:endParaRPr lang="en-IN"/>
           </a:p>
@@ -1314,7 +1317,7 @@
           <a:p>
             <a:fld id="{A4F3704B-ED65-4BAA-9587-8FAC4677B14E}" type="datetimeFigureOut">
               <a:rPr lang="en-IN" smtClean="0"/>
-              <a:t>19-01-2021</a:t>
+              <a:t>22-01-2021</a:t>
             </a:fld>
             <a:endParaRPr lang="en-IN"/>
           </a:p>
@@ -1560,7 +1563,7 @@
           <a:p>
             <a:fld id="{A4F3704B-ED65-4BAA-9587-8FAC4677B14E}" type="datetimeFigureOut">
               <a:rPr lang="en-IN" smtClean="0"/>
-              <a:t>19-01-2021</a:t>
+              <a:t>22-01-2021</a:t>
             </a:fld>
             <a:endParaRPr lang="en-IN"/>
           </a:p>
@@ -1792,7 +1795,7 @@
           <a:p>
             <a:fld id="{A4F3704B-ED65-4BAA-9587-8FAC4677B14E}" type="datetimeFigureOut">
               <a:rPr lang="en-IN" smtClean="0"/>
-              <a:t>19-01-2021</a:t>
+              <a:t>22-01-2021</a:t>
             </a:fld>
             <a:endParaRPr lang="en-IN"/>
           </a:p>
@@ -2159,7 +2162,7 @@
           <a:p>
             <a:fld id="{A4F3704B-ED65-4BAA-9587-8FAC4677B14E}" type="datetimeFigureOut">
               <a:rPr lang="en-IN" smtClean="0"/>
-              <a:t>19-01-2021</a:t>
+              <a:t>22-01-2021</a:t>
             </a:fld>
             <a:endParaRPr lang="en-IN"/>
           </a:p>
@@ -2277,7 +2280,7 @@
           <a:p>
             <a:fld id="{A4F3704B-ED65-4BAA-9587-8FAC4677B14E}" type="datetimeFigureOut">
               <a:rPr lang="en-IN" smtClean="0"/>
-              <a:t>19-01-2021</a:t>
+              <a:t>22-01-2021</a:t>
             </a:fld>
             <a:endParaRPr lang="en-IN"/>
           </a:p>
@@ -2372,7 +2375,7 @@
           <a:p>
             <a:fld id="{A4F3704B-ED65-4BAA-9587-8FAC4677B14E}" type="datetimeFigureOut">
               <a:rPr lang="en-IN" smtClean="0"/>
-              <a:t>19-01-2021</a:t>
+              <a:t>22-01-2021</a:t>
             </a:fld>
             <a:endParaRPr lang="en-IN"/>
           </a:p>
@@ -2649,7 +2652,7 @@
           <a:p>
             <a:fld id="{A4F3704B-ED65-4BAA-9587-8FAC4677B14E}" type="datetimeFigureOut">
               <a:rPr lang="en-IN" smtClean="0"/>
-              <a:t>19-01-2021</a:t>
+              <a:t>22-01-2021</a:t>
             </a:fld>
             <a:endParaRPr lang="en-IN"/>
           </a:p>
@@ -2902,7 +2905,7 @@
           <a:p>
             <a:fld id="{A4F3704B-ED65-4BAA-9587-8FAC4677B14E}" type="datetimeFigureOut">
               <a:rPr lang="en-IN" smtClean="0"/>
-              <a:t>19-01-2021</a:t>
+              <a:t>22-01-2021</a:t>
             </a:fld>
             <a:endParaRPr lang="en-IN"/>
           </a:p>
@@ -3115,7 +3118,7 @@
           <a:p>
             <a:fld id="{A4F3704B-ED65-4BAA-9587-8FAC4677B14E}" type="datetimeFigureOut">
               <a:rPr lang="en-IN" smtClean="0"/>
-              <a:t>19-01-2021</a:t>
+              <a:t>22-01-2021</a:t>
             </a:fld>
             <a:endParaRPr lang="en-IN"/>
           </a:p>
@@ -7210,23 +7213,7 @@
                 <a:ea typeface="Verdana" panose="020B0604030504040204" pitchFamily="34" charset="0"/>
                 <a:cs typeface="Verdana" panose="020B0604030504040204" pitchFamily="34" charset="0"/>
               </a:rPr>
-              <a:t>byte, short</a:t>
-            </a:r>
-            <a:r>
-              <a:rPr lang="en-IN" sz="1400" dirty="0" smtClean="0">
-                <a:latin typeface="Verdana" panose="020B0604030504040204" pitchFamily="34" charset="0"/>
-                <a:ea typeface="Verdana" panose="020B0604030504040204" pitchFamily="34" charset="0"/>
-                <a:cs typeface="Verdana" panose="020B0604030504040204" pitchFamily="34" charset="0"/>
-              </a:rPr>
-              <a:t> or char</a:t>
-            </a:r>
-            <a:r>
-              <a:rPr lang="en-IN" sz="1400" dirty="0" smtClean="0">
-                <a:latin typeface="Verdana" panose="020B0604030504040204" pitchFamily="34" charset="0"/>
-                <a:ea typeface="Verdana" panose="020B0604030504040204" pitchFamily="34" charset="0"/>
-                <a:cs typeface="Verdana" panose="020B0604030504040204" pitchFamily="34" charset="0"/>
-              </a:rPr>
-              <a:t> </a:t>
+              <a:t>byte, short or char </a:t>
             </a:r>
             <a:r>
               <a:rPr lang="en-IN" sz="1400" dirty="0">
@@ -13925,6 +13912,1121 @@
     <p:extLst>
       <p:ext uri="{BB962C8B-B14F-4D97-AF65-F5344CB8AC3E}">
         <p14:creationId xmlns:p14="http://schemas.microsoft.com/office/powerpoint/2010/main" val="559257282"/>
+      </p:ext>
+    </p:extLst>
+  </p:cSld>
+  <p:clrMapOvr>
+    <a:masterClrMapping/>
+  </p:clrMapOvr>
+  <p:timing>
+    <p:tnLst>
+      <p:par>
+        <p:cTn id="1" dur="indefinite" restart="never" nodeType="tmRoot"/>
+      </p:par>
+    </p:tnLst>
+  </p:timing>
+</p:sld>
+</file>
+
+<file path=ppt/slides/slide20.xml><?xml version="1.0" encoding="utf-8"?>
+<p:sld xmlns:a="http://schemas.openxmlformats.org/drawingml/2006/main" xmlns:r="http://schemas.openxmlformats.org/officeDocument/2006/relationships" xmlns:p="http://schemas.openxmlformats.org/presentationml/2006/main">
+  <p:cSld>
+    <p:spTree>
+      <p:nvGrpSpPr>
+        <p:cNvPr id="1" name=""/>
+        <p:cNvGrpSpPr/>
+        <p:nvPr/>
+      </p:nvGrpSpPr>
+      <p:grpSpPr>
+        <a:xfrm>
+          <a:off x="0" y="0"/>
+          <a:ext cx="0" cy="0"/>
+          <a:chOff x="0" y="0"/>
+          <a:chExt cx="0" cy="0"/>
+        </a:xfrm>
+      </p:grpSpPr>
+      <p:sp>
+        <p:nvSpPr>
+          <p:cNvPr id="2" name="Title 1"/>
+          <p:cNvSpPr>
+            <a:spLocks noGrp="1"/>
+          </p:cNvSpPr>
+          <p:nvPr>
+            <p:ph type="title"/>
+          </p:nvPr>
+        </p:nvSpPr>
+        <p:spPr>
+          <a:xfrm>
+            <a:off x="838200" y="365125"/>
+            <a:ext cx="10515600" cy="562923"/>
+          </a:xfrm>
+        </p:spPr>
+        <p:txBody>
+          <a:bodyPr>
+            <a:normAutofit/>
+          </a:bodyPr>
+          <a:lstStyle/>
+          <a:p>
+            <a:r>
+              <a:rPr lang="en-IN" sz="2000" dirty="0" smtClean="0">
+                <a:latin typeface="Verdana" panose="020B0604030504040204" pitchFamily="34" charset="0"/>
+                <a:ea typeface="Verdana" panose="020B0604030504040204" pitchFamily="34" charset="0"/>
+                <a:cs typeface="Verdana" panose="020B0604030504040204" pitchFamily="34" charset="0"/>
+              </a:rPr>
+              <a:t>Package</a:t>
+            </a:r>
+            <a:endParaRPr lang="en-IN" sz="2000" dirty="0">
+              <a:latin typeface="Verdana" panose="020B0604030504040204" pitchFamily="34" charset="0"/>
+              <a:ea typeface="Verdana" panose="020B0604030504040204" pitchFamily="34" charset="0"/>
+              <a:cs typeface="Verdana" panose="020B0604030504040204" pitchFamily="34" charset="0"/>
+            </a:endParaRPr>
+          </a:p>
+        </p:txBody>
+      </p:sp>
+      <p:sp>
+        <p:nvSpPr>
+          <p:cNvPr id="3" name="Content Placeholder 2"/>
+          <p:cNvSpPr>
+            <a:spLocks noGrp="1"/>
+          </p:cNvSpPr>
+          <p:nvPr>
+            <p:ph idx="1"/>
+          </p:nvPr>
+        </p:nvSpPr>
+        <p:spPr>
+          <a:xfrm>
+            <a:off x="838200" y="1132764"/>
+            <a:ext cx="10515600" cy="5044199"/>
+          </a:xfrm>
+        </p:spPr>
+        <p:txBody>
+          <a:bodyPr>
+            <a:normAutofit/>
+          </a:bodyPr>
+          <a:lstStyle/>
+          <a:p>
+            <a:r>
+              <a:rPr lang="en-IN" sz="1400" dirty="0" smtClean="0">
+                <a:latin typeface="Verdana" panose="020B0604030504040204" pitchFamily="34" charset="0"/>
+                <a:ea typeface="Verdana" panose="020B0604030504040204" pitchFamily="34" charset="0"/>
+                <a:cs typeface="Verdana" panose="020B0604030504040204" pitchFamily="34" charset="0"/>
+              </a:rPr>
+              <a:t>A folder this is linked with java class is called package.</a:t>
+            </a:r>
+          </a:p>
+          <a:p>
+            <a:r>
+              <a:rPr lang="en-IN" sz="1400" dirty="0" smtClean="0">
+                <a:latin typeface="Verdana" panose="020B0604030504040204" pitchFamily="34" charset="0"/>
+                <a:ea typeface="Verdana" panose="020B0604030504040204" pitchFamily="34" charset="0"/>
+                <a:cs typeface="Verdana" panose="020B0604030504040204" pitchFamily="34" charset="0"/>
+              </a:rPr>
+              <a:t>Package are used to organize related or similar class, interfaces and enum into one group. For example, </a:t>
+            </a:r>
+            <a:r>
+              <a:rPr lang="en-IN" sz="1400" dirty="0" err="1" smtClean="0">
+                <a:latin typeface="Verdana" panose="020B0604030504040204" pitchFamily="34" charset="0"/>
+                <a:ea typeface="Verdana" panose="020B0604030504040204" pitchFamily="34" charset="0"/>
+                <a:cs typeface="Verdana" panose="020B0604030504040204" pitchFamily="34" charset="0"/>
+              </a:rPr>
+              <a:t>java.sql</a:t>
+            </a:r>
+            <a:r>
+              <a:rPr lang="en-IN" sz="1400" dirty="0" smtClean="0">
+                <a:latin typeface="Verdana" panose="020B0604030504040204" pitchFamily="34" charset="0"/>
+                <a:ea typeface="Verdana" panose="020B0604030504040204" pitchFamily="34" charset="0"/>
+                <a:cs typeface="Verdana" panose="020B0604030504040204" pitchFamily="34" charset="0"/>
+              </a:rPr>
+              <a:t> package has all classes needed for database operation. Java.io package has classes related to input-output operation.</a:t>
+            </a:r>
+          </a:p>
+          <a:p>
+            <a:r>
+              <a:rPr lang="en-IN" sz="1400" dirty="0" smtClean="0">
+                <a:latin typeface="Verdana" panose="020B0604030504040204" pitchFamily="34" charset="0"/>
+                <a:ea typeface="Verdana" panose="020B0604030504040204" pitchFamily="34" charset="0"/>
+                <a:cs typeface="Verdana" panose="020B0604030504040204" pitchFamily="34" charset="0"/>
+              </a:rPr>
+              <a:t>Packages are also used to avoid naming conflict between the classes. Using package, we can give same name to different classes.</a:t>
+            </a:r>
+          </a:p>
+          <a:p>
+            <a:r>
+              <a:rPr lang="en-IN" sz="1400" b="1" dirty="0" smtClean="0">
+                <a:latin typeface="Verdana" panose="020B0604030504040204" pitchFamily="34" charset="0"/>
+                <a:ea typeface="Verdana" panose="020B0604030504040204" pitchFamily="34" charset="0"/>
+                <a:cs typeface="Verdana" panose="020B0604030504040204" pitchFamily="34" charset="0"/>
+              </a:rPr>
+              <a:t>Syntax</a:t>
+            </a:r>
+            <a:r>
+              <a:rPr lang="en-IN" sz="1400" dirty="0" smtClean="0">
+                <a:latin typeface="Verdana" panose="020B0604030504040204" pitchFamily="34" charset="0"/>
+                <a:ea typeface="Verdana" panose="020B0604030504040204" pitchFamily="34" charset="0"/>
+                <a:cs typeface="Verdana" panose="020B0604030504040204" pitchFamily="34" charset="0"/>
+              </a:rPr>
+              <a:t>:</a:t>
+            </a:r>
+          </a:p>
+          <a:p>
+            <a:pPr marL="0" indent="0">
+              <a:buNone/>
+            </a:pPr>
+            <a:r>
+              <a:rPr lang="en-IN" sz="1400" b="1" i="1" dirty="0">
+                <a:latin typeface="Verdana" panose="020B0604030504040204" pitchFamily="34" charset="0"/>
+                <a:ea typeface="Verdana" panose="020B0604030504040204" pitchFamily="34" charset="0"/>
+                <a:cs typeface="Verdana" panose="020B0604030504040204" pitchFamily="34" charset="0"/>
+              </a:rPr>
+              <a:t>p</a:t>
+            </a:r>
+            <a:r>
+              <a:rPr lang="en-IN" sz="1400" b="1" i="1" dirty="0" smtClean="0">
+                <a:latin typeface="Verdana" panose="020B0604030504040204" pitchFamily="34" charset="0"/>
+                <a:ea typeface="Verdana" panose="020B0604030504040204" pitchFamily="34" charset="0"/>
+                <a:cs typeface="Verdana" panose="020B0604030504040204" pitchFamily="34" charset="0"/>
+              </a:rPr>
+              <a:t>ackage &lt;package name&gt;;</a:t>
+            </a:r>
+          </a:p>
+          <a:p>
+            <a:r>
+              <a:rPr lang="en-IN" sz="1400" dirty="0" smtClean="0">
+                <a:latin typeface="Verdana" panose="020B0604030504040204" pitchFamily="34" charset="0"/>
+                <a:ea typeface="Verdana" panose="020B0604030504040204" pitchFamily="34" charset="0"/>
+                <a:cs typeface="Verdana" panose="020B0604030504040204" pitchFamily="34" charset="0"/>
+              </a:rPr>
+              <a:t>package statement should be first statement in a java file.</a:t>
+            </a:r>
+          </a:p>
+          <a:p>
+            <a:r>
+              <a:rPr lang="en-IN" sz="1400" b="1" dirty="0" smtClean="0">
+                <a:latin typeface="Verdana" panose="020B0604030504040204" pitchFamily="34" charset="0"/>
+                <a:ea typeface="Verdana" panose="020B0604030504040204" pitchFamily="34" charset="0"/>
+                <a:cs typeface="Verdana" panose="020B0604030504040204" pitchFamily="34" charset="0"/>
+              </a:rPr>
+              <a:t>Compilation:</a:t>
+            </a:r>
+          </a:p>
+          <a:p>
+            <a:pPr marL="0" indent="0">
+              <a:buNone/>
+            </a:pPr>
+            <a:r>
+              <a:rPr lang="en-IN" sz="1400" b="1" dirty="0" err="1">
+                <a:latin typeface="Verdana" panose="020B0604030504040204" pitchFamily="34" charset="0"/>
+                <a:ea typeface="Verdana" panose="020B0604030504040204" pitchFamily="34" charset="0"/>
+                <a:cs typeface="Verdana" panose="020B0604030504040204" pitchFamily="34" charset="0"/>
+              </a:rPr>
+              <a:t>j</a:t>
+            </a:r>
+            <a:r>
+              <a:rPr lang="en-IN" sz="1400" b="1" dirty="0" err="1" smtClean="0">
+                <a:latin typeface="Verdana" panose="020B0604030504040204" pitchFamily="34" charset="0"/>
+                <a:ea typeface="Verdana" panose="020B0604030504040204" pitchFamily="34" charset="0"/>
+                <a:cs typeface="Verdana" panose="020B0604030504040204" pitchFamily="34" charset="0"/>
+              </a:rPr>
+              <a:t>avac</a:t>
+            </a:r>
+            <a:r>
+              <a:rPr lang="en-IN" sz="1400" b="1" dirty="0" smtClean="0">
+                <a:latin typeface="Verdana" panose="020B0604030504040204" pitchFamily="34" charset="0"/>
+                <a:ea typeface="Verdana" panose="020B0604030504040204" pitchFamily="34" charset="0"/>
+                <a:cs typeface="Verdana" panose="020B0604030504040204" pitchFamily="34" charset="0"/>
+              </a:rPr>
+              <a:t> –d &lt;path in which package should be copied&gt; source filename</a:t>
+            </a:r>
+          </a:p>
+          <a:p>
+            <a:r>
+              <a:rPr lang="en-IN" sz="1400" b="1" dirty="0" smtClean="0">
+                <a:latin typeface="Verdana" panose="020B0604030504040204" pitchFamily="34" charset="0"/>
+                <a:ea typeface="Verdana" panose="020B0604030504040204" pitchFamily="34" charset="0"/>
+                <a:cs typeface="Verdana" panose="020B0604030504040204" pitchFamily="34" charset="0"/>
+              </a:rPr>
+              <a:t>Execution:</a:t>
+            </a:r>
+          </a:p>
+          <a:p>
+            <a:pPr marL="0" indent="0">
+              <a:buNone/>
+            </a:pPr>
+            <a:r>
+              <a:rPr lang="en-IN" sz="1400" b="1" dirty="0" smtClean="0">
+                <a:latin typeface="Verdana" panose="020B0604030504040204" pitchFamily="34" charset="0"/>
+                <a:ea typeface="Verdana" panose="020B0604030504040204" pitchFamily="34" charset="0"/>
+                <a:cs typeface="Verdana" panose="020B0604030504040204" pitchFamily="34" charset="0"/>
+              </a:rPr>
+              <a:t>java &lt;</a:t>
+            </a:r>
+            <a:r>
+              <a:rPr lang="en-IN" sz="1400" b="1" dirty="0" err="1" smtClean="0">
+                <a:latin typeface="Verdana" panose="020B0604030504040204" pitchFamily="34" charset="0"/>
+                <a:ea typeface="Verdana" panose="020B0604030504040204" pitchFamily="34" charset="0"/>
+                <a:cs typeface="Verdana" panose="020B0604030504040204" pitchFamily="34" charset="0"/>
+              </a:rPr>
+              <a:t>packagename</a:t>
+            </a:r>
+            <a:r>
+              <a:rPr lang="en-IN" sz="1400" b="1" dirty="0" smtClean="0">
+                <a:latin typeface="Verdana" panose="020B0604030504040204" pitchFamily="34" charset="0"/>
+                <a:ea typeface="Verdana" panose="020B0604030504040204" pitchFamily="34" charset="0"/>
+                <a:cs typeface="Verdana" panose="020B0604030504040204" pitchFamily="34" charset="0"/>
+              </a:rPr>
+              <a:t>&gt;.&lt;</a:t>
+            </a:r>
+            <a:r>
+              <a:rPr lang="en-IN" sz="1400" b="1" dirty="0" err="1" smtClean="0">
+                <a:latin typeface="Verdana" panose="020B0604030504040204" pitchFamily="34" charset="0"/>
+                <a:ea typeface="Verdana" panose="020B0604030504040204" pitchFamily="34" charset="0"/>
+                <a:cs typeface="Verdana" panose="020B0604030504040204" pitchFamily="34" charset="0"/>
+              </a:rPr>
+              <a:t>classname</a:t>
+            </a:r>
+            <a:r>
+              <a:rPr lang="en-IN" sz="1400" b="1" dirty="0" smtClean="0">
+                <a:latin typeface="Verdana" panose="020B0604030504040204" pitchFamily="34" charset="0"/>
+                <a:ea typeface="Verdana" panose="020B0604030504040204" pitchFamily="34" charset="0"/>
+                <a:cs typeface="Verdana" panose="020B0604030504040204" pitchFamily="34" charset="0"/>
+              </a:rPr>
+              <a:t> which have main method&gt;</a:t>
+            </a:r>
+          </a:p>
+          <a:p>
+            <a:r>
+              <a:rPr lang="en-IN" sz="1400" dirty="0" smtClean="0">
+                <a:latin typeface="Verdana" panose="020B0604030504040204" pitchFamily="34" charset="0"/>
+                <a:ea typeface="Verdana" panose="020B0604030504040204" pitchFamily="34" charset="0"/>
+                <a:cs typeface="Verdana" panose="020B0604030504040204" pitchFamily="34" charset="0"/>
+              </a:rPr>
+              <a:t>Three ways to update the </a:t>
+            </a:r>
+            <a:r>
+              <a:rPr lang="en-IN" sz="1400" dirty="0" err="1" smtClean="0">
+                <a:latin typeface="Verdana" panose="020B0604030504040204" pitchFamily="34" charset="0"/>
+                <a:ea typeface="Verdana" panose="020B0604030504040204" pitchFamily="34" charset="0"/>
+                <a:cs typeface="Verdana" panose="020B0604030504040204" pitchFamily="34" charset="0"/>
+              </a:rPr>
+              <a:t>classpath</a:t>
+            </a:r>
+            <a:r>
+              <a:rPr lang="en-IN" sz="1400" dirty="0" smtClean="0">
+                <a:latin typeface="Verdana" panose="020B0604030504040204" pitchFamily="34" charset="0"/>
+                <a:ea typeface="Verdana" panose="020B0604030504040204" pitchFamily="34" charset="0"/>
+                <a:cs typeface="Verdana" panose="020B0604030504040204" pitchFamily="34" charset="0"/>
+              </a:rPr>
+              <a:t> </a:t>
+            </a:r>
+          </a:p>
+          <a:p>
+            <a:pPr marL="342900" indent="-342900">
+              <a:buFont typeface="+mj-lt"/>
+              <a:buAutoNum type="arabicPeriod"/>
+            </a:pPr>
+            <a:r>
+              <a:rPr lang="en-IN" sz="1400" dirty="0" smtClean="0">
+                <a:latin typeface="Verdana" panose="020B0604030504040204" pitchFamily="34" charset="0"/>
+                <a:ea typeface="Verdana" panose="020B0604030504040204" pitchFamily="34" charset="0"/>
+                <a:cs typeface="Verdana" panose="020B0604030504040204" pitchFamily="34" charset="0"/>
+              </a:rPr>
+              <a:t>Using java command option “-</a:t>
+            </a:r>
+            <a:r>
+              <a:rPr lang="en-IN" sz="1400" dirty="0" err="1" smtClean="0">
+                <a:latin typeface="Verdana" panose="020B0604030504040204" pitchFamily="34" charset="0"/>
+                <a:ea typeface="Verdana" panose="020B0604030504040204" pitchFamily="34" charset="0"/>
+                <a:cs typeface="Verdana" panose="020B0604030504040204" pitchFamily="34" charset="0"/>
+              </a:rPr>
+              <a:t>cp</a:t>
+            </a:r>
+            <a:r>
+              <a:rPr lang="en-IN" sz="1400" dirty="0" smtClean="0">
+                <a:latin typeface="Verdana" panose="020B0604030504040204" pitchFamily="34" charset="0"/>
+                <a:ea typeface="Verdana" panose="020B0604030504040204" pitchFamily="34" charset="0"/>
+                <a:cs typeface="Verdana" panose="020B0604030504040204" pitchFamily="34" charset="0"/>
+              </a:rPr>
+              <a:t>” or “-</a:t>
+            </a:r>
+            <a:r>
+              <a:rPr lang="en-IN" sz="1400" dirty="0" err="1" smtClean="0">
+                <a:latin typeface="Verdana" panose="020B0604030504040204" pitchFamily="34" charset="0"/>
+                <a:ea typeface="Verdana" panose="020B0604030504040204" pitchFamily="34" charset="0"/>
+                <a:cs typeface="Verdana" panose="020B0604030504040204" pitchFamily="34" charset="0"/>
+              </a:rPr>
+              <a:t>classpath</a:t>
+            </a:r>
+            <a:r>
+              <a:rPr lang="en-IN" sz="1400" dirty="0" smtClean="0">
+                <a:latin typeface="Verdana" panose="020B0604030504040204" pitchFamily="34" charset="0"/>
+                <a:ea typeface="Verdana" panose="020B0604030504040204" pitchFamily="34" charset="0"/>
+                <a:cs typeface="Verdana" panose="020B0604030504040204" pitchFamily="34" charset="0"/>
+              </a:rPr>
+              <a:t>”</a:t>
+            </a:r>
+          </a:p>
+          <a:p>
+            <a:pPr marL="342900" indent="-342900">
+              <a:buFont typeface="+mj-lt"/>
+              <a:buAutoNum type="arabicPeriod"/>
+            </a:pPr>
+            <a:r>
+              <a:rPr lang="en-IN" sz="1400" dirty="0" smtClean="0">
+                <a:latin typeface="Verdana" panose="020B0604030504040204" pitchFamily="34" charset="0"/>
+                <a:ea typeface="Verdana" panose="020B0604030504040204" pitchFamily="34" charset="0"/>
+                <a:cs typeface="Verdana" panose="020B0604030504040204" pitchFamily="34" charset="0"/>
+              </a:rPr>
+              <a:t>Using “Set </a:t>
+            </a:r>
+            <a:r>
+              <a:rPr lang="en-IN" sz="1400" dirty="0" err="1" smtClean="0">
+                <a:latin typeface="Verdana" panose="020B0604030504040204" pitchFamily="34" charset="0"/>
+                <a:ea typeface="Verdana" panose="020B0604030504040204" pitchFamily="34" charset="0"/>
+                <a:cs typeface="Verdana" panose="020B0604030504040204" pitchFamily="34" charset="0"/>
+              </a:rPr>
+              <a:t>Classpath</a:t>
+            </a:r>
+            <a:r>
+              <a:rPr lang="en-IN" sz="1400" dirty="0" smtClean="0">
+                <a:latin typeface="Verdana" panose="020B0604030504040204" pitchFamily="34" charset="0"/>
+                <a:ea typeface="Verdana" panose="020B0604030504040204" pitchFamily="34" charset="0"/>
+                <a:cs typeface="Verdana" panose="020B0604030504040204" pitchFamily="34" charset="0"/>
+              </a:rPr>
+              <a:t>” command</a:t>
+            </a:r>
+          </a:p>
+          <a:p>
+            <a:pPr marL="342900" indent="-342900">
+              <a:buFont typeface="+mj-lt"/>
+              <a:buAutoNum type="arabicPeriod"/>
+            </a:pPr>
+            <a:r>
+              <a:rPr lang="en-IN" sz="1400" dirty="0" smtClean="0">
+                <a:latin typeface="Verdana" panose="020B0604030504040204" pitchFamily="34" charset="0"/>
+                <a:ea typeface="Verdana" panose="020B0604030504040204" pitchFamily="34" charset="0"/>
+                <a:cs typeface="Verdana" panose="020B0604030504040204" pitchFamily="34" charset="0"/>
+              </a:rPr>
+              <a:t>Using “Environment Variable window”</a:t>
+            </a:r>
+          </a:p>
+          <a:p>
+            <a:endParaRPr lang="en-IN" sz="1400" dirty="0">
+              <a:latin typeface="Verdana" panose="020B0604030504040204" pitchFamily="34" charset="0"/>
+              <a:ea typeface="Verdana" panose="020B0604030504040204" pitchFamily="34" charset="0"/>
+              <a:cs typeface="Verdana" panose="020B0604030504040204" pitchFamily="34" charset="0"/>
+            </a:endParaRPr>
+          </a:p>
+          <a:p>
+            <a:pPr marL="0" indent="0">
+              <a:buNone/>
+            </a:pPr>
+            <a:endParaRPr lang="en-IN" sz="1400" b="1" i="1" dirty="0">
+              <a:latin typeface="Verdana" panose="020B0604030504040204" pitchFamily="34" charset="0"/>
+              <a:ea typeface="Verdana" panose="020B0604030504040204" pitchFamily="34" charset="0"/>
+              <a:cs typeface="Verdana" panose="020B0604030504040204" pitchFamily="34" charset="0"/>
+            </a:endParaRPr>
+          </a:p>
+        </p:txBody>
+      </p:sp>
+    </p:spTree>
+    <p:extLst>
+      <p:ext uri="{BB962C8B-B14F-4D97-AF65-F5344CB8AC3E}">
+        <p14:creationId xmlns:p14="http://schemas.microsoft.com/office/powerpoint/2010/main" val="1509244409"/>
+      </p:ext>
+    </p:extLst>
+  </p:cSld>
+  <p:clrMapOvr>
+    <a:masterClrMapping/>
+  </p:clrMapOvr>
+  <p:timing>
+    <p:tnLst>
+      <p:par>
+        <p:cTn id="1" dur="indefinite" restart="never" nodeType="tmRoot"/>
+      </p:par>
+    </p:tnLst>
+  </p:timing>
+</p:sld>
+</file>
+
+<file path=ppt/slides/slide21.xml><?xml version="1.0" encoding="utf-8"?>
+<p:sld xmlns:a="http://schemas.openxmlformats.org/drawingml/2006/main" xmlns:r="http://schemas.openxmlformats.org/officeDocument/2006/relationships" xmlns:p="http://schemas.openxmlformats.org/presentationml/2006/main">
+  <p:cSld>
+    <p:spTree>
+      <p:nvGrpSpPr>
+        <p:cNvPr id="1" name=""/>
+        <p:cNvGrpSpPr/>
+        <p:nvPr/>
+      </p:nvGrpSpPr>
+      <p:grpSpPr>
+        <a:xfrm>
+          <a:off x="0" y="0"/>
+          <a:ext cx="0" cy="0"/>
+          <a:chOff x="0" y="0"/>
+          <a:chExt cx="0" cy="0"/>
+        </a:xfrm>
+      </p:grpSpPr>
+      <p:sp>
+        <p:nvSpPr>
+          <p:cNvPr id="3" name="Content Placeholder 2"/>
+          <p:cNvSpPr>
+            <a:spLocks noGrp="1"/>
+          </p:cNvSpPr>
+          <p:nvPr>
+            <p:ph idx="1"/>
+          </p:nvPr>
+        </p:nvSpPr>
+        <p:spPr>
+          <a:xfrm>
+            <a:off x="838200" y="191069"/>
+            <a:ext cx="10515600" cy="5985894"/>
+          </a:xfrm>
+        </p:spPr>
+        <p:txBody>
+          <a:bodyPr>
+            <a:normAutofit/>
+          </a:bodyPr>
+          <a:lstStyle/>
+          <a:p>
+            <a:r>
+              <a:rPr lang="en-IN" sz="1400" b="1" dirty="0" smtClean="0">
+                <a:latin typeface="Verdana" panose="020B0604030504040204" pitchFamily="34" charset="0"/>
+                <a:ea typeface="Verdana" panose="020B0604030504040204" pitchFamily="34" charset="0"/>
+                <a:cs typeface="Verdana" panose="020B0604030504040204" pitchFamily="34" charset="0"/>
+              </a:rPr>
+              <a:t>import keyword: </a:t>
+            </a:r>
+            <a:r>
+              <a:rPr lang="en-IN" sz="1400" dirty="0" smtClean="0">
+                <a:latin typeface="Verdana" panose="020B0604030504040204" pitchFamily="34" charset="0"/>
+                <a:ea typeface="Verdana" panose="020B0604030504040204" pitchFamily="34" charset="0"/>
+                <a:cs typeface="Verdana" panose="020B0604030504040204" pitchFamily="34" charset="0"/>
+              </a:rPr>
+              <a:t>this is used to access other package members from this package classes.</a:t>
+            </a:r>
+          </a:p>
+          <a:p>
+            <a:pPr marL="0" indent="0">
+              <a:buNone/>
+            </a:pPr>
+            <a:r>
+              <a:rPr lang="en-IN" sz="1400" b="1" i="1" dirty="0" smtClean="0">
+                <a:latin typeface="Verdana" panose="020B0604030504040204" pitchFamily="34" charset="0"/>
+                <a:ea typeface="Verdana" panose="020B0604030504040204" pitchFamily="34" charset="0"/>
+                <a:cs typeface="Verdana" panose="020B0604030504040204" pitchFamily="34" charset="0"/>
+              </a:rPr>
+              <a:t>Syntax:</a:t>
+            </a:r>
+          </a:p>
+          <a:p>
+            <a:pPr marL="0" indent="0">
+              <a:buNone/>
+            </a:pPr>
+            <a:endParaRPr lang="en-IN" sz="1400" dirty="0" smtClean="0">
+              <a:latin typeface="Verdana" panose="020B0604030504040204" pitchFamily="34" charset="0"/>
+              <a:ea typeface="Verdana" panose="020B0604030504040204" pitchFamily="34" charset="0"/>
+              <a:cs typeface="Verdana" panose="020B0604030504040204" pitchFamily="34" charset="0"/>
+            </a:endParaRPr>
+          </a:p>
+          <a:p>
+            <a:pPr marL="0" indent="0">
+              <a:buNone/>
+            </a:pPr>
+            <a:endParaRPr lang="en-IN" sz="1400" dirty="0" smtClean="0">
+              <a:latin typeface="Verdana" panose="020B0604030504040204" pitchFamily="34" charset="0"/>
+              <a:ea typeface="Verdana" panose="020B0604030504040204" pitchFamily="34" charset="0"/>
+              <a:cs typeface="Verdana" panose="020B0604030504040204" pitchFamily="34" charset="0"/>
+            </a:endParaRPr>
+          </a:p>
+          <a:p>
+            <a:r>
+              <a:rPr lang="en-IN" sz="1400" dirty="0" smtClean="0">
+                <a:latin typeface="Verdana" panose="020B0604030504040204" pitchFamily="34" charset="0"/>
+                <a:ea typeface="Verdana" panose="020B0604030504040204" pitchFamily="34" charset="0"/>
+                <a:cs typeface="Verdana" panose="020B0604030504040204" pitchFamily="34" charset="0"/>
+              </a:rPr>
+              <a:t>First syntax allows compiler and JVM to access all public members (classes, interfaces &amp; </a:t>
+            </a:r>
+            <a:r>
+              <a:rPr lang="en-IN" sz="1400" dirty="0" err="1" smtClean="0">
+                <a:latin typeface="Verdana" panose="020B0604030504040204" pitchFamily="34" charset="0"/>
+                <a:ea typeface="Verdana" panose="020B0604030504040204" pitchFamily="34" charset="0"/>
+                <a:cs typeface="Verdana" panose="020B0604030504040204" pitchFamily="34" charset="0"/>
+              </a:rPr>
+              <a:t>enums</a:t>
+            </a:r>
+            <a:r>
+              <a:rPr lang="en-IN" sz="1400" dirty="0" smtClean="0">
+                <a:latin typeface="Verdana" panose="020B0604030504040204" pitchFamily="34" charset="0"/>
+                <a:ea typeface="Verdana" panose="020B0604030504040204" pitchFamily="34" charset="0"/>
+                <a:cs typeface="Verdana" panose="020B0604030504040204" pitchFamily="34" charset="0"/>
+              </a:rPr>
+              <a:t>) of that imported package, whereas second syntax allows compiler and JVM to access only that imported class.</a:t>
+            </a:r>
+          </a:p>
+          <a:p>
+            <a:r>
+              <a:rPr lang="en-IN" sz="1400" b="1" dirty="0" smtClean="0">
+                <a:latin typeface="Verdana" panose="020B0604030504040204" pitchFamily="34" charset="0"/>
+                <a:ea typeface="Verdana" panose="020B0604030504040204" pitchFamily="34" charset="0"/>
+                <a:cs typeface="Verdana" panose="020B0604030504040204" pitchFamily="34" charset="0"/>
+              </a:rPr>
+              <a:t>Rule: </a:t>
+            </a:r>
+            <a:r>
+              <a:rPr lang="en-IN" sz="1400" dirty="0" smtClean="0">
+                <a:latin typeface="Verdana" panose="020B0604030504040204" pitchFamily="34" charset="0"/>
+                <a:ea typeface="Verdana" panose="020B0604030504040204" pitchFamily="34" charset="0"/>
+                <a:cs typeface="Verdana" panose="020B0604030504040204" pitchFamily="34" charset="0"/>
+              </a:rPr>
+              <a:t>import statement must be placed before all class definitions and after package statement.</a:t>
+            </a:r>
+          </a:p>
+          <a:p>
+            <a:r>
+              <a:rPr lang="en-IN" sz="1400" b="1" dirty="0" smtClean="0">
+                <a:latin typeface="Verdana" panose="020B0604030504040204" pitchFamily="34" charset="0"/>
+                <a:ea typeface="Verdana" panose="020B0604030504040204" pitchFamily="34" charset="0"/>
+                <a:cs typeface="Verdana" panose="020B0604030504040204" pitchFamily="34" charset="0"/>
+              </a:rPr>
+              <a:t>static import: </a:t>
+            </a:r>
+            <a:r>
+              <a:rPr lang="en-IN" sz="1400" dirty="0" smtClean="0">
+                <a:latin typeface="Verdana" panose="020B0604030504040204" pitchFamily="34" charset="0"/>
+                <a:ea typeface="Verdana" panose="020B0604030504040204" pitchFamily="34" charset="0"/>
+                <a:cs typeface="Verdana" panose="020B0604030504040204" pitchFamily="34" charset="0"/>
+              </a:rPr>
+              <a:t>this feature is introduced in Java 5 to import static members of a class.</a:t>
+            </a:r>
+          </a:p>
+          <a:p>
+            <a:r>
+              <a:rPr lang="en-IN" sz="1400" dirty="0" smtClean="0">
+                <a:latin typeface="Verdana" panose="020B0604030504040204" pitchFamily="34" charset="0"/>
+                <a:ea typeface="Verdana" panose="020B0604030504040204" pitchFamily="34" charset="0"/>
+                <a:cs typeface="Verdana" panose="020B0604030504040204" pitchFamily="34" charset="0"/>
+              </a:rPr>
+              <a:t>By using this feature we can access all</a:t>
+            </a:r>
+          </a:p>
+          <a:p>
+            <a:pPr marL="342900" indent="-342900">
+              <a:buFont typeface="+mj-lt"/>
+              <a:buAutoNum type="arabicPeriod"/>
+            </a:pPr>
+            <a:r>
+              <a:rPr lang="en-IN" sz="1400" dirty="0" smtClean="0">
+                <a:latin typeface="Verdana" panose="020B0604030504040204" pitchFamily="34" charset="0"/>
+                <a:ea typeface="Verdana" panose="020B0604030504040204" pitchFamily="34" charset="0"/>
+                <a:cs typeface="Verdana" panose="020B0604030504040204" pitchFamily="34" charset="0"/>
+              </a:rPr>
+              <a:t>non-static members without using class name from other classes with in the package and</a:t>
+            </a:r>
+          </a:p>
+          <a:p>
+            <a:pPr marL="342900" indent="-342900">
+              <a:buFont typeface="+mj-lt"/>
+              <a:buAutoNum type="arabicPeriod"/>
+            </a:pPr>
+            <a:r>
+              <a:rPr lang="en-IN" sz="1400" dirty="0" smtClean="0">
+                <a:latin typeface="Verdana" panose="020B0604030504040204" pitchFamily="34" charset="0"/>
+                <a:ea typeface="Verdana" panose="020B0604030504040204" pitchFamily="34" charset="0"/>
+                <a:cs typeface="Verdana" panose="020B0604030504040204" pitchFamily="34" charset="0"/>
+              </a:rPr>
+              <a:t>protected and public members form outside package class members without using class name.</a:t>
+            </a:r>
+          </a:p>
+          <a:p>
+            <a:pPr marL="0" indent="0">
+              <a:buNone/>
+            </a:pPr>
+            <a:r>
+              <a:rPr lang="en-IN" sz="1400" b="1" i="1" dirty="0" smtClean="0">
+                <a:latin typeface="Verdana" panose="020B0604030504040204" pitchFamily="34" charset="0"/>
+                <a:ea typeface="Verdana" panose="020B0604030504040204" pitchFamily="34" charset="0"/>
+                <a:cs typeface="Verdana" panose="020B0604030504040204" pitchFamily="34" charset="0"/>
+              </a:rPr>
+              <a:t>Syntax:</a:t>
+            </a:r>
+          </a:p>
+          <a:p>
+            <a:pPr marL="0" indent="0">
+              <a:buNone/>
+            </a:pPr>
+            <a:endParaRPr lang="en-IN" sz="1400" dirty="0" smtClean="0">
+              <a:latin typeface="Verdana" panose="020B0604030504040204" pitchFamily="34" charset="0"/>
+              <a:ea typeface="Verdana" panose="020B0604030504040204" pitchFamily="34" charset="0"/>
+              <a:cs typeface="Verdana" panose="020B0604030504040204" pitchFamily="34" charset="0"/>
+            </a:endParaRPr>
+          </a:p>
+          <a:p>
+            <a:pPr marL="0" indent="0">
+              <a:buNone/>
+            </a:pPr>
+            <a:endParaRPr lang="en-IN" sz="1400" dirty="0">
+              <a:latin typeface="Verdana" panose="020B0604030504040204" pitchFamily="34" charset="0"/>
+              <a:ea typeface="Verdana" panose="020B0604030504040204" pitchFamily="34" charset="0"/>
+              <a:cs typeface="Verdana" panose="020B0604030504040204" pitchFamily="34" charset="0"/>
+            </a:endParaRPr>
+          </a:p>
+          <a:p>
+            <a:pPr marL="0" indent="0">
+              <a:buNone/>
+            </a:pPr>
+            <a:endParaRPr lang="en-IN" sz="1400" dirty="0" smtClean="0">
+              <a:latin typeface="Verdana" panose="020B0604030504040204" pitchFamily="34" charset="0"/>
+              <a:ea typeface="Verdana" panose="020B0604030504040204" pitchFamily="34" charset="0"/>
+              <a:cs typeface="Verdana" panose="020B0604030504040204" pitchFamily="34" charset="0"/>
+            </a:endParaRPr>
+          </a:p>
+          <a:p>
+            <a:pPr marL="0" indent="0">
+              <a:buNone/>
+            </a:pPr>
+            <a:endParaRPr lang="en-IN" sz="1400" dirty="0" smtClean="0">
+              <a:latin typeface="Verdana" panose="020B0604030504040204" pitchFamily="34" charset="0"/>
+              <a:ea typeface="Verdana" panose="020B0604030504040204" pitchFamily="34" charset="0"/>
+              <a:cs typeface="Verdana" panose="020B0604030504040204" pitchFamily="34" charset="0"/>
+            </a:endParaRPr>
+          </a:p>
+        </p:txBody>
+      </p:sp>
+      <p:graphicFrame>
+        <p:nvGraphicFramePr>
+          <p:cNvPr id="5" name="Table 4"/>
+          <p:cNvGraphicFramePr>
+            <a:graphicFrameLocks noGrp="1"/>
+          </p:cNvGraphicFramePr>
+          <p:nvPr>
+            <p:extLst/>
+          </p:nvPr>
+        </p:nvGraphicFramePr>
+        <p:xfrm>
+          <a:off x="1029268" y="818866"/>
+          <a:ext cx="7514230" cy="518160"/>
+        </p:xfrm>
+        <a:graphic>
+          <a:graphicData uri="http://schemas.openxmlformats.org/drawingml/2006/table">
+            <a:tbl>
+              <a:tblPr firstRow="1" bandRow="1">
+                <a:tableStyleId>{00A15C55-8517-42AA-B614-E9B94910E393}</a:tableStyleId>
+              </a:tblPr>
+              <a:tblGrid>
+                <a:gridCol w="7514230"/>
+              </a:tblGrid>
+              <a:tr h="504967">
+                <a:tc>
+                  <a:txBody>
+                    <a:bodyPr/>
+                    <a:lstStyle/>
+                    <a:p>
+                      <a:r>
+                        <a:rPr lang="en-IN" sz="1400" b="0" baseline="0" dirty="0" smtClean="0">
+                          <a:solidFill>
+                            <a:schemeClr val="tx1"/>
+                          </a:solidFill>
+                          <a:latin typeface="Verdana" panose="020B0604030504040204" pitchFamily="34" charset="0"/>
+                          <a:ea typeface="Verdana" panose="020B0604030504040204" pitchFamily="34" charset="0"/>
+                          <a:cs typeface="Verdana" panose="020B0604030504040204" pitchFamily="34" charset="0"/>
+                        </a:rPr>
+                        <a:t>import </a:t>
+                      </a:r>
+                      <a:r>
+                        <a:rPr lang="en-IN" sz="1400" b="0" baseline="0" dirty="0" err="1" smtClean="0">
+                          <a:solidFill>
+                            <a:schemeClr val="tx1"/>
+                          </a:solidFill>
+                          <a:latin typeface="Verdana" panose="020B0604030504040204" pitchFamily="34" charset="0"/>
+                          <a:ea typeface="Verdana" panose="020B0604030504040204" pitchFamily="34" charset="0"/>
+                          <a:cs typeface="Verdana" panose="020B0604030504040204" pitchFamily="34" charset="0"/>
+                        </a:rPr>
+                        <a:t>packagename</a:t>
+                      </a:r>
+                      <a:r>
+                        <a:rPr lang="en-IN" sz="1400" b="0" baseline="0" dirty="0" smtClean="0">
+                          <a:solidFill>
+                            <a:schemeClr val="tx1"/>
+                          </a:solidFill>
+                          <a:latin typeface="Verdana" panose="020B0604030504040204" pitchFamily="34" charset="0"/>
+                          <a:ea typeface="Verdana" panose="020B0604030504040204" pitchFamily="34" charset="0"/>
+                          <a:cs typeface="Verdana" panose="020B0604030504040204" pitchFamily="34" charset="0"/>
+                        </a:rPr>
+                        <a:t>.*;</a:t>
+                      </a:r>
+                    </a:p>
+                    <a:p>
+                      <a:r>
+                        <a:rPr lang="en-IN" sz="1400" b="0" baseline="0" dirty="0" smtClean="0">
+                          <a:solidFill>
+                            <a:schemeClr val="tx1"/>
+                          </a:solidFill>
+                          <a:latin typeface="Verdana" panose="020B0604030504040204" pitchFamily="34" charset="0"/>
+                          <a:ea typeface="Verdana" panose="020B0604030504040204" pitchFamily="34" charset="0"/>
+                          <a:cs typeface="Verdana" panose="020B0604030504040204" pitchFamily="34" charset="0"/>
+                        </a:rPr>
+                        <a:t>import </a:t>
+                      </a:r>
+                      <a:r>
+                        <a:rPr lang="en-IN" sz="1400" b="0" baseline="0" dirty="0" err="1" smtClean="0">
+                          <a:solidFill>
+                            <a:schemeClr val="tx1"/>
+                          </a:solidFill>
+                          <a:latin typeface="Verdana" panose="020B0604030504040204" pitchFamily="34" charset="0"/>
+                          <a:ea typeface="Verdana" panose="020B0604030504040204" pitchFamily="34" charset="0"/>
+                          <a:cs typeface="Verdana" panose="020B0604030504040204" pitchFamily="34" charset="0"/>
+                        </a:rPr>
+                        <a:t>packagename.classname</a:t>
+                      </a:r>
+                      <a:r>
+                        <a:rPr lang="en-IN" sz="1400" b="0" baseline="0" dirty="0" smtClean="0">
+                          <a:solidFill>
+                            <a:schemeClr val="tx1"/>
+                          </a:solidFill>
+                          <a:latin typeface="Verdana" panose="020B0604030504040204" pitchFamily="34" charset="0"/>
+                          <a:ea typeface="Verdana" panose="020B0604030504040204" pitchFamily="34" charset="0"/>
+                          <a:cs typeface="Verdana" panose="020B0604030504040204" pitchFamily="34" charset="0"/>
+                        </a:rPr>
+                        <a:t>;</a:t>
+                      </a:r>
+                      <a:endParaRPr lang="en-IN" sz="1400" b="0" baseline="0" dirty="0" smtClean="0">
+                        <a:solidFill>
+                          <a:schemeClr val="tx1"/>
+                        </a:solidFill>
+                        <a:latin typeface="Verdana" panose="020B0604030504040204" pitchFamily="34" charset="0"/>
+                        <a:ea typeface="Verdana" panose="020B0604030504040204" pitchFamily="34" charset="0"/>
+                        <a:cs typeface="Verdana" panose="020B0604030504040204" pitchFamily="34" charset="0"/>
+                      </a:endParaRPr>
+                    </a:p>
+                  </a:txBody>
+                  <a:tcPr/>
+                </a:tc>
+              </a:tr>
+            </a:tbl>
+          </a:graphicData>
+        </a:graphic>
+      </p:graphicFrame>
+      <p:graphicFrame>
+        <p:nvGraphicFramePr>
+          <p:cNvPr id="7" name="Table 6"/>
+          <p:cNvGraphicFramePr>
+            <a:graphicFrameLocks noGrp="1"/>
+          </p:cNvGraphicFramePr>
+          <p:nvPr>
+            <p:extLst/>
+          </p:nvPr>
+        </p:nvGraphicFramePr>
+        <p:xfrm>
+          <a:off x="1045191" y="3870126"/>
+          <a:ext cx="7514230" cy="518160"/>
+        </p:xfrm>
+        <a:graphic>
+          <a:graphicData uri="http://schemas.openxmlformats.org/drawingml/2006/table">
+            <a:tbl>
+              <a:tblPr firstRow="1" bandRow="1">
+                <a:tableStyleId>{00A15C55-8517-42AA-B614-E9B94910E393}</a:tableStyleId>
+              </a:tblPr>
+              <a:tblGrid>
+                <a:gridCol w="7514230"/>
+              </a:tblGrid>
+              <a:tr h="0">
+                <a:tc>
+                  <a:txBody>
+                    <a:bodyPr/>
+                    <a:lstStyle/>
+                    <a:p>
+                      <a:r>
+                        <a:rPr lang="en-IN" sz="1400" b="0" baseline="0" dirty="0" smtClean="0">
+                          <a:solidFill>
+                            <a:schemeClr val="tx1"/>
+                          </a:solidFill>
+                          <a:latin typeface="Verdana" panose="020B0604030504040204" pitchFamily="34" charset="0"/>
+                          <a:ea typeface="Verdana" panose="020B0604030504040204" pitchFamily="34" charset="0"/>
+                          <a:cs typeface="Verdana" panose="020B0604030504040204" pitchFamily="34" charset="0"/>
+                        </a:rPr>
+                        <a:t>import static </a:t>
+                      </a:r>
+                      <a:r>
+                        <a:rPr lang="en-IN" sz="1400" b="0" baseline="0" dirty="0" err="1" smtClean="0">
+                          <a:solidFill>
+                            <a:schemeClr val="tx1"/>
+                          </a:solidFill>
+                          <a:latin typeface="Verdana" panose="020B0604030504040204" pitchFamily="34" charset="0"/>
+                          <a:ea typeface="Verdana" panose="020B0604030504040204" pitchFamily="34" charset="0"/>
+                          <a:cs typeface="Verdana" panose="020B0604030504040204" pitchFamily="34" charset="0"/>
+                        </a:rPr>
+                        <a:t>packagename.classname</a:t>
+                      </a:r>
+                      <a:r>
+                        <a:rPr lang="en-IN" sz="1400" b="0" baseline="0" dirty="0" smtClean="0">
+                          <a:solidFill>
+                            <a:schemeClr val="tx1"/>
+                          </a:solidFill>
+                          <a:latin typeface="Verdana" panose="020B0604030504040204" pitchFamily="34" charset="0"/>
+                          <a:ea typeface="Verdana" panose="020B0604030504040204" pitchFamily="34" charset="0"/>
+                          <a:cs typeface="Verdana" panose="020B0604030504040204" pitchFamily="34" charset="0"/>
+                        </a:rPr>
+                        <a:t>.*;</a:t>
+                      </a:r>
+                    </a:p>
+                    <a:p>
+                      <a:r>
+                        <a:rPr lang="en-IN" sz="1400" b="0" baseline="0" dirty="0" smtClean="0">
+                          <a:solidFill>
+                            <a:schemeClr val="tx1"/>
+                          </a:solidFill>
+                          <a:latin typeface="Verdana" panose="020B0604030504040204" pitchFamily="34" charset="0"/>
+                          <a:ea typeface="Verdana" panose="020B0604030504040204" pitchFamily="34" charset="0"/>
+                          <a:cs typeface="Verdana" panose="020B0604030504040204" pitchFamily="34" charset="0"/>
+                        </a:rPr>
+                        <a:t>import </a:t>
+                      </a:r>
+                      <a:r>
+                        <a:rPr lang="en-IN" sz="1400" b="0" baseline="0" dirty="0" err="1" smtClean="0">
+                          <a:solidFill>
+                            <a:schemeClr val="tx1"/>
+                          </a:solidFill>
+                          <a:latin typeface="Verdana" panose="020B0604030504040204" pitchFamily="34" charset="0"/>
+                          <a:ea typeface="Verdana" panose="020B0604030504040204" pitchFamily="34" charset="0"/>
+                          <a:cs typeface="Verdana" panose="020B0604030504040204" pitchFamily="34" charset="0"/>
+                        </a:rPr>
+                        <a:t>packagename.classname.staticmembername</a:t>
+                      </a:r>
+                      <a:r>
+                        <a:rPr lang="en-IN" sz="1400" b="0" baseline="0" dirty="0" smtClean="0">
+                          <a:solidFill>
+                            <a:schemeClr val="tx1"/>
+                          </a:solidFill>
+                          <a:latin typeface="Verdana" panose="020B0604030504040204" pitchFamily="34" charset="0"/>
+                          <a:ea typeface="Verdana" panose="020B0604030504040204" pitchFamily="34" charset="0"/>
+                          <a:cs typeface="Verdana" panose="020B0604030504040204" pitchFamily="34" charset="0"/>
+                        </a:rPr>
+                        <a:t>;</a:t>
+                      </a:r>
+                      <a:endParaRPr lang="en-IN" sz="1400" b="0" baseline="0" dirty="0" smtClean="0">
+                        <a:solidFill>
+                          <a:schemeClr val="tx1"/>
+                        </a:solidFill>
+                        <a:latin typeface="Verdana" panose="020B0604030504040204" pitchFamily="34" charset="0"/>
+                        <a:ea typeface="Verdana" panose="020B0604030504040204" pitchFamily="34" charset="0"/>
+                        <a:cs typeface="Verdana" panose="020B0604030504040204" pitchFamily="34" charset="0"/>
+                      </a:endParaRPr>
+                    </a:p>
+                  </a:txBody>
+                  <a:tcPr/>
+                </a:tc>
+              </a:tr>
+            </a:tbl>
+          </a:graphicData>
+        </a:graphic>
+      </p:graphicFrame>
+    </p:spTree>
+    <p:extLst>
+      <p:ext uri="{BB962C8B-B14F-4D97-AF65-F5344CB8AC3E}">
+        <p14:creationId xmlns:p14="http://schemas.microsoft.com/office/powerpoint/2010/main" val="4053790997"/>
+      </p:ext>
+    </p:extLst>
+  </p:cSld>
+  <p:clrMapOvr>
+    <a:masterClrMapping/>
+  </p:clrMapOvr>
+  <p:timing>
+    <p:tnLst>
+      <p:par>
+        <p:cTn id="1" dur="indefinite" restart="never" nodeType="tmRoot"/>
+      </p:par>
+    </p:tnLst>
+  </p:timing>
+</p:sld>
+</file>
+
+<file path=ppt/slides/slide22.xml><?xml version="1.0" encoding="utf-8"?>
+<p:sld xmlns:a="http://schemas.openxmlformats.org/drawingml/2006/main" xmlns:r="http://schemas.openxmlformats.org/officeDocument/2006/relationships" xmlns:p="http://schemas.openxmlformats.org/presentationml/2006/main">
+  <p:cSld>
+    <p:spTree>
+      <p:nvGrpSpPr>
+        <p:cNvPr id="1" name=""/>
+        <p:cNvGrpSpPr/>
+        <p:nvPr/>
+      </p:nvGrpSpPr>
+      <p:grpSpPr>
+        <a:xfrm>
+          <a:off x="0" y="0"/>
+          <a:ext cx="0" cy="0"/>
+          <a:chOff x="0" y="0"/>
+          <a:chExt cx="0" cy="0"/>
+        </a:xfrm>
+      </p:grpSpPr>
+      <p:sp>
+        <p:nvSpPr>
+          <p:cNvPr id="2" name="Title 1"/>
+          <p:cNvSpPr>
+            <a:spLocks noGrp="1"/>
+          </p:cNvSpPr>
+          <p:nvPr>
+            <p:ph type="title"/>
+          </p:nvPr>
+        </p:nvSpPr>
+        <p:spPr/>
+        <p:txBody>
+          <a:bodyPr>
+            <a:normAutofit/>
+          </a:bodyPr>
+          <a:lstStyle/>
+          <a:p>
+            <a:r>
+              <a:rPr lang="en-IN" sz="2000" dirty="0" smtClean="0">
+                <a:latin typeface="Verdana" panose="020B0604030504040204" pitchFamily="34" charset="0"/>
+                <a:ea typeface="Verdana" panose="020B0604030504040204" pitchFamily="34" charset="0"/>
+                <a:cs typeface="Verdana" panose="020B0604030504040204" pitchFamily="34" charset="0"/>
+              </a:rPr>
+              <a:t>Access Modifier</a:t>
+            </a:r>
+            <a:endParaRPr lang="en-IN" sz="2000" dirty="0">
+              <a:latin typeface="Verdana" panose="020B0604030504040204" pitchFamily="34" charset="0"/>
+              <a:ea typeface="Verdana" panose="020B0604030504040204" pitchFamily="34" charset="0"/>
+              <a:cs typeface="Verdana" panose="020B0604030504040204" pitchFamily="34" charset="0"/>
+            </a:endParaRPr>
+          </a:p>
+        </p:txBody>
+      </p:sp>
+      <p:sp>
+        <p:nvSpPr>
+          <p:cNvPr id="3" name="Content Placeholder 2"/>
+          <p:cNvSpPr>
+            <a:spLocks noGrp="1"/>
+          </p:cNvSpPr>
+          <p:nvPr>
+            <p:ph idx="1"/>
+          </p:nvPr>
+        </p:nvSpPr>
+        <p:spPr/>
+        <p:txBody>
+          <a:bodyPr>
+            <a:normAutofit/>
+          </a:bodyPr>
+          <a:lstStyle/>
+          <a:p>
+            <a:r>
+              <a:rPr lang="en-IN" sz="1600" dirty="0" smtClean="0">
+                <a:latin typeface="Verdana" panose="020B0604030504040204" pitchFamily="34" charset="0"/>
+                <a:ea typeface="Verdana" panose="020B0604030504040204" pitchFamily="34" charset="0"/>
+                <a:cs typeface="Verdana" panose="020B0604030504040204" pitchFamily="34" charset="0"/>
+              </a:rPr>
+              <a:t>There are 4 types of access modifiers in Java.</a:t>
+            </a:r>
+          </a:p>
+          <a:p>
+            <a:pPr marL="0" indent="0">
+              <a:buNone/>
+            </a:pPr>
+            <a:r>
+              <a:rPr lang="en-IN" sz="1600" b="1" dirty="0" smtClean="0">
+                <a:latin typeface="Verdana" panose="020B0604030504040204" pitchFamily="34" charset="0"/>
+                <a:ea typeface="Verdana" panose="020B0604030504040204" pitchFamily="34" charset="0"/>
+                <a:cs typeface="Verdana" panose="020B0604030504040204" pitchFamily="34" charset="0"/>
+              </a:rPr>
+              <a:t>private:</a:t>
+            </a:r>
+            <a:r>
+              <a:rPr lang="en-IN" sz="1600" dirty="0" smtClean="0">
+                <a:latin typeface="Verdana" panose="020B0604030504040204" pitchFamily="34" charset="0"/>
+                <a:ea typeface="Verdana" panose="020B0604030504040204" pitchFamily="34" charset="0"/>
+                <a:cs typeface="Verdana" panose="020B0604030504040204" pitchFamily="34" charset="0"/>
+              </a:rPr>
+              <a:t> these members are only accessible within the class.</a:t>
+            </a:r>
+          </a:p>
+          <a:p>
+            <a:pPr marL="0" indent="0">
+              <a:buNone/>
+            </a:pPr>
+            <a:r>
+              <a:rPr lang="en-IN" sz="1600" b="1" dirty="0" smtClean="0">
+                <a:latin typeface="Verdana" panose="020B0604030504040204" pitchFamily="34" charset="0"/>
+                <a:ea typeface="Verdana" panose="020B0604030504040204" pitchFamily="34" charset="0"/>
+                <a:cs typeface="Verdana" panose="020B0604030504040204" pitchFamily="34" charset="0"/>
+              </a:rPr>
+              <a:t>default:</a:t>
+            </a:r>
+            <a:r>
+              <a:rPr lang="en-IN" sz="1600" dirty="0" smtClean="0">
+                <a:latin typeface="Verdana" panose="020B0604030504040204" pitchFamily="34" charset="0"/>
+                <a:ea typeface="Verdana" panose="020B0604030504040204" pitchFamily="34" charset="0"/>
+                <a:cs typeface="Verdana" panose="020B0604030504040204" pitchFamily="34" charset="0"/>
+              </a:rPr>
+              <a:t> Default members with no-access modifier are access or visible within a package only.</a:t>
+            </a:r>
+          </a:p>
+          <a:p>
+            <a:pPr marL="0" indent="0">
+              <a:buNone/>
+            </a:pPr>
+            <a:r>
+              <a:rPr lang="en-IN" sz="1600" b="1" dirty="0">
+                <a:latin typeface="Verdana" panose="020B0604030504040204" pitchFamily="34" charset="0"/>
+                <a:ea typeface="Verdana" panose="020B0604030504040204" pitchFamily="34" charset="0"/>
+                <a:cs typeface="Verdana" panose="020B0604030504040204" pitchFamily="34" charset="0"/>
+              </a:rPr>
+              <a:t>p</a:t>
+            </a:r>
+            <a:r>
+              <a:rPr lang="en-IN" sz="1600" b="1" dirty="0" smtClean="0">
+                <a:latin typeface="Verdana" panose="020B0604030504040204" pitchFamily="34" charset="0"/>
+                <a:ea typeface="Verdana" panose="020B0604030504040204" pitchFamily="34" charset="0"/>
+                <a:cs typeface="Verdana" panose="020B0604030504040204" pitchFamily="34" charset="0"/>
+              </a:rPr>
+              <a:t>rotected:</a:t>
+            </a:r>
+            <a:r>
+              <a:rPr lang="en-IN" sz="1600" dirty="0" smtClean="0">
+                <a:latin typeface="Verdana" panose="020B0604030504040204" pitchFamily="34" charset="0"/>
+                <a:ea typeface="Verdana" panose="020B0604030504040204" pitchFamily="34" charset="0"/>
+                <a:cs typeface="Verdana" panose="020B0604030504040204" pitchFamily="34" charset="0"/>
+              </a:rPr>
+              <a:t> these members can be accessible within package form all classes but from outside package only in subclass that too only by using subclass object.</a:t>
+            </a:r>
+          </a:p>
+          <a:p>
+            <a:pPr marL="0" indent="0">
+              <a:buNone/>
+            </a:pPr>
+            <a:r>
+              <a:rPr lang="en-IN" sz="1600" b="1" dirty="0">
+                <a:latin typeface="Verdana" panose="020B0604030504040204" pitchFamily="34" charset="0"/>
+                <a:ea typeface="Verdana" panose="020B0604030504040204" pitchFamily="34" charset="0"/>
+                <a:cs typeface="Verdana" panose="020B0604030504040204" pitchFamily="34" charset="0"/>
+              </a:rPr>
+              <a:t>p</a:t>
+            </a:r>
+            <a:r>
+              <a:rPr lang="en-IN" sz="1600" b="1" dirty="0" smtClean="0">
+                <a:latin typeface="Verdana" panose="020B0604030504040204" pitchFamily="34" charset="0"/>
+                <a:ea typeface="Verdana" panose="020B0604030504040204" pitchFamily="34" charset="0"/>
+                <a:cs typeface="Verdana" panose="020B0604030504040204" pitchFamily="34" charset="0"/>
+              </a:rPr>
+              <a:t>ublic:</a:t>
+            </a:r>
+            <a:r>
+              <a:rPr lang="en-IN" sz="1600" dirty="0" smtClean="0">
+                <a:latin typeface="Verdana" panose="020B0604030504040204" pitchFamily="34" charset="0"/>
+                <a:ea typeface="Verdana" panose="020B0604030504040204" pitchFamily="34" charset="0"/>
+                <a:cs typeface="Verdana" panose="020B0604030504040204" pitchFamily="34" charset="0"/>
+              </a:rPr>
+              <a:t> These members are accessible form the places of project.</a:t>
+            </a:r>
+            <a:endParaRPr lang="en-IN" sz="1600" dirty="0">
+              <a:latin typeface="Verdana" panose="020B0604030504040204" pitchFamily="34" charset="0"/>
+              <a:ea typeface="Verdana" panose="020B0604030504040204" pitchFamily="34" charset="0"/>
+              <a:cs typeface="Verdana" panose="020B0604030504040204" pitchFamily="34" charset="0"/>
+            </a:endParaRPr>
+          </a:p>
+        </p:txBody>
+      </p:sp>
+    </p:spTree>
+    <p:extLst>
+      <p:ext uri="{BB962C8B-B14F-4D97-AF65-F5344CB8AC3E}">
+        <p14:creationId xmlns:p14="http://schemas.microsoft.com/office/powerpoint/2010/main" val="3504487241"/>
       </p:ext>
     </p:extLst>
   </p:cSld>

--- a/CoreJavaNotes.pptx
+++ b/CoreJavaNotes.pptx
@@ -5,7 +5,7 @@
     <p:sldMasterId id="2147483648" r:id="rId1"/>
   </p:sldMasterIdLst>
   <p:notesMasterIdLst>
-    <p:notesMasterId r:id="rId24"/>
+    <p:notesMasterId r:id="rId28"/>
   </p:notesMasterIdLst>
   <p:sldIdLst>
     <p:sldId id="265" r:id="rId2"/>
@@ -30,6 +30,10 @@
     <p:sldId id="284" r:id="rId21"/>
     <p:sldId id="285" r:id="rId22"/>
     <p:sldId id="286" r:id="rId23"/>
+    <p:sldId id="287" r:id="rId24"/>
+    <p:sldId id="288" r:id="rId25"/>
+    <p:sldId id="289" r:id="rId26"/>
+    <p:sldId id="290" r:id="rId27"/>
   </p:sldIdLst>
   <p:sldSz cx="12192000" cy="6858000"/>
   <p:notesSz cx="6858000" cy="9144000"/>
@@ -657,6 +661,90 @@
     <p:extLst>
       <p:ext uri="{BB962C8B-B14F-4D97-AF65-F5344CB8AC3E}">
         <p14:creationId xmlns:p14="http://schemas.microsoft.com/office/powerpoint/2010/main" val="258090100"/>
+      </p:ext>
+    </p:extLst>
+  </p:cSld>
+  <p:clrMapOvr>
+    <a:masterClrMapping/>
+  </p:clrMapOvr>
+</p:notes>
+</file>
+
+<file path=ppt/notesSlides/notesSlide3.xml><?xml version="1.0" encoding="utf-8"?>
+<p:notes xmlns:a="http://schemas.openxmlformats.org/drawingml/2006/main" xmlns:r="http://schemas.openxmlformats.org/officeDocument/2006/relationships" xmlns:p="http://schemas.openxmlformats.org/presentationml/2006/main">
+  <p:cSld>
+    <p:spTree>
+      <p:nvGrpSpPr>
+        <p:cNvPr id="1" name=""/>
+        <p:cNvGrpSpPr/>
+        <p:nvPr/>
+      </p:nvGrpSpPr>
+      <p:grpSpPr>
+        <a:xfrm>
+          <a:off x="0" y="0"/>
+          <a:ext cx="0" cy="0"/>
+          <a:chOff x="0" y="0"/>
+          <a:chExt cx="0" cy="0"/>
+        </a:xfrm>
+      </p:grpSpPr>
+      <p:sp>
+        <p:nvSpPr>
+          <p:cNvPr id="2" name="Slide Image Placeholder 1"/>
+          <p:cNvSpPr>
+            <a:spLocks noGrp="1" noRot="1" noChangeAspect="1"/>
+          </p:cNvSpPr>
+          <p:nvPr>
+            <p:ph type="sldImg"/>
+          </p:nvPr>
+        </p:nvSpPr>
+        <p:spPr/>
+      </p:sp>
+      <p:sp>
+        <p:nvSpPr>
+          <p:cNvPr id="3" name="Notes Placeholder 2"/>
+          <p:cNvSpPr>
+            <a:spLocks noGrp="1"/>
+          </p:cNvSpPr>
+          <p:nvPr>
+            <p:ph type="body" idx="1"/>
+          </p:nvPr>
+        </p:nvSpPr>
+        <p:spPr/>
+        <p:txBody>
+          <a:bodyPr/>
+          <a:lstStyle/>
+          <a:p>
+            <a:endParaRPr lang="en-IN" dirty="0"/>
+          </a:p>
+        </p:txBody>
+      </p:sp>
+      <p:sp>
+        <p:nvSpPr>
+          <p:cNvPr id="4" name="Slide Number Placeholder 3"/>
+          <p:cNvSpPr>
+            <a:spLocks noGrp="1"/>
+          </p:cNvSpPr>
+          <p:nvPr>
+            <p:ph type="sldNum" sz="quarter" idx="10"/>
+          </p:nvPr>
+        </p:nvSpPr>
+        <p:spPr/>
+        <p:txBody>
+          <a:bodyPr/>
+          <a:lstStyle/>
+          <a:p>
+            <a:fld id="{18249E98-FE98-4860-91D6-62D8ED2E0F89}" type="slidenum">
+              <a:rPr lang="en-IN" smtClean="0"/>
+              <a:t>25</a:t>
+            </a:fld>
+            <a:endParaRPr lang="en-IN"/>
+          </a:p>
+        </p:txBody>
+      </p:sp>
+    </p:spTree>
+    <p:extLst>
+      <p:ext uri="{BB962C8B-B14F-4D97-AF65-F5344CB8AC3E}">
+        <p14:creationId xmlns:p14="http://schemas.microsoft.com/office/powerpoint/2010/main" val="2970260326"/>
       </p:ext>
     </p:extLst>
   </p:cSld>
@@ -14689,14 +14777,6 @@
                         </a:rPr>
                         <a:t>;</a:t>
                       </a:r>
-                      <a:endParaRPr lang="en-IN" sz="1400" b="0" baseline="0" dirty="0" smtClean="0">
-                        <a:solidFill>
-                          <a:schemeClr val="tx1"/>
-                        </a:solidFill>
-                        <a:latin typeface="Verdana" panose="020B0604030504040204" pitchFamily="34" charset="0"/>
-                        <a:ea typeface="Verdana" panose="020B0604030504040204" pitchFamily="34" charset="0"/>
-                        <a:cs typeface="Verdana" panose="020B0604030504040204" pitchFamily="34" charset="0"/>
-                      </a:endParaRPr>
                     </a:p>
                   </a:txBody>
                   <a:tcPr/>
@@ -14803,14 +14883,6 @@
                         </a:rPr>
                         <a:t>;</a:t>
                       </a:r>
-                      <a:endParaRPr lang="en-IN" sz="1400" b="0" baseline="0" dirty="0" smtClean="0">
-                        <a:solidFill>
-                          <a:schemeClr val="tx1"/>
-                        </a:solidFill>
-                        <a:latin typeface="Verdana" panose="020B0604030504040204" pitchFamily="34" charset="0"/>
-                        <a:ea typeface="Verdana" panose="020B0604030504040204" pitchFamily="34" charset="0"/>
-                        <a:cs typeface="Verdana" panose="020B0604030504040204" pitchFamily="34" charset="0"/>
-                      </a:endParaRPr>
                     </a:p>
                   </a:txBody>
                   <a:tcPr/>
@@ -15027,6 +15099,377 @@
     <p:extLst>
       <p:ext uri="{BB962C8B-B14F-4D97-AF65-F5344CB8AC3E}">
         <p14:creationId xmlns:p14="http://schemas.microsoft.com/office/powerpoint/2010/main" val="3504487241"/>
+      </p:ext>
+    </p:extLst>
+  </p:cSld>
+  <p:clrMapOvr>
+    <a:masterClrMapping/>
+  </p:clrMapOvr>
+  <p:timing>
+    <p:tnLst>
+      <p:par>
+        <p:cTn id="1" dur="indefinite" restart="never" nodeType="tmRoot"/>
+      </p:par>
+    </p:tnLst>
+  </p:timing>
+</p:sld>
+</file>
+
+<file path=ppt/slides/slide23.xml><?xml version="1.0" encoding="utf-8"?>
+<p:sld xmlns:a="http://schemas.openxmlformats.org/drawingml/2006/main" xmlns:r="http://schemas.openxmlformats.org/officeDocument/2006/relationships" xmlns:p="http://schemas.openxmlformats.org/presentationml/2006/main">
+  <p:cSld>
+    <p:spTree>
+      <p:nvGrpSpPr>
+        <p:cNvPr id="1" name=""/>
+        <p:cNvGrpSpPr/>
+        <p:nvPr/>
+      </p:nvGrpSpPr>
+      <p:grpSpPr>
+        <a:xfrm>
+          <a:off x="0" y="0"/>
+          <a:ext cx="0" cy="0"/>
+          <a:chOff x="0" y="0"/>
+          <a:chExt cx="0" cy="0"/>
+        </a:xfrm>
+      </p:grpSpPr>
+      <p:pic>
+        <p:nvPicPr>
+          <p:cNvPr id="2" name="Picture 1"/>
+          <p:cNvPicPr>
+            <a:picLocks noChangeAspect="1"/>
+          </p:cNvPicPr>
+          <p:nvPr/>
+        </p:nvPicPr>
+        <p:blipFill>
+          <a:blip r:embed="rId2"/>
+          <a:stretch>
+            <a:fillRect/>
+          </a:stretch>
+        </p:blipFill>
+        <p:spPr>
+          <a:xfrm>
+            <a:off x="2871787" y="1057275"/>
+            <a:ext cx="6448425" cy="4743450"/>
+          </a:xfrm>
+          <a:prstGeom prst="rect">
+            <a:avLst/>
+          </a:prstGeom>
+        </p:spPr>
+      </p:pic>
+    </p:spTree>
+    <p:extLst>
+      <p:ext uri="{BB962C8B-B14F-4D97-AF65-F5344CB8AC3E}">
+        <p14:creationId xmlns:p14="http://schemas.microsoft.com/office/powerpoint/2010/main" val="4275003475"/>
+      </p:ext>
+    </p:extLst>
+  </p:cSld>
+  <p:clrMapOvr>
+    <a:masterClrMapping/>
+  </p:clrMapOvr>
+  <p:timing>
+    <p:tnLst>
+      <p:par>
+        <p:cTn id="1" dur="indefinite" restart="never" nodeType="tmRoot"/>
+      </p:par>
+    </p:tnLst>
+  </p:timing>
+</p:sld>
+</file>
+
+<file path=ppt/slides/slide24.xml><?xml version="1.0" encoding="utf-8"?>
+<p:sld xmlns:a="http://schemas.openxmlformats.org/drawingml/2006/main" xmlns:r="http://schemas.openxmlformats.org/officeDocument/2006/relationships" xmlns:p="http://schemas.openxmlformats.org/presentationml/2006/main">
+  <p:cSld>
+    <p:spTree>
+      <p:nvGrpSpPr>
+        <p:cNvPr id="1" name=""/>
+        <p:cNvGrpSpPr/>
+        <p:nvPr/>
+      </p:nvGrpSpPr>
+      <p:grpSpPr>
+        <a:xfrm>
+          <a:off x="0" y="0"/>
+          <a:ext cx="0" cy="0"/>
+          <a:chOff x="0" y="0"/>
+          <a:chExt cx="0" cy="0"/>
+        </a:xfrm>
+      </p:grpSpPr>
+      <p:pic>
+        <p:nvPicPr>
+          <p:cNvPr id="2" name="Picture 1"/>
+          <p:cNvPicPr>
+            <a:picLocks noChangeAspect="1"/>
+          </p:cNvPicPr>
+          <p:nvPr/>
+        </p:nvPicPr>
+        <p:blipFill>
+          <a:blip r:embed="rId2"/>
+          <a:stretch>
+            <a:fillRect/>
+          </a:stretch>
+        </p:blipFill>
+        <p:spPr>
+          <a:xfrm>
+            <a:off x="3124200" y="1762125"/>
+            <a:ext cx="5943600" cy="3333750"/>
+          </a:xfrm>
+          <a:prstGeom prst="rect">
+            <a:avLst/>
+          </a:prstGeom>
+        </p:spPr>
+      </p:pic>
+    </p:spTree>
+    <p:extLst>
+      <p:ext uri="{BB962C8B-B14F-4D97-AF65-F5344CB8AC3E}">
+        <p14:creationId xmlns:p14="http://schemas.microsoft.com/office/powerpoint/2010/main" val="2398656219"/>
+      </p:ext>
+    </p:extLst>
+  </p:cSld>
+  <p:clrMapOvr>
+    <a:masterClrMapping/>
+  </p:clrMapOvr>
+  <p:timing>
+    <p:tnLst>
+      <p:par>
+        <p:cTn id="1" dur="indefinite" restart="never" nodeType="tmRoot"/>
+      </p:par>
+    </p:tnLst>
+  </p:timing>
+</p:sld>
+</file>
+
+<file path=ppt/slides/slide25.xml><?xml version="1.0" encoding="utf-8"?>
+<p:sld xmlns:a="http://schemas.openxmlformats.org/drawingml/2006/main" xmlns:r="http://schemas.openxmlformats.org/officeDocument/2006/relationships" xmlns:p="http://schemas.openxmlformats.org/presentationml/2006/main">
+  <p:cSld>
+    <p:spTree>
+      <p:nvGrpSpPr>
+        <p:cNvPr id="1" name=""/>
+        <p:cNvGrpSpPr/>
+        <p:nvPr/>
+      </p:nvGrpSpPr>
+      <p:grpSpPr>
+        <a:xfrm>
+          <a:off x="0" y="0"/>
+          <a:ext cx="0" cy="0"/>
+          <a:chOff x="0" y="0"/>
+          <a:chExt cx="0" cy="0"/>
+        </a:xfrm>
+      </p:grpSpPr>
+      <p:sp>
+        <p:nvSpPr>
+          <p:cNvPr id="2" name="Title 1"/>
+          <p:cNvSpPr>
+            <a:spLocks noGrp="1"/>
+          </p:cNvSpPr>
+          <p:nvPr>
+            <p:ph type="title"/>
+          </p:nvPr>
+        </p:nvSpPr>
+        <p:spPr/>
+        <p:txBody>
+          <a:bodyPr>
+            <a:normAutofit/>
+          </a:bodyPr>
+          <a:lstStyle/>
+          <a:p>
+            <a:r>
+              <a:rPr lang="en-IN" sz="2000" dirty="0" smtClean="0">
+                <a:latin typeface="Verdana" panose="020B0604030504040204" pitchFamily="34" charset="0"/>
+                <a:ea typeface="Verdana" panose="020B0604030504040204" pitchFamily="34" charset="0"/>
+                <a:cs typeface="Verdana" panose="020B0604030504040204" pitchFamily="34" charset="0"/>
+              </a:rPr>
+              <a:t>Static member control flow</a:t>
+            </a:r>
+            <a:endParaRPr lang="en-IN" sz="2000" dirty="0">
+              <a:latin typeface="Verdana" panose="020B0604030504040204" pitchFamily="34" charset="0"/>
+              <a:ea typeface="Verdana" panose="020B0604030504040204" pitchFamily="34" charset="0"/>
+              <a:cs typeface="Verdana" panose="020B0604030504040204" pitchFamily="34" charset="0"/>
+            </a:endParaRPr>
+          </a:p>
+        </p:txBody>
+      </p:sp>
+      <p:sp>
+        <p:nvSpPr>
+          <p:cNvPr id="3" name="Content Placeholder 2"/>
+          <p:cNvSpPr>
+            <a:spLocks noGrp="1"/>
+          </p:cNvSpPr>
+          <p:nvPr>
+            <p:ph idx="1"/>
+          </p:nvPr>
+        </p:nvSpPr>
+        <p:spPr/>
+        <p:txBody>
+          <a:bodyPr>
+            <a:normAutofit/>
+          </a:bodyPr>
+          <a:lstStyle/>
+          <a:p>
+            <a:r>
+              <a:rPr lang="en-IN" sz="1400" dirty="0" smtClean="0">
+                <a:latin typeface="Verdana" panose="020B0604030504040204" pitchFamily="34" charset="0"/>
+                <a:ea typeface="Verdana" panose="020B0604030504040204" pitchFamily="34" charset="0"/>
+                <a:cs typeface="Verdana" panose="020B0604030504040204" pitchFamily="34" charset="0"/>
+              </a:rPr>
+              <a:t>JVM identifies SVs, SBs and MM from super class to sub class in the order they are defined from top to bottom,</a:t>
+            </a:r>
+            <a:r>
+              <a:rPr lang="en-IN" sz="1400" dirty="0" smtClean="0">
+                <a:latin typeface="Verdana" panose="020B0604030504040204" pitchFamily="34" charset="0"/>
+                <a:ea typeface="Verdana" panose="020B0604030504040204" pitchFamily="34" charset="0"/>
+                <a:cs typeface="Verdana" panose="020B0604030504040204" pitchFamily="34" charset="0"/>
+              </a:rPr>
+              <a:t> then </a:t>
+            </a:r>
+            <a:endParaRPr lang="en-IN" sz="1400" dirty="0" smtClean="0">
+              <a:latin typeface="Verdana" panose="020B0604030504040204" pitchFamily="34" charset="0"/>
+              <a:ea typeface="Verdana" panose="020B0604030504040204" pitchFamily="34" charset="0"/>
+              <a:cs typeface="Verdana" panose="020B0604030504040204" pitchFamily="34" charset="0"/>
+            </a:endParaRPr>
+          </a:p>
+          <a:p>
+            <a:r>
+              <a:rPr lang="en-IN" sz="1400" dirty="0" smtClean="0">
+                <a:latin typeface="Verdana" panose="020B0604030504040204" pitchFamily="34" charset="0"/>
+                <a:ea typeface="Verdana" panose="020B0604030504040204" pitchFamily="34" charset="0"/>
+                <a:cs typeface="Verdana" panose="020B0604030504040204" pitchFamily="34" charset="0"/>
+              </a:rPr>
+              <a:t>it executes SVs, SBs from super class to sub class in the order they are defined</a:t>
+            </a:r>
+          </a:p>
+          <a:p>
+            <a:r>
+              <a:rPr lang="en-IN" sz="1400" dirty="0" smtClean="0">
+                <a:latin typeface="Verdana" panose="020B0604030504040204" pitchFamily="34" charset="0"/>
+                <a:ea typeface="Verdana" panose="020B0604030504040204" pitchFamily="34" charset="0"/>
+                <a:cs typeface="Verdana" panose="020B0604030504040204" pitchFamily="34" charset="0"/>
+              </a:rPr>
+              <a:t>Finally it executes MM from the current loaded subclass.</a:t>
+            </a:r>
+          </a:p>
+          <a:p>
+            <a:pPr marL="0" indent="0">
+              <a:buNone/>
+            </a:pPr>
+            <a:endParaRPr lang="en-IN" sz="1400" dirty="0">
+              <a:latin typeface="Verdana" panose="020B0604030504040204" pitchFamily="34" charset="0"/>
+              <a:ea typeface="Verdana" panose="020B0604030504040204" pitchFamily="34" charset="0"/>
+              <a:cs typeface="Verdana" panose="020B0604030504040204" pitchFamily="34" charset="0"/>
+            </a:endParaRPr>
+          </a:p>
+        </p:txBody>
+      </p:sp>
+    </p:spTree>
+    <p:extLst>
+      <p:ext uri="{BB962C8B-B14F-4D97-AF65-F5344CB8AC3E}">
+        <p14:creationId xmlns:p14="http://schemas.microsoft.com/office/powerpoint/2010/main" val="3791219022"/>
+      </p:ext>
+    </p:extLst>
+  </p:cSld>
+  <p:clrMapOvr>
+    <a:masterClrMapping/>
+  </p:clrMapOvr>
+  <p:timing>
+    <p:tnLst>
+      <p:par>
+        <p:cTn id="1" dur="indefinite" restart="never" nodeType="tmRoot"/>
+      </p:par>
+    </p:tnLst>
+  </p:timing>
+</p:sld>
+</file>
+
+<file path=ppt/slides/slide26.xml><?xml version="1.0" encoding="utf-8"?>
+<p:sld xmlns:a="http://schemas.openxmlformats.org/drawingml/2006/main" xmlns:r="http://schemas.openxmlformats.org/officeDocument/2006/relationships" xmlns:p="http://schemas.openxmlformats.org/presentationml/2006/main">
+  <p:cSld>
+    <p:spTree>
+      <p:nvGrpSpPr>
+        <p:cNvPr id="1" name=""/>
+        <p:cNvGrpSpPr/>
+        <p:nvPr/>
+      </p:nvGrpSpPr>
+      <p:grpSpPr>
+        <a:xfrm>
+          <a:off x="0" y="0"/>
+          <a:ext cx="0" cy="0"/>
+          <a:chOff x="0" y="0"/>
+          <a:chExt cx="0" cy="0"/>
+        </a:xfrm>
+      </p:grpSpPr>
+      <p:sp>
+        <p:nvSpPr>
+          <p:cNvPr id="2" name="Title 1"/>
+          <p:cNvSpPr>
+            <a:spLocks noGrp="1"/>
+          </p:cNvSpPr>
+          <p:nvPr>
+            <p:ph type="title"/>
+          </p:nvPr>
+        </p:nvSpPr>
+        <p:spPr/>
+        <p:txBody>
+          <a:bodyPr>
+            <a:normAutofit/>
+          </a:bodyPr>
+          <a:lstStyle/>
+          <a:p>
+            <a:r>
+              <a:rPr lang="en-IN" sz="2000" dirty="0" smtClean="0">
+                <a:latin typeface="Verdana" panose="020B0604030504040204" pitchFamily="34" charset="0"/>
+                <a:ea typeface="Verdana" panose="020B0604030504040204" pitchFamily="34" charset="0"/>
+                <a:cs typeface="Verdana" panose="020B0604030504040204" pitchFamily="34" charset="0"/>
+              </a:rPr>
+              <a:t>Non-static members control flow</a:t>
+            </a:r>
+            <a:endParaRPr lang="en-IN" sz="2000" dirty="0">
+              <a:latin typeface="Verdana" panose="020B0604030504040204" pitchFamily="34" charset="0"/>
+              <a:ea typeface="Verdana" panose="020B0604030504040204" pitchFamily="34" charset="0"/>
+              <a:cs typeface="Verdana" panose="020B0604030504040204" pitchFamily="34" charset="0"/>
+            </a:endParaRPr>
+          </a:p>
+        </p:txBody>
+      </p:sp>
+      <p:sp>
+        <p:nvSpPr>
+          <p:cNvPr id="3" name="Content Placeholder 2"/>
+          <p:cNvSpPr>
+            <a:spLocks noGrp="1"/>
+          </p:cNvSpPr>
+          <p:nvPr>
+            <p:ph idx="1"/>
+          </p:nvPr>
+        </p:nvSpPr>
+        <p:spPr/>
+        <p:txBody>
+          <a:bodyPr>
+            <a:normAutofit/>
+          </a:bodyPr>
+          <a:lstStyle/>
+          <a:p>
+            <a:r>
+              <a:rPr lang="en-IN" sz="1400" dirty="0" smtClean="0">
+                <a:latin typeface="Verdana" panose="020B0604030504040204" pitchFamily="34" charset="0"/>
+                <a:ea typeface="Verdana" panose="020B0604030504040204" pitchFamily="34" charset="0"/>
+                <a:cs typeface="Verdana" panose="020B0604030504040204" pitchFamily="34" charset="0"/>
+              </a:rPr>
+              <a:t>JVM identifies NSVs, NSBs, NSMs from Super class to sub class in the order they are defined from top to bottom, then</a:t>
+            </a:r>
+          </a:p>
+          <a:p>
+            <a:r>
+              <a:rPr lang="en-IN" sz="1400" dirty="0" smtClean="0">
+                <a:latin typeface="Verdana" panose="020B0604030504040204" pitchFamily="34" charset="0"/>
+                <a:ea typeface="Verdana" panose="020B0604030504040204" pitchFamily="34" charset="0"/>
+                <a:cs typeface="Verdana" panose="020B0604030504040204" pitchFamily="34" charset="0"/>
+              </a:rPr>
+              <a:t>It executes NSVs, NSBs and invoked constructor from Super class to subclass</a:t>
+            </a:r>
+          </a:p>
+        </p:txBody>
+      </p:sp>
+    </p:spTree>
+    <p:extLst>
+      <p:ext uri="{BB962C8B-B14F-4D97-AF65-F5344CB8AC3E}">
+        <p14:creationId xmlns:p14="http://schemas.microsoft.com/office/powerpoint/2010/main" val="3645702277"/>
       </p:ext>
     </p:extLst>
   </p:cSld>

--- a/CoreJavaNotes.pptx
+++ b/CoreJavaNotes.pptx
@@ -5,7 +5,7 @@
     <p:sldMasterId id="2147483648" r:id="rId1"/>
   </p:sldMasterIdLst>
   <p:notesMasterIdLst>
-    <p:notesMasterId r:id="rId28"/>
+    <p:notesMasterId r:id="rId31"/>
   </p:notesMasterIdLst>
   <p:sldIdLst>
     <p:sldId id="265" r:id="rId2"/>
@@ -34,6 +34,9 @@
     <p:sldId id="288" r:id="rId25"/>
     <p:sldId id="289" r:id="rId26"/>
     <p:sldId id="290" r:id="rId27"/>
+    <p:sldId id="291" r:id="rId28"/>
+    <p:sldId id="292" r:id="rId29"/>
+    <p:sldId id="293" r:id="rId30"/>
   </p:sldIdLst>
   <p:sldSz cx="12192000" cy="6858000"/>
   <p:notesSz cx="6858000" cy="9144000"/>
@@ -222,7 +225,7 @@
           <a:p>
             <a:fld id="{31A22706-0000-41AF-B6FF-4DE11A567547}" type="datetimeFigureOut">
               <a:rPr lang="en-IN" smtClean="0"/>
-              <a:t>22-01-2021</a:t>
+              <a:t>26-01-2021</a:t>
             </a:fld>
             <a:endParaRPr lang="en-IN"/>
           </a:p>
@@ -885,7 +888,7 @@
           <a:p>
             <a:fld id="{A4F3704B-ED65-4BAA-9587-8FAC4677B14E}" type="datetimeFigureOut">
               <a:rPr lang="en-IN" smtClean="0"/>
-              <a:t>22-01-2021</a:t>
+              <a:t>26-01-2021</a:t>
             </a:fld>
             <a:endParaRPr lang="en-IN"/>
           </a:p>
@@ -1055,7 +1058,7 @@
           <a:p>
             <a:fld id="{A4F3704B-ED65-4BAA-9587-8FAC4677B14E}" type="datetimeFigureOut">
               <a:rPr lang="en-IN" smtClean="0"/>
-              <a:t>22-01-2021</a:t>
+              <a:t>26-01-2021</a:t>
             </a:fld>
             <a:endParaRPr lang="en-IN"/>
           </a:p>
@@ -1235,7 +1238,7 @@
           <a:p>
             <a:fld id="{A4F3704B-ED65-4BAA-9587-8FAC4677B14E}" type="datetimeFigureOut">
               <a:rPr lang="en-IN" smtClean="0"/>
-              <a:t>22-01-2021</a:t>
+              <a:t>26-01-2021</a:t>
             </a:fld>
             <a:endParaRPr lang="en-IN"/>
           </a:p>
@@ -1405,7 +1408,7 @@
           <a:p>
             <a:fld id="{A4F3704B-ED65-4BAA-9587-8FAC4677B14E}" type="datetimeFigureOut">
               <a:rPr lang="en-IN" smtClean="0"/>
-              <a:t>22-01-2021</a:t>
+              <a:t>26-01-2021</a:t>
             </a:fld>
             <a:endParaRPr lang="en-IN"/>
           </a:p>
@@ -1651,7 +1654,7 @@
           <a:p>
             <a:fld id="{A4F3704B-ED65-4BAA-9587-8FAC4677B14E}" type="datetimeFigureOut">
               <a:rPr lang="en-IN" smtClean="0"/>
-              <a:t>22-01-2021</a:t>
+              <a:t>26-01-2021</a:t>
             </a:fld>
             <a:endParaRPr lang="en-IN"/>
           </a:p>
@@ -1883,7 +1886,7 @@
           <a:p>
             <a:fld id="{A4F3704B-ED65-4BAA-9587-8FAC4677B14E}" type="datetimeFigureOut">
               <a:rPr lang="en-IN" smtClean="0"/>
-              <a:t>22-01-2021</a:t>
+              <a:t>26-01-2021</a:t>
             </a:fld>
             <a:endParaRPr lang="en-IN"/>
           </a:p>
@@ -2250,7 +2253,7 @@
           <a:p>
             <a:fld id="{A4F3704B-ED65-4BAA-9587-8FAC4677B14E}" type="datetimeFigureOut">
               <a:rPr lang="en-IN" smtClean="0"/>
-              <a:t>22-01-2021</a:t>
+              <a:t>26-01-2021</a:t>
             </a:fld>
             <a:endParaRPr lang="en-IN"/>
           </a:p>
@@ -2368,7 +2371,7 @@
           <a:p>
             <a:fld id="{A4F3704B-ED65-4BAA-9587-8FAC4677B14E}" type="datetimeFigureOut">
               <a:rPr lang="en-IN" smtClean="0"/>
-              <a:t>22-01-2021</a:t>
+              <a:t>26-01-2021</a:t>
             </a:fld>
             <a:endParaRPr lang="en-IN"/>
           </a:p>
@@ -2463,7 +2466,7 @@
           <a:p>
             <a:fld id="{A4F3704B-ED65-4BAA-9587-8FAC4677B14E}" type="datetimeFigureOut">
               <a:rPr lang="en-IN" smtClean="0"/>
-              <a:t>22-01-2021</a:t>
+              <a:t>26-01-2021</a:t>
             </a:fld>
             <a:endParaRPr lang="en-IN"/>
           </a:p>
@@ -2740,7 +2743,7 @@
           <a:p>
             <a:fld id="{A4F3704B-ED65-4BAA-9587-8FAC4677B14E}" type="datetimeFigureOut">
               <a:rPr lang="en-IN" smtClean="0"/>
-              <a:t>22-01-2021</a:t>
+              <a:t>26-01-2021</a:t>
             </a:fld>
             <a:endParaRPr lang="en-IN"/>
           </a:p>
@@ -2993,7 +2996,7 @@
           <a:p>
             <a:fld id="{A4F3704B-ED65-4BAA-9587-8FAC4677B14E}" type="datetimeFigureOut">
               <a:rPr lang="en-IN" smtClean="0"/>
-              <a:t>22-01-2021</a:t>
+              <a:t>26-01-2021</a:t>
             </a:fld>
             <a:endParaRPr lang="en-IN"/>
           </a:p>
@@ -3206,7 +3209,7 @@
           <a:p>
             <a:fld id="{A4F3704B-ED65-4BAA-9587-8FAC4677B14E}" type="datetimeFigureOut">
               <a:rPr lang="en-IN" smtClean="0"/>
-              <a:t>22-01-2021</a:t>
+              <a:t>26-01-2021</a:t>
             </a:fld>
             <a:endParaRPr lang="en-IN"/>
           </a:p>
@@ -15272,14 +15275,14 @@
           <a:lstStyle/>
           <a:p>
             <a:r>
-              <a:rPr lang="en-IN" sz="2000" dirty="0" smtClean="0">
+              <a:rPr lang="en-IN" sz="2000" b="1" dirty="0" smtClean="0">
                 <a:latin typeface="Verdana" panose="020B0604030504040204" pitchFamily="34" charset="0"/>
                 <a:ea typeface="Verdana" panose="020B0604030504040204" pitchFamily="34" charset="0"/>
                 <a:cs typeface="Verdana" panose="020B0604030504040204" pitchFamily="34" charset="0"/>
               </a:rPr>
               <a:t>Static member control flow</a:t>
             </a:r>
-            <a:endParaRPr lang="en-IN" sz="2000" dirty="0">
+            <a:endParaRPr lang="en-IN" sz="2000" b="1" dirty="0">
               <a:latin typeface="Verdana" panose="020B0604030504040204" pitchFamily="34" charset="0"/>
               <a:ea typeface="Verdana" panose="020B0604030504040204" pitchFamily="34" charset="0"/>
               <a:cs typeface="Verdana" panose="020B0604030504040204" pitchFamily="34" charset="0"/>
@@ -15310,21 +15313,8 @@
                 <a:ea typeface="Verdana" panose="020B0604030504040204" pitchFamily="34" charset="0"/>
                 <a:cs typeface="Verdana" panose="020B0604030504040204" pitchFamily="34" charset="0"/>
               </a:rPr>
-              <a:t>JVM identifies SVs, SBs and MM from super class to sub class in the order they are defined from top to bottom,</a:t>
-            </a:r>
-            <a:r>
-              <a:rPr lang="en-IN" sz="1400" dirty="0" smtClean="0">
-                <a:latin typeface="Verdana" panose="020B0604030504040204" pitchFamily="34" charset="0"/>
-                <a:ea typeface="Verdana" panose="020B0604030504040204" pitchFamily="34" charset="0"/>
-                <a:cs typeface="Verdana" panose="020B0604030504040204" pitchFamily="34" charset="0"/>
-              </a:rPr>
-              <a:t> then </a:t>
-            </a:r>
-            <a:endParaRPr lang="en-IN" sz="1400" dirty="0" smtClean="0">
-              <a:latin typeface="Verdana" panose="020B0604030504040204" pitchFamily="34" charset="0"/>
-              <a:ea typeface="Verdana" panose="020B0604030504040204" pitchFamily="34" charset="0"/>
-              <a:cs typeface="Verdana" panose="020B0604030504040204" pitchFamily="34" charset="0"/>
-            </a:endParaRPr>
+              <a:t>JVM identifies SVs, SBs and MM from super class to sub class in the order they are defined from top to bottom, then </a:t>
+            </a:r>
           </a:p>
           <a:p>
             <a:r>
@@ -15413,14 +15403,14 @@
           <a:lstStyle/>
           <a:p>
             <a:r>
-              <a:rPr lang="en-IN" sz="2000" dirty="0" smtClean="0">
+              <a:rPr lang="en-IN" sz="2000" b="1" dirty="0" smtClean="0">
                 <a:latin typeface="Verdana" panose="020B0604030504040204" pitchFamily="34" charset="0"/>
                 <a:ea typeface="Verdana" panose="020B0604030504040204" pitchFamily="34" charset="0"/>
                 <a:cs typeface="Verdana" panose="020B0604030504040204" pitchFamily="34" charset="0"/>
               </a:rPr>
               <a:t>Non-static members control flow</a:t>
             </a:r>
-            <a:endParaRPr lang="en-IN" sz="2000" dirty="0">
+            <a:endParaRPr lang="en-IN" sz="2000" b="1" dirty="0">
               <a:latin typeface="Verdana" panose="020B0604030504040204" pitchFamily="34" charset="0"/>
               <a:ea typeface="Verdana" panose="020B0604030504040204" pitchFamily="34" charset="0"/>
               <a:cs typeface="Verdana" panose="020B0604030504040204" pitchFamily="34" charset="0"/>
@@ -15470,6 +15460,859 @@
     <p:extLst>
       <p:ext uri="{BB962C8B-B14F-4D97-AF65-F5344CB8AC3E}">
         <p14:creationId xmlns:p14="http://schemas.microsoft.com/office/powerpoint/2010/main" val="3645702277"/>
+      </p:ext>
+    </p:extLst>
+  </p:cSld>
+  <p:clrMapOvr>
+    <a:masterClrMapping/>
+  </p:clrMapOvr>
+  <p:timing>
+    <p:tnLst>
+      <p:par>
+        <p:cTn id="1" dur="indefinite" restart="never" nodeType="tmRoot"/>
+      </p:par>
+    </p:tnLst>
+  </p:timing>
+</p:sld>
+</file>
+
+<file path=ppt/slides/slide27.xml><?xml version="1.0" encoding="utf-8"?>
+<p:sld xmlns:a="http://schemas.openxmlformats.org/drawingml/2006/main" xmlns:r="http://schemas.openxmlformats.org/officeDocument/2006/relationships" xmlns:p="http://schemas.openxmlformats.org/presentationml/2006/main">
+  <p:cSld>
+    <p:spTree>
+      <p:nvGrpSpPr>
+        <p:cNvPr id="1" name=""/>
+        <p:cNvGrpSpPr/>
+        <p:nvPr/>
+      </p:nvGrpSpPr>
+      <p:grpSpPr>
+        <a:xfrm>
+          <a:off x="0" y="0"/>
+          <a:ext cx="0" cy="0"/>
+          <a:chOff x="0" y="0"/>
+          <a:chExt cx="0" cy="0"/>
+        </a:xfrm>
+      </p:grpSpPr>
+      <p:sp>
+        <p:nvSpPr>
+          <p:cNvPr id="2" name="Title 1"/>
+          <p:cNvSpPr>
+            <a:spLocks noGrp="1"/>
+          </p:cNvSpPr>
+          <p:nvPr>
+            <p:ph type="title"/>
+          </p:nvPr>
+        </p:nvSpPr>
+        <p:spPr>
+          <a:xfrm>
+            <a:off x="838200" y="365125"/>
+            <a:ext cx="10515600" cy="317455"/>
+          </a:xfrm>
+        </p:spPr>
+        <p:txBody>
+          <a:bodyPr>
+            <a:normAutofit fontScale="90000"/>
+          </a:bodyPr>
+          <a:lstStyle/>
+          <a:p>
+            <a:r>
+              <a:rPr lang="en-IN" sz="2000" dirty="0" smtClean="0">
+                <a:latin typeface="Verdana" panose="020B0604030504040204" pitchFamily="34" charset="0"/>
+                <a:ea typeface="Verdana" panose="020B0604030504040204" pitchFamily="34" charset="0"/>
+                <a:cs typeface="Verdana" panose="020B0604030504040204" pitchFamily="34" charset="0"/>
+              </a:rPr>
+              <a:t>OOPs Principals</a:t>
+            </a:r>
+            <a:endParaRPr lang="en-IN" sz="2000" dirty="0">
+              <a:latin typeface="Verdana" panose="020B0604030504040204" pitchFamily="34" charset="0"/>
+              <a:ea typeface="Verdana" panose="020B0604030504040204" pitchFamily="34" charset="0"/>
+              <a:cs typeface="Verdana" panose="020B0604030504040204" pitchFamily="34" charset="0"/>
+            </a:endParaRPr>
+          </a:p>
+        </p:txBody>
+      </p:sp>
+      <p:sp>
+        <p:nvSpPr>
+          <p:cNvPr id="3" name="Content Placeholder 2"/>
+          <p:cNvSpPr>
+            <a:spLocks noGrp="1"/>
+          </p:cNvSpPr>
+          <p:nvPr>
+            <p:ph idx="1"/>
+          </p:nvPr>
+        </p:nvSpPr>
+        <p:spPr>
+          <a:xfrm>
+            <a:off x="838200" y="978794"/>
+            <a:ext cx="10515600" cy="5782614"/>
+          </a:xfrm>
+        </p:spPr>
+        <p:txBody>
+          <a:bodyPr>
+            <a:normAutofit/>
+          </a:bodyPr>
+          <a:lstStyle/>
+          <a:p>
+            <a:r>
+              <a:rPr lang="en-IN" sz="1400" b="1" dirty="0" smtClean="0">
+                <a:latin typeface="Verdana" panose="020B0604030504040204" pitchFamily="34" charset="0"/>
+                <a:ea typeface="Verdana" panose="020B0604030504040204" pitchFamily="34" charset="0"/>
+                <a:cs typeface="Verdana" panose="020B0604030504040204" pitchFamily="34" charset="0"/>
+              </a:rPr>
+              <a:t>Encapsulation: </a:t>
+            </a:r>
+            <a:r>
+              <a:rPr lang="en-IN" sz="1400" dirty="0" smtClean="0">
+                <a:latin typeface="Verdana" panose="020B0604030504040204" pitchFamily="34" charset="0"/>
+                <a:ea typeface="Verdana" panose="020B0604030504040204" pitchFamily="34" charset="0"/>
+                <a:cs typeface="Verdana" panose="020B0604030504040204" pitchFamily="34" charset="0"/>
+              </a:rPr>
+              <a:t>The process of creating a class by hiding internal data from th</a:t>
+            </a:r>
+            <a:r>
+              <a:rPr lang="en-IN" sz="1400" dirty="0" smtClean="0">
+                <a:latin typeface="Verdana" panose="020B0604030504040204" pitchFamily="34" charset="0"/>
+                <a:ea typeface="Verdana" panose="020B0604030504040204" pitchFamily="34" charset="0"/>
+                <a:cs typeface="Verdana" panose="020B0604030504040204" pitchFamily="34" charset="0"/>
+              </a:rPr>
+              <a:t>e outside world/outside class members; and accessing only through publicly exposed methods is known as encapsulation.</a:t>
+            </a:r>
+          </a:p>
+          <a:p>
+            <a:r>
+              <a:rPr lang="en-IN" sz="1400" b="1" dirty="0" smtClean="0">
+                <a:latin typeface="Verdana" panose="020B0604030504040204" pitchFamily="34" charset="0"/>
+                <a:ea typeface="Verdana" panose="020B0604030504040204" pitchFamily="34" charset="0"/>
+                <a:cs typeface="Verdana" panose="020B0604030504040204" pitchFamily="34" charset="0"/>
+              </a:rPr>
+              <a:t>Inheritance: </a:t>
+            </a:r>
+            <a:r>
+              <a:rPr lang="en-IN" sz="1400" dirty="0" smtClean="0">
+                <a:latin typeface="Verdana" panose="020B0604030504040204" pitchFamily="34" charset="0"/>
+                <a:ea typeface="Verdana" panose="020B0604030504040204" pitchFamily="34" charset="0"/>
+                <a:cs typeface="Verdana" panose="020B0604030504040204" pitchFamily="34" charset="0"/>
+              </a:rPr>
+              <a:t>The process of creating a class to reuse exited class members using our class name or object is class inheritance. It can also be defined as it is process of obtaining one object property to another object.</a:t>
+            </a:r>
+          </a:p>
+          <a:p>
+            <a:r>
+              <a:rPr lang="en-IN" sz="1400" dirty="0">
+                <a:latin typeface="Verdana" panose="020B0604030504040204" pitchFamily="34" charset="0"/>
+                <a:ea typeface="Verdana" panose="020B0604030504040204" pitchFamily="34" charset="0"/>
+                <a:cs typeface="Verdana" panose="020B0604030504040204" pitchFamily="34" charset="0"/>
+              </a:rPr>
+              <a:t>Types of inheritance: </a:t>
+            </a:r>
+          </a:p>
+          <a:p>
+            <a:pPr marL="342900" indent="-342900">
+              <a:buFont typeface="+mj-lt"/>
+              <a:buAutoNum type="arabicPeriod"/>
+            </a:pPr>
+            <a:r>
+              <a:rPr lang="en-IN" sz="1400" dirty="0">
+                <a:latin typeface="Verdana" panose="020B0604030504040204" pitchFamily="34" charset="0"/>
+                <a:ea typeface="Verdana" panose="020B0604030504040204" pitchFamily="34" charset="0"/>
+                <a:cs typeface="Verdana" panose="020B0604030504040204" pitchFamily="34" charset="0"/>
+              </a:rPr>
+              <a:t>Single Inheritance</a:t>
+            </a:r>
+          </a:p>
+          <a:p>
+            <a:pPr marL="342900" indent="-342900">
+              <a:buFont typeface="+mj-lt"/>
+              <a:buAutoNum type="arabicPeriod"/>
+            </a:pPr>
+            <a:r>
+              <a:rPr lang="en-IN" sz="1400" dirty="0">
+                <a:latin typeface="Verdana" panose="020B0604030504040204" pitchFamily="34" charset="0"/>
+                <a:ea typeface="Verdana" panose="020B0604030504040204" pitchFamily="34" charset="0"/>
+                <a:cs typeface="Verdana" panose="020B0604030504040204" pitchFamily="34" charset="0"/>
+              </a:rPr>
+              <a:t>Multilevel Inheritance</a:t>
+            </a:r>
+          </a:p>
+          <a:p>
+            <a:pPr marL="342900" indent="-342900">
+              <a:buFont typeface="+mj-lt"/>
+              <a:buAutoNum type="arabicPeriod"/>
+            </a:pPr>
+            <a:r>
+              <a:rPr lang="en-IN" sz="1400" dirty="0">
+                <a:latin typeface="Verdana" panose="020B0604030504040204" pitchFamily="34" charset="0"/>
+                <a:ea typeface="Verdana" panose="020B0604030504040204" pitchFamily="34" charset="0"/>
+                <a:cs typeface="Verdana" panose="020B0604030504040204" pitchFamily="34" charset="0"/>
+              </a:rPr>
+              <a:t>Hierarchical Inheritance</a:t>
+            </a:r>
+          </a:p>
+          <a:p>
+            <a:pPr marL="342900" indent="-342900">
+              <a:buFont typeface="+mj-lt"/>
+              <a:buAutoNum type="arabicPeriod"/>
+            </a:pPr>
+            <a:r>
+              <a:rPr lang="en-IN" sz="1400" dirty="0">
+                <a:latin typeface="Verdana" panose="020B0604030504040204" pitchFamily="34" charset="0"/>
+                <a:ea typeface="Verdana" panose="020B0604030504040204" pitchFamily="34" charset="0"/>
+                <a:cs typeface="Verdana" panose="020B0604030504040204" pitchFamily="34" charset="0"/>
+              </a:rPr>
+              <a:t>Hybrid Inheritance</a:t>
+            </a:r>
+          </a:p>
+          <a:p>
+            <a:pPr marL="342900" indent="-342900">
+              <a:buFont typeface="+mj-lt"/>
+              <a:buAutoNum type="arabicPeriod"/>
+            </a:pPr>
+            <a:r>
+              <a:rPr lang="en-IN" sz="1400" dirty="0">
+                <a:latin typeface="Verdana" panose="020B0604030504040204" pitchFamily="34" charset="0"/>
+                <a:ea typeface="Verdana" panose="020B0604030504040204" pitchFamily="34" charset="0"/>
+                <a:cs typeface="Verdana" panose="020B0604030504040204" pitchFamily="34" charset="0"/>
+              </a:rPr>
+              <a:t>Multiple </a:t>
+            </a:r>
+            <a:r>
+              <a:rPr lang="en-IN" sz="1400" dirty="0" smtClean="0">
+                <a:latin typeface="Verdana" panose="020B0604030504040204" pitchFamily="34" charset="0"/>
+                <a:ea typeface="Verdana" panose="020B0604030504040204" pitchFamily="34" charset="0"/>
+                <a:cs typeface="Verdana" panose="020B0604030504040204" pitchFamily="34" charset="0"/>
+              </a:rPr>
+              <a:t>Inheritance</a:t>
+            </a:r>
+            <a:endParaRPr lang="en-IN" sz="1400" dirty="0" smtClean="0">
+              <a:latin typeface="Verdana" panose="020B0604030504040204" pitchFamily="34" charset="0"/>
+              <a:ea typeface="Verdana" panose="020B0604030504040204" pitchFamily="34" charset="0"/>
+              <a:cs typeface="Verdana" panose="020B0604030504040204" pitchFamily="34" charset="0"/>
+            </a:endParaRPr>
+          </a:p>
+          <a:p>
+            <a:r>
+              <a:rPr lang="en-IN" sz="1400" b="1" dirty="0" smtClean="0">
+                <a:latin typeface="Verdana" panose="020B0604030504040204" pitchFamily="34" charset="0"/>
+                <a:ea typeface="Verdana" panose="020B0604030504040204" pitchFamily="34" charset="0"/>
+                <a:cs typeface="Verdana" panose="020B0604030504040204" pitchFamily="34" charset="0"/>
+              </a:rPr>
+              <a:t>Polymorphism: </a:t>
+            </a:r>
+            <a:r>
+              <a:rPr lang="en-IN" sz="1400" dirty="0" smtClean="0">
+                <a:latin typeface="Verdana" panose="020B0604030504040204" pitchFamily="34" charset="0"/>
+                <a:ea typeface="Verdana" panose="020B0604030504040204" pitchFamily="34" charset="0"/>
+                <a:cs typeface="Verdana" panose="020B0604030504040204" pitchFamily="34" charset="0"/>
+              </a:rPr>
+              <a:t>It is process of defining a class with multiple methods with same name with different implementations is called polymorphism.</a:t>
+            </a:r>
+          </a:p>
+          <a:p>
+            <a:pPr marL="0" indent="0">
+              <a:buNone/>
+            </a:pPr>
+            <a:r>
+              <a:rPr lang="en-IN" sz="1400" dirty="0" smtClean="0">
+                <a:latin typeface="Verdana" panose="020B0604030504040204" pitchFamily="34" charset="0"/>
+                <a:ea typeface="Verdana" panose="020B0604030504040204" pitchFamily="34" charset="0"/>
+                <a:cs typeface="Verdana" panose="020B0604030504040204" pitchFamily="34" charset="0"/>
+              </a:rPr>
+              <a:t>We can develop polymorphism by using</a:t>
+            </a:r>
+          </a:p>
+          <a:p>
+            <a:pPr>
+              <a:buFont typeface="Wingdings" panose="05000000000000000000" pitchFamily="2" charset="2"/>
+              <a:buChar char="v"/>
+            </a:pPr>
+            <a:r>
+              <a:rPr lang="en-IN" sz="1400" dirty="0" smtClean="0">
+                <a:latin typeface="Verdana" panose="020B0604030504040204" pitchFamily="34" charset="0"/>
+                <a:ea typeface="Verdana" panose="020B0604030504040204" pitchFamily="34" charset="0"/>
+                <a:cs typeface="Verdana" panose="020B0604030504040204" pitchFamily="34" charset="0"/>
+              </a:rPr>
+              <a:t>Method overloading: can be achieved based on types/list/order of method signature</a:t>
+            </a:r>
+          </a:p>
+          <a:p>
+            <a:pPr>
+              <a:buFont typeface="Wingdings" panose="05000000000000000000" pitchFamily="2" charset="2"/>
+              <a:buChar char="v"/>
+            </a:pPr>
+            <a:r>
+              <a:rPr lang="en-IN" sz="1400" dirty="0" smtClean="0">
+                <a:latin typeface="Verdana" panose="020B0604030504040204" pitchFamily="34" charset="0"/>
+                <a:ea typeface="Verdana" panose="020B0604030504040204" pitchFamily="34" charset="0"/>
+                <a:cs typeface="Verdana" panose="020B0604030504040204" pitchFamily="34" charset="0"/>
+              </a:rPr>
+              <a:t>Method Overriding</a:t>
+            </a:r>
+          </a:p>
+          <a:p>
+            <a:r>
+              <a:rPr lang="en-IN" sz="1400" dirty="0" smtClean="0">
+                <a:latin typeface="Verdana" panose="020B0604030504040204" pitchFamily="34" charset="0"/>
+                <a:ea typeface="Verdana" panose="020B0604030504040204" pitchFamily="34" charset="0"/>
+                <a:cs typeface="Verdana" panose="020B0604030504040204" pitchFamily="34" charset="0"/>
+              </a:rPr>
+              <a:t>Types of Polymorphism:</a:t>
+            </a:r>
+          </a:p>
+          <a:p>
+            <a:pPr marL="342900" indent="-342900">
+              <a:buFont typeface="+mj-lt"/>
+              <a:buAutoNum type="arabicPeriod"/>
+            </a:pPr>
+            <a:r>
+              <a:rPr lang="en-IN" sz="1400" dirty="0" smtClean="0">
+                <a:latin typeface="Verdana" panose="020B0604030504040204" pitchFamily="34" charset="0"/>
+                <a:ea typeface="Verdana" panose="020B0604030504040204" pitchFamily="34" charset="0"/>
+                <a:cs typeface="Verdana" panose="020B0604030504040204" pitchFamily="34" charset="0"/>
+              </a:rPr>
+              <a:t>Compile time polymorphism</a:t>
+            </a:r>
+          </a:p>
+          <a:p>
+            <a:pPr marL="342900" indent="-342900">
+              <a:buFont typeface="+mj-lt"/>
+              <a:buAutoNum type="arabicPeriod"/>
+            </a:pPr>
+            <a:r>
+              <a:rPr lang="en-IN" sz="1400" dirty="0" smtClean="0">
+                <a:latin typeface="Verdana" panose="020B0604030504040204" pitchFamily="34" charset="0"/>
+                <a:ea typeface="Verdana" panose="020B0604030504040204" pitchFamily="34" charset="0"/>
+                <a:cs typeface="Verdana" panose="020B0604030504040204" pitchFamily="34" charset="0"/>
+              </a:rPr>
+              <a:t>Run time polymorphism</a:t>
+            </a:r>
+          </a:p>
+        </p:txBody>
+      </p:sp>
+    </p:spTree>
+    <p:extLst>
+      <p:ext uri="{BB962C8B-B14F-4D97-AF65-F5344CB8AC3E}">
+        <p14:creationId xmlns:p14="http://schemas.microsoft.com/office/powerpoint/2010/main" val="2902383568"/>
+      </p:ext>
+    </p:extLst>
+  </p:cSld>
+  <p:clrMapOvr>
+    <a:masterClrMapping/>
+  </p:clrMapOvr>
+  <p:timing>
+    <p:tnLst>
+      <p:par>
+        <p:cTn id="1" dur="indefinite" restart="never" nodeType="tmRoot"/>
+      </p:par>
+    </p:tnLst>
+  </p:timing>
+</p:sld>
+</file>
+
+<file path=ppt/slides/slide28.xml><?xml version="1.0" encoding="utf-8"?>
+<p:sld xmlns:a="http://schemas.openxmlformats.org/drawingml/2006/main" xmlns:r="http://schemas.openxmlformats.org/officeDocument/2006/relationships" xmlns:p="http://schemas.openxmlformats.org/presentationml/2006/main">
+  <p:cSld>
+    <p:spTree>
+      <p:nvGrpSpPr>
+        <p:cNvPr id="1" name=""/>
+        <p:cNvGrpSpPr/>
+        <p:nvPr/>
+      </p:nvGrpSpPr>
+      <p:grpSpPr>
+        <a:xfrm>
+          <a:off x="0" y="0"/>
+          <a:ext cx="0" cy="0"/>
+          <a:chOff x="0" y="0"/>
+          <a:chExt cx="0" cy="0"/>
+        </a:xfrm>
+      </p:grpSpPr>
+      <p:sp>
+        <p:nvSpPr>
+          <p:cNvPr id="3" name="Content Placeholder 2"/>
+          <p:cNvSpPr>
+            <a:spLocks noGrp="1"/>
+          </p:cNvSpPr>
+          <p:nvPr>
+            <p:ph idx="1"/>
+          </p:nvPr>
+        </p:nvSpPr>
+        <p:spPr>
+          <a:xfrm>
+            <a:off x="838200" y="103030"/>
+            <a:ext cx="10515600" cy="6658377"/>
+          </a:xfrm>
+        </p:spPr>
+        <p:txBody>
+          <a:bodyPr>
+            <a:normAutofit/>
+          </a:bodyPr>
+          <a:lstStyle/>
+          <a:p>
+            <a:pPr marL="0" indent="0">
+              <a:buNone/>
+            </a:pPr>
+            <a:r>
+              <a:rPr lang="en-IN" sz="1400" dirty="0" smtClean="0">
+                <a:latin typeface="Verdana" panose="020B0604030504040204" pitchFamily="34" charset="0"/>
+                <a:ea typeface="Verdana" panose="020B0604030504040204" pitchFamily="34" charset="0"/>
+                <a:cs typeface="Verdana" panose="020B0604030504040204" pitchFamily="34" charset="0"/>
+              </a:rPr>
+              <a:t>1.</a:t>
+            </a:r>
+            <a:r>
+              <a:rPr lang="en-IN" sz="1400" b="1" dirty="0" smtClean="0">
+                <a:latin typeface="Verdana" panose="020B0604030504040204" pitchFamily="34" charset="0"/>
+                <a:ea typeface="Verdana" panose="020B0604030504040204" pitchFamily="34" charset="0"/>
+                <a:cs typeface="Verdana" panose="020B0604030504040204" pitchFamily="34" charset="0"/>
+              </a:rPr>
+              <a:t> Compile </a:t>
+            </a:r>
+            <a:r>
+              <a:rPr lang="en-IN" sz="1400" b="1" dirty="0">
+                <a:latin typeface="Verdana" panose="020B0604030504040204" pitchFamily="34" charset="0"/>
+                <a:ea typeface="Verdana" panose="020B0604030504040204" pitchFamily="34" charset="0"/>
+                <a:cs typeface="Verdana" panose="020B0604030504040204" pitchFamily="34" charset="0"/>
+              </a:rPr>
+              <a:t>time Polymorphism/ Static Binding /Early Binding:</a:t>
+            </a:r>
+            <a:r>
+              <a:rPr lang="en-IN" sz="1400" dirty="0">
+                <a:latin typeface="Verdana" panose="020B0604030504040204" pitchFamily="34" charset="0"/>
+                <a:ea typeface="Verdana" panose="020B0604030504040204" pitchFamily="34" charset="0"/>
+                <a:cs typeface="Verdana" panose="020B0604030504040204" pitchFamily="34" charset="0"/>
+              </a:rPr>
+              <a:t> when a method is invoked, if its definition which is bind at compilation time by compiler is only executed by JVM at runtime, then it is called compile-time polymorphism.</a:t>
+            </a:r>
+          </a:p>
+          <a:p>
+            <a:pPr marL="0" indent="0">
+              <a:buNone/>
+            </a:pPr>
+            <a:r>
+              <a:rPr lang="en-IN" sz="1400" dirty="0">
+                <a:latin typeface="Verdana" panose="020B0604030504040204" pitchFamily="34" charset="0"/>
+                <a:ea typeface="Verdana" panose="020B0604030504040204" pitchFamily="34" charset="0"/>
+                <a:cs typeface="Verdana" panose="020B0604030504040204" pitchFamily="34" charset="0"/>
+              </a:rPr>
+              <a:t>Note: Static methods, Overloaded Methods and non-static methods which is not overridden in subclass are come under compile time polymorphism.</a:t>
+            </a:r>
+          </a:p>
+          <a:p>
+            <a:pPr marL="0" indent="0">
+              <a:buNone/>
+            </a:pPr>
+            <a:r>
+              <a:rPr lang="en-IN" sz="1400" dirty="0">
+                <a:latin typeface="Verdana" panose="020B0604030504040204" pitchFamily="34" charset="0"/>
+                <a:ea typeface="Verdana" panose="020B0604030504040204" pitchFamily="34" charset="0"/>
+                <a:cs typeface="Verdana" panose="020B0604030504040204" pitchFamily="34" charset="0"/>
+              </a:rPr>
+              <a:t>2. </a:t>
+            </a:r>
+            <a:r>
+              <a:rPr lang="en-IN" sz="1400" b="1" dirty="0">
+                <a:latin typeface="Verdana" panose="020B0604030504040204" pitchFamily="34" charset="0"/>
+                <a:ea typeface="Verdana" panose="020B0604030504040204" pitchFamily="34" charset="0"/>
+                <a:cs typeface="Verdana" panose="020B0604030504040204" pitchFamily="34" charset="0"/>
+              </a:rPr>
+              <a:t>Runtime Polymorphism/ Dynamic Binding / Late binding: </a:t>
+            </a:r>
+            <a:r>
+              <a:rPr lang="en-IN" sz="1400" dirty="0">
+                <a:latin typeface="Verdana" panose="020B0604030504040204" pitchFamily="34" charset="0"/>
+                <a:ea typeface="Verdana" panose="020B0604030504040204" pitchFamily="34" charset="0"/>
+                <a:cs typeface="Verdana" panose="020B0604030504040204" pitchFamily="34" charset="0"/>
+              </a:rPr>
+              <a:t>when a method is invoked, if its definition which is bind at compilation time by compiler is no executed by JVM at run-time, instead if it is executed from the subclass based on the object stored in the reference variable is called run-time polymorphism.</a:t>
+            </a:r>
+          </a:p>
+          <a:p>
+            <a:pPr marL="0" indent="0">
+              <a:buNone/>
+            </a:pPr>
+            <a:r>
+              <a:rPr lang="en-IN" sz="1400" dirty="0">
+                <a:latin typeface="Verdana" panose="020B0604030504040204" pitchFamily="34" charset="0"/>
+                <a:ea typeface="Verdana" panose="020B0604030504040204" pitchFamily="34" charset="0"/>
+                <a:cs typeface="Verdana" panose="020B0604030504040204" pitchFamily="34" charset="0"/>
+              </a:rPr>
+              <a:t>Note: only non-static methods are come under run time polymorphism. Private non-static methods and default non-static methods from outside package are not overridden. So these methods call comes under compile time polymorphism</a:t>
+            </a:r>
+            <a:r>
+              <a:rPr lang="en-IN" sz="1400" dirty="0" smtClean="0">
+                <a:latin typeface="Verdana" panose="020B0604030504040204" pitchFamily="34" charset="0"/>
+                <a:ea typeface="Verdana" panose="020B0604030504040204" pitchFamily="34" charset="0"/>
+                <a:cs typeface="Verdana" panose="020B0604030504040204" pitchFamily="34" charset="0"/>
+              </a:rPr>
+              <a:t>.</a:t>
+            </a:r>
+          </a:p>
+          <a:p>
+            <a:pPr marL="0" indent="0">
+              <a:buNone/>
+            </a:pPr>
+            <a:endParaRPr lang="en-IN" sz="1400" b="1" dirty="0" smtClean="0">
+              <a:latin typeface="Verdana" panose="020B0604030504040204" pitchFamily="34" charset="0"/>
+              <a:ea typeface="Verdana" panose="020B0604030504040204" pitchFamily="34" charset="0"/>
+              <a:cs typeface="Verdana" panose="020B0604030504040204" pitchFamily="34" charset="0"/>
+            </a:endParaRPr>
+          </a:p>
+          <a:p>
+            <a:pPr marL="0" indent="0">
+              <a:buNone/>
+            </a:pPr>
+            <a:r>
+              <a:rPr lang="en-IN" sz="1400" b="1" dirty="0" smtClean="0">
+                <a:latin typeface="Verdana" panose="020B0604030504040204" pitchFamily="34" charset="0"/>
+                <a:ea typeface="Verdana" panose="020B0604030504040204" pitchFamily="34" charset="0"/>
+                <a:cs typeface="Verdana" panose="020B0604030504040204" pitchFamily="34" charset="0"/>
+              </a:rPr>
+              <a:t>Method Hiding, Overriding and Overloading:</a:t>
+            </a:r>
+          </a:p>
+          <a:p>
+            <a:pPr>
+              <a:buFont typeface="Wingdings" panose="05000000000000000000" pitchFamily="2" charset="2"/>
+              <a:buChar char="v"/>
+            </a:pPr>
+            <a:r>
+              <a:rPr lang="en-IN" sz="1400" dirty="0" smtClean="0">
+                <a:latin typeface="Verdana" panose="020B0604030504040204" pitchFamily="34" charset="0"/>
+                <a:ea typeface="Verdana" panose="020B0604030504040204" pitchFamily="34" charset="0"/>
+                <a:cs typeface="Verdana" panose="020B0604030504040204" pitchFamily="34" charset="0"/>
+              </a:rPr>
+              <a:t>Redefining super class static method in subclass with same prototype is called “method hiding”</a:t>
+            </a:r>
+          </a:p>
+          <a:p>
+            <a:pPr>
+              <a:buFont typeface="Wingdings" panose="05000000000000000000" pitchFamily="2" charset="2"/>
+              <a:buChar char="v"/>
+            </a:pPr>
+            <a:r>
+              <a:rPr lang="en-IN" sz="1400" dirty="0" smtClean="0">
+                <a:latin typeface="Verdana" panose="020B0604030504040204" pitchFamily="34" charset="0"/>
+                <a:ea typeface="Verdana" panose="020B0604030504040204" pitchFamily="34" charset="0"/>
+                <a:cs typeface="Verdana" panose="020B0604030504040204" pitchFamily="34" charset="0"/>
+              </a:rPr>
+              <a:t>Redefining super class non-static method in subclass with same prototype is called “method overriding”.</a:t>
+            </a:r>
+          </a:p>
+          <a:p>
+            <a:pPr>
+              <a:buFont typeface="Wingdings" panose="05000000000000000000" pitchFamily="2" charset="2"/>
+              <a:buChar char="v"/>
+            </a:pPr>
+            <a:r>
+              <a:rPr lang="en-IN" sz="1400" dirty="0" smtClean="0">
+                <a:latin typeface="Verdana" panose="020B0604030504040204" pitchFamily="34" charset="0"/>
+                <a:ea typeface="Verdana" panose="020B0604030504040204" pitchFamily="34" charset="0"/>
+                <a:cs typeface="Verdana" panose="020B0604030504040204" pitchFamily="34" charset="0"/>
+              </a:rPr>
+              <a:t>Defining new method with the existed method name but different parameters type/list/order is called “method overloading”</a:t>
+            </a:r>
+            <a:r>
+              <a:rPr lang="en-IN" sz="1400" b="1" dirty="0" smtClean="0">
+                <a:latin typeface="Verdana" panose="020B0604030504040204" pitchFamily="34" charset="0"/>
+                <a:ea typeface="Verdana" panose="020B0604030504040204" pitchFamily="34" charset="0"/>
+                <a:cs typeface="Verdana" panose="020B0604030504040204" pitchFamily="34" charset="0"/>
+              </a:rPr>
+              <a:t/>
+            </a:r>
+            <a:br>
+              <a:rPr lang="en-IN" sz="1400" b="1" dirty="0" smtClean="0">
+                <a:latin typeface="Verdana" panose="020B0604030504040204" pitchFamily="34" charset="0"/>
+                <a:ea typeface="Verdana" panose="020B0604030504040204" pitchFamily="34" charset="0"/>
+                <a:cs typeface="Verdana" panose="020B0604030504040204" pitchFamily="34" charset="0"/>
+              </a:rPr>
+            </a:br>
+            <a:endParaRPr lang="en-IN" sz="1400" b="1" dirty="0" smtClean="0">
+              <a:latin typeface="Verdana" panose="020B0604030504040204" pitchFamily="34" charset="0"/>
+              <a:ea typeface="Verdana" panose="020B0604030504040204" pitchFamily="34" charset="0"/>
+              <a:cs typeface="Verdana" panose="020B0604030504040204" pitchFamily="34" charset="0"/>
+            </a:endParaRPr>
+          </a:p>
+          <a:p>
+            <a:pPr marL="0" indent="0">
+              <a:buNone/>
+            </a:pPr>
+            <a:r>
+              <a:rPr lang="en-IN" sz="1400" b="1" dirty="0" smtClean="0">
+                <a:latin typeface="Verdana" panose="020B0604030504040204" pitchFamily="34" charset="0"/>
+                <a:ea typeface="Verdana" panose="020B0604030504040204" pitchFamily="34" charset="0"/>
+                <a:cs typeface="Verdana" panose="020B0604030504040204" pitchFamily="34" charset="0"/>
+              </a:rPr>
+              <a:t>Note: </a:t>
+            </a:r>
+            <a:r>
+              <a:rPr lang="en-IN" sz="1400" dirty="0" smtClean="0">
+                <a:latin typeface="Verdana" panose="020B0604030504040204" pitchFamily="34" charset="0"/>
+                <a:ea typeface="Verdana" panose="020B0604030504040204" pitchFamily="34" charset="0"/>
+                <a:cs typeface="Verdana" panose="020B0604030504040204" pitchFamily="34" charset="0"/>
+              </a:rPr>
+              <a:t>Super class method is called overridden methods and subclass method is called overriding method.</a:t>
+            </a:r>
+            <a:endParaRPr lang="en-IN" sz="1400" b="1" dirty="0" smtClean="0">
+              <a:latin typeface="Verdana" panose="020B0604030504040204" pitchFamily="34" charset="0"/>
+              <a:ea typeface="Verdana" panose="020B0604030504040204" pitchFamily="34" charset="0"/>
+              <a:cs typeface="Verdana" panose="020B0604030504040204" pitchFamily="34" charset="0"/>
+            </a:endParaRPr>
+          </a:p>
+          <a:p>
+            <a:r>
+              <a:rPr lang="en-IN" sz="1400" b="1" dirty="0" smtClean="0">
+                <a:latin typeface="Verdana" panose="020B0604030504040204" pitchFamily="34" charset="0"/>
+                <a:ea typeface="Verdana" panose="020B0604030504040204" pitchFamily="34" charset="0"/>
+                <a:cs typeface="Verdana" panose="020B0604030504040204" pitchFamily="34" charset="0"/>
+              </a:rPr>
+              <a:t>Abstraction</a:t>
+            </a:r>
+            <a:r>
+              <a:rPr lang="en-IN" sz="1400" b="1" dirty="0">
+                <a:latin typeface="Verdana" panose="020B0604030504040204" pitchFamily="34" charset="0"/>
+                <a:ea typeface="Verdana" panose="020B0604030504040204" pitchFamily="34" charset="0"/>
+                <a:cs typeface="Verdana" panose="020B0604030504040204" pitchFamily="34" charset="0"/>
+              </a:rPr>
+              <a:t>: </a:t>
+            </a:r>
+            <a:r>
+              <a:rPr lang="en-IN" sz="1400" dirty="0">
+                <a:latin typeface="Verdana" panose="020B0604030504040204" pitchFamily="34" charset="0"/>
+                <a:ea typeface="Verdana" panose="020B0604030504040204" pitchFamily="34" charset="0"/>
+                <a:cs typeface="Verdana" panose="020B0604030504040204" pitchFamily="34" charset="0"/>
+              </a:rPr>
+              <a:t>The process of defining a class by providing necessary details to call object operation by hiding or removing its implementation details is called Abstraction.</a:t>
+            </a:r>
+          </a:p>
+          <a:p>
+            <a:pPr marL="0" indent="0">
+              <a:buNone/>
+            </a:pPr>
+            <a:endParaRPr lang="en-IN" sz="1400" dirty="0">
+              <a:latin typeface="Verdana" panose="020B0604030504040204" pitchFamily="34" charset="0"/>
+              <a:ea typeface="Verdana" panose="020B0604030504040204" pitchFamily="34" charset="0"/>
+              <a:cs typeface="Verdana" panose="020B0604030504040204" pitchFamily="34" charset="0"/>
+            </a:endParaRPr>
+          </a:p>
+          <a:p>
+            <a:pPr marL="0" indent="0">
+              <a:buNone/>
+            </a:pPr>
+            <a:endParaRPr lang="en-IN" sz="1400" dirty="0" smtClean="0">
+              <a:latin typeface="Verdana" panose="020B0604030504040204" pitchFamily="34" charset="0"/>
+              <a:ea typeface="Verdana" panose="020B0604030504040204" pitchFamily="34" charset="0"/>
+              <a:cs typeface="Verdana" panose="020B0604030504040204" pitchFamily="34" charset="0"/>
+            </a:endParaRPr>
+          </a:p>
+          <a:p>
+            <a:pPr marL="0" indent="0">
+              <a:buNone/>
+            </a:pPr>
+            <a:endParaRPr lang="en-IN" sz="1400" dirty="0">
+              <a:latin typeface="Verdana" panose="020B0604030504040204" pitchFamily="34" charset="0"/>
+              <a:ea typeface="Verdana" panose="020B0604030504040204" pitchFamily="34" charset="0"/>
+              <a:cs typeface="Verdana" panose="020B0604030504040204" pitchFamily="34" charset="0"/>
+            </a:endParaRPr>
+          </a:p>
+        </p:txBody>
+      </p:sp>
+    </p:spTree>
+    <p:extLst>
+      <p:ext uri="{BB962C8B-B14F-4D97-AF65-F5344CB8AC3E}">
+        <p14:creationId xmlns:p14="http://schemas.microsoft.com/office/powerpoint/2010/main" val="1325892713"/>
+      </p:ext>
+    </p:extLst>
+  </p:cSld>
+  <p:clrMapOvr>
+    <a:masterClrMapping/>
+  </p:clrMapOvr>
+  <p:timing>
+    <p:tnLst>
+      <p:par>
+        <p:cTn id="1" dur="indefinite" restart="never" nodeType="tmRoot"/>
+      </p:par>
+    </p:tnLst>
+  </p:timing>
+</p:sld>
+</file>
+
+<file path=ppt/slides/slide29.xml><?xml version="1.0" encoding="utf-8"?>
+<p:sld xmlns:a="http://schemas.openxmlformats.org/drawingml/2006/main" xmlns:r="http://schemas.openxmlformats.org/officeDocument/2006/relationships" xmlns:p="http://schemas.openxmlformats.org/presentationml/2006/main">
+  <p:cSld>
+    <p:spTree>
+      <p:nvGrpSpPr>
+        <p:cNvPr id="1" name=""/>
+        <p:cNvGrpSpPr/>
+        <p:nvPr/>
+      </p:nvGrpSpPr>
+      <p:grpSpPr>
+        <a:xfrm>
+          <a:off x="0" y="0"/>
+          <a:ext cx="0" cy="0"/>
+          <a:chOff x="0" y="0"/>
+          <a:chExt cx="0" cy="0"/>
+        </a:xfrm>
+      </p:grpSpPr>
+      <p:sp>
+        <p:nvSpPr>
+          <p:cNvPr id="2" name="Title 1"/>
+          <p:cNvSpPr>
+            <a:spLocks noGrp="1"/>
+          </p:cNvSpPr>
+          <p:nvPr>
+            <p:ph type="title"/>
+          </p:nvPr>
+        </p:nvSpPr>
+        <p:spPr/>
+        <p:txBody>
+          <a:bodyPr>
+            <a:normAutofit/>
+          </a:bodyPr>
+          <a:lstStyle/>
+          <a:p>
+            <a:r>
+              <a:rPr lang="en-IN" sz="2000" b="1" dirty="0" smtClean="0">
+                <a:latin typeface="Verdana" panose="020B0604030504040204" pitchFamily="34" charset="0"/>
+                <a:ea typeface="Verdana" panose="020B0604030504040204" pitchFamily="34" charset="0"/>
+                <a:cs typeface="Verdana" panose="020B0604030504040204" pitchFamily="34" charset="0"/>
+              </a:rPr>
+              <a:t>Overriding rules</a:t>
+            </a:r>
+            <a:endParaRPr lang="en-IN" sz="2000" b="1" dirty="0">
+              <a:latin typeface="Verdana" panose="020B0604030504040204" pitchFamily="34" charset="0"/>
+              <a:ea typeface="Verdana" panose="020B0604030504040204" pitchFamily="34" charset="0"/>
+              <a:cs typeface="Verdana" panose="020B0604030504040204" pitchFamily="34" charset="0"/>
+            </a:endParaRPr>
+          </a:p>
+        </p:txBody>
+      </p:sp>
+      <p:sp>
+        <p:nvSpPr>
+          <p:cNvPr id="3" name="Content Placeholder 2"/>
+          <p:cNvSpPr>
+            <a:spLocks noGrp="1"/>
+          </p:cNvSpPr>
+          <p:nvPr>
+            <p:ph idx="1"/>
+          </p:nvPr>
+        </p:nvSpPr>
+        <p:spPr/>
+        <p:txBody>
+          <a:bodyPr>
+            <a:normAutofit/>
+          </a:bodyPr>
+          <a:lstStyle/>
+          <a:p>
+            <a:pPr marL="0" indent="0">
+              <a:buNone/>
+            </a:pPr>
+            <a:r>
+              <a:rPr lang="en-IN" sz="1400" dirty="0">
+                <a:latin typeface="Verdana" panose="020B0604030504040204" pitchFamily="34" charset="0"/>
+                <a:ea typeface="Verdana" panose="020B0604030504040204" pitchFamily="34" charset="0"/>
+                <a:cs typeface="Verdana" panose="020B0604030504040204" pitchFamily="34" charset="0"/>
+              </a:rPr>
+              <a:t>1)  The new method definition must have the same method signature, i.e., the method name, and the types and the number of parameters, including their order, are the same as in the overridden method.</a:t>
+            </a:r>
+          </a:p>
+          <a:p>
+            <a:pPr marL="0" indent="0">
+              <a:buNone/>
+            </a:pPr>
+            <a:r>
+              <a:rPr lang="en-IN" sz="1400" dirty="0" smtClean="0">
+                <a:latin typeface="Verdana" panose="020B0604030504040204" pitchFamily="34" charset="0"/>
+                <a:ea typeface="Verdana" panose="020B0604030504040204" pitchFamily="34" charset="0"/>
+                <a:cs typeface="Verdana" panose="020B0604030504040204" pitchFamily="34" charset="0"/>
+              </a:rPr>
+              <a:t>2</a:t>
+            </a:r>
+            <a:r>
+              <a:rPr lang="en-IN" sz="1400" dirty="0">
+                <a:latin typeface="Verdana" panose="020B0604030504040204" pitchFamily="34" charset="0"/>
+                <a:ea typeface="Verdana" panose="020B0604030504040204" pitchFamily="34" charset="0"/>
+                <a:cs typeface="Verdana" panose="020B0604030504040204" pitchFamily="34" charset="0"/>
+              </a:rPr>
+              <a:t>)  The return type of the overriding method can be a subtype of the return type of the overridden method (called covariant return).</a:t>
+            </a:r>
+          </a:p>
+          <a:p>
+            <a:pPr marL="0" indent="0">
+              <a:buNone/>
+            </a:pPr>
+            <a:r>
+              <a:rPr lang="en-IN" sz="1400" dirty="0">
+                <a:latin typeface="Verdana" panose="020B0604030504040204" pitchFamily="34" charset="0"/>
+                <a:ea typeface="Verdana" panose="020B0604030504040204" pitchFamily="34" charset="0"/>
+                <a:cs typeface="Verdana" panose="020B0604030504040204" pitchFamily="34" charset="0"/>
+              </a:rPr>
+              <a:t>3) The new method definition cannot narrow the accessibility of the method, but it can widen it  </a:t>
+            </a:r>
+          </a:p>
+          <a:p>
+            <a:pPr marL="0" indent="0">
+              <a:buNone/>
+            </a:pPr>
+            <a:r>
+              <a:rPr lang="en-IN" sz="1400" dirty="0">
+                <a:latin typeface="Verdana" panose="020B0604030504040204" pitchFamily="34" charset="0"/>
+                <a:ea typeface="Verdana" panose="020B0604030504040204" pitchFamily="34" charset="0"/>
+                <a:cs typeface="Verdana" panose="020B0604030504040204" pitchFamily="34" charset="0"/>
+              </a:rPr>
+              <a:t>4)  The new method definition can only throw all or none, or a subset of the checked exceptions (including their subclasses) that are specified in the throws clause of the overridden method in the superclass.</a:t>
+            </a:r>
+          </a:p>
+          <a:p>
+            <a:pPr marL="0" indent="0">
+              <a:buNone/>
+            </a:pPr>
+            <a:r>
+              <a:rPr lang="en-IN" sz="1400" dirty="0">
+                <a:latin typeface="Verdana" panose="020B0604030504040204" pitchFamily="34" charset="0"/>
+                <a:ea typeface="Verdana" panose="020B0604030504040204" pitchFamily="34" charset="0"/>
+                <a:cs typeface="Verdana" panose="020B0604030504040204" pitchFamily="34" charset="0"/>
+              </a:rPr>
+              <a:t>Or</a:t>
+            </a:r>
+          </a:p>
+          <a:p>
+            <a:pPr marL="0" indent="0">
+              <a:buNone/>
+            </a:pPr>
+            <a:r>
+              <a:rPr lang="en-IN" sz="1400" dirty="0">
+                <a:latin typeface="Verdana" panose="020B0604030504040204" pitchFamily="34" charset="0"/>
+                <a:ea typeface="Verdana" panose="020B0604030504040204" pitchFamily="34" charset="0"/>
+                <a:cs typeface="Verdana" panose="020B0604030504040204" pitchFamily="34" charset="0"/>
+              </a:rPr>
+              <a:t>The overriding method must not throw checked exceptions that are new for those are declared by overridden method i.e. overriding method can only declare to throw that exception or its subclass.</a:t>
+            </a:r>
+          </a:p>
+          <a:p>
+            <a:pPr marL="0" indent="0">
+              <a:buNone/>
+            </a:pPr>
+            <a:r>
+              <a:rPr lang="en-IN" sz="1400" dirty="0">
+                <a:latin typeface="Verdana" panose="020B0604030504040204" pitchFamily="34" charset="0"/>
+                <a:ea typeface="Verdana" panose="020B0604030504040204" pitchFamily="34" charset="0"/>
+                <a:cs typeface="Verdana" panose="020B0604030504040204" pitchFamily="34" charset="0"/>
+              </a:rPr>
+              <a:t>5) The overriding method can throw any unchecked exception (Runtime), regardless of whether the overridden method declares the exception.</a:t>
+            </a:r>
+          </a:p>
+          <a:p>
+            <a:endParaRPr lang="en-IN" sz="1400" dirty="0">
+              <a:latin typeface="Verdana" panose="020B0604030504040204" pitchFamily="34" charset="0"/>
+              <a:ea typeface="Verdana" panose="020B0604030504040204" pitchFamily="34" charset="0"/>
+              <a:cs typeface="Verdana" panose="020B0604030504040204" pitchFamily="34" charset="0"/>
+            </a:endParaRPr>
+          </a:p>
+        </p:txBody>
+      </p:sp>
+    </p:spTree>
+    <p:extLst>
+      <p:ext uri="{BB962C8B-B14F-4D97-AF65-F5344CB8AC3E}">
+        <p14:creationId xmlns:p14="http://schemas.microsoft.com/office/powerpoint/2010/main" val="2112657736"/>
       </p:ext>
     </p:extLst>
   </p:cSld>

--- a/CoreJavaNotes.pptx
+++ b/CoreJavaNotes.pptx
@@ -5,7 +5,7 @@
     <p:sldMasterId id="2147483648" r:id="rId1"/>
   </p:sldMasterIdLst>
   <p:notesMasterIdLst>
-    <p:notesMasterId r:id="rId31"/>
+    <p:notesMasterId r:id="rId34"/>
   </p:notesMasterIdLst>
   <p:sldIdLst>
     <p:sldId id="265" r:id="rId2"/>
@@ -37,6 +37,9 @@
     <p:sldId id="291" r:id="rId28"/>
     <p:sldId id="292" r:id="rId29"/>
     <p:sldId id="293" r:id="rId30"/>
+    <p:sldId id="294" r:id="rId31"/>
+    <p:sldId id="295" r:id="rId32"/>
+    <p:sldId id="296" r:id="rId33"/>
   </p:sldIdLst>
   <p:sldSz cx="12192000" cy="6858000"/>
   <p:notesSz cx="6858000" cy="9144000"/>
@@ -225,7 +228,7 @@
           <a:p>
             <a:fld id="{31A22706-0000-41AF-B6FF-4DE11A567547}" type="datetimeFigureOut">
               <a:rPr lang="en-IN" smtClean="0"/>
-              <a:t>26-01-2021</a:t>
+              <a:t>27-01-2021</a:t>
             </a:fld>
             <a:endParaRPr lang="en-IN"/>
           </a:p>
@@ -888,7 +891,7 @@
           <a:p>
             <a:fld id="{A4F3704B-ED65-4BAA-9587-8FAC4677B14E}" type="datetimeFigureOut">
               <a:rPr lang="en-IN" smtClean="0"/>
-              <a:t>26-01-2021</a:t>
+              <a:t>27-01-2021</a:t>
             </a:fld>
             <a:endParaRPr lang="en-IN"/>
           </a:p>
@@ -1058,7 +1061,7 @@
           <a:p>
             <a:fld id="{A4F3704B-ED65-4BAA-9587-8FAC4677B14E}" type="datetimeFigureOut">
               <a:rPr lang="en-IN" smtClean="0"/>
-              <a:t>26-01-2021</a:t>
+              <a:t>27-01-2021</a:t>
             </a:fld>
             <a:endParaRPr lang="en-IN"/>
           </a:p>
@@ -1238,7 +1241,7 @@
           <a:p>
             <a:fld id="{A4F3704B-ED65-4BAA-9587-8FAC4677B14E}" type="datetimeFigureOut">
               <a:rPr lang="en-IN" smtClean="0"/>
-              <a:t>26-01-2021</a:t>
+              <a:t>27-01-2021</a:t>
             </a:fld>
             <a:endParaRPr lang="en-IN"/>
           </a:p>
@@ -1408,7 +1411,7 @@
           <a:p>
             <a:fld id="{A4F3704B-ED65-4BAA-9587-8FAC4677B14E}" type="datetimeFigureOut">
               <a:rPr lang="en-IN" smtClean="0"/>
-              <a:t>26-01-2021</a:t>
+              <a:t>27-01-2021</a:t>
             </a:fld>
             <a:endParaRPr lang="en-IN"/>
           </a:p>
@@ -1654,7 +1657,7 @@
           <a:p>
             <a:fld id="{A4F3704B-ED65-4BAA-9587-8FAC4677B14E}" type="datetimeFigureOut">
               <a:rPr lang="en-IN" smtClean="0"/>
-              <a:t>26-01-2021</a:t>
+              <a:t>27-01-2021</a:t>
             </a:fld>
             <a:endParaRPr lang="en-IN"/>
           </a:p>
@@ -1886,7 +1889,7 @@
           <a:p>
             <a:fld id="{A4F3704B-ED65-4BAA-9587-8FAC4677B14E}" type="datetimeFigureOut">
               <a:rPr lang="en-IN" smtClean="0"/>
-              <a:t>26-01-2021</a:t>
+              <a:t>27-01-2021</a:t>
             </a:fld>
             <a:endParaRPr lang="en-IN"/>
           </a:p>
@@ -2253,7 +2256,7 @@
           <a:p>
             <a:fld id="{A4F3704B-ED65-4BAA-9587-8FAC4677B14E}" type="datetimeFigureOut">
               <a:rPr lang="en-IN" smtClean="0"/>
-              <a:t>26-01-2021</a:t>
+              <a:t>27-01-2021</a:t>
             </a:fld>
             <a:endParaRPr lang="en-IN"/>
           </a:p>
@@ -2371,7 +2374,7 @@
           <a:p>
             <a:fld id="{A4F3704B-ED65-4BAA-9587-8FAC4677B14E}" type="datetimeFigureOut">
               <a:rPr lang="en-IN" smtClean="0"/>
-              <a:t>26-01-2021</a:t>
+              <a:t>27-01-2021</a:t>
             </a:fld>
             <a:endParaRPr lang="en-IN"/>
           </a:p>
@@ -2466,7 +2469,7 @@
           <a:p>
             <a:fld id="{A4F3704B-ED65-4BAA-9587-8FAC4677B14E}" type="datetimeFigureOut">
               <a:rPr lang="en-IN" smtClean="0"/>
-              <a:t>26-01-2021</a:t>
+              <a:t>27-01-2021</a:t>
             </a:fld>
             <a:endParaRPr lang="en-IN"/>
           </a:p>
@@ -2743,7 +2746,7 @@
           <a:p>
             <a:fld id="{A4F3704B-ED65-4BAA-9587-8FAC4677B14E}" type="datetimeFigureOut">
               <a:rPr lang="en-IN" smtClean="0"/>
-              <a:t>26-01-2021</a:t>
+              <a:t>27-01-2021</a:t>
             </a:fld>
             <a:endParaRPr lang="en-IN"/>
           </a:p>
@@ -2996,7 +2999,7 @@
           <a:p>
             <a:fld id="{A4F3704B-ED65-4BAA-9587-8FAC4677B14E}" type="datetimeFigureOut">
               <a:rPr lang="en-IN" smtClean="0"/>
-              <a:t>26-01-2021</a:t>
+              <a:t>27-01-2021</a:t>
             </a:fld>
             <a:endParaRPr lang="en-IN"/>
           </a:p>
@@ -3209,7 +3212,7 @@
           <a:p>
             <a:fld id="{A4F3704B-ED65-4BAA-9587-8FAC4677B14E}" type="datetimeFigureOut">
               <a:rPr lang="en-IN" smtClean="0"/>
-              <a:t>26-01-2021</a:t>
+              <a:t>27-01-2021</a:t>
             </a:fld>
             <a:endParaRPr lang="en-IN"/>
           </a:p>
@@ -15567,15 +15570,7 @@
                 <a:ea typeface="Verdana" panose="020B0604030504040204" pitchFamily="34" charset="0"/>
                 <a:cs typeface="Verdana" panose="020B0604030504040204" pitchFamily="34" charset="0"/>
               </a:rPr>
-              <a:t>The process of creating a class by hiding internal data from th</a:t>
-            </a:r>
-            <a:r>
-              <a:rPr lang="en-IN" sz="1400" dirty="0" smtClean="0">
-                <a:latin typeface="Verdana" panose="020B0604030504040204" pitchFamily="34" charset="0"/>
-                <a:ea typeface="Verdana" panose="020B0604030504040204" pitchFamily="34" charset="0"/>
-                <a:cs typeface="Verdana" panose="020B0604030504040204" pitchFamily="34" charset="0"/>
-              </a:rPr>
-              <a:t>e outside world/outside class members; and accessing only through publicly exposed methods is known as encapsulation.</a:t>
+              <a:t>The process of creating a class by hiding internal data from the outside world/outside class members; and accessing only through publicly exposed methods is known as encapsulation.</a:t>
             </a:r>
           </a:p>
           <a:p>
@@ -15683,11 +15678,6 @@
               </a:rPr>
               <a:t>Inheritance</a:t>
             </a:r>
-            <a:endParaRPr lang="en-IN" sz="1400" dirty="0" smtClean="0">
-              <a:latin typeface="Verdana" panose="020B0604030504040204" pitchFamily="34" charset="0"/>
-              <a:ea typeface="Verdana" panose="020B0604030504040204" pitchFamily="34" charset="0"/>
-              <a:cs typeface="Verdana" panose="020B0604030504040204" pitchFamily="34" charset="0"/>
-            </a:endParaRPr>
           </a:p>
           <a:p>
             <a:r>
@@ -16162,7 +16152,12 @@
             <p:ph type="title"/>
           </p:nvPr>
         </p:nvSpPr>
-        <p:spPr/>
+        <p:spPr>
+          <a:xfrm>
+            <a:off x="838200" y="365125"/>
+            <a:ext cx="10515600" cy="433365"/>
+          </a:xfrm>
+        </p:spPr>
         <p:txBody>
           <a:bodyPr>
             <a:normAutofit/>
@@ -16195,7 +16190,12 @@
             <p:ph idx="1"/>
           </p:nvPr>
         </p:nvSpPr>
-        <p:spPr/>
+        <p:spPr>
+          <a:xfrm>
+            <a:off x="838200" y="798490"/>
+            <a:ext cx="10515600" cy="5378473"/>
+          </a:xfrm>
+        </p:spPr>
         <p:txBody>
           <a:bodyPr>
             <a:normAutofit/>
@@ -16964,6 +16964,853 @@
     <p:extLst>
       <p:ext uri="{BB962C8B-B14F-4D97-AF65-F5344CB8AC3E}">
         <p14:creationId xmlns:p14="http://schemas.microsoft.com/office/powerpoint/2010/main" val="65909902"/>
+      </p:ext>
+    </p:extLst>
+  </p:cSld>
+  <p:clrMapOvr>
+    <a:masterClrMapping/>
+  </p:clrMapOvr>
+  <p:timing>
+    <p:tnLst>
+      <p:par>
+        <p:cTn id="1" dur="indefinite" restart="never" nodeType="tmRoot"/>
+      </p:par>
+    </p:tnLst>
+  </p:timing>
+</p:sld>
+</file>
+
+<file path=ppt/slides/slide30.xml><?xml version="1.0" encoding="utf-8"?>
+<p:sld xmlns:a="http://schemas.openxmlformats.org/drawingml/2006/main" xmlns:r="http://schemas.openxmlformats.org/officeDocument/2006/relationships" xmlns:p="http://schemas.openxmlformats.org/presentationml/2006/main">
+  <p:cSld>
+    <p:spTree>
+      <p:nvGrpSpPr>
+        <p:cNvPr id="1" name=""/>
+        <p:cNvGrpSpPr/>
+        <p:nvPr/>
+      </p:nvGrpSpPr>
+      <p:grpSpPr>
+        <a:xfrm>
+          <a:off x="0" y="0"/>
+          <a:ext cx="0" cy="0"/>
+          <a:chOff x="0" y="0"/>
+          <a:chExt cx="0" cy="0"/>
+        </a:xfrm>
+      </p:grpSpPr>
+      <p:sp>
+        <p:nvSpPr>
+          <p:cNvPr id="2" name="Title 1"/>
+          <p:cNvSpPr>
+            <a:spLocks noGrp="1"/>
+          </p:cNvSpPr>
+          <p:nvPr>
+            <p:ph type="title"/>
+          </p:nvPr>
+        </p:nvSpPr>
+        <p:spPr>
+          <a:xfrm>
+            <a:off x="838200" y="365126"/>
+            <a:ext cx="10515600" cy="291698"/>
+          </a:xfrm>
+        </p:spPr>
+        <p:txBody>
+          <a:bodyPr>
+            <a:normAutofit fontScale="90000"/>
+          </a:bodyPr>
+          <a:lstStyle/>
+          <a:p>
+            <a:r>
+              <a:rPr lang="en-IN" sz="2000" b="1" dirty="0" smtClean="0">
+                <a:latin typeface="Verdana" panose="020B0604030504040204" pitchFamily="34" charset="0"/>
+                <a:ea typeface="Verdana" panose="020B0604030504040204" pitchFamily="34" charset="0"/>
+                <a:cs typeface="Verdana" panose="020B0604030504040204" pitchFamily="34" charset="0"/>
+              </a:rPr>
+              <a:t>Abstract Method and Abstract Classes</a:t>
+            </a:r>
+            <a:endParaRPr lang="en-IN" sz="2000" b="1" dirty="0">
+              <a:latin typeface="Verdana" panose="020B0604030504040204" pitchFamily="34" charset="0"/>
+              <a:ea typeface="Verdana" panose="020B0604030504040204" pitchFamily="34" charset="0"/>
+              <a:cs typeface="Verdana" panose="020B0604030504040204" pitchFamily="34" charset="0"/>
+            </a:endParaRPr>
+          </a:p>
+        </p:txBody>
+      </p:sp>
+      <p:sp>
+        <p:nvSpPr>
+          <p:cNvPr id="3" name="Content Placeholder 2"/>
+          <p:cNvSpPr>
+            <a:spLocks noGrp="1"/>
+          </p:cNvSpPr>
+          <p:nvPr>
+            <p:ph idx="1"/>
+          </p:nvPr>
+        </p:nvSpPr>
+        <p:spPr>
+          <a:xfrm>
+            <a:off x="838200" y="656824"/>
+            <a:ext cx="10515600" cy="5520139"/>
+          </a:xfrm>
+        </p:spPr>
+        <p:txBody>
+          <a:bodyPr>
+            <a:normAutofit/>
+          </a:bodyPr>
+          <a:lstStyle/>
+          <a:p>
+            <a:r>
+              <a:rPr lang="en-IN" sz="1400" dirty="0" smtClean="0">
+                <a:latin typeface="Verdana" panose="020B0604030504040204" pitchFamily="34" charset="0"/>
+                <a:ea typeface="Verdana" panose="020B0604030504040204" pitchFamily="34" charset="0"/>
+                <a:cs typeface="Verdana" panose="020B0604030504040204" pitchFamily="34" charset="0"/>
+              </a:rPr>
+              <a:t>A method tha</a:t>
+            </a:r>
+            <a:r>
+              <a:rPr lang="en-IN" sz="1400" dirty="0" smtClean="0">
+                <a:latin typeface="Verdana" panose="020B0604030504040204" pitchFamily="34" charset="0"/>
+                <a:ea typeface="Verdana" panose="020B0604030504040204" pitchFamily="34" charset="0"/>
+                <a:cs typeface="Verdana" panose="020B0604030504040204" pitchFamily="34" charset="0"/>
+              </a:rPr>
+              <a:t>t does not have body is called abstract method and a class that is declared as abstract using abstract using abstract keyword is called abstract class.</a:t>
+            </a:r>
+          </a:p>
+          <a:p>
+            <a:r>
+              <a:rPr lang="en-IN" sz="1400" dirty="0" smtClean="0">
+                <a:latin typeface="Verdana" panose="020B0604030504040204" pitchFamily="34" charset="0"/>
+                <a:ea typeface="Verdana" panose="020B0604030504040204" pitchFamily="34" charset="0"/>
+                <a:cs typeface="Verdana" panose="020B0604030504040204" pitchFamily="34" charset="0"/>
+              </a:rPr>
+              <a:t>If a class contains abstract method, it must be declares as abstract.</a:t>
+            </a:r>
+          </a:p>
+          <a:p>
+            <a:r>
+              <a:rPr lang="en-IN" sz="1400" dirty="0" smtClean="0">
+                <a:latin typeface="Verdana" panose="020B0604030504040204" pitchFamily="34" charset="0"/>
+                <a:ea typeface="Verdana" panose="020B0604030504040204" pitchFamily="34" charset="0"/>
+                <a:cs typeface="Verdana" panose="020B0604030504040204" pitchFamily="34" charset="0"/>
+              </a:rPr>
+              <a:t>Abstract class can’t be instantiated because it is not fully implemented class so its abstract method cannot be executed.</a:t>
+            </a:r>
+          </a:p>
+          <a:p>
+            <a:r>
+              <a:rPr lang="en-IN" sz="1400" dirty="0" smtClean="0">
+                <a:latin typeface="Verdana" panose="020B0604030504040204" pitchFamily="34" charset="0"/>
+                <a:ea typeface="Verdana" panose="020B0604030504040204" pitchFamily="34" charset="0"/>
+                <a:cs typeface="Verdana" panose="020B0604030504040204" pitchFamily="34" charset="0"/>
+              </a:rPr>
+              <a:t>Subclass developers provide the implementation for abstract methods according </a:t>
+            </a:r>
+            <a:r>
+              <a:rPr lang="en-IN" sz="1400" dirty="0">
+                <a:latin typeface="Verdana" panose="020B0604030504040204" pitchFamily="34" charset="0"/>
+                <a:ea typeface="Verdana" panose="020B0604030504040204" pitchFamily="34" charset="0"/>
+                <a:cs typeface="Verdana" panose="020B0604030504040204" pitchFamily="34" charset="0"/>
+              </a:rPr>
+              <a:t>t</a:t>
+            </a:r>
+            <a:r>
+              <a:rPr lang="en-IN" sz="1400" dirty="0" smtClean="0">
+                <a:latin typeface="Verdana" panose="020B0604030504040204" pitchFamily="34" charset="0"/>
+                <a:ea typeface="Verdana" panose="020B0604030504040204" pitchFamily="34" charset="0"/>
+                <a:cs typeface="Verdana" panose="020B0604030504040204" pitchFamily="34" charset="0"/>
+              </a:rPr>
+              <a:t>o their business requirement. Basically in projects abstract methods are defined by super class developers, and they are implemented by sub class developers.</a:t>
+            </a:r>
+          </a:p>
+          <a:p>
+            <a:r>
+              <a:rPr lang="en-IN" sz="1400" dirty="0" smtClean="0">
+                <a:latin typeface="Verdana" panose="020B0604030504040204" pitchFamily="34" charset="0"/>
+                <a:ea typeface="Verdana" panose="020B0604030504040204" pitchFamily="34" charset="0"/>
+                <a:cs typeface="Verdana" panose="020B0604030504040204" pitchFamily="34" charset="0"/>
+              </a:rPr>
+              <a:t>We can define all static and non-static members including constructor plus abstract method. So in an abstract class we can define 9 type of members.</a:t>
+            </a:r>
+          </a:p>
+          <a:p>
+            <a:r>
+              <a:rPr lang="en-IN" sz="1400" dirty="0" smtClean="0">
+                <a:latin typeface="Verdana" panose="020B0604030504040204" pitchFamily="34" charset="0"/>
+                <a:ea typeface="Verdana" panose="020B0604030504040204" pitchFamily="34" charset="0"/>
+                <a:cs typeface="Verdana" panose="020B0604030504040204" pitchFamily="34" charset="0"/>
+              </a:rPr>
+              <a:t>Only two modifiers are allowed with abstract:</a:t>
+            </a:r>
+          </a:p>
+          <a:p>
+            <a:pPr marL="342900" indent="-342900">
+              <a:buFont typeface="+mj-lt"/>
+              <a:buAutoNum type="arabicPeriod"/>
+            </a:pPr>
+            <a:r>
+              <a:rPr lang="en-IN" sz="1400" dirty="0">
+                <a:latin typeface="Verdana" panose="020B0604030504040204" pitchFamily="34" charset="0"/>
+                <a:ea typeface="Verdana" panose="020B0604030504040204" pitchFamily="34" charset="0"/>
+                <a:cs typeface="Verdana" panose="020B0604030504040204" pitchFamily="34" charset="0"/>
+              </a:rPr>
+              <a:t>p</a:t>
+            </a:r>
+            <a:r>
+              <a:rPr lang="en-IN" sz="1400" dirty="0" smtClean="0">
+                <a:latin typeface="Verdana" panose="020B0604030504040204" pitchFamily="34" charset="0"/>
+                <a:ea typeface="Verdana" panose="020B0604030504040204" pitchFamily="34" charset="0"/>
+                <a:cs typeface="Verdana" panose="020B0604030504040204" pitchFamily="34" charset="0"/>
+              </a:rPr>
+              <a:t>rotected</a:t>
+            </a:r>
+          </a:p>
+          <a:p>
+            <a:pPr marL="342900" indent="-342900">
+              <a:buFont typeface="+mj-lt"/>
+              <a:buAutoNum type="arabicPeriod"/>
+            </a:pPr>
+            <a:r>
+              <a:rPr lang="en-IN" sz="1400" dirty="0" smtClean="0">
+                <a:latin typeface="Verdana" panose="020B0604030504040204" pitchFamily="34" charset="0"/>
+                <a:ea typeface="Verdana" panose="020B0604030504040204" pitchFamily="34" charset="0"/>
+                <a:cs typeface="Verdana" panose="020B0604030504040204" pitchFamily="34" charset="0"/>
+              </a:rPr>
+              <a:t>public</a:t>
+            </a:r>
+          </a:p>
+          <a:p>
+            <a:r>
+              <a:rPr lang="en-IN" sz="1400" dirty="0" smtClean="0">
+                <a:latin typeface="Verdana" panose="020B0604030504040204" pitchFamily="34" charset="0"/>
+                <a:ea typeface="Verdana" panose="020B0604030504040204" pitchFamily="34" charset="0"/>
+                <a:cs typeface="Verdana" panose="020B0604030504040204" pitchFamily="34" charset="0"/>
+              </a:rPr>
+              <a:t>If we use any other 8 modifiers it leads to CTE: Illegal combination of modifiers</a:t>
+            </a:r>
+          </a:p>
+          <a:p>
+            <a:pPr marL="342900" indent="-342900">
+              <a:buFont typeface="+mj-lt"/>
+              <a:buAutoNum type="arabicPeriod"/>
+            </a:pPr>
+            <a:endParaRPr lang="en-IN" sz="1400" dirty="0" smtClean="0">
+              <a:latin typeface="Verdana" panose="020B0604030504040204" pitchFamily="34" charset="0"/>
+              <a:ea typeface="Verdana" panose="020B0604030504040204" pitchFamily="34" charset="0"/>
+              <a:cs typeface="Verdana" panose="020B0604030504040204" pitchFamily="34" charset="0"/>
+            </a:endParaRPr>
+          </a:p>
+          <a:p>
+            <a:endParaRPr lang="en-IN" sz="1400" dirty="0">
+              <a:latin typeface="Verdana" panose="020B0604030504040204" pitchFamily="34" charset="0"/>
+              <a:ea typeface="Verdana" panose="020B0604030504040204" pitchFamily="34" charset="0"/>
+              <a:cs typeface="Verdana" panose="020B0604030504040204" pitchFamily="34" charset="0"/>
+            </a:endParaRPr>
+          </a:p>
+        </p:txBody>
+      </p:sp>
+    </p:spTree>
+    <p:extLst>
+      <p:ext uri="{BB962C8B-B14F-4D97-AF65-F5344CB8AC3E}">
+        <p14:creationId xmlns:p14="http://schemas.microsoft.com/office/powerpoint/2010/main" val="3956192641"/>
+      </p:ext>
+    </p:extLst>
+  </p:cSld>
+  <p:clrMapOvr>
+    <a:masterClrMapping/>
+  </p:clrMapOvr>
+  <p:timing>
+    <p:tnLst>
+      <p:par>
+        <p:cTn id="1" dur="indefinite" restart="never" nodeType="tmRoot"/>
+      </p:par>
+    </p:tnLst>
+  </p:timing>
+</p:sld>
+</file>
+
+<file path=ppt/slides/slide31.xml><?xml version="1.0" encoding="utf-8"?>
+<p:sld xmlns:a="http://schemas.openxmlformats.org/drawingml/2006/main" xmlns:r="http://schemas.openxmlformats.org/officeDocument/2006/relationships" xmlns:p="http://schemas.openxmlformats.org/presentationml/2006/main">
+  <p:cSld>
+    <p:spTree>
+      <p:nvGrpSpPr>
+        <p:cNvPr id="1" name=""/>
+        <p:cNvGrpSpPr/>
+        <p:nvPr/>
+      </p:nvGrpSpPr>
+      <p:grpSpPr>
+        <a:xfrm>
+          <a:off x="0" y="0"/>
+          <a:ext cx="0" cy="0"/>
+          <a:chOff x="0" y="0"/>
+          <a:chExt cx="0" cy="0"/>
+        </a:xfrm>
+      </p:grpSpPr>
+      <p:sp>
+        <p:nvSpPr>
+          <p:cNvPr id="2" name="Title 1"/>
+          <p:cNvSpPr>
+            <a:spLocks noGrp="1"/>
+          </p:cNvSpPr>
+          <p:nvPr>
+            <p:ph type="title"/>
+          </p:nvPr>
+        </p:nvSpPr>
+        <p:spPr>
+          <a:xfrm>
+            <a:off x="838200" y="365126"/>
+            <a:ext cx="10515600" cy="420486"/>
+          </a:xfrm>
+        </p:spPr>
+        <p:txBody>
+          <a:bodyPr>
+            <a:normAutofit/>
+          </a:bodyPr>
+          <a:lstStyle/>
+          <a:p>
+            <a:r>
+              <a:rPr lang="en-IN" sz="2000" b="1" dirty="0" smtClean="0">
+                <a:latin typeface="Verdana" panose="020B0604030504040204" pitchFamily="34" charset="0"/>
+                <a:ea typeface="Verdana" panose="020B0604030504040204" pitchFamily="34" charset="0"/>
+                <a:cs typeface="Verdana" panose="020B0604030504040204" pitchFamily="34" charset="0"/>
+              </a:rPr>
+              <a:t>Interface</a:t>
+            </a:r>
+            <a:endParaRPr lang="en-IN" sz="2000" b="1" dirty="0">
+              <a:latin typeface="Verdana" panose="020B0604030504040204" pitchFamily="34" charset="0"/>
+              <a:ea typeface="Verdana" panose="020B0604030504040204" pitchFamily="34" charset="0"/>
+              <a:cs typeface="Verdana" panose="020B0604030504040204" pitchFamily="34" charset="0"/>
+            </a:endParaRPr>
+          </a:p>
+        </p:txBody>
+      </p:sp>
+      <p:sp>
+        <p:nvSpPr>
+          <p:cNvPr id="3" name="Content Placeholder 2"/>
+          <p:cNvSpPr>
+            <a:spLocks noGrp="1"/>
+          </p:cNvSpPr>
+          <p:nvPr>
+            <p:ph idx="1"/>
+          </p:nvPr>
+        </p:nvSpPr>
+        <p:spPr>
+          <a:xfrm>
+            <a:off x="838200" y="785612"/>
+            <a:ext cx="10515600" cy="5391351"/>
+          </a:xfrm>
+        </p:spPr>
+        <p:txBody>
+          <a:bodyPr>
+            <a:normAutofit lnSpcReduction="10000"/>
+          </a:bodyPr>
+          <a:lstStyle/>
+          <a:p>
+            <a:r>
+              <a:rPr lang="en-IN" sz="1400" dirty="0" smtClean="0">
+                <a:latin typeface="Verdana" panose="020B0604030504040204" pitchFamily="34" charset="0"/>
+                <a:ea typeface="Verdana" panose="020B0604030504040204" pitchFamily="34" charset="0"/>
+                <a:cs typeface="Verdana" panose="020B0604030504040204" pitchFamily="34" charset="0"/>
+              </a:rPr>
+              <a:t>Interface is fully un-implemented class </a:t>
+            </a:r>
+            <a:r>
+              <a:rPr lang="en-IN" sz="1400" dirty="0" smtClean="0">
+                <a:latin typeface="Verdana" panose="020B0604030504040204" pitchFamily="34" charset="0"/>
+                <a:ea typeface="Verdana" panose="020B0604030504040204" pitchFamily="34" charset="0"/>
+                <a:cs typeface="Verdana" panose="020B0604030504040204" pitchFamily="34" charset="0"/>
+              </a:rPr>
+              <a:t>used for declaring set of operations of an object for developing a loosely coupled runtime polymorphism object class to use these operations form different subclasses of this interface.</a:t>
+            </a:r>
+          </a:p>
+          <a:p>
+            <a:r>
+              <a:rPr lang="en-IN" sz="1400" dirty="0" smtClean="0">
+                <a:latin typeface="Verdana" panose="020B0604030504040204" pitchFamily="34" charset="0"/>
+                <a:ea typeface="Verdana" panose="020B0604030504040204" pitchFamily="34" charset="0"/>
+                <a:cs typeface="Verdana" panose="020B0604030504040204" pitchFamily="34" charset="0"/>
+              </a:rPr>
+              <a:t>We can define only “public static final variables and public abstract methods” for declaring a object operations.</a:t>
+            </a:r>
+          </a:p>
+          <a:p>
+            <a:r>
+              <a:rPr lang="en-IN" sz="1400" dirty="0" smtClean="0">
+                <a:latin typeface="Verdana" panose="020B0604030504040204" pitchFamily="34" charset="0"/>
+                <a:ea typeface="Verdana" panose="020B0604030504040204" pitchFamily="34" charset="0"/>
+                <a:cs typeface="Verdana" panose="020B0604030504040204" pitchFamily="34" charset="0"/>
+              </a:rPr>
+              <a:t>Basically it is used to for developing a specification</a:t>
+            </a:r>
+            <a:r>
+              <a:rPr lang="en-IN" sz="1400" dirty="0" smtClean="0">
+                <a:latin typeface="Verdana" panose="020B0604030504040204" pitchFamily="34" charset="0"/>
+                <a:ea typeface="Verdana" panose="020B0604030504040204" pitchFamily="34" charset="0"/>
+                <a:cs typeface="Verdana" panose="020B0604030504040204" pitchFamily="34" charset="0"/>
+              </a:rPr>
+              <a:t>/contract/guidelines document between service user and service provider to access that objects operations by service user those are implemented by service provider.</a:t>
+            </a:r>
+          </a:p>
+          <a:p>
+            <a:r>
+              <a:rPr lang="en-IN" sz="1400" dirty="0" smtClean="0">
+                <a:latin typeface="Verdana" panose="020B0604030504040204" pitchFamily="34" charset="0"/>
+                <a:ea typeface="Verdana" panose="020B0604030504040204" pitchFamily="34" charset="0"/>
+                <a:cs typeface="Verdana" panose="020B0604030504040204" pitchFamily="34" charset="0"/>
+              </a:rPr>
+              <a:t>Interface can’t have concrete methods.</a:t>
+            </a:r>
+          </a:p>
+          <a:p>
+            <a:r>
+              <a:rPr lang="en-IN" sz="1400" dirty="0" smtClean="0">
+                <a:latin typeface="Verdana" panose="020B0604030504040204" pitchFamily="34" charset="0"/>
+                <a:ea typeface="Verdana" panose="020B0604030504040204" pitchFamily="34" charset="0"/>
+                <a:cs typeface="Verdana" panose="020B0604030504040204" pitchFamily="34" charset="0"/>
+              </a:rPr>
+              <a:t>In interface, we can have only static final variables, even in we create variables as non-static, non-final variable compiler convert it as static, final variables.</a:t>
+            </a:r>
+          </a:p>
+          <a:p>
+            <a:r>
+              <a:rPr lang="en-IN" sz="1400" dirty="0" smtClean="0">
+                <a:latin typeface="Verdana" panose="020B0604030504040204" pitchFamily="34" charset="0"/>
+                <a:ea typeface="Verdana" panose="020B0604030504040204" pitchFamily="34" charset="0"/>
+                <a:cs typeface="Verdana" panose="020B0604030504040204" pitchFamily="34" charset="0"/>
+              </a:rPr>
+              <a:t>We can’t declare interface members as private or protected members.</a:t>
+            </a:r>
+          </a:p>
+          <a:p>
+            <a:r>
+              <a:rPr lang="en-IN" sz="1400" dirty="0" smtClean="0">
+                <a:latin typeface="Verdana" panose="020B0604030504040204" pitchFamily="34" charset="0"/>
+                <a:ea typeface="Verdana" panose="020B0604030504040204" pitchFamily="34" charset="0"/>
+                <a:cs typeface="Verdana" panose="020B0604030504040204" pitchFamily="34" charset="0"/>
+              </a:rPr>
+              <a:t>Interface variables should be initialized at the time of creation because they are final.</a:t>
+            </a:r>
+          </a:p>
+          <a:p>
+            <a:r>
+              <a:rPr lang="en-IN" sz="1400" dirty="0" smtClean="0">
+                <a:latin typeface="Verdana" panose="020B0604030504040204" pitchFamily="34" charset="0"/>
+                <a:ea typeface="Verdana" panose="020B0604030504040204" pitchFamily="34" charset="0"/>
+                <a:cs typeface="Verdana" panose="020B0604030504040204" pitchFamily="34" charset="0"/>
+              </a:rPr>
+              <a:t>Interface can’t be instantiated, but its reference variable can be created for storing its subclass objects references to develop loosely coupled user application to get Runtime polymorphism for executing method from its different subclasses.</a:t>
+            </a:r>
+          </a:p>
+          <a:p>
+            <a:r>
+              <a:rPr lang="en-IN" sz="1400" dirty="0" smtClean="0">
+                <a:latin typeface="Verdana" panose="020B0604030504040204" pitchFamily="34" charset="0"/>
+                <a:ea typeface="Verdana" panose="020B0604030504040204" pitchFamily="34" charset="0"/>
+                <a:cs typeface="Verdana" panose="020B0604030504040204" pitchFamily="34" charset="0"/>
+              </a:rPr>
+              <a:t>We cannot declare interface as final.</a:t>
+            </a:r>
+          </a:p>
+          <a:p>
+            <a:r>
+              <a:rPr lang="en-IN" sz="1400" dirty="0" smtClean="0">
+                <a:latin typeface="Verdana" panose="020B0604030504040204" pitchFamily="34" charset="0"/>
+                <a:ea typeface="Verdana" panose="020B0604030504040204" pitchFamily="34" charset="0"/>
+                <a:cs typeface="Verdana" panose="020B0604030504040204" pitchFamily="34" charset="0"/>
+              </a:rPr>
+              <a:t>We can declare interface as abstract, it is optional and </a:t>
+            </a:r>
+            <a:r>
+              <a:rPr lang="en-IN" sz="1400" dirty="0" smtClean="0">
+                <a:latin typeface="Verdana" panose="020B0604030504040204" pitchFamily="34" charset="0"/>
+                <a:ea typeface="Verdana" panose="020B0604030504040204" pitchFamily="34" charset="0"/>
+                <a:cs typeface="Verdana" panose="020B0604030504040204" pitchFamily="34" charset="0"/>
+              </a:rPr>
+              <a:t>at compilation time, it is removed by compiler.</a:t>
+            </a:r>
+          </a:p>
+          <a:p>
+            <a:r>
+              <a:rPr lang="en-IN" sz="1400" dirty="0" smtClean="0">
+                <a:latin typeface="Verdana" panose="020B0604030504040204" pitchFamily="34" charset="0"/>
+                <a:ea typeface="Verdana" panose="020B0604030504040204" pitchFamily="34" charset="0"/>
+                <a:cs typeface="Verdana" panose="020B0604030504040204" pitchFamily="34" charset="0"/>
+              </a:rPr>
+              <a:t>Using “implements” keyword we can derive a class from interface.</a:t>
+            </a:r>
+          </a:p>
+          <a:p>
+            <a:r>
+              <a:rPr lang="en-IN" sz="1400" dirty="0" smtClean="0">
+                <a:latin typeface="Verdana" panose="020B0604030504040204" pitchFamily="34" charset="0"/>
+                <a:ea typeface="Verdana" panose="020B0604030504040204" pitchFamily="34" charset="0"/>
+                <a:cs typeface="Verdana" panose="020B0604030504040204" pitchFamily="34" charset="0"/>
+              </a:rPr>
+              <a:t>The class derived from interface should implement all abstract methods of interface, otherwise it should be declared as abstract else it leads to CTE.</a:t>
+            </a:r>
+          </a:p>
+          <a:p>
+            <a:r>
+              <a:rPr lang="en-IN" sz="1400" dirty="0" smtClean="0">
+                <a:latin typeface="Verdana" panose="020B0604030504040204" pitchFamily="34" charset="0"/>
+                <a:ea typeface="Verdana" panose="020B0604030504040204" pitchFamily="34" charset="0"/>
+                <a:cs typeface="Verdana" panose="020B0604030504040204" pitchFamily="34" charset="0"/>
+              </a:rPr>
+              <a:t>Sub class should implement interface method with public keyword, because interface method’s default accessibility modifier is public.</a:t>
+            </a:r>
+          </a:p>
+        </p:txBody>
+      </p:sp>
+    </p:spTree>
+    <p:extLst>
+      <p:ext uri="{BB962C8B-B14F-4D97-AF65-F5344CB8AC3E}">
+        <p14:creationId xmlns:p14="http://schemas.microsoft.com/office/powerpoint/2010/main" val="1296732210"/>
+      </p:ext>
+    </p:extLst>
+  </p:cSld>
+  <p:clrMapOvr>
+    <a:masterClrMapping/>
+  </p:clrMapOvr>
+  <p:timing>
+    <p:tnLst>
+      <p:par>
+        <p:cTn id="1" dur="indefinite" restart="never" nodeType="tmRoot"/>
+      </p:par>
+    </p:tnLst>
+  </p:timing>
+</p:sld>
+</file>
+
+<file path=ppt/slides/slide32.xml><?xml version="1.0" encoding="utf-8"?>
+<p:sld xmlns:a="http://schemas.openxmlformats.org/drawingml/2006/main" xmlns:r="http://schemas.openxmlformats.org/officeDocument/2006/relationships" xmlns:p="http://schemas.openxmlformats.org/presentationml/2006/main">
+  <p:cSld>
+    <p:spTree>
+      <p:nvGrpSpPr>
+        <p:cNvPr id="1" name=""/>
+        <p:cNvGrpSpPr/>
+        <p:nvPr/>
+      </p:nvGrpSpPr>
+      <p:grpSpPr>
+        <a:xfrm>
+          <a:off x="0" y="0"/>
+          <a:ext cx="0" cy="0"/>
+          <a:chOff x="0" y="0"/>
+          <a:chExt cx="0" cy="0"/>
+        </a:xfrm>
+      </p:grpSpPr>
+      <p:sp>
+        <p:nvSpPr>
+          <p:cNvPr id="2" name="Title 1"/>
+          <p:cNvSpPr>
+            <a:spLocks noGrp="1"/>
+          </p:cNvSpPr>
+          <p:nvPr>
+            <p:ph type="title"/>
+          </p:nvPr>
+        </p:nvSpPr>
+        <p:spPr>
+          <a:xfrm>
+            <a:off x="838200" y="365125"/>
+            <a:ext cx="10515600" cy="253061"/>
+          </a:xfrm>
+        </p:spPr>
+        <p:txBody>
+          <a:bodyPr>
+            <a:normAutofit fontScale="90000"/>
+          </a:bodyPr>
+          <a:lstStyle/>
+          <a:p>
+            <a:r>
+              <a:rPr lang="en-IN" sz="2000" b="1" dirty="0" smtClean="0">
+                <a:latin typeface="Verdana" panose="020B0604030504040204" pitchFamily="34" charset="0"/>
+                <a:ea typeface="Verdana" panose="020B0604030504040204" pitchFamily="34" charset="0"/>
+                <a:cs typeface="Verdana" panose="020B0604030504040204" pitchFamily="34" charset="0"/>
+              </a:rPr>
+              <a:t>Enum</a:t>
+            </a:r>
+            <a:endParaRPr lang="en-IN" sz="2000" b="1" dirty="0">
+              <a:latin typeface="Verdana" panose="020B0604030504040204" pitchFamily="34" charset="0"/>
+              <a:ea typeface="Verdana" panose="020B0604030504040204" pitchFamily="34" charset="0"/>
+              <a:cs typeface="Verdana" panose="020B0604030504040204" pitchFamily="34" charset="0"/>
+            </a:endParaRPr>
+          </a:p>
+        </p:txBody>
+      </p:sp>
+      <p:sp>
+        <p:nvSpPr>
+          <p:cNvPr id="3" name="Content Placeholder 2"/>
+          <p:cNvSpPr>
+            <a:spLocks noGrp="1"/>
+          </p:cNvSpPr>
+          <p:nvPr>
+            <p:ph idx="1"/>
+          </p:nvPr>
+        </p:nvSpPr>
+        <p:spPr>
+          <a:xfrm>
+            <a:off x="838200" y="618186"/>
+            <a:ext cx="10515600" cy="5558777"/>
+          </a:xfrm>
+        </p:spPr>
+        <p:txBody>
+          <a:bodyPr>
+            <a:normAutofit/>
+          </a:bodyPr>
+          <a:lstStyle/>
+          <a:p>
+            <a:r>
+              <a:rPr lang="en-IN" sz="1400" dirty="0" err="1">
+                <a:latin typeface="Verdana" panose="020B0604030504040204" pitchFamily="34" charset="0"/>
+                <a:ea typeface="Verdana" panose="020B0604030504040204" pitchFamily="34" charset="0"/>
+                <a:cs typeface="Verdana" panose="020B0604030504040204" pitchFamily="34" charset="0"/>
+              </a:rPr>
+              <a:t>Enums</a:t>
+            </a:r>
+            <a:r>
+              <a:rPr lang="en-IN" sz="1400" dirty="0">
+                <a:latin typeface="Verdana" panose="020B0604030504040204" pitchFamily="34" charset="0"/>
+                <a:ea typeface="Verdana" panose="020B0604030504040204" pitchFamily="34" charset="0"/>
+                <a:cs typeface="Verdana" panose="020B0604030504040204" pitchFamily="34" charset="0"/>
+              </a:rPr>
+              <a:t> </a:t>
+            </a:r>
+            <a:r>
+              <a:rPr lang="en-IN" sz="1400" dirty="0" smtClean="0">
+                <a:latin typeface="Verdana" panose="020B0604030504040204" pitchFamily="34" charset="0"/>
+                <a:ea typeface="Verdana" panose="020B0604030504040204" pitchFamily="34" charset="0"/>
+                <a:cs typeface="Verdana" panose="020B0604030504040204" pitchFamily="34" charset="0"/>
+              </a:rPr>
+              <a:t>are </a:t>
+            </a:r>
+            <a:r>
+              <a:rPr lang="en-IN" sz="1400" dirty="0">
+                <a:latin typeface="Verdana" panose="020B0604030504040204" pitchFamily="34" charset="0"/>
+                <a:ea typeface="Verdana" panose="020B0604030504040204" pitchFamily="34" charset="0"/>
+                <a:cs typeface="Verdana" panose="020B0604030504040204" pitchFamily="34" charset="0"/>
+              </a:rPr>
+              <a:t>mainly used for grouping similar kind of constants as a one unit. </a:t>
+            </a:r>
+            <a:r>
+              <a:rPr lang="en-IN" sz="1400" dirty="0" smtClean="0">
+                <a:latin typeface="Verdana" panose="020B0604030504040204" pitchFamily="34" charset="0"/>
+                <a:ea typeface="Verdana" panose="020B0604030504040204" pitchFamily="34" charset="0"/>
+                <a:cs typeface="Verdana" panose="020B0604030504040204" pitchFamily="34" charset="0"/>
+              </a:rPr>
+              <a:t>Constants </a:t>
+            </a:r>
+            <a:r>
+              <a:rPr lang="en-IN" sz="1400" dirty="0">
+                <a:latin typeface="Verdana" panose="020B0604030504040204" pitchFamily="34" charset="0"/>
+                <a:ea typeface="Verdana" panose="020B0604030504040204" pitchFamily="34" charset="0"/>
+                <a:cs typeface="Verdana" panose="020B0604030504040204" pitchFamily="34" charset="0"/>
+              </a:rPr>
+              <a:t>means static and final. </a:t>
+            </a:r>
+            <a:r>
+              <a:rPr lang="en-IN" sz="1400" dirty="0" err="1">
+                <a:latin typeface="Verdana" panose="020B0604030504040204" pitchFamily="34" charset="0"/>
+                <a:ea typeface="Verdana" panose="020B0604030504040204" pitchFamily="34" charset="0"/>
+                <a:cs typeface="Verdana" panose="020B0604030504040204" pitchFamily="34" charset="0"/>
+              </a:rPr>
+              <a:t>Enums</a:t>
+            </a:r>
+            <a:r>
+              <a:rPr lang="en-IN" sz="1400" dirty="0">
+                <a:latin typeface="Verdana" panose="020B0604030504040204" pitchFamily="34" charset="0"/>
+                <a:ea typeface="Verdana" panose="020B0604030504040204" pitchFamily="34" charset="0"/>
+                <a:cs typeface="Verdana" panose="020B0604030504040204" pitchFamily="34" charset="0"/>
+              </a:rPr>
+              <a:t> are introduced in JDK 1.5 onward. Before that similar kind of constants are grouped by declaring them as static and final in one class</a:t>
+            </a:r>
+            <a:r>
+              <a:rPr lang="en-IN" sz="1400" dirty="0" smtClean="0">
+                <a:latin typeface="Verdana" panose="020B0604030504040204" pitchFamily="34" charset="0"/>
+                <a:ea typeface="Verdana" panose="020B0604030504040204" pitchFamily="34" charset="0"/>
+                <a:cs typeface="Verdana" panose="020B0604030504040204" pitchFamily="34" charset="0"/>
+              </a:rPr>
+              <a:t>.</a:t>
+            </a:r>
+          </a:p>
+          <a:p>
+            <a:r>
+              <a:rPr lang="en-IN" sz="1400" dirty="0">
+                <a:latin typeface="Verdana" panose="020B0604030504040204" pitchFamily="34" charset="0"/>
+                <a:ea typeface="Verdana" panose="020B0604030504040204" pitchFamily="34" charset="0"/>
+                <a:cs typeface="Verdana" panose="020B0604030504040204" pitchFamily="34" charset="0"/>
+              </a:rPr>
+              <a:t>Enum </a:t>
+            </a:r>
+            <a:r>
+              <a:rPr lang="en-IN" sz="1400" dirty="0" smtClean="0">
+                <a:latin typeface="Verdana" panose="020B0604030504040204" pitchFamily="34" charset="0"/>
+                <a:ea typeface="Verdana" panose="020B0604030504040204" pitchFamily="34" charset="0"/>
+                <a:cs typeface="Verdana" panose="020B0604030504040204" pitchFamily="34" charset="0"/>
+              </a:rPr>
+              <a:t>is </a:t>
+            </a:r>
+            <a:r>
+              <a:rPr lang="en-IN" sz="1400" dirty="0">
+                <a:latin typeface="Verdana" panose="020B0604030504040204" pitchFamily="34" charset="0"/>
+                <a:ea typeface="Verdana" panose="020B0604030504040204" pitchFamily="34" charset="0"/>
+                <a:cs typeface="Verdana" panose="020B0604030504040204" pitchFamily="34" charset="0"/>
+              </a:rPr>
+              <a:t>a data type which contains a fixed set of constants</a:t>
+            </a:r>
+            <a:r>
+              <a:rPr lang="en-IN" sz="1400" dirty="0" smtClean="0">
+                <a:latin typeface="Verdana" panose="020B0604030504040204" pitchFamily="34" charset="0"/>
+                <a:ea typeface="Verdana" panose="020B0604030504040204" pitchFamily="34" charset="0"/>
+                <a:cs typeface="Verdana" panose="020B0604030504040204" pitchFamily="34" charset="0"/>
+              </a:rPr>
+              <a:t>.</a:t>
+            </a:r>
+          </a:p>
+          <a:p>
+            <a:r>
+              <a:rPr lang="en-IN" sz="1400" dirty="0" smtClean="0">
+                <a:latin typeface="Verdana" panose="020B0604030504040204" pitchFamily="34" charset="0"/>
+                <a:ea typeface="Verdana" panose="020B0604030504040204" pitchFamily="34" charset="0"/>
+                <a:cs typeface="Verdana" panose="020B0604030504040204" pitchFamily="34" charset="0"/>
+              </a:rPr>
+              <a:t>“enum” is a “final class”. So we can’t derive a subclass form enum.</a:t>
+            </a:r>
+          </a:p>
+          <a:p>
+            <a:r>
+              <a:rPr lang="en-IN" sz="1400" dirty="0" smtClean="0">
+                <a:latin typeface="Verdana" panose="020B0604030504040204" pitchFamily="34" charset="0"/>
+                <a:ea typeface="Verdana" panose="020B0604030504040204" pitchFamily="34" charset="0"/>
+                <a:cs typeface="Verdana" panose="020B0604030504040204" pitchFamily="34" charset="0"/>
+              </a:rPr>
+              <a:t>It is a subclass of </a:t>
+            </a:r>
+            <a:r>
+              <a:rPr lang="en-IN" sz="1400" dirty="0" err="1" smtClean="0">
+                <a:latin typeface="Verdana" panose="020B0604030504040204" pitchFamily="34" charset="0"/>
+                <a:ea typeface="Verdana" panose="020B0604030504040204" pitchFamily="34" charset="0"/>
+                <a:cs typeface="Verdana" panose="020B0604030504040204" pitchFamily="34" charset="0"/>
+              </a:rPr>
+              <a:t>java.lang.Enum</a:t>
+            </a:r>
+            <a:endParaRPr lang="en-IN" sz="1400" dirty="0" smtClean="0">
+              <a:latin typeface="Verdana" panose="020B0604030504040204" pitchFamily="34" charset="0"/>
+              <a:ea typeface="Verdana" panose="020B0604030504040204" pitchFamily="34" charset="0"/>
+              <a:cs typeface="Verdana" panose="020B0604030504040204" pitchFamily="34" charset="0"/>
+            </a:endParaRPr>
+          </a:p>
+          <a:p>
+            <a:r>
+              <a:rPr lang="en-IN" sz="1400" dirty="0" smtClean="0">
+                <a:latin typeface="Verdana" panose="020B0604030504040204" pitchFamily="34" charset="0"/>
+                <a:ea typeface="Verdana" panose="020B0604030504040204" pitchFamily="34" charset="0"/>
+                <a:cs typeface="Verdana" panose="020B0604030504040204" pitchFamily="34" charset="0"/>
+              </a:rPr>
+              <a:t>It is a abstract class which is the default super class for every enum type classes. Also it is implementing form comparable and Serializable interface.</a:t>
+            </a:r>
+          </a:p>
+          <a:p>
+            <a:r>
+              <a:rPr lang="en-IN" sz="1400" dirty="0" smtClean="0">
+                <a:latin typeface="Verdana" panose="020B0604030504040204" pitchFamily="34" charset="0"/>
+                <a:ea typeface="Verdana" panose="020B0604030504040204" pitchFamily="34" charset="0"/>
+                <a:cs typeface="Verdana" panose="020B0604030504040204" pitchFamily="34" charset="0"/>
+              </a:rPr>
+              <a:t>All named constants created inside enum are referenced type the current enum type.</a:t>
+            </a:r>
+          </a:p>
+          <a:p>
+            <a:r>
+              <a:rPr lang="en-IN" sz="1400" dirty="0" smtClean="0">
+                <a:latin typeface="Verdana" panose="020B0604030504040204" pitchFamily="34" charset="0"/>
+                <a:ea typeface="Verdana" panose="020B0604030504040204" pitchFamily="34" charset="0"/>
+                <a:cs typeface="Verdana" panose="020B0604030504040204" pitchFamily="34" charset="0"/>
+              </a:rPr>
+              <a:t>Since enum is keyword so we can’t end package name with it. Example: </a:t>
+            </a:r>
+            <a:r>
+              <a:rPr lang="en-IN" sz="1400" dirty="0" err="1" smtClean="0">
+                <a:latin typeface="Verdana" panose="020B0604030504040204" pitchFamily="34" charset="0"/>
+                <a:ea typeface="Verdana" panose="020B0604030504040204" pitchFamily="34" charset="0"/>
+                <a:cs typeface="Verdana" panose="020B0604030504040204" pitchFamily="34" charset="0"/>
+              </a:rPr>
+              <a:t>com.iettech.enum</a:t>
+            </a:r>
+            <a:r>
+              <a:rPr lang="en-IN" sz="1400" dirty="0" smtClean="0">
+                <a:latin typeface="Verdana" panose="020B0604030504040204" pitchFamily="34" charset="0"/>
+                <a:ea typeface="Verdana" panose="020B0604030504040204" pitchFamily="34" charset="0"/>
+                <a:cs typeface="Verdana" panose="020B0604030504040204" pitchFamily="34" charset="0"/>
+              </a:rPr>
+              <a:t> not a valid package name.</a:t>
+            </a:r>
+          </a:p>
+          <a:p>
+            <a:r>
+              <a:rPr lang="en-IN" sz="1400" dirty="0" smtClean="0">
+                <a:latin typeface="Verdana" panose="020B0604030504040204" pitchFamily="34" charset="0"/>
+                <a:ea typeface="Verdana" panose="020B0604030504040204" pitchFamily="34" charset="0"/>
+                <a:cs typeface="Verdana" panose="020B0604030504040204" pitchFamily="34" charset="0"/>
+              </a:rPr>
+              <a:t>Enum can implement interface.</a:t>
+            </a:r>
+          </a:p>
+          <a:p>
+            <a:r>
+              <a:rPr lang="en-IN" sz="1400" dirty="0" smtClean="0">
+                <a:latin typeface="Verdana" panose="020B0604030504040204" pitchFamily="34" charset="0"/>
+                <a:ea typeface="Verdana" panose="020B0604030504040204" pitchFamily="34" charset="0"/>
+                <a:cs typeface="Verdana" panose="020B0604030504040204" pitchFamily="34" charset="0"/>
+              </a:rPr>
+              <a:t>Enum constructor are always private. So we can’t create instance of enum using new operator.</a:t>
+            </a:r>
+          </a:p>
+          <a:p>
+            <a:r>
+              <a:rPr lang="en-IN" sz="1400" dirty="0" smtClean="0">
+                <a:latin typeface="Verdana" panose="020B0604030504040204" pitchFamily="34" charset="0"/>
+                <a:ea typeface="Verdana" panose="020B0604030504040204" pitchFamily="34" charset="0"/>
+                <a:cs typeface="Verdana" panose="020B0604030504040204" pitchFamily="34" charset="0"/>
+              </a:rPr>
+              <a:t>We can declare abstract methods in enum, then all the enum fields must implement the abstract methods.</a:t>
+            </a:r>
+          </a:p>
+          <a:p>
+            <a:r>
+              <a:rPr lang="en-IN" sz="1400" dirty="0" smtClean="0">
+                <a:latin typeface="Verdana" panose="020B0604030504040204" pitchFamily="34" charset="0"/>
+                <a:ea typeface="Verdana" panose="020B0604030504040204" pitchFamily="34" charset="0"/>
+                <a:cs typeface="Verdana" panose="020B0604030504040204" pitchFamily="34" charset="0"/>
+              </a:rPr>
+              <a:t>We can define a method in an enum and enum field can override them too.</a:t>
+            </a:r>
+          </a:p>
+          <a:p>
+            <a:r>
+              <a:rPr lang="en-IN" sz="1400" dirty="0" smtClean="0">
+                <a:latin typeface="Verdana" panose="020B0604030504040204" pitchFamily="34" charset="0"/>
+                <a:ea typeface="Verdana" panose="020B0604030504040204" pitchFamily="34" charset="0"/>
+                <a:cs typeface="Verdana" panose="020B0604030504040204" pitchFamily="34" charset="0"/>
+              </a:rPr>
+              <a:t>Enum can be used in switch statement.</a:t>
+            </a:r>
+          </a:p>
+          <a:p>
+            <a:endParaRPr lang="en-IN" sz="1400" dirty="0" smtClean="0">
+              <a:latin typeface="Verdana" panose="020B0604030504040204" pitchFamily="34" charset="0"/>
+              <a:ea typeface="Verdana" panose="020B0604030504040204" pitchFamily="34" charset="0"/>
+              <a:cs typeface="Verdana" panose="020B0604030504040204" pitchFamily="34" charset="0"/>
+            </a:endParaRPr>
+          </a:p>
+          <a:p>
+            <a:endParaRPr lang="en-IN" sz="1400" dirty="0">
+              <a:latin typeface="Verdana" panose="020B0604030504040204" pitchFamily="34" charset="0"/>
+              <a:ea typeface="Verdana" panose="020B0604030504040204" pitchFamily="34" charset="0"/>
+              <a:cs typeface="Verdana" panose="020B0604030504040204" pitchFamily="34" charset="0"/>
+            </a:endParaRPr>
+          </a:p>
+        </p:txBody>
+      </p:sp>
+    </p:spTree>
+    <p:extLst>
+      <p:ext uri="{BB962C8B-B14F-4D97-AF65-F5344CB8AC3E}">
+        <p14:creationId xmlns:p14="http://schemas.microsoft.com/office/powerpoint/2010/main" val="1593318072"/>
       </p:ext>
     </p:extLst>
   </p:cSld>

--- a/CoreJavaNotes.pptx
+++ b/CoreJavaNotes.pptx
@@ -5,7 +5,7 @@
     <p:sldMasterId id="2147483648" r:id="rId1"/>
   </p:sldMasterIdLst>
   <p:notesMasterIdLst>
-    <p:notesMasterId r:id="rId34"/>
+    <p:notesMasterId r:id="rId42"/>
   </p:notesMasterIdLst>
   <p:sldIdLst>
     <p:sldId id="265" r:id="rId2"/>
@@ -40,6 +40,14 @@
     <p:sldId id="294" r:id="rId31"/>
     <p:sldId id="295" r:id="rId32"/>
     <p:sldId id="296" r:id="rId33"/>
+    <p:sldId id="297" r:id="rId34"/>
+    <p:sldId id="298" r:id="rId35"/>
+    <p:sldId id="299" r:id="rId36"/>
+    <p:sldId id="300" r:id="rId37"/>
+    <p:sldId id="301" r:id="rId38"/>
+    <p:sldId id="302" r:id="rId39"/>
+    <p:sldId id="303" r:id="rId40"/>
+    <p:sldId id="304" r:id="rId41"/>
   </p:sldIdLst>
   <p:sldSz cx="12192000" cy="6858000"/>
   <p:notesSz cx="6858000" cy="9144000"/>
@@ -17063,15 +17071,7 @@
                 <a:ea typeface="Verdana" panose="020B0604030504040204" pitchFamily="34" charset="0"/>
                 <a:cs typeface="Verdana" panose="020B0604030504040204" pitchFamily="34" charset="0"/>
               </a:rPr>
-              <a:t>A method tha</a:t>
-            </a:r>
-            <a:r>
-              <a:rPr lang="en-IN" sz="1400" dirty="0" smtClean="0">
-                <a:latin typeface="Verdana" panose="020B0604030504040204" pitchFamily="34" charset="0"/>
-                <a:ea typeface="Verdana" panose="020B0604030504040204" pitchFamily="34" charset="0"/>
-                <a:cs typeface="Verdana" panose="020B0604030504040204" pitchFamily="34" charset="0"/>
-              </a:rPr>
-              <a:t>t does not have body is called abstract method and a class that is declared as abstract using abstract using abstract keyword is called abstract class.</a:t>
+              <a:t>A method that does not have body is called abstract method and a class that is declared as abstract using abstract using abstract keyword is called abstract class.</a:t>
             </a:r>
           </a:p>
           <a:p>
@@ -17309,15 +17309,17 @@
                 <a:ea typeface="Verdana" panose="020B0604030504040204" pitchFamily="34" charset="0"/>
                 <a:cs typeface="Verdana" panose="020B0604030504040204" pitchFamily="34" charset="0"/>
               </a:rPr>
-              <a:t>Interface is fully un-implemented class </a:t>
-            </a:r>
+              <a:t>Interface is fully un-implemented class used for declaring set of operations of an object for developing a loosely coupled runtime polymorphism object class to use these operations form different subclasses of this interface.</a:t>
+            </a:r>
+          </a:p>
+          <a:p>
             <a:r>
               <a:rPr lang="en-IN" sz="1400" dirty="0" smtClean="0">
                 <a:latin typeface="Verdana" panose="020B0604030504040204" pitchFamily="34" charset="0"/>
                 <a:ea typeface="Verdana" panose="020B0604030504040204" pitchFamily="34" charset="0"/>
                 <a:cs typeface="Verdana" panose="020B0604030504040204" pitchFamily="34" charset="0"/>
               </a:rPr>
-              <a:t>used for declaring set of operations of an object for developing a loosely coupled runtime polymorphism object class to use these operations form different subclasses of this interface.</a:t>
+              <a:t>We can define only “public static final variables and public abstract methods” for declaring a object operations.</a:t>
             </a:r>
           </a:p>
           <a:p>
@@ -17327,7 +17329,7 @@
                 <a:ea typeface="Verdana" panose="020B0604030504040204" pitchFamily="34" charset="0"/>
                 <a:cs typeface="Verdana" panose="020B0604030504040204" pitchFamily="34" charset="0"/>
               </a:rPr>
-              <a:t>We can define only “public static final variables and public abstract methods” for declaring a object operations.</a:t>
+              <a:t>Basically it is used to for developing a specification/contract/guidelines document between service user and service provider to access that objects operations by service user those are implemented by service provider.</a:t>
             </a:r>
           </a:p>
           <a:p>
@@ -17337,15 +17339,17 @@
                 <a:ea typeface="Verdana" panose="020B0604030504040204" pitchFamily="34" charset="0"/>
                 <a:cs typeface="Verdana" panose="020B0604030504040204" pitchFamily="34" charset="0"/>
               </a:rPr>
-              <a:t>Basically it is used to for developing a specification</a:t>
-            </a:r>
+              <a:t>Interface can’t have concrete methods.</a:t>
+            </a:r>
+          </a:p>
+          <a:p>
             <a:r>
               <a:rPr lang="en-IN" sz="1400" dirty="0" smtClean="0">
                 <a:latin typeface="Verdana" panose="020B0604030504040204" pitchFamily="34" charset="0"/>
                 <a:ea typeface="Verdana" panose="020B0604030504040204" pitchFamily="34" charset="0"/>
                 <a:cs typeface="Verdana" panose="020B0604030504040204" pitchFamily="34" charset="0"/>
               </a:rPr>
-              <a:t>/contract/guidelines document between service user and service provider to access that objects operations by service user those are implemented by service provider.</a:t>
+              <a:t>In interface, we can have only static final variables, even in we create variables as non-static, non-final variable compiler convert it as static, final variables.</a:t>
             </a:r>
           </a:p>
           <a:p>
@@ -17355,7 +17359,7 @@
                 <a:ea typeface="Verdana" panose="020B0604030504040204" pitchFamily="34" charset="0"/>
                 <a:cs typeface="Verdana" panose="020B0604030504040204" pitchFamily="34" charset="0"/>
               </a:rPr>
-              <a:t>Interface can’t have concrete methods.</a:t>
+              <a:t>We can’t declare interface members as private or protected members.</a:t>
             </a:r>
           </a:p>
           <a:p>
@@ -17365,7 +17369,7 @@
                 <a:ea typeface="Verdana" panose="020B0604030504040204" pitchFamily="34" charset="0"/>
                 <a:cs typeface="Verdana" panose="020B0604030504040204" pitchFamily="34" charset="0"/>
               </a:rPr>
-              <a:t>In interface, we can have only static final variables, even in we create variables as non-static, non-final variable compiler convert it as static, final variables.</a:t>
+              <a:t>Interface variables should be initialized at the time of creation because they are final.</a:t>
             </a:r>
           </a:p>
           <a:p>
@@ -17375,7 +17379,7 @@
                 <a:ea typeface="Verdana" panose="020B0604030504040204" pitchFamily="34" charset="0"/>
                 <a:cs typeface="Verdana" panose="020B0604030504040204" pitchFamily="34" charset="0"/>
               </a:rPr>
-              <a:t>We can’t declare interface members as private or protected members.</a:t>
+              <a:t>Interface can’t be instantiated, but its reference variable can be created for storing its subclass objects references to develop loosely coupled user application to get Runtime polymorphism for executing method from its different subclasses.</a:t>
             </a:r>
           </a:p>
           <a:p>
@@ -17385,7 +17389,7 @@
                 <a:ea typeface="Verdana" panose="020B0604030504040204" pitchFamily="34" charset="0"/>
                 <a:cs typeface="Verdana" panose="020B0604030504040204" pitchFamily="34" charset="0"/>
               </a:rPr>
-              <a:t>Interface variables should be initialized at the time of creation because they are final.</a:t>
+              <a:t>We cannot declare interface as final.</a:t>
             </a:r>
           </a:p>
           <a:p>
@@ -17395,35 +17399,7 @@
                 <a:ea typeface="Verdana" panose="020B0604030504040204" pitchFamily="34" charset="0"/>
                 <a:cs typeface="Verdana" panose="020B0604030504040204" pitchFamily="34" charset="0"/>
               </a:rPr>
-              <a:t>Interface can’t be instantiated, but its reference variable can be created for storing its subclass objects references to develop loosely coupled user application to get Runtime polymorphism for executing method from its different subclasses.</a:t>
-            </a:r>
-          </a:p>
-          <a:p>
-            <a:r>
-              <a:rPr lang="en-IN" sz="1400" dirty="0" smtClean="0">
-                <a:latin typeface="Verdana" panose="020B0604030504040204" pitchFamily="34" charset="0"/>
-                <a:ea typeface="Verdana" panose="020B0604030504040204" pitchFamily="34" charset="0"/>
-                <a:cs typeface="Verdana" panose="020B0604030504040204" pitchFamily="34" charset="0"/>
-              </a:rPr>
-              <a:t>We cannot declare interface as final.</a:t>
-            </a:r>
-          </a:p>
-          <a:p>
-            <a:r>
-              <a:rPr lang="en-IN" sz="1400" dirty="0" smtClean="0">
-                <a:latin typeface="Verdana" panose="020B0604030504040204" pitchFamily="34" charset="0"/>
-                <a:ea typeface="Verdana" panose="020B0604030504040204" pitchFamily="34" charset="0"/>
-                <a:cs typeface="Verdana" panose="020B0604030504040204" pitchFamily="34" charset="0"/>
-              </a:rPr>
-              <a:t>We can declare interface as abstract, it is optional and </a:t>
-            </a:r>
-            <a:r>
-              <a:rPr lang="en-IN" sz="1400" dirty="0" smtClean="0">
-                <a:latin typeface="Verdana" panose="020B0604030504040204" pitchFamily="34" charset="0"/>
-                <a:ea typeface="Verdana" panose="020B0604030504040204" pitchFamily="34" charset="0"/>
-                <a:cs typeface="Verdana" panose="020B0604030504040204" pitchFamily="34" charset="0"/>
-              </a:rPr>
-              <a:t>at compilation time, it is removed by compiler.</a:t>
+              <a:t>We can declare interface as abstract, it is optional and at compilation time, it is removed by compiler.</a:t>
             </a:r>
           </a:p>
           <a:p>
@@ -17827,6 +17803,2587 @@
 </p:sld>
 </file>
 
+<file path=ppt/slides/slide33.xml><?xml version="1.0" encoding="utf-8"?>
+<p:sld xmlns:a="http://schemas.openxmlformats.org/drawingml/2006/main" xmlns:r="http://schemas.openxmlformats.org/officeDocument/2006/relationships" xmlns:p="http://schemas.openxmlformats.org/presentationml/2006/main">
+  <p:cSld>
+    <p:spTree>
+      <p:nvGrpSpPr>
+        <p:cNvPr id="1" name=""/>
+        <p:cNvGrpSpPr/>
+        <p:nvPr/>
+      </p:nvGrpSpPr>
+      <p:grpSpPr>
+        <a:xfrm>
+          <a:off x="0" y="0"/>
+          <a:ext cx="0" cy="0"/>
+          <a:chOff x="0" y="0"/>
+          <a:chExt cx="0" cy="0"/>
+        </a:xfrm>
+      </p:grpSpPr>
+      <p:sp>
+        <p:nvSpPr>
+          <p:cNvPr id="2" name="Title 1"/>
+          <p:cNvSpPr>
+            <a:spLocks noGrp="1"/>
+          </p:cNvSpPr>
+          <p:nvPr>
+            <p:ph type="title"/>
+          </p:nvPr>
+        </p:nvSpPr>
+        <p:spPr>
+          <a:xfrm>
+            <a:off x="218941" y="193184"/>
+            <a:ext cx="10515600" cy="360608"/>
+          </a:xfrm>
+        </p:spPr>
+        <p:txBody>
+          <a:bodyPr>
+            <a:normAutofit fontScale="90000"/>
+          </a:bodyPr>
+          <a:lstStyle/>
+          <a:p>
+            <a:r>
+              <a:rPr lang="en-IN" sz="2000" b="1" dirty="0" smtClean="0">
+                <a:latin typeface="Verdana" panose="020B0604030504040204" pitchFamily="34" charset="0"/>
+                <a:ea typeface="Verdana" panose="020B0604030504040204" pitchFamily="34" charset="0"/>
+                <a:cs typeface="Verdana" panose="020B0604030504040204" pitchFamily="34" charset="0"/>
+              </a:rPr>
+              <a:t>Exception</a:t>
+            </a:r>
+            <a:endParaRPr lang="en-IN" sz="2000" b="1" dirty="0">
+              <a:latin typeface="Verdana" panose="020B0604030504040204" pitchFamily="34" charset="0"/>
+              <a:ea typeface="Verdana" panose="020B0604030504040204" pitchFamily="34" charset="0"/>
+              <a:cs typeface="Verdana" panose="020B0604030504040204" pitchFamily="34" charset="0"/>
+            </a:endParaRPr>
+          </a:p>
+        </p:txBody>
+      </p:sp>
+      <p:sp>
+        <p:nvSpPr>
+          <p:cNvPr id="3" name="Content Placeholder 2"/>
+          <p:cNvSpPr>
+            <a:spLocks noGrp="1"/>
+          </p:cNvSpPr>
+          <p:nvPr>
+            <p:ph idx="1"/>
+          </p:nvPr>
+        </p:nvSpPr>
+        <p:spPr>
+          <a:xfrm>
+            <a:off x="218941" y="682580"/>
+            <a:ext cx="11835684" cy="5937161"/>
+          </a:xfrm>
+        </p:spPr>
+        <p:txBody>
+          <a:bodyPr>
+            <a:normAutofit/>
+          </a:bodyPr>
+          <a:lstStyle/>
+          <a:p>
+            <a:pPr lvl="0"/>
+            <a:r>
+              <a:rPr lang="en-IN" sz="1400" dirty="0">
+                <a:latin typeface="Verdana" panose="020B0604030504040204" pitchFamily="34" charset="0"/>
+                <a:ea typeface="Verdana" panose="020B0604030504040204" pitchFamily="34" charset="0"/>
+                <a:cs typeface="Verdana" panose="020B0604030504040204" pitchFamily="34" charset="0"/>
+              </a:rPr>
+              <a:t>The aim of exception handling is to build robust application.</a:t>
+            </a:r>
+          </a:p>
+          <a:p>
+            <a:pPr lvl="0"/>
+            <a:r>
+              <a:rPr lang="en-IN" sz="1400" dirty="0">
+                <a:latin typeface="Verdana" panose="020B0604030504040204" pitchFamily="34" charset="0"/>
+                <a:ea typeface="Verdana" panose="020B0604030504040204" pitchFamily="34" charset="0"/>
+                <a:cs typeface="Verdana" panose="020B0604030504040204" pitchFamily="34" charset="0"/>
+              </a:rPr>
+              <a:t>In any programming language when we write a programme we get 3 types of errors:</a:t>
+            </a:r>
+          </a:p>
+          <a:p>
+            <a:pPr marL="342900" lvl="0" indent="-342900">
+              <a:buFont typeface="+mj-lt"/>
+              <a:buAutoNum type="arabicPeriod"/>
+            </a:pPr>
+            <a:r>
+              <a:rPr lang="en-IN" sz="1400" dirty="0">
+                <a:latin typeface="Verdana" panose="020B0604030504040204" pitchFamily="34" charset="0"/>
+                <a:ea typeface="Verdana" panose="020B0604030504040204" pitchFamily="34" charset="0"/>
+                <a:cs typeface="Verdana" panose="020B0604030504040204" pitchFamily="34" charset="0"/>
+              </a:rPr>
+              <a:t>Compile time Errors</a:t>
+            </a:r>
+          </a:p>
+          <a:p>
+            <a:pPr marL="342900" lvl="0" indent="-342900">
+              <a:buFont typeface="+mj-lt"/>
+              <a:buAutoNum type="arabicPeriod"/>
+            </a:pPr>
+            <a:r>
+              <a:rPr lang="en-IN" sz="1400" dirty="0">
+                <a:latin typeface="Verdana" panose="020B0604030504040204" pitchFamily="34" charset="0"/>
+                <a:ea typeface="Verdana" panose="020B0604030504040204" pitchFamily="34" charset="0"/>
+                <a:cs typeface="Verdana" panose="020B0604030504040204" pitchFamily="34" charset="0"/>
+              </a:rPr>
+              <a:t>Logical Errors</a:t>
+            </a:r>
+          </a:p>
+          <a:p>
+            <a:pPr marL="342900" lvl="0" indent="-342900">
+              <a:buFont typeface="+mj-lt"/>
+              <a:buAutoNum type="arabicPeriod"/>
+            </a:pPr>
+            <a:r>
+              <a:rPr lang="en-IN" sz="1400" dirty="0">
+                <a:latin typeface="Verdana" panose="020B0604030504040204" pitchFamily="34" charset="0"/>
+                <a:ea typeface="Verdana" panose="020B0604030504040204" pitchFamily="34" charset="0"/>
+                <a:cs typeface="Verdana" panose="020B0604030504040204" pitchFamily="34" charset="0"/>
+              </a:rPr>
+              <a:t>Runtime </a:t>
+            </a:r>
+            <a:r>
+              <a:rPr lang="en-IN" sz="1400" dirty="0" smtClean="0">
+                <a:latin typeface="Verdana" panose="020B0604030504040204" pitchFamily="34" charset="0"/>
+                <a:ea typeface="Verdana" panose="020B0604030504040204" pitchFamily="34" charset="0"/>
+                <a:cs typeface="Verdana" panose="020B0604030504040204" pitchFamily="34" charset="0"/>
+              </a:rPr>
+              <a:t>Errors</a:t>
+            </a:r>
+          </a:p>
+          <a:p>
+            <a:r>
+              <a:rPr lang="en-IN" sz="1400" dirty="0">
+                <a:latin typeface="Verdana" panose="020B0604030504040204" pitchFamily="34" charset="0"/>
+                <a:ea typeface="Verdana" panose="020B0604030504040204" pitchFamily="34" charset="0"/>
+                <a:cs typeface="Verdana" panose="020B0604030504040204" pitchFamily="34" charset="0"/>
+              </a:rPr>
+              <a:t>Compile time errors: </a:t>
+            </a:r>
+          </a:p>
+          <a:p>
+            <a:pPr>
+              <a:buFont typeface="Wingdings" panose="05000000000000000000" pitchFamily="2" charset="2"/>
+              <a:buChar char="v"/>
+            </a:pPr>
+            <a:r>
+              <a:rPr lang="en-IN" sz="1400" dirty="0" smtClean="0">
+                <a:latin typeface="Verdana" panose="020B0604030504040204" pitchFamily="34" charset="0"/>
+                <a:ea typeface="Verdana" panose="020B0604030504040204" pitchFamily="34" charset="0"/>
+                <a:cs typeface="Verdana" panose="020B0604030504040204" pitchFamily="34" charset="0"/>
+              </a:rPr>
+              <a:t>These </a:t>
+            </a:r>
+            <a:r>
+              <a:rPr lang="en-IN" sz="1400" dirty="0">
+                <a:latin typeface="Verdana" panose="020B0604030504040204" pitchFamily="34" charset="0"/>
+                <a:ea typeface="Verdana" panose="020B0604030504040204" pitchFamily="34" charset="0"/>
+                <a:cs typeface="Verdana" panose="020B0604030504040204" pitchFamily="34" charset="0"/>
+              </a:rPr>
+              <a:t>errors occurs at compilation time due to syntaxes are not followed by programmers.</a:t>
+            </a:r>
+          </a:p>
+          <a:p>
+            <a:pPr>
+              <a:buFont typeface="Wingdings" panose="05000000000000000000" pitchFamily="2" charset="2"/>
+              <a:buChar char="v"/>
+            </a:pPr>
+            <a:r>
+              <a:rPr lang="en-IN" sz="1400" dirty="0" smtClean="0">
+                <a:latin typeface="Verdana" panose="020B0604030504040204" pitchFamily="34" charset="0"/>
+                <a:ea typeface="Verdana" panose="020B0604030504040204" pitchFamily="34" charset="0"/>
+                <a:cs typeface="Verdana" panose="020B0604030504040204" pitchFamily="34" charset="0"/>
+              </a:rPr>
+              <a:t>These </a:t>
+            </a:r>
+            <a:r>
+              <a:rPr lang="en-IN" sz="1400" dirty="0">
+                <a:latin typeface="Verdana" panose="020B0604030504040204" pitchFamily="34" charset="0"/>
+                <a:ea typeface="Verdana" panose="020B0604030504040204" pitchFamily="34" charset="0"/>
+                <a:cs typeface="Verdana" panose="020B0604030504040204" pitchFamily="34" charset="0"/>
+              </a:rPr>
+              <a:t>errors solved by programmer at development level.</a:t>
+            </a:r>
+          </a:p>
+          <a:p>
+            <a:r>
+              <a:rPr lang="en-IN" sz="1400" dirty="0">
+                <a:latin typeface="Verdana" panose="020B0604030504040204" pitchFamily="34" charset="0"/>
+                <a:ea typeface="Verdana" panose="020B0604030504040204" pitchFamily="34" charset="0"/>
+                <a:cs typeface="Verdana" panose="020B0604030504040204" pitchFamily="34" charset="0"/>
+              </a:rPr>
+              <a:t>Logical Errors:</a:t>
+            </a:r>
+          </a:p>
+          <a:p>
+            <a:pPr>
+              <a:buFont typeface="Wingdings" panose="05000000000000000000" pitchFamily="2" charset="2"/>
+              <a:buChar char="v"/>
+            </a:pPr>
+            <a:r>
+              <a:rPr lang="en-IN" sz="1400" dirty="0" smtClean="0">
+                <a:latin typeface="Verdana" panose="020B0604030504040204" pitchFamily="34" charset="0"/>
+                <a:ea typeface="Verdana" panose="020B0604030504040204" pitchFamily="34" charset="0"/>
+                <a:cs typeface="Verdana" panose="020B0604030504040204" pitchFamily="34" charset="0"/>
+              </a:rPr>
+              <a:t>These </a:t>
+            </a:r>
+            <a:r>
+              <a:rPr lang="en-IN" sz="1400" dirty="0">
+                <a:latin typeface="Verdana" panose="020B0604030504040204" pitchFamily="34" charset="0"/>
+                <a:ea typeface="Verdana" panose="020B0604030504040204" pitchFamily="34" charset="0"/>
+                <a:cs typeface="Verdana" panose="020B0604030504040204" pitchFamily="34" charset="0"/>
+              </a:rPr>
+              <a:t>errors occurs during execution/runtime due to misinterpretation or wrong representation of logic.</a:t>
+            </a:r>
+          </a:p>
+          <a:p>
+            <a:pPr>
+              <a:buFont typeface="Wingdings" panose="05000000000000000000" pitchFamily="2" charset="2"/>
+              <a:buChar char="v"/>
+            </a:pPr>
+            <a:r>
+              <a:rPr lang="en-IN" sz="1400" dirty="0" smtClean="0">
+                <a:latin typeface="Verdana" panose="020B0604030504040204" pitchFamily="34" charset="0"/>
+                <a:ea typeface="Verdana" panose="020B0604030504040204" pitchFamily="34" charset="0"/>
+                <a:cs typeface="Verdana" panose="020B0604030504040204" pitchFamily="34" charset="0"/>
+              </a:rPr>
+              <a:t>These </a:t>
+            </a:r>
+            <a:r>
+              <a:rPr lang="en-IN" sz="1400" dirty="0">
+                <a:latin typeface="Verdana" panose="020B0604030504040204" pitchFamily="34" charset="0"/>
+                <a:ea typeface="Verdana" panose="020B0604030504040204" pitchFamily="34" charset="0"/>
+                <a:cs typeface="Verdana" panose="020B0604030504040204" pitchFamily="34" charset="0"/>
+              </a:rPr>
+              <a:t>errors always generate inconsistence or wrong result or they must be solve by programmer at development time.</a:t>
+            </a:r>
+          </a:p>
+          <a:p>
+            <a:r>
+              <a:rPr lang="en-IN" sz="1400" dirty="0">
+                <a:latin typeface="Verdana" panose="020B0604030504040204" pitchFamily="34" charset="0"/>
+                <a:ea typeface="Verdana" panose="020B0604030504040204" pitchFamily="34" charset="0"/>
+                <a:cs typeface="Verdana" panose="020B0604030504040204" pitchFamily="34" charset="0"/>
+              </a:rPr>
+              <a:t>Runtime Errors:</a:t>
+            </a:r>
+          </a:p>
+          <a:p>
+            <a:pPr>
+              <a:buFont typeface="Wingdings" panose="05000000000000000000" pitchFamily="2" charset="2"/>
+              <a:buChar char="v"/>
+            </a:pPr>
+            <a:r>
+              <a:rPr lang="en-IN" sz="1400" dirty="0" smtClean="0">
+                <a:latin typeface="Verdana" panose="020B0604030504040204" pitchFamily="34" charset="0"/>
+                <a:ea typeface="Verdana" panose="020B0604030504040204" pitchFamily="34" charset="0"/>
+                <a:cs typeface="Verdana" panose="020B0604030504040204" pitchFamily="34" charset="0"/>
+              </a:rPr>
+              <a:t>These </a:t>
+            </a:r>
+            <a:r>
+              <a:rPr lang="en-IN" sz="1400" dirty="0">
+                <a:latin typeface="Verdana" panose="020B0604030504040204" pitchFamily="34" charset="0"/>
+                <a:ea typeface="Verdana" panose="020B0604030504040204" pitchFamily="34" charset="0"/>
+                <a:cs typeface="Verdana" panose="020B0604030504040204" pitchFamily="34" charset="0"/>
+              </a:rPr>
+              <a:t>error occur at runtime/execution time due to invalid input enter by application user at implementation level (an application being used by client organization</a:t>
+            </a:r>
+            <a:r>
+              <a:rPr lang="en-IN" sz="1400" dirty="0" smtClean="0">
+                <a:latin typeface="Verdana" panose="020B0604030504040204" pitchFamily="34" charset="0"/>
+                <a:ea typeface="Verdana" panose="020B0604030504040204" pitchFamily="34" charset="0"/>
+                <a:cs typeface="Verdana" panose="020B0604030504040204" pitchFamily="34" charset="0"/>
+              </a:rPr>
+              <a:t>).</a:t>
+            </a:r>
+          </a:p>
+          <a:p>
+            <a:pPr lvl="0">
+              <a:buFont typeface="Wingdings" panose="05000000000000000000" pitchFamily="2" charset="2"/>
+              <a:buChar char="v"/>
+            </a:pPr>
+            <a:r>
+              <a:rPr lang="en-IN" sz="1400" dirty="0"/>
+              <a:t>Industry is highly recommended to generate user friendly error messages where application user can understand what mistake committed at the time of entering the inputs.</a:t>
+            </a:r>
+          </a:p>
+          <a:p>
+            <a:pPr marL="0" indent="0">
+              <a:buNone/>
+            </a:pPr>
+            <a:endParaRPr lang="en-IN" sz="1400" dirty="0">
+              <a:latin typeface="Verdana" panose="020B0604030504040204" pitchFamily="34" charset="0"/>
+              <a:ea typeface="Verdana" panose="020B0604030504040204" pitchFamily="34" charset="0"/>
+              <a:cs typeface="Verdana" panose="020B0604030504040204" pitchFamily="34" charset="0"/>
+            </a:endParaRPr>
+          </a:p>
+          <a:p>
+            <a:endParaRPr lang="en-IN" sz="1400" dirty="0" smtClean="0">
+              <a:latin typeface="Verdana" panose="020B0604030504040204" pitchFamily="34" charset="0"/>
+              <a:ea typeface="Verdana" panose="020B0604030504040204" pitchFamily="34" charset="0"/>
+              <a:cs typeface="Verdana" panose="020B0604030504040204" pitchFamily="34" charset="0"/>
+            </a:endParaRPr>
+          </a:p>
+          <a:p>
+            <a:endParaRPr lang="en-IN" sz="1400" dirty="0">
+              <a:latin typeface="Verdana" panose="020B0604030504040204" pitchFamily="34" charset="0"/>
+              <a:ea typeface="Verdana" panose="020B0604030504040204" pitchFamily="34" charset="0"/>
+              <a:cs typeface="Verdana" panose="020B0604030504040204" pitchFamily="34" charset="0"/>
+            </a:endParaRPr>
+          </a:p>
+        </p:txBody>
+      </p:sp>
+    </p:spTree>
+    <p:extLst>
+      <p:ext uri="{BB962C8B-B14F-4D97-AF65-F5344CB8AC3E}">
+        <p14:creationId xmlns:p14="http://schemas.microsoft.com/office/powerpoint/2010/main" val="1182299477"/>
+      </p:ext>
+    </p:extLst>
+  </p:cSld>
+  <p:clrMapOvr>
+    <a:masterClrMapping/>
+  </p:clrMapOvr>
+  <p:timing>
+    <p:tnLst>
+      <p:par>
+        <p:cTn id="1" dur="indefinite" restart="never" nodeType="tmRoot"/>
+      </p:par>
+    </p:tnLst>
+  </p:timing>
+</p:sld>
+</file>
+
+<file path=ppt/slides/slide34.xml><?xml version="1.0" encoding="utf-8"?>
+<p:sld xmlns:a="http://schemas.openxmlformats.org/drawingml/2006/main" xmlns:r="http://schemas.openxmlformats.org/officeDocument/2006/relationships" xmlns:p="http://schemas.openxmlformats.org/presentationml/2006/main">
+  <p:cSld>
+    <p:spTree>
+      <p:nvGrpSpPr>
+        <p:cNvPr id="1" name=""/>
+        <p:cNvGrpSpPr/>
+        <p:nvPr/>
+      </p:nvGrpSpPr>
+      <p:grpSpPr>
+        <a:xfrm>
+          <a:off x="0" y="0"/>
+          <a:ext cx="0" cy="0"/>
+          <a:chOff x="0" y="0"/>
+          <a:chExt cx="0" cy="0"/>
+        </a:xfrm>
+      </p:grpSpPr>
+      <p:sp>
+        <p:nvSpPr>
+          <p:cNvPr id="3" name="Content Placeholder 2"/>
+          <p:cNvSpPr>
+            <a:spLocks noGrp="1"/>
+          </p:cNvSpPr>
+          <p:nvPr>
+            <p:ph idx="1"/>
+          </p:nvPr>
+        </p:nvSpPr>
+        <p:spPr>
+          <a:xfrm>
+            <a:off x="206062" y="103031"/>
+            <a:ext cx="11887200" cy="6632620"/>
+          </a:xfrm>
+        </p:spPr>
+        <p:txBody>
+          <a:bodyPr>
+            <a:normAutofit/>
+          </a:bodyPr>
+          <a:lstStyle/>
+          <a:p>
+            <a:pPr indent="0">
+              <a:lnSpc>
+                <a:spcPct val="107000"/>
+              </a:lnSpc>
+              <a:spcAft>
+                <a:spcPts val="0"/>
+              </a:spcAft>
+              <a:buNone/>
+            </a:pPr>
+            <a:r>
+              <a:rPr lang="en-IN" sz="1400" b="1" i="1" dirty="0">
+                <a:latin typeface="Verdana" panose="020B0604030504040204" pitchFamily="34" charset="0"/>
+                <a:ea typeface="Calibri" panose="020F0502020204030204" pitchFamily="34" charset="0"/>
+                <a:cs typeface="Times New Roman" panose="02020603050405020304" pitchFamily="18" charset="0"/>
+              </a:rPr>
+              <a:t>Points to be remembered:</a:t>
+            </a:r>
+            <a:endParaRPr lang="en-IN" sz="1400" dirty="0">
+              <a:latin typeface="Calibri" panose="020F0502020204030204" pitchFamily="34" charset="0"/>
+              <a:ea typeface="Calibri" panose="020F0502020204030204" pitchFamily="34" charset="0"/>
+              <a:cs typeface="Times New Roman" panose="02020603050405020304" pitchFamily="18" charset="0"/>
+            </a:endParaRPr>
+          </a:p>
+          <a:p>
+            <a:pPr marL="342900" lvl="0" indent="-342900">
+              <a:lnSpc>
+                <a:spcPct val="107000"/>
+              </a:lnSpc>
+              <a:spcAft>
+                <a:spcPts val="0"/>
+              </a:spcAft>
+              <a:buFont typeface="+mj-lt"/>
+              <a:buAutoNum type="arabicParenR"/>
+            </a:pPr>
+            <a:r>
+              <a:rPr lang="en-IN" sz="1400" dirty="0">
+                <a:latin typeface="Verdana" panose="020B0604030504040204" pitchFamily="34" charset="0"/>
+                <a:ea typeface="Calibri" panose="020F0502020204030204" pitchFamily="34" charset="0"/>
+                <a:cs typeface="Times New Roman" panose="02020603050405020304" pitchFamily="18" charset="0"/>
+              </a:rPr>
+              <a:t>When the application user enters invalid input then we get runtime error.</a:t>
+            </a:r>
+            <a:endParaRPr lang="en-IN" sz="1800" dirty="0">
+              <a:latin typeface="Calibri" panose="020F0502020204030204" pitchFamily="34" charset="0"/>
+              <a:ea typeface="Calibri" panose="020F0502020204030204" pitchFamily="34" charset="0"/>
+              <a:cs typeface="Times New Roman" panose="02020603050405020304" pitchFamily="18" charset="0"/>
+            </a:endParaRPr>
+          </a:p>
+          <a:p>
+            <a:pPr marL="342900" lvl="0" indent="-342900">
+              <a:lnSpc>
+                <a:spcPct val="107000"/>
+              </a:lnSpc>
+              <a:spcAft>
+                <a:spcPts val="0"/>
+              </a:spcAft>
+              <a:buFont typeface="+mj-lt"/>
+              <a:buAutoNum type="arabicParenR"/>
+            </a:pPr>
+            <a:r>
+              <a:rPr lang="en-IN" sz="1400" dirty="0">
+                <a:latin typeface="Verdana" panose="020B0604030504040204" pitchFamily="34" charset="0"/>
+                <a:ea typeface="Calibri" panose="020F0502020204030204" pitchFamily="34" charset="0"/>
+                <a:cs typeface="Times New Roman" panose="02020603050405020304" pitchFamily="18" charset="0"/>
+              </a:rPr>
+              <a:t>Runtime error of any programme use System/Technical error message.</a:t>
+            </a:r>
+            <a:endParaRPr lang="en-IN" sz="1800" dirty="0">
+              <a:latin typeface="Calibri" panose="020F0502020204030204" pitchFamily="34" charset="0"/>
+              <a:ea typeface="Calibri" panose="020F0502020204030204" pitchFamily="34" charset="0"/>
+              <a:cs typeface="Times New Roman" panose="02020603050405020304" pitchFamily="18" charset="0"/>
+            </a:endParaRPr>
+          </a:p>
+          <a:p>
+            <a:pPr marL="342900" lvl="0" indent="-342900">
+              <a:lnSpc>
+                <a:spcPct val="107000"/>
+              </a:lnSpc>
+              <a:spcAft>
+                <a:spcPts val="0"/>
+              </a:spcAft>
+              <a:buFont typeface="+mj-lt"/>
+              <a:buAutoNum type="arabicParenR"/>
+            </a:pPr>
+            <a:r>
+              <a:rPr lang="en-IN" sz="1100" b="1" dirty="0">
+                <a:latin typeface="Verdana" panose="020B0604030504040204" pitchFamily="34" charset="0"/>
+                <a:ea typeface="Calibri" panose="020F0502020204030204" pitchFamily="34" charset="0"/>
+                <a:cs typeface="Times New Roman" panose="02020603050405020304" pitchFamily="18" charset="0"/>
+              </a:rPr>
+              <a:t>Definition of Exception:</a:t>
+            </a:r>
+            <a:r>
+              <a:rPr lang="en-IN" sz="1400" dirty="0">
+                <a:latin typeface="Verdana" panose="020B0604030504040204" pitchFamily="34" charset="0"/>
+                <a:ea typeface="Calibri" panose="020F0502020204030204" pitchFamily="34" charset="0"/>
+                <a:cs typeface="Times New Roman" panose="02020603050405020304" pitchFamily="18" charset="0"/>
+              </a:rPr>
+              <a:t> “Runtime errors of java programme are known as exception. Exception always generates System error message.”</a:t>
+            </a:r>
+            <a:endParaRPr lang="en-IN" sz="1800" dirty="0">
+              <a:latin typeface="Calibri" panose="020F0502020204030204" pitchFamily="34" charset="0"/>
+              <a:ea typeface="Calibri" panose="020F0502020204030204" pitchFamily="34" charset="0"/>
+              <a:cs typeface="Times New Roman" panose="02020603050405020304" pitchFamily="18" charset="0"/>
+            </a:endParaRPr>
+          </a:p>
+          <a:p>
+            <a:pPr marL="342900" lvl="0" indent="-342900">
+              <a:lnSpc>
+                <a:spcPct val="107000"/>
+              </a:lnSpc>
+              <a:spcAft>
+                <a:spcPts val="0"/>
+              </a:spcAft>
+              <a:buFont typeface="+mj-lt"/>
+              <a:buAutoNum type="arabicParenR"/>
+            </a:pPr>
+            <a:r>
+              <a:rPr lang="en-IN" sz="1400" dirty="0">
+                <a:latin typeface="Verdana" panose="020B0604030504040204" pitchFamily="34" charset="0"/>
+                <a:ea typeface="Calibri" panose="020F0502020204030204" pitchFamily="34" charset="0"/>
+                <a:cs typeface="Times New Roman" panose="02020603050405020304" pitchFamily="18" charset="0"/>
+              </a:rPr>
+              <a:t>Whenever an exception occurs in the java programme, programme execution is abnormally terminated, CPU control comes out of the programme flow and JVM generates system error message which is not a recommended process. Industry is highly recommended to generate user friendly error message instead of generating system error messages by using exception handling concept.</a:t>
+            </a:r>
+            <a:endParaRPr lang="en-IN" sz="1800" dirty="0">
+              <a:latin typeface="Calibri" panose="020F0502020204030204" pitchFamily="34" charset="0"/>
+              <a:ea typeface="Calibri" panose="020F0502020204030204" pitchFamily="34" charset="0"/>
+              <a:cs typeface="Times New Roman" panose="02020603050405020304" pitchFamily="18" charset="0"/>
+            </a:endParaRPr>
+          </a:p>
+          <a:p>
+            <a:pPr marL="342900" lvl="0" indent="-342900">
+              <a:lnSpc>
+                <a:spcPct val="107000"/>
+              </a:lnSpc>
+              <a:spcAft>
+                <a:spcPts val="800"/>
+              </a:spcAft>
+              <a:buFont typeface="+mj-lt"/>
+              <a:buAutoNum type="arabicParenR"/>
+            </a:pPr>
+            <a:r>
+              <a:rPr lang="en-IN" sz="1100" b="1" dirty="0">
+                <a:latin typeface="Verdana" panose="020B0604030504040204" pitchFamily="34" charset="0"/>
+                <a:ea typeface="Calibri" panose="020F0502020204030204" pitchFamily="34" charset="0"/>
+                <a:cs typeface="Times New Roman" panose="02020603050405020304" pitchFamily="18" charset="0"/>
+              </a:rPr>
+              <a:t>Definition of Exception: </a:t>
+            </a:r>
+            <a:r>
+              <a:rPr lang="en-IN" sz="1400" dirty="0">
+                <a:latin typeface="Verdana" panose="020B0604030504040204" pitchFamily="34" charset="0"/>
+                <a:ea typeface="Calibri" panose="020F0502020204030204" pitchFamily="34" charset="0"/>
+                <a:cs typeface="Times New Roman" panose="02020603050405020304" pitchFamily="18" charset="0"/>
+              </a:rPr>
+              <a:t>“The process of converting system error messages into user friendly error messages is known as exception handling</a:t>
+            </a:r>
+            <a:r>
+              <a:rPr lang="en-IN" sz="1400" dirty="0" smtClean="0">
+                <a:latin typeface="Verdana" panose="020B0604030504040204" pitchFamily="34" charset="0"/>
+                <a:ea typeface="Calibri" panose="020F0502020204030204" pitchFamily="34" charset="0"/>
+                <a:cs typeface="Times New Roman" panose="02020603050405020304" pitchFamily="18" charset="0"/>
+              </a:rPr>
+              <a:t>.”</a:t>
+            </a:r>
+          </a:p>
+          <a:p>
+            <a:pPr marL="0" indent="0">
+              <a:lnSpc>
+                <a:spcPct val="107000"/>
+              </a:lnSpc>
+              <a:spcAft>
+                <a:spcPts val="800"/>
+              </a:spcAft>
+              <a:buNone/>
+            </a:pPr>
+            <a:r>
+              <a:rPr lang="en-IN" sz="1800" b="1" u="sng" dirty="0"/>
+              <a:t>Types of Exception:</a:t>
+            </a:r>
+            <a:endParaRPr lang="en-IN" sz="1800" dirty="0"/>
+          </a:p>
+          <a:p>
+            <a:pPr marL="342900" lvl="0" indent="-342900">
+              <a:lnSpc>
+                <a:spcPct val="107000"/>
+              </a:lnSpc>
+              <a:spcAft>
+                <a:spcPts val="0"/>
+              </a:spcAft>
+              <a:buFont typeface="+mj-lt"/>
+              <a:buAutoNum type="arabicParenR"/>
+            </a:pPr>
+            <a:r>
+              <a:rPr lang="en-IN" sz="1800" dirty="0">
+                <a:latin typeface="Verdana" panose="020B0604030504040204" pitchFamily="34" charset="0"/>
+                <a:ea typeface="Calibri" panose="020F0502020204030204" pitchFamily="34" charset="0"/>
+                <a:cs typeface="Times New Roman" panose="02020603050405020304" pitchFamily="18" charset="0"/>
+              </a:rPr>
+              <a:t>Checked Exception</a:t>
+            </a:r>
+            <a:endParaRPr lang="en-IN" sz="2400" dirty="0">
+              <a:latin typeface="Calibri" panose="020F0502020204030204" pitchFamily="34" charset="0"/>
+              <a:ea typeface="Calibri" panose="020F0502020204030204" pitchFamily="34" charset="0"/>
+              <a:cs typeface="Times New Roman" panose="02020603050405020304" pitchFamily="18" charset="0"/>
+            </a:endParaRPr>
+          </a:p>
+          <a:p>
+            <a:pPr marL="342900" lvl="0" indent="-342900">
+              <a:lnSpc>
+                <a:spcPct val="107000"/>
+              </a:lnSpc>
+              <a:spcAft>
+                <a:spcPts val="0"/>
+              </a:spcAft>
+              <a:buFont typeface="+mj-lt"/>
+              <a:buAutoNum type="arabicParenR"/>
+            </a:pPr>
+            <a:r>
+              <a:rPr lang="en-IN" sz="1800" dirty="0">
+                <a:latin typeface="Verdana" panose="020B0604030504040204" pitchFamily="34" charset="0"/>
+                <a:ea typeface="Calibri" panose="020F0502020204030204" pitchFamily="34" charset="0"/>
+                <a:cs typeface="Times New Roman" panose="02020603050405020304" pitchFamily="18" charset="0"/>
+              </a:rPr>
+              <a:t>Unchecked </a:t>
+            </a:r>
+            <a:r>
+              <a:rPr lang="en-IN" sz="1800" dirty="0" smtClean="0">
+                <a:latin typeface="Verdana" panose="020B0604030504040204" pitchFamily="34" charset="0"/>
+                <a:ea typeface="Calibri" panose="020F0502020204030204" pitchFamily="34" charset="0"/>
+                <a:cs typeface="Times New Roman" panose="02020603050405020304" pitchFamily="18" charset="0"/>
+              </a:rPr>
+              <a:t>Exception</a:t>
+            </a:r>
+            <a:endParaRPr lang="en-IN" sz="2400" dirty="0" smtClean="0">
+              <a:latin typeface="Calibri" panose="020F0502020204030204" pitchFamily="34" charset="0"/>
+              <a:ea typeface="Calibri" panose="020F0502020204030204" pitchFamily="34" charset="0"/>
+              <a:cs typeface="Times New Roman" panose="02020603050405020304" pitchFamily="18" charset="0"/>
+            </a:endParaRPr>
+          </a:p>
+          <a:p>
+            <a:pPr marL="0" lvl="0" indent="0">
+              <a:lnSpc>
+                <a:spcPct val="107000"/>
+              </a:lnSpc>
+              <a:spcAft>
+                <a:spcPts val="0"/>
+              </a:spcAft>
+              <a:buNone/>
+            </a:pPr>
+            <a:r>
+              <a:rPr lang="en-IN" sz="1800" b="1" dirty="0" smtClean="0">
+                <a:latin typeface="Verdana" panose="020B0604030504040204" pitchFamily="34" charset="0"/>
+                <a:ea typeface="Calibri" panose="020F0502020204030204" pitchFamily="34" charset="0"/>
+                <a:cs typeface="Times New Roman" panose="02020603050405020304" pitchFamily="18" charset="0"/>
+              </a:rPr>
+              <a:t>Checked </a:t>
+            </a:r>
+            <a:r>
+              <a:rPr lang="en-IN" sz="1800" b="1" dirty="0">
+                <a:latin typeface="Verdana" panose="020B0604030504040204" pitchFamily="34" charset="0"/>
+                <a:ea typeface="Calibri" panose="020F0502020204030204" pitchFamily="34" charset="0"/>
+                <a:cs typeface="Times New Roman" panose="02020603050405020304" pitchFamily="18" charset="0"/>
+              </a:rPr>
+              <a:t>Exception: </a:t>
+            </a:r>
+            <a:r>
+              <a:rPr lang="en-IN" sz="1800" dirty="0">
+                <a:latin typeface="Verdana" panose="020B0604030504040204" pitchFamily="34" charset="0"/>
+                <a:ea typeface="Calibri" panose="020F0502020204030204" pitchFamily="34" charset="0"/>
+                <a:cs typeface="Times New Roman" panose="02020603050405020304" pitchFamily="18" charset="0"/>
+              </a:rPr>
+              <a:t>“Checked exception are those which are the direct subclasses of </a:t>
+            </a:r>
+            <a:r>
+              <a:rPr lang="en-IN" sz="1800" dirty="0" err="1">
+                <a:latin typeface="Verdana" panose="020B0604030504040204" pitchFamily="34" charset="0"/>
+                <a:ea typeface="Calibri" panose="020F0502020204030204" pitchFamily="34" charset="0"/>
+                <a:cs typeface="Times New Roman" panose="02020603050405020304" pitchFamily="18" charset="0"/>
+              </a:rPr>
+              <a:t>java.lang.Exception</a:t>
+            </a:r>
+            <a:r>
+              <a:rPr lang="en-IN" sz="1800" dirty="0" smtClean="0">
+                <a:latin typeface="Verdana" panose="020B0604030504040204" pitchFamily="34" charset="0"/>
+                <a:ea typeface="Calibri" panose="020F0502020204030204" pitchFamily="34" charset="0"/>
+                <a:cs typeface="Times New Roman" panose="02020603050405020304" pitchFamily="18" charset="0"/>
+              </a:rPr>
+              <a:t>.”</a:t>
+            </a:r>
+            <a:endParaRPr lang="en-IN" sz="2400" dirty="0" smtClean="0">
+              <a:latin typeface="Calibri" panose="020F0502020204030204" pitchFamily="34" charset="0"/>
+              <a:ea typeface="Calibri" panose="020F0502020204030204" pitchFamily="34" charset="0"/>
+              <a:cs typeface="Times New Roman" panose="02020603050405020304" pitchFamily="18" charset="0"/>
+            </a:endParaRPr>
+          </a:p>
+          <a:p>
+            <a:pPr marL="0" lvl="0" indent="0">
+              <a:lnSpc>
+                <a:spcPct val="107000"/>
+              </a:lnSpc>
+              <a:spcAft>
+                <a:spcPts val="0"/>
+              </a:spcAft>
+              <a:buNone/>
+            </a:pPr>
+            <a:r>
+              <a:rPr lang="en-IN" sz="1800" dirty="0" smtClean="0">
+                <a:latin typeface="Verdana" panose="020B0604030504040204" pitchFamily="34" charset="0"/>
+                <a:ea typeface="Calibri" panose="020F0502020204030204" pitchFamily="34" charset="0"/>
+                <a:cs typeface="Times New Roman" panose="02020603050405020304" pitchFamily="18" charset="0"/>
+              </a:rPr>
+              <a:t>OR</a:t>
+            </a:r>
+          </a:p>
+          <a:p>
+            <a:pPr marL="0" lvl="0" indent="0">
+              <a:lnSpc>
+                <a:spcPct val="107000"/>
+              </a:lnSpc>
+              <a:spcAft>
+                <a:spcPts val="0"/>
+              </a:spcAft>
+              <a:buNone/>
+            </a:pPr>
+            <a:r>
+              <a:rPr lang="en-IN" sz="1800" dirty="0" smtClean="0">
+                <a:latin typeface="Verdana" panose="020B0604030504040204" pitchFamily="34" charset="0"/>
+                <a:ea typeface="Calibri" panose="020F0502020204030204" pitchFamily="34" charset="0"/>
+                <a:cs typeface="Times New Roman" panose="02020603050405020304" pitchFamily="18" charset="0"/>
+              </a:rPr>
+              <a:t>“The </a:t>
+            </a:r>
+            <a:r>
+              <a:rPr lang="en-IN" sz="1800" dirty="0">
+                <a:latin typeface="Verdana" panose="020B0604030504040204" pitchFamily="34" charset="0"/>
+                <a:ea typeface="Calibri" panose="020F0502020204030204" pitchFamily="34" charset="0"/>
+                <a:cs typeface="Times New Roman" panose="02020603050405020304" pitchFamily="18" charset="0"/>
+              </a:rPr>
+              <a:t>exception which are occurring at runtime will be showing them as error at compile time</a:t>
+            </a:r>
+            <a:r>
+              <a:rPr lang="en-IN" sz="1800" dirty="0" smtClean="0">
+                <a:latin typeface="Verdana" panose="020B0604030504040204" pitchFamily="34" charset="0"/>
+                <a:ea typeface="Calibri" panose="020F0502020204030204" pitchFamily="34" charset="0"/>
+                <a:cs typeface="Times New Roman" panose="02020603050405020304" pitchFamily="18" charset="0"/>
+              </a:rPr>
+              <a:t>.”</a:t>
+            </a:r>
+          </a:p>
+          <a:p>
+            <a:pPr marL="0" lvl="0" indent="0">
+              <a:lnSpc>
+                <a:spcPct val="107000"/>
+              </a:lnSpc>
+              <a:spcAft>
+                <a:spcPts val="0"/>
+              </a:spcAft>
+              <a:buNone/>
+            </a:pPr>
+            <a:endParaRPr lang="en-IN" sz="2400" dirty="0">
+              <a:latin typeface="Calibri" panose="020F0502020204030204" pitchFamily="34" charset="0"/>
+              <a:ea typeface="Calibri" panose="020F0502020204030204" pitchFamily="34" charset="0"/>
+              <a:cs typeface="Times New Roman" panose="02020603050405020304" pitchFamily="18" charset="0"/>
+            </a:endParaRPr>
+          </a:p>
+          <a:p>
+            <a:pPr marL="0" lvl="0" indent="0">
+              <a:lnSpc>
+                <a:spcPct val="107000"/>
+              </a:lnSpc>
+              <a:spcAft>
+                <a:spcPts val="800"/>
+              </a:spcAft>
+              <a:buNone/>
+            </a:pPr>
+            <a:endParaRPr lang="en-IN" sz="1800" dirty="0" smtClean="0">
+              <a:latin typeface="Calibri" panose="020F0502020204030204" pitchFamily="34" charset="0"/>
+              <a:ea typeface="Calibri" panose="020F0502020204030204" pitchFamily="34" charset="0"/>
+              <a:cs typeface="Times New Roman" panose="02020603050405020304" pitchFamily="18" charset="0"/>
+            </a:endParaRPr>
+          </a:p>
+          <a:p>
+            <a:endParaRPr lang="en-IN" sz="1400" dirty="0">
+              <a:latin typeface="Verdana" panose="020B0604030504040204" pitchFamily="34" charset="0"/>
+              <a:ea typeface="Verdana" panose="020B0604030504040204" pitchFamily="34" charset="0"/>
+              <a:cs typeface="Verdana" panose="020B0604030504040204" pitchFamily="34" charset="0"/>
+            </a:endParaRPr>
+          </a:p>
+        </p:txBody>
+      </p:sp>
+    </p:spTree>
+    <p:extLst>
+      <p:ext uri="{BB962C8B-B14F-4D97-AF65-F5344CB8AC3E}">
+        <p14:creationId xmlns:p14="http://schemas.microsoft.com/office/powerpoint/2010/main" val="126495410"/>
+      </p:ext>
+    </p:extLst>
+  </p:cSld>
+  <p:clrMapOvr>
+    <a:masterClrMapping/>
+  </p:clrMapOvr>
+  <p:timing>
+    <p:tnLst>
+      <p:par>
+        <p:cTn id="1" dur="indefinite" restart="never" nodeType="tmRoot"/>
+      </p:par>
+    </p:tnLst>
+  </p:timing>
+</p:sld>
+</file>
+
+<file path=ppt/slides/slide35.xml><?xml version="1.0" encoding="utf-8"?>
+<p:sld xmlns:a="http://schemas.openxmlformats.org/drawingml/2006/main" xmlns:r="http://schemas.openxmlformats.org/officeDocument/2006/relationships" xmlns:p="http://schemas.openxmlformats.org/presentationml/2006/main">
+  <p:cSld>
+    <p:spTree>
+      <p:nvGrpSpPr>
+        <p:cNvPr id="1" name=""/>
+        <p:cNvGrpSpPr/>
+        <p:nvPr/>
+      </p:nvGrpSpPr>
+      <p:grpSpPr>
+        <a:xfrm>
+          <a:off x="0" y="0"/>
+          <a:ext cx="0" cy="0"/>
+          <a:chOff x="0" y="0"/>
+          <a:chExt cx="0" cy="0"/>
+        </a:xfrm>
+      </p:grpSpPr>
+      <p:sp>
+        <p:nvSpPr>
+          <p:cNvPr id="3" name="Content Placeholder 2"/>
+          <p:cNvSpPr>
+            <a:spLocks noGrp="1"/>
+          </p:cNvSpPr>
+          <p:nvPr>
+            <p:ph idx="1"/>
+          </p:nvPr>
+        </p:nvSpPr>
+        <p:spPr>
+          <a:xfrm>
+            <a:off x="193183" y="128788"/>
+            <a:ext cx="11848563" cy="6593983"/>
+          </a:xfrm>
+        </p:spPr>
+        <p:txBody>
+          <a:bodyPr>
+            <a:normAutofit/>
+          </a:bodyPr>
+          <a:lstStyle/>
+          <a:p>
+            <a:pPr indent="0">
+              <a:lnSpc>
+                <a:spcPct val="107000"/>
+              </a:lnSpc>
+              <a:buNone/>
+            </a:pPr>
+            <a:endParaRPr lang="en-IN" sz="1400" b="1" dirty="0" smtClean="0">
+              <a:latin typeface="Verdana" panose="020B0604030504040204" pitchFamily="34" charset="0"/>
+              <a:ea typeface="Calibri" panose="020F0502020204030204" pitchFamily="34" charset="0"/>
+              <a:cs typeface="Times New Roman" panose="02020603050405020304" pitchFamily="18" charset="0"/>
+            </a:endParaRPr>
+          </a:p>
+          <a:p>
+            <a:pPr marL="514350" indent="-285750">
+              <a:lnSpc>
+                <a:spcPct val="107000"/>
+              </a:lnSpc>
+            </a:pPr>
+            <a:endParaRPr lang="en-IN" sz="1400" b="1" dirty="0">
+              <a:latin typeface="Verdana" panose="020B0604030504040204" pitchFamily="34" charset="0"/>
+              <a:ea typeface="Calibri" panose="020F0502020204030204" pitchFamily="34" charset="0"/>
+              <a:cs typeface="Times New Roman" panose="02020603050405020304" pitchFamily="18" charset="0"/>
+            </a:endParaRPr>
+          </a:p>
+          <a:p>
+            <a:pPr marL="514350" indent="-285750">
+              <a:lnSpc>
+                <a:spcPct val="107000"/>
+              </a:lnSpc>
+            </a:pPr>
+            <a:endParaRPr lang="en-IN" sz="1400" b="1" dirty="0" smtClean="0">
+              <a:latin typeface="Verdana" panose="020B0604030504040204" pitchFamily="34" charset="0"/>
+              <a:ea typeface="Calibri" panose="020F0502020204030204" pitchFamily="34" charset="0"/>
+              <a:cs typeface="Times New Roman" panose="02020603050405020304" pitchFamily="18" charset="0"/>
+            </a:endParaRPr>
+          </a:p>
+          <a:p>
+            <a:pPr marL="514350" indent="-285750">
+              <a:lnSpc>
+                <a:spcPct val="107000"/>
+              </a:lnSpc>
+            </a:pPr>
+            <a:endParaRPr lang="en-IN" sz="1400" b="1" dirty="0">
+              <a:latin typeface="Verdana" panose="020B0604030504040204" pitchFamily="34" charset="0"/>
+              <a:ea typeface="Calibri" panose="020F0502020204030204" pitchFamily="34" charset="0"/>
+              <a:cs typeface="Times New Roman" panose="02020603050405020304" pitchFamily="18" charset="0"/>
+            </a:endParaRPr>
+          </a:p>
+          <a:p>
+            <a:pPr marL="514350" indent="-285750">
+              <a:lnSpc>
+                <a:spcPct val="107000"/>
+              </a:lnSpc>
+            </a:pPr>
+            <a:endParaRPr lang="en-IN" sz="1400" b="1" dirty="0" smtClean="0">
+              <a:latin typeface="Verdana" panose="020B0604030504040204" pitchFamily="34" charset="0"/>
+              <a:ea typeface="Calibri" panose="020F0502020204030204" pitchFamily="34" charset="0"/>
+              <a:cs typeface="Times New Roman" panose="02020603050405020304" pitchFamily="18" charset="0"/>
+            </a:endParaRPr>
+          </a:p>
+          <a:p>
+            <a:pPr marL="514350" indent="-285750">
+              <a:lnSpc>
+                <a:spcPct val="107000"/>
+              </a:lnSpc>
+            </a:pPr>
+            <a:endParaRPr lang="en-IN" sz="1400" b="1" dirty="0" smtClean="0">
+              <a:latin typeface="Verdana" panose="020B0604030504040204" pitchFamily="34" charset="0"/>
+              <a:ea typeface="Calibri" panose="020F0502020204030204" pitchFamily="34" charset="0"/>
+              <a:cs typeface="Times New Roman" panose="02020603050405020304" pitchFamily="18" charset="0"/>
+            </a:endParaRPr>
+          </a:p>
+          <a:p>
+            <a:pPr marL="514350" indent="-285750">
+              <a:lnSpc>
+                <a:spcPct val="107000"/>
+              </a:lnSpc>
+            </a:pPr>
+            <a:endParaRPr lang="en-IN" sz="1400" b="1" dirty="0">
+              <a:latin typeface="Verdana" panose="020B0604030504040204" pitchFamily="34" charset="0"/>
+              <a:ea typeface="Calibri" panose="020F0502020204030204" pitchFamily="34" charset="0"/>
+              <a:cs typeface="Times New Roman" panose="02020603050405020304" pitchFamily="18" charset="0"/>
+            </a:endParaRPr>
+          </a:p>
+          <a:p>
+            <a:pPr marL="514350" indent="-285750">
+              <a:lnSpc>
+                <a:spcPct val="107000"/>
+              </a:lnSpc>
+            </a:pPr>
+            <a:r>
+              <a:rPr lang="en-IN" sz="1400" b="1" dirty="0" smtClean="0">
+                <a:latin typeface="Verdana" panose="020B0604030504040204" pitchFamily="34" charset="0"/>
+                <a:ea typeface="Calibri" panose="020F0502020204030204" pitchFamily="34" charset="0"/>
+                <a:cs typeface="Times New Roman" panose="02020603050405020304" pitchFamily="18" charset="0"/>
+              </a:rPr>
+              <a:t>Unchecked </a:t>
+            </a:r>
+            <a:r>
+              <a:rPr lang="en-IN" sz="1400" b="1" dirty="0">
+                <a:latin typeface="Verdana" panose="020B0604030504040204" pitchFamily="34" charset="0"/>
+                <a:ea typeface="Calibri" panose="020F0502020204030204" pitchFamily="34" charset="0"/>
+                <a:cs typeface="Times New Roman" panose="02020603050405020304" pitchFamily="18" charset="0"/>
+              </a:rPr>
+              <a:t>Exception: </a:t>
+            </a:r>
+            <a:r>
+              <a:rPr lang="en-IN" sz="1400" dirty="0">
+                <a:latin typeface="Verdana" panose="020B0604030504040204" pitchFamily="34" charset="0"/>
+                <a:ea typeface="Calibri" panose="020F0502020204030204" pitchFamily="34" charset="0"/>
+                <a:cs typeface="Times New Roman" panose="02020603050405020304" pitchFamily="18" charset="0"/>
+              </a:rPr>
+              <a:t>“unchecked exception are those which are the direct subclasses of </a:t>
+            </a:r>
+            <a:r>
+              <a:rPr lang="en-IN" sz="1400" dirty="0" err="1">
+                <a:latin typeface="Verdana" panose="020B0604030504040204" pitchFamily="34" charset="0"/>
+                <a:ea typeface="Calibri" panose="020F0502020204030204" pitchFamily="34" charset="0"/>
+                <a:cs typeface="Times New Roman" panose="02020603050405020304" pitchFamily="18" charset="0"/>
+              </a:rPr>
+              <a:t>java.lang.RuntimeException</a:t>
+            </a:r>
+            <a:r>
+              <a:rPr lang="en-IN" sz="1400" dirty="0" smtClean="0">
+                <a:latin typeface="Verdana" panose="020B0604030504040204" pitchFamily="34" charset="0"/>
+                <a:ea typeface="Calibri" panose="020F0502020204030204" pitchFamily="34" charset="0"/>
+                <a:cs typeface="Times New Roman" panose="02020603050405020304" pitchFamily="18" charset="0"/>
+              </a:rPr>
+              <a:t>.”</a:t>
+            </a:r>
+            <a:endParaRPr lang="en-IN" sz="1800" dirty="0" smtClean="0">
+              <a:latin typeface="Calibri" panose="020F0502020204030204" pitchFamily="34" charset="0"/>
+              <a:ea typeface="Calibri" panose="020F0502020204030204" pitchFamily="34" charset="0"/>
+              <a:cs typeface="Times New Roman" panose="02020603050405020304" pitchFamily="18" charset="0"/>
+            </a:endParaRPr>
+          </a:p>
+          <a:p>
+            <a:pPr indent="0">
+              <a:lnSpc>
+                <a:spcPct val="107000"/>
+              </a:lnSpc>
+              <a:spcAft>
+                <a:spcPts val="0"/>
+              </a:spcAft>
+              <a:buNone/>
+            </a:pPr>
+            <a:r>
+              <a:rPr lang="en-IN" sz="1400" dirty="0" smtClean="0">
+                <a:latin typeface="Verdana" panose="020B0604030504040204" pitchFamily="34" charset="0"/>
+                <a:ea typeface="Calibri" panose="020F0502020204030204" pitchFamily="34" charset="0"/>
+                <a:cs typeface="Times New Roman" panose="02020603050405020304" pitchFamily="18" charset="0"/>
+              </a:rPr>
+              <a:t>                                            </a:t>
+            </a:r>
+            <a:r>
+              <a:rPr lang="en-IN" sz="1400" dirty="0">
+                <a:latin typeface="Verdana" panose="020B0604030504040204" pitchFamily="34" charset="0"/>
+                <a:ea typeface="Calibri" panose="020F0502020204030204" pitchFamily="34" charset="0"/>
+                <a:cs typeface="Times New Roman" panose="02020603050405020304" pitchFamily="18" charset="0"/>
+              </a:rPr>
+              <a:t>OR</a:t>
+            </a:r>
+            <a:endParaRPr lang="en-IN" sz="1800" dirty="0">
+              <a:latin typeface="Calibri" panose="020F0502020204030204" pitchFamily="34" charset="0"/>
+              <a:ea typeface="Calibri" panose="020F0502020204030204" pitchFamily="34" charset="0"/>
+              <a:cs typeface="Times New Roman" panose="02020603050405020304" pitchFamily="18" charset="0"/>
+            </a:endParaRPr>
+          </a:p>
+          <a:p>
+            <a:pPr indent="0">
+              <a:lnSpc>
+                <a:spcPct val="107000"/>
+              </a:lnSpc>
+              <a:spcAft>
+                <a:spcPts val="0"/>
+              </a:spcAft>
+              <a:buNone/>
+            </a:pPr>
+            <a:r>
+              <a:rPr lang="en-IN" sz="1400" dirty="0">
+                <a:latin typeface="Verdana" panose="020B0604030504040204" pitchFamily="34" charset="0"/>
+                <a:ea typeface="Calibri" panose="020F0502020204030204" pitchFamily="34" charset="0"/>
+                <a:cs typeface="Times New Roman" panose="02020603050405020304" pitchFamily="18" charset="0"/>
+              </a:rPr>
+              <a:t>“The exception which are occurring at runtime will be showing them as errors as runtime only</a:t>
+            </a:r>
+            <a:r>
+              <a:rPr lang="en-IN" sz="1400" dirty="0" smtClean="0">
+                <a:latin typeface="Verdana" panose="020B0604030504040204" pitchFamily="34" charset="0"/>
+                <a:ea typeface="Calibri" panose="020F0502020204030204" pitchFamily="34" charset="0"/>
+                <a:cs typeface="Times New Roman" panose="02020603050405020304" pitchFamily="18" charset="0"/>
+              </a:rPr>
+              <a:t>.”</a:t>
+            </a:r>
+            <a:endParaRPr lang="en-IN" sz="1800" dirty="0">
+              <a:latin typeface="Calibri" panose="020F0502020204030204" pitchFamily="34" charset="0"/>
+              <a:ea typeface="Calibri" panose="020F0502020204030204" pitchFamily="34" charset="0"/>
+              <a:cs typeface="Times New Roman" panose="02020603050405020304" pitchFamily="18" charset="0"/>
+            </a:endParaRPr>
+          </a:p>
+          <a:p>
+            <a:endParaRPr lang="en-IN" sz="1400" dirty="0">
+              <a:latin typeface="Verdana" panose="020B0604030504040204" pitchFamily="34" charset="0"/>
+              <a:ea typeface="Verdana" panose="020B0604030504040204" pitchFamily="34" charset="0"/>
+              <a:cs typeface="Verdana" panose="020B0604030504040204" pitchFamily="34" charset="0"/>
+            </a:endParaRPr>
+          </a:p>
+        </p:txBody>
+      </p:sp>
+      <p:pic>
+        <p:nvPicPr>
+          <p:cNvPr id="21" name="Picture 20"/>
+          <p:cNvPicPr>
+            <a:picLocks noChangeAspect="1"/>
+          </p:cNvPicPr>
+          <p:nvPr/>
+        </p:nvPicPr>
+        <p:blipFill>
+          <a:blip r:embed="rId2"/>
+          <a:stretch>
+            <a:fillRect/>
+          </a:stretch>
+        </p:blipFill>
+        <p:spPr>
+          <a:xfrm>
+            <a:off x="1210615" y="128788"/>
+            <a:ext cx="9762186" cy="2472744"/>
+          </a:xfrm>
+          <a:prstGeom prst="rect">
+            <a:avLst/>
+          </a:prstGeom>
+        </p:spPr>
+      </p:pic>
+      <p:pic>
+        <p:nvPicPr>
+          <p:cNvPr id="39" name="Picture 38"/>
+          <p:cNvPicPr>
+            <a:picLocks noChangeAspect="1"/>
+          </p:cNvPicPr>
+          <p:nvPr/>
+        </p:nvPicPr>
+        <p:blipFill>
+          <a:blip r:embed="rId3"/>
+          <a:stretch>
+            <a:fillRect/>
+          </a:stretch>
+        </p:blipFill>
+        <p:spPr>
+          <a:xfrm>
+            <a:off x="1210615" y="3945900"/>
+            <a:ext cx="9981126" cy="2776871"/>
+          </a:xfrm>
+          <a:prstGeom prst="rect">
+            <a:avLst/>
+          </a:prstGeom>
+        </p:spPr>
+      </p:pic>
+    </p:spTree>
+    <p:extLst>
+      <p:ext uri="{BB962C8B-B14F-4D97-AF65-F5344CB8AC3E}">
+        <p14:creationId xmlns:p14="http://schemas.microsoft.com/office/powerpoint/2010/main" val="1466943257"/>
+      </p:ext>
+    </p:extLst>
+  </p:cSld>
+  <p:clrMapOvr>
+    <a:masterClrMapping/>
+  </p:clrMapOvr>
+  <p:timing>
+    <p:tnLst>
+      <p:par>
+        <p:cTn id="1" dur="indefinite" restart="never" nodeType="tmRoot"/>
+      </p:par>
+    </p:tnLst>
+  </p:timing>
+</p:sld>
+</file>
+
+<file path=ppt/slides/slide36.xml><?xml version="1.0" encoding="utf-8"?>
+<p:sld xmlns:a="http://schemas.openxmlformats.org/drawingml/2006/main" xmlns:r="http://schemas.openxmlformats.org/officeDocument/2006/relationships" xmlns:p="http://schemas.openxmlformats.org/presentationml/2006/main">
+  <p:cSld>
+    <p:spTree>
+      <p:nvGrpSpPr>
+        <p:cNvPr id="1" name=""/>
+        <p:cNvGrpSpPr/>
+        <p:nvPr/>
+      </p:nvGrpSpPr>
+      <p:grpSpPr>
+        <a:xfrm>
+          <a:off x="0" y="0"/>
+          <a:ext cx="0" cy="0"/>
+          <a:chOff x="0" y="0"/>
+          <a:chExt cx="0" cy="0"/>
+        </a:xfrm>
+      </p:grpSpPr>
+      <p:sp>
+        <p:nvSpPr>
+          <p:cNvPr id="3" name="Content Placeholder 2"/>
+          <p:cNvSpPr>
+            <a:spLocks noGrp="1"/>
+          </p:cNvSpPr>
+          <p:nvPr>
+            <p:ph idx="1"/>
+          </p:nvPr>
+        </p:nvSpPr>
+        <p:spPr>
+          <a:xfrm>
+            <a:off x="90153" y="128788"/>
+            <a:ext cx="11900078" cy="6426557"/>
+          </a:xfrm>
+        </p:spPr>
+        <p:txBody>
+          <a:bodyPr>
+            <a:normAutofit/>
+          </a:bodyPr>
+          <a:lstStyle/>
+          <a:p>
+            <a:pPr marL="457200">
+              <a:lnSpc>
+                <a:spcPct val="107000"/>
+              </a:lnSpc>
+              <a:spcAft>
+                <a:spcPts val="0"/>
+              </a:spcAft>
+            </a:pPr>
+            <a:r>
+              <a:rPr lang="en-IN" sz="1400" b="1" dirty="0">
+                <a:latin typeface="Verdana" panose="020B0604030504040204" pitchFamily="34" charset="0"/>
+                <a:ea typeface="Calibri" panose="020F0502020204030204" pitchFamily="34" charset="0"/>
+                <a:cs typeface="Times New Roman" panose="02020603050405020304" pitchFamily="18" charset="0"/>
+              </a:rPr>
+              <a:t>Note: </a:t>
+            </a:r>
+            <a:r>
+              <a:rPr lang="en-IN" sz="1400" dirty="0">
+                <a:latin typeface="Verdana" panose="020B0604030504040204" pitchFamily="34" charset="0"/>
+                <a:ea typeface="Calibri" panose="020F0502020204030204" pitchFamily="34" charset="0"/>
+                <a:cs typeface="Times New Roman" panose="02020603050405020304" pitchFamily="18" charset="0"/>
+              </a:rPr>
+              <a:t>Even though </a:t>
+            </a:r>
+            <a:r>
+              <a:rPr lang="en-IN" sz="1400" dirty="0" err="1">
+                <a:latin typeface="Verdana" panose="020B0604030504040204" pitchFamily="34" charset="0"/>
+                <a:ea typeface="Calibri" panose="020F0502020204030204" pitchFamily="34" charset="0"/>
+                <a:cs typeface="Times New Roman" panose="02020603050405020304" pitchFamily="18" charset="0"/>
+              </a:rPr>
+              <a:t>java.lang.RuntimeException</a:t>
+            </a:r>
+            <a:r>
+              <a:rPr lang="en-IN" sz="1400" dirty="0">
+                <a:latin typeface="Verdana" panose="020B0604030504040204" pitchFamily="34" charset="0"/>
+                <a:ea typeface="Calibri" panose="020F0502020204030204" pitchFamily="34" charset="0"/>
+                <a:cs typeface="Times New Roman" panose="02020603050405020304" pitchFamily="18" charset="0"/>
+              </a:rPr>
+              <a:t> is the subclass of </a:t>
+            </a:r>
+            <a:r>
+              <a:rPr lang="en-IN" sz="1400" dirty="0" err="1">
+                <a:latin typeface="Verdana" panose="020B0604030504040204" pitchFamily="34" charset="0"/>
+                <a:ea typeface="Calibri" panose="020F0502020204030204" pitchFamily="34" charset="0"/>
+                <a:cs typeface="Times New Roman" panose="02020603050405020304" pitchFamily="18" charset="0"/>
+              </a:rPr>
+              <a:t>java.lang.Exception</a:t>
+            </a:r>
+            <a:r>
+              <a:rPr lang="en-IN" sz="1400" dirty="0">
+                <a:latin typeface="Verdana" panose="020B0604030504040204" pitchFamily="34" charset="0"/>
+                <a:ea typeface="Calibri" panose="020F0502020204030204" pitchFamily="34" charset="0"/>
+                <a:cs typeface="Times New Roman" panose="02020603050405020304" pitchFamily="18" charset="0"/>
+              </a:rPr>
+              <a:t>, it should not be treated as checked exception and it is a one of the dedicated super class for all the unchecked exception.</a:t>
+            </a:r>
+            <a:endParaRPr lang="en-IN" sz="1800" dirty="0">
+              <a:latin typeface="Calibri" panose="020F0502020204030204" pitchFamily="34" charset="0"/>
+              <a:ea typeface="Calibri" panose="020F0502020204030204" pitchFamily="34" charset="0"/>
+              <a:cs typeface="Times New Roman" panose="02020603050405020304" pitchFamily="18" charset="0"/>
+            </a:endParaRPr>
+          </a:p>
+          <a:p>
+            <a:endParaRPr lang="en-IN" sz="1400" dirty="0">
+              <a:latin typeface="Verdana" panose="020B0604030504040204" pitchFamily="34" charset="0"/>
+              <a:ea typeface="Verdana" panose="020B0604030504040204" pitchFamily="34" charset="0"/>
+              <a:cs typeface="Verdana" panose="020B0604030504040204" pitchFamily="34" charset="0"/>
+            </a:endParaRPr>
+          </a:p>
+        </p:txBody>
+      </p:sp>
+      <p:pic>
+        <p:nvPicPr>
+          <p:cNvPr id="35" name="Picture 34"/>
+          <p:cNvPicPr>
+            <a:picLocks noChangeAspect="1"/>
+          </p:cNvPicPr>
+          <p:nvPr/>
+        </p:nvPicPr>
+        <p:blipFill>
+          <a:blip r:embed="rId2"/>
+          <a:stretch>
+            <a:fillRect/>
+          </a:stretch>
+        </p:blipFill>
+        <p:spPr>
+          <a:xfrm>
+            <a:off x="721218" y="759854"/>
+            <a:ext cx="10947042" cy="5460642"/>
+          </a:xfrm>
+          <a:prstGeom prst="rect">
+            <a:avLst/>
+          </a:prstGeom>
+        </p:spPr>
+      </p:pic>
+    </p:spTree>
+    <p:extLst>
+      <p:ext uri="{BB962C8B-B14F-4D97-AF65-F5344CB8AC3E}">
+        <p14:creationId xmlns:p14="http://schemas.microsoft.com/office/powerpoint/2010/main" val="991723757"/>
+      </p:ext>
+    </p:extLst>
+  </p:cSld>
+  <p:clrMapOvr>
+    <a:masterClrMapping/>
+  </p:clrMapOvr>
+  <p:timing>
+    <p:tnLst>
+      <p:par>
+        <p:cTn id="1" dur="indefinite" restart="never" nodeType="tmRoot"/>
+      </p:par>
+    </p:tnLst>
+  </p:timing>
+</p:sld>
+</file>
+
+<file path=ppt/slides/slide37.xml><?xml version="1.0" encoding="utf-8"?>
+<p:sld xmlns:a="http://schemas.openxmlformats.org/drawingml/2006/main" xmlns:r="http://schemas.openxmlformats.org/officeDocument/2006/relationships" xmlns:p="http://schemas.openxmlformats.org/presentationml/2006/main">
+  <p:cSld>
+    <p:spTree>
+      <p:nvGrpSpPr>
+        <p:cNvPr id="1" name=""/>
+        <p:cNvGrpSpPr/>
+        <p:nvPr/>
+      </p:nvGrpSpPr>
+      <p:grpSpPr>
+        <a:xfrm>
+          <a:off x="0" y="0"/>
+          <a:ext cx="0" cy="0"/>
+          <a:chOff x="0" y="0"/>
+          <a:chExt cx="0" cy="0"/>
+        </a:xfrm>
+      </p:grpSpPr>
+      <p:sp>
+        <p:nvSpPr>
+          <p:cNvPr id="3" name="Content Placeholder 2"/>
+          <p:cNvSpPr>
+            <a:spLocks noGrp="1"/>
+          </p:cNvSpPr>
+          <p:nvPr>
+            <p:ph idx="1"/>
+          </p:nvPr>
+        </p:nvSpPr>
+        <p:spPr>
+          <a:xfrm>
+            <a:off x="180304" y="115910"/>
+            <a:ext cx="11822806" cy="6606862"/>
+          </a:xfrm>
+        </p:spPr>
+        <p:txBody>
+          <a:bodyPr>
+            <a:normAutofit/>
+          </a:bodyPr>
+          <a:lstStyle/>
+          <a:p>
+            <a:pPr marL="342900" lvl="0" indent="-342900">
+              <a:lnSpc>
+                <a:spcPct val="107000"/>
+              </a:lnSpc>
+              <a:spcAft>
+                <a:spcPts val="0"/>
+              </a:spcAft>
+              <a:buFont typeface="+mj-lt"/>
+              <a:buAutoNum type="arabicParenR"/>
+            </a:pPr>
+            <a:r>
+              <a:rPr lang="en-IN" sz="1400" dirty="0" err="1">
+                <a:latin typeface="Verdana" panose="020B0604030504040204" pitchFamily="34" charset="0"/>
+                <a:ea typeface="Calibri" panose="020F0502020204030204" pitchFamily="34" charset="0"/>
+                <a:cs typeface="Times New Roman" panose="02020603050405020304" pitchFamily="18" charset="0"/>
+              </a:rPr>
+              <a:t>java.lang.Object</a:t>
+            </a:r>
+            <a:r>
+              <a:rPr lang="en-IN" sz="1400" dirty="0">
+                <a:latin typeface="Verdana" panose="020B0604030504040204" pitchFamily="34" charset="0"/>
+                <a:ea typeface="Calibri" panose="020F0502020204030204" pitchFamily="34" charset="0"/>
+                <a:cs typeface="Times New Roman" panose="02020603050405020304" pitchFamily="18" charset="0"/>
+              </a:rPr>
+              <a:t> class is one of the implicit predefined super class for all the classes in java and it provides garbage collection facility to its subclasses for collecting unused memory space.</a:t>
+            </a:r>
+            <a:endParaRPr lang="en-IN" sz="1800" dirty="0">
+              <a:latin typeface="Calibri" panose="020F0502020204030204" pitchFamily="34" charset="0"/>
+              <a:ea typeface="Calibri" panose="020F0502020204030204" pitchFamily="34" charset="0"/>
+              <a:cs typeface="Times New Roman" panose="02020603050405020304" pitchFamily="18" charset="0"/>
+            </a:endParaRPr>
+          </a:p>
+          <a:p>
+            <a:pPr marL="342900" lvl="0" indent="-342900">
+              <a:lnSpc>
+                <a:spcPct val="107000"/>
+              </a:lnSpc>
+              <a:spcAft>
+                <a:spcPts val="0"/>
+              </a:spcAft>
+              <a:buFont typeface="+mj-lt"/>
+              <a:buAutoNum type="arabicParenR"/>
+            </a:pPr>
+            <a:r>
+              <a:rPr lang="en-IN" sz="1400" dirty="0" err="1">
+                <a:latin typeface="Verdana" panose="020B0604030504040204" pitchFamily="34" charset="0"/>
+                <a:ea typeface="Calibri" panose="020F0502020204030204" pitchFamily="34" charset="0"/>
+                <a:cs typeface="Times New Roman" panose="02020603050405020304" pitchFamily="18" charset="0"/>
+              </a:rPr>
+              <a:t>java.lang.Throwable</a:t>
+            </a:r>
+            <a:r>
+              <a:rPr lang="en-IN" sz="1400" dirty="0">
+                <a:latin typeface="Verdana" panose="020B0604030504040204" pitchFamily="34" charset="0"/>
+                <a:ea typeface="Calibri" panose="020F0502020204030204" pitchFamily="34" charset="0"/>
+                <a:cs typeface="Times New Roman" panose="02020603050405020304" pitchFamily="18" charset="0"/>
+              </a:rPr>
+              <a:t> is one of the predefined super class for all the exception in Java and the purpose of this class is to check which type of exception occurs in java programme (either ASE or SE).</a:t>
+            </a:r>
+            <a:endParaRPr lang="en-IN" sz="1800" dirty="0">
+              <a:latin typeface="Calibri" panose="020F0502020204030204" pitchFamily="34" charset="0"/>
+              <a:ea typeface="Calibri" panose="020F0502020204030204" pitchFamily="34" charset="0"/>
+              <a:cs typeface="Times New Roman" panose="02020603050405020304" pitchFamily="18" charset="0"/>
+            </a:endParaRPr>
+          </a:p>
+          <a:p>
+            <a:pPr marL="342900" lvl="0" indent="-342900">
+              <a:lnSpc>
+                <a:spcPct val="107000"/>
+              </a:lnSpc>
+              <a:spcAft>
+                <a:spcPts val="0"/>
+              </a:spcAft>
+              <a:buFont typeface="+mj-lt"/>
+              <a:buAutoNum type="arabicParenR"/>
+            </a:pPr>
+            <a:r>
+              <a:rPr lang="en-IN" sz="1400" dirty="0" err="1">
+                <a:latin typeface="Verdana" panose="020B0604030504040204" pitchFamily="34" charset="0"/>
+                <a:ea typeface="Calibri" panose="020F0502020204030204" pitchFamily="34" charset="0"/>
+                <a:cs typeface="Times New Roman" panose="02020603050405020304" pitchFamily="18" charset="0"/>
+              </a:rPr>
+              <a:t>java.lang.Error</a:t>
+            </a:r>
+            <a:r>
+              <a:rPr lang="en-IN" sz="1400" dirty="0">
+                <a:latin typeface="Verdana" panose="020B0604030504040204" pitchFamily="34" charset="0"/>
+                <a:ea typeface="Calibri" panose="020F0502020204030204" pitchFamily="34" charset="0"/>
+                <a:cs typeface="Times New Roman" panose="02020603050405020304" pitchFamily="18" charset="0"/>
+              </a:rPr>
+              <a:t> is always used for dealing with asynchronous exception and it is a super class for all asynchronous exception.</a:t>
+            </a:r>
+            <a:endParaRPr lang="en-IN" sz="1800" dirty="0">
+              <a:latin typeface="Calibri" panose="020F0502020204030204" pitchFamily="34" charset="0"/>
+              <a:ea typeface="Calibri" panose="020F0502020204030204" pitchFamily="34" charset="0"/>
+              <a:cs typeface="Times New Roman" panose="02020603050405020304" pitchFamily="18" charset="0"/>
+            </a:endParaRPr>
+          </a:p>
+          <a:p>
+            <a:pPr marL="342900" lvl="0" indent="-342900">
+              <a:lnSpc>
+                <a:spcPct val="107000"/>
+              </a:lnSpc>
+              <a:spcAft>
+                <a:spcPts val="0"/>
+              </a:spcAft>
+              <a:buFont typeface="+mj-lt"/>
+              <a:buAutoNum type="arabicParenR"/>
+            </a:pPr>
+            <a:r>
+              <a:rPr lang="en-IN" sz="1400" dirty="0" err="1">
+                <a:latin typeface="Verdana" panose="020B0604030504040204" pitchFamily="34" charset="0"/>
+                <a:ea typeface="Calibri" panose="020F0502020204030204" pitchFamily="34" charset="0"/>
+                <a:cs typeface="Times New Roman" panose="02020603050405020304" pitchFamily="18" charset="0"/>
+              </a:rPr>
+              <a:t>java.lang.Exception</a:t>
+            </a:r>
+            <a:r>
+              <a:rPr lang="en-IN" sz="1400" dirty="0">
+                <a:latin typeface="Verdana" panose="020B0604030504040204" pitchFamily="34" charset="0"/>
+                <a:ea typeface="Calibri" panose="020F0502020204030204" pitchFamily="34" charset="0"/>
+                <a:cs typeface="Times New Roman" panose="02020603050405020304" pitchFamily="18" charset="0"/>
+              </a:rPr>
+              <a:t> is one of the super class for all synchronous checked exception.</a:t>
+            </a:r>
+            <a:endParaRPr lang="en-IN" sz="1800" dirty="0">
+              <a:latin typeface="Calibri" panose="020F0502020204030204" pitchFamily="34" charset="0"/>
+              <a:ea typeface="Calibri" panose="020F0502020204030204" pitchFamily="34" charset="0"/>
+              <a:cs typeface="Times New Roman" panose="02020603050405020304" pitchFamily="18" charset="0"/>
+            </a:endParaRPr>
+          </a:p>
+          <a:p>
+            <a:pPr marL="342900" lvl="0" indent="-342900">
+              <a:lnSpc>
+                <a:spcPct val="107000"/>
+              </a:lnSpc>
+              <a:spcAft>
+                <a:spcPts val="0"/>
+              </a:spcAft>
+              <a:buFont typeface="+mj-lt"/>
+              <a:buAutoNum type="arabicParenR"/>
+            </a:pPr>
+            <a:r>
+              <a:rPr lang="en-IN" sz="1400" dirty="0" err="1">
+                <a:latin typeface="Verdana" panose="020B0604030504040204" pitchFamily="34" charset="0"/>
+                <a:ea typeface="Calibri" panose="020F0502020204030204" pitchFamily="34" charset="0"/>
+                <a:cs typeface="Times New Roman" panose="02020603050405020304" pitchFamily="18" charset="0"/>
+              </a:rPr>
+              <a:t>java.lang.RuntimeException</a:t>
+            </a:r>
+            <a:r>
+              <a:rPr lang="en-IN" sz="1400" dirty="0">
+                <a:latin typeface="Verdana" panose="020B0604030504040204" pitchFamily="34" charset="0"/>
+                <a:ea typeface="Calibri" panose="020F0502020204030204" pitchFamily="34" charset="0"/>
+                <a:cs typeface="Times New Roman" panose="02020603050405020304" pitchFamily="18" charset="0"/>
+              </a:rPr>
+              <a:t> is one of the super class for all synchronous unchecked exception</a:t>
+            </a:r>
+            <a:r>
+              <a:rPr lang="en-IN" sz="1400" dirty="0" smtClean="0">
+                <a:latin typeface="Verdana" panose="020B0604030504040204" pitchFamily="34" charset="0"/>
+                <a:ea typeface="Calibri" panose="020F0502020204030204" pitchFamily="34" charset="0"/>
+                <a:cs typeface="Times New Roman" panose="02020603050405020304" pitchFamily="18" charset="0"/>
+              </a:rPr>
+              <a:t>.</a:t>
+            </a:r>
+          </a:p>
+          <a:p>
+            <a:pPr>
+              <a:lnSpc>
+                <a:spcPct val="107000"/>
+              </a:lnSpc>
+              <a:spcAft>
+                <a:spcPts val="0"/>
+              </a:spcAft>
+            </a:pPr>
+            <a:r>
+              <a:rPr lang="en-IN" sz="1400" b="1" u="sng" dirty="0">
+                <a:latin typeface="Verdana" panose="020B0604030504040204" pitchFamily="34" charset="0"/>
+                <a:ea typeface="Calibri" panose="020F0502020204030204" pitchFamily="34" charset="0"/>
+                <a:cs typeface="Times New Roman" panose="02020603050405020304" pitchFamily="18" charset="0"/>
+              </a:rPr>
+              <a:t>Handling the Exception</a:t>
+            </a:r>
+            <a:r>
+              <a:rPr lang="en-IN" sz="1400" b="1" u="sng" dirty="0" smtClean="0">
+                <a:latin typeface="Verdana" panose="020B0604030504040204" pitchFamily="34" charset="0"/>
+                <a:ea typeface="Calibri" panose="020F0502020204030204" pitchFamily="34" charset="0"/>
+                <a:cs typeface="Times New Roman" panose="02020603050405020304" pitchFamily="18" charset="0"/>
+              </a:rPr>
+              <a:t>:</a:t>
+            </a:r>
+            <a:endParaRPr lang="en-IN" sz="1400" dirty="0">
+              <a:latin typeface="Calibri" panose="020F0502020204030204" pitchFamily="34" charset="0"/>
+              <a:ea typeface="Calibri" panose="020F0502020204030204" pitchFamily="34" charset="0"/>
+              <a:cs typeface="Times New Roman" panose="02020603050405020304" pitchFamily="18" charset="0"/>
+            </a:endParaRPr>
+          </a:p>
+          <a:p>
+            <a:pPr marL="342900" lvl="0" indent="-342900">
+              <a:lnSpc>
+                <a:spcPct val="107000"/>
+              </a:lnSpc>
+              <a:spcAft>
+                <a:spcPts val="0"/>
+              </a:spcAft>
+              <a:buFont typeface="Wingdings" panose="05000000000000000000" pitchFamily="2" charset="2"/>
+              <a:buChar char=""/>
+            </a:pPr>
+            <a:r>
+              <a:rPr lang="en-IN" sz="1400" dirty="0">
+                <a:latin typeface="Verdana" panose="020B0604030504040204" pitchFamily="34" charset="0"/>
+                <a:ea typeface="Calibri" panose="020F0502020204030204" pitchFamily="34" charset="0"/>
+                <a:cs typeface="Times New Roman" panose="02020603050405020304" pitchFamily="18" charset="0"/>
+              </a:rPr>
+              <a:t>Handling the exception is nothing but converting system error message into user friendly error message.</a:t>
+            </a:r>
+            <a:endParaRPr lang="en-IN" sz="1400" dirty="0">
+              <a:latin typeface="Calibri" panose="020F0502020204030204" pitchFamily="34" charset="0"/>
+              <a:ea typeface="Calibri" panose="020F0502020204030204" pitchFamily="34" charset="0"/>
+              <a:cs typeface="Times New Roman" panose="02020603050405020304" pitchFamily="18" charset="0"/>
+            </a:endParaRPr>
+          </a:p>
+          <a:p>
+            <a:pPr marL="342900" lvl="0" indent="-342900">
+              <a:lnSpc>
+                <a:spcPct val="107000"/>
+              </a:lnSpc>
+              <a:spcAft>
+                <a:spcPts val="0"/>
+              </a:spcAft>
+              <a:buFont typeface="Wingdings" panose="05000000000000000000" pitchFamily="2" charset="2"/>
+              <a:buChar char=""/>
+            </a:pPr>
+            <a:r>
+              <a:rPr lang="en-IN" sz="1400" dirty="0">
+                <a:latin typeface="Verdana" panose="020B0604030504040204" pitchFamily="34" charset="0"/>
+                <a:ea typeface="Calibri" panose="020F0502020204030204" pitchFamily="34" charset="0"/>
+                <a:cs typeface="Times New Roman" panose="02020603050405020304" pitchFamily="18" charset="0"/>
+              </a:rPr>
+              <a:t>As a part of handling the exception we have 5 keywords, they are:</a:t>
+            </a:r>
+            <a:endParaRPr lang="en-IN" sz="1400" dirty="0">
+              <a:latin typeface="Calibri" panose="020F0502020204030204" pitchFamily="34" charset="0"/>
+              <a:ea typeface="Calibri" panose="020F0502020204030204" pitchFamily="34" charset="0"/>
+              <a:cs typeface="Times New Roman" panose="02020603050405020304" pitchFamily="18" charset="0"/>
+            </a:endParaRPr>
+          </a:p>
+          <a:p>
+            <a:pPr marL="342900" lvl="0" indent="-342900">
+              <a:lnSpc>
+                <a:spcPct val="107000"/>
+              </a:lnSpc>
+              <a:spcAft>
+                <a:spcPts val="0"/>
+              </a:spcAft>
+              <a:buFont typeface="+mj-lt"/>
+              <a:buAutoNum type="arabicPeriod"/>
+            </a:pPr>
+            <a:r>
+              <a:rPr lang="en-IN" sz="1400" dirty="0">
+                <a:latin typeface="Verdana" panose="020B0604030504040204" pitchFamily="34" charset="0"/>
+                <a:ea typeface="Calibri" panose="020F0502020204030204" pitchFamily="34" charset="0"/>
+                <a:cs typeface="Times New Roman" panose="02020603050405020304" pitchFamily="18" charset="0"/>
+              </a:rPr>
+              <a:t>try</a:t>
+            </a:r>
+            <a:endParaRPr lang="en-IN" sz="1400" dirty="0">
+              <a:latin typeface="Calibri" panose="020F0502020204030204" pitchFamily="34" charset="0"/>
+              <a:ea typeface="Calibri" panose="020F0502020204030204" pitchFamily="34" charset="0"/>
+              <a:cs typeface="Times New Roman" panose="02020603050405020304" pitchFamily="18" charset="0"/>
+            </a:endParaRPr>
+          </a:p>
+          <a:p>
+            <a:pPr marL="342900" lvl="0" indent="-342900">
+              <a:lnSpc>
+                <a:spcPct val="107000"/>
+              </a:lnSpc>
+              <a:spcAft>
+                <a:spcPts val="0"/>
+              </a:spcAft>
+              <a:buFont typeface="+mj-lt"/>
+              <a:buAutoNum type="arabicPeriod"/>
+            </a:pPr>
+            <a:r>
+              <a:rPr lang="en-IN" sz="1400" dirty="0">
+                <a:latin typeface="Verdana" panose="020B0604030504040204" pitchFamily="34" charset="0"/>
+                <a:ea typeface="Calibri" panose="020F0502020204030204" pitchFamily="34" charset="0"/>
+                <a:cs typeface="Times New Roman" panose="02020603050405020304" pitchFamily="18" charset="0"/>
+              </a:rPr>
+              <a:t>catch</a:t>
+            </a:r>
+            <a:endParaRPr lang="en-IN" sz="1400" dirty="0">
+              <a:latin typeface="Calibri" panose="020F0502020204030204" pitchFamily="34" charset="0"/>
+              <a:ea typeface="Calibri" panose="020F0502020204030204" pitchFamily="34" charset="0"/>
+              <a:cs typeface="Times New Roman" panose="02020603050405020304" pitchFamily="18" charset="0"/>
+            </a:endParaRPr>
+          </a:p>
+          <a:p>
+            <a:pPr marL="342900" lvl="0" indent="-342900">
+              <a:lnSpc>
+                <a:spcPct val="107000"/>
+              </a:lnSpc>
+              <a:spcAft>
+                <a:spcPts val="0"/>
+              </a:spcAft>
+              <a:buFont typeface="+mj-lt"/>
+              <a:buAutoNum type="arabicPeriod"/>
+            </a:pPr>
+            <a:r>
+              <a:rPr lang="en-IN" sz="1400" dirty="0">
+                <a:latin typeface="Verdana" panose="020B0604030504040204" pitchFamily="34" charset="0"/>
+                <a:ea typeface="Calibri" panose="020F0502020204030204" pitchFamily="34" charset="0"/>
+                <a:cs typeface="Times New Roman" panose="02020603050405020304" pitchFamily="18" charset="0"/>
+              </a:rPr>
+              <a:t>finally</a:t>
+            </a:r>
+            <a:endParaRPr lang="en-IN" sz="1400" dirty="0">
+              <a:latin typeface="Calibri" panose="020F0502020204030204" pitchFamily="34" charset="0"/>
+              <a:ea typeface="Calibri" panose="020F0502020204030204" pitchFamily="34" charset="0"/>
+              <a:cs typeface="Times New Roman" panose="02020603050405020304" pitchFamily="18" charset="0"/>
+            </a:endParaRPr>
+          </a:p>
+          <a:p>
+            <a:pPr marL="342900" lvl="0" indent="-342900">
+              <a:lnSpc>
+                <a:spcPct val="107000"/>
+              </a:lnSpc>
+              <a:spcAft>
+                <a:spcPts val="0"/>
+              </a:spcAft>
+              <a:buFont typeface="+mj-lt"/>
+              <a:buAutoNum type="arabicPeriod"/>
+            </a:pPr>
+            <a:r>
+              <a:rPr lang="en-IN" sz="1400" dirty="0">
+                <a:latin typeface="Verdana" panose="020B0604030504040204" pitchFamily="34" charset="0"/>
+                <a:ea typeface="Calibri" panose="020F0502020204030204" pitchFamily="34" charset="0"/>
+                <a:cs typeface="Times New Roman" panose="02020603050405020304" pitchFamily="18" charset="0"/>
+              </a:rPr>
+              <a:t>throws</a:t>
+            </a:r>
+            <a:endParaRPr lang="en-IN" sz="1400" dirty="0">
+              <a:latin typeface="Calibri" panose="020F0502020204030204" pitchFamily="34" charset="0"/>
+              <a:ea typeface="Calibri" panose="020F0502020204030204" pitchFamily="34" charset="0"/>
+              <a:cs typeface="Times New Roman" panose="02020603050405020304" pitchFamily="18" charset="0"/>
+            </a:endParaRPr>
+          </a:p>
+          <a:p>
+            <a:pPr marL="342900" lvl="0" indent="-342900">
+              <a:lnSpc>
+                <a:spcPct val="107000"/>
+              </a:lnSpc>
+              <a:spcAft>
+                <a:spcPts val="0"/>
+              </a:spcAft>
+              <a:buFont typeface="+mj-lt"/>
+              <a:buAutoNum type="arabicPeriod"/>
+            </a:pPr>
+            <a:r>
+              <a:rPr lang="en-IN" sz="1400" dirty="0" smtClean="0">
+                <a:latin typeface="Verdana" panose="020B0604030504040204" pitchFamily="34" charset="0"/>
+                <a:ea typeface="Calibri" panose="020F0502020204030204" pitchFamily="34" charset="0"/>
+                <a:cs typeface="Times New Roman" panose="02020603050405020304" pitchFamily="18" charset="0"/>
+              </a:rPr>
+              <a:t>Throw</a:t>
+            </a:r>
+          </a:p>
+          <a:p>
+            <a:pPr marL="0" lvl="0" indent="0">
+              <a:lnSpc>
+                <a:spcPct val="107000"/>
+              </a:lnSpc>
+              <a:spcAft>
+                <a:spcPts val="0"/>
+              </a:spcAft>
+              <a:buNone/>
+            </a:pPr>
+            <a:endParaRPr lang="en-IN" sz="1400" dirty="0">
+              <a:latin typeface="Calibri" panose="020F0502020204030204" pitchFamily="34" charset="0"/>
+              <a:ea typeface="Calibri" panose="020F0502020204030204" pitchFamily="34" charset="0"/>
+              <a:cs typeface="Times New Roman" panose="02020603050405020304" pitchFamily="18" charset="0"/>
+            </a:endParaRPr>
+          </a:p>
+          <a:p>
+            <a:pPr marL="0" lvl="0" indent="0">
+              <a:lnSpc>
+                <a:spcPct val="107000"/>
+              </a:lnSpc>
+              <a:spcAft>
+                <a:spcPts val="0"/>
+              </a:spcAft>
+              <a:buNone/>
+            </a:pPr>
+            <a:endParaRPr lang="en-IN" sz="1800" dirty="0" smtClean="0">
+              <a:latin typeface="Calibri" panose="020F0502020204030204" pitchFamily="34" charset="0"/>
+              <a:ea typeface="Calibri" panose="020F0502020204030204" pitchFamily="34" charset="0"/>
+              <a:cs typeface="Times New Roman" panose="02020603050405020304" pitchFamily="18" charset="0"/>
+            </a:endParaRPr>
+          </a:p>
+          <a:p>
+            <a:endParaRPr lang="en-IN" sz="1400" dirty="0">
+              <a:latin typeface="Verdana" panose="020B0604030504040204" pitchFamily="34" charset="0"/>
+              <a:ea typeface="Verdana" panose="020B0604030504040204" pitchFamily="34" charset="0"/>
+              <a:cs typeface="Verdana" panose="020B0604030504040204" pitchFamily="34" charset="0"/>
+            </a:endParaRPr>
+          </a:p>
+        </p:txBody>
+      </p:sp>
+    </p:spTree>
+    <p:extLst>
+      <p:ext uri="{BB962C8B-B14F-4D97-AF65-F5344CB8AC3E}">
+        <p14:creationId xmlns:p14="http://schemas.microsoft.com/office/powerpoint/2010/main" val="4144337853"/>
+      </p:ext>
+    </p:extLst>
+  </p:cSld>
+  <p:clrMapOvr>
+    <a:masterClrMapping/>
+  </p:clrMapOvr>
+  <p:timing>
+    <p:tnLst>
+      <p:par>
+        <p:cTn id="1" dur="indefinite" restart="never" nodeType="tmRoot"/>
+      </p:par>
+    </p:tnLst>
+  </p:timing>
+</p:sld>
+</file>
+
+<file path=ppt/slides/slide38.xml><?xml version="1.0" encoding="utf-8"?>
+<p:sld xmlns:a="http://schemas.openxmlformats.org/drawingml/2006/main" xmlns:r="http://schemas.openxmlformats.org/officeDocument/2006/relationships" xmlns:p="http://schemas.openxmlformats.org/presentationml/2006/main">
+  <p:cSld>
+    <p:spTree>
+      <p:nvGrpSpPr>
+        <p:cNvPr id="1" name=""/>
+        <p:cNvGrpSpPr/>
+        <p:nvPr/>
+      </p:nvGrpSpPr>
+      <p:grpSpPr>
+        <a:xfrm>
+          <a:off x="0" y="0"/>
+          <a:ext cx="0" cy="0"/>
+          <a:chOff x="0" y="0"/>
+          <a:chExt cx="0" cy="0"/>
+        </a:xfrm>
+      </p:grpSpPr>
+      <p:sp>
+        <p:nvSpPr>
+          <p:cNvPr id="3" name="Content Placeholder 2"/>
+          <p:cNvSpPr>
+            <a:spLocks noGrp="1"/>
+          </p:cNvSpPr>
+          <p:nvPr>
+            <p:ph idx="1"/>
+          </p:nvPr>
+        </p:nvSpPr>
+        <p:spPr>
+          <a:xfrm>
+            <a:off x="128789" y="90152"/>
+            <a:ext cx="11925836" cy="6086811"/>
+          </a:xfrm>
+        </p:spPr>
+        <p:txBody>
+          <a:bodyPr>
+            <a:normAutofit fontScale="92500" lnSpcReduction="20000"/>
+          </a:bodyPr>
+          <a:lstStyle/>
+          <a:p>
+            <a:pPr marL="0" indent="0">
+              <a:lnSpc>
+                <a:spcPct val="107000"/>
+              </a:lnSpc>
+              <a:spcAft>
+                <a:spcPts val="0"/>
+              </a:spcAft>
+              <a:buNone/>
+            </a:pPr>
+            <a:r>
+              <a:rPr lang="en-IN" sz="1400" b="1" u="sng" dirty="0">
+                <a:latin typeface="Verdana" panose="020B0604030504040204" pitchFamily="34" charset="0"/>
+                <a:ea typeface="Calibri" panose="020F0502020204030204" pitchFamily="34" charset="0"/>
+                <a:cs typeface="Times New Roman" panose="02020603050405020304" pitchFamily="18" charset="0"/>
+              </a:rPr>
+              <a:t>try block:</a:t>
+            </a:r>
+            <a:endParaRPr lang="en-IN" sz="1800" dirty="0">
+              <a:latin typeface="Calibri" panose="020F0502020204030204" pitchFamily="34" charset="0"/>
+              <a:ea typeface="Calibri" panose="020F0502020204030204" pitchFamily="34" charset="0"/>
+              <a:cs typeface="Times New Roman" panose="02020603050405020304" pitchFamily="18" charset="0"/>
+            </a:endParaRPr>
+          </a:p>
+          <a:p>
+            <a:pPr marL="342900" lvl="0" indent="-342900">
+              <a:lnSpc>
+                <a:spcPct val="107000"/>
+              </a:lnSpc>
+              <a:spcAft>
+                <a:spcPts val="0"/>
+              </a:spcAft>
+              <a:buFont typeface="Wingdings" panose="05000000000000000000" pitchFamily="2" charset="2"/>
+              <a:buChar char=""/>
+            </a:pPr>
+            <a:r>
+              <a:rPr lang="en-IN" sz="1400" dirty="0">
+                <a:latin typeface="Verdana" panose="020B0604030504040204" pitchFamily="34" charset="0"/>
+                <a:ea typeface="Calibri" panose="020F0502020204030204" pitchFamily="34" charset="0"/>
+                <a:cs typeface="Times New Roman" panose="02020603050405020304" pitchFamily="18" charset="0"/>
+              </a:rPr>
+              <a:t>This is the block in which we write the block of statements, this is a block of statements which will provide exception at runtime. In other words this block always contains set of problematic statements which will generate exception at runtime. This block is also known as exception monitoring block.</a:t>
+            </a:r>
+            <a:endParaRPr lang="en-IN" sz="1800" dirty="0">
+              <a:latin typeface="Calibri" panose="020F0502020204030204" pitchFamily="34" charset="0"/>
+              <a:ea typeface="Calibri" panose="020F0502020204030204" pitchFamily="34" charset="0"/>
+              <a:cs typeface="Times New Roman" panose="02020603050405020304" pitchFamily="18" charset="0"/>
+            </a:endParaRPr>
+          </a:p>
+          <a:p>
+            <a:pPr marL="342900" lvl="0" indent="-342900">
+              <a:lnSpc>
+                <a:spcPct val="107000"/>
+              </a:lnSpc>
+              <a:spcAft>
+                <a:spcPts val="0"/>
+              </a:spcAft>
+              <a:buFont typeface="Wingdings" panose="05000000000000000000" pitchFamily="2" charset="2"/>
+              <a:buChar char=""/>
+            </a:pPr>
+            <a:r>
+              <a:rPr lang="en-IN" sz="1400" dirty="0">
+                <a:latin typeface="Verdana" panose="020B0604030504040204" pitchFamily="34" charset="0"/>
+                <a:ea typeface="Calibri" panose="020F0502020204030204" pitchFamily="34" charset="0"/>
+                <a:cs typeface="Times New Roman" panose="02020603050405020304" pitchFamily="18" charset="0"/>
+              </a:rPr>
+              <a:t>Whenever an exception occurs in try block, JVM control comes out of the try block and JVM will execute appropriate catch block.</a:t>
+            </a:r>
+            <a:endParaRPr lang="en-IN" sz="1800" dirty="0">
+              <a:latin typeface="Calibri" panose="020F0502020204030204" pitchFamily="34" charset="0"/>
+              <a:ea typeface="Calibri" panose="020F0502020204030204" pitchFamily="34" charset="0"/>
+              <a:cs typeface="Times New Roman" panose="02020603050405020304" pitchFamily="18" charset="0"/>
+            </a:endParaRPr>
+          </a:p>
+          <a:p>
+            <a:pPr marL="342900" lvl="0" indent="-342900">
+              <a:lnSpc>
+                <a:spcPct val="107000"/>
+              </a:lnSpc>
+              <a:spcAft>
+                <a:spcPts val="0"/>
+              </a:spcAft>
+              <a:buFont typeface="Wingdings" panose="05000000000000000000" pitchFamily="2" charset="2"/>
+              <a:buChar char=""/>
+            </a:pPr>
+            <a:r>
+              <a:rPr lang="en-IN" sz="1400" dirty="0">
+                <a:latin typeface="Verdana" panose="020B0604030504040204" pitchFamily="34" charset="0"/>
+                <a:ea typeface="Calibri" panose="020F0502020204030204" pitchFamily="34" charset="0"/>
+                <a:cs typeface="Times New Roman" panose="02020603050405020304" pitchFamily="18" charset="0"/>
+              </a:rPr>
+              <a:t>After executing an appropriate catch block, JVM control never goes to try block to execute the rest of the statements even though we use return statement in catch block.</a:t>
+            </a:r>
+            <a:endParaRPr lang="en-IN" sz="1800" dirty="0">
+              <a:latin typeface="Calibri" panose="020F0502020204030204" pitchFamily="34" charset="0"/>
+              <a:ea typeface="Calibri" panose="020F0502020204030204" pitchFamily="34" charset="0"/>
+              <a:cs typeface="Times New Roman" panose="02020603050405020304" pitchFamily="18" charset="0"/>
+            </a:endParaRPr>
+          </a:p>
+          <a:p>
+            <a:pPr marL="342900" lvl="0" indent="-342900">
+              <a:lnSpc>
+                <a:spcPct val="107000"/>
+              </a:lnSpc>
+              <a:spcAft>
+                <a:spcPts val="0"/>
+              </a:spcAft>
+              <a:buFont typeface="Wingdings" panose="05000000000000000000" pitchFamily="2" charset="2"/>
+              <a:buChar char=""/>
+            </a:pPr>
+            <a:r>
+              <a:rPr lang="en-IN" sz="1400" dirty="0">
+                <a:latin typeface="Verdana" panose="020B0604030504040204" pitchFamily="34" charset="0"/>
+                <a:ea typeface="Calibri" panose="020F0502020204030204" pitchFamily="34" charset="0"/>
+                <a:cs typeface="Times New Roman" panose="02020603050405020304" pitchFamily="18" charset="0"/>
+              </a:rPr>
+              <a:t>Programmatically each and every try block must be followed by catch block otherwise we get compile time error in other words intermediate statements are not permitted between try and catch blocks.</a:t>
+            </a:r>
+            <a:endParaRPr lang="en-IN" sz="1800" dirty="0">
+              <a:latin typeface="Calibri" panose="020F0502020204030204" pitchFamily="34" charset="0"/>
+              <a:ea typeface="Calibri" panose="020F0502020204030204" pitchFamily="34" charset="0"/>
+              <a:cs typeface="Times New Roman" panose="02020603050405020304" pitchFamily="18" charset="0"/>
+            </a:endParaRPr>
+          </a:p>
+          <a:p>
+            <a:pPr marL="342900" lvl="0" indent="-342900">
+              <a:lnSpc>
+                <a:spcPct val="107000"/>
+              </a:lnSpc>
+              <a:spcAft>
+                <a:spcPts val="0"/>
+              </a:spcAft>
+              <a:buFont typeface="Wingdings" panose="05000000000000000000" pitchFamily="2" charset="2"/>
+              <a:buChar char=""/>
+            </a:pPr>
+            <a:r>
+              <a:rPr lang="en-IN" sz="1400" dirty="0">
+                <a:latin typeface="Verdana" panose="020B0604030504040204" pitchFamily="34" charset="0"/>
+                <a:ea typeface="Calibri" panose="020F0502020204030204" pitchFamily="34" charset="0"/>
+                <a:cs typeface="Times New Roman" panose="02020603050405020304" pitchFamily="18" charset="0"/>
+              </a:rPr>
+              <a:t>Each and every try block must contain at least one catch block and industry is highly recommended to write multiple catch blocks for generating multiple user friendly error messages for making java application robust.</a:t>
+            </a:r>
+            <a:endParaRPr lang="en-IN" sz="1800" dirty="0">
+              <a:latin typeface="Calibri" panose="020F0502020204030204" pitchFamily="34" charset="0"/>
+              <a:ea typeface="Calibri" panose="020F0502020204030204" pitchFamily="34" charset="0"/>
+              <a:cs typeface="Times New Roman" panose="02020603050405020304" pitchFamily="18" charset="0"/>
+            </a:endParaRPr>
+          </a:p>
+          <a:p>
+            <a:pPr marL="342900" lvl="0" indent="-342900">
+              <a:lnSpc>
+                <a:spcPct val="107000"/>
+              </a:lnSpc>
+              <a:spcAft>
+                <a:spcPts val="0"/>
+              </a:spcAft>
+              <a:buFont typeface="Wingdings" panose="05000000000000000000" pitchFamily="2" charset="2"/>
+              <a:buChar char=""/>
+            </a:pPr>
+            <a:r>
+              <a:rPr lang="en-IN" sz="1400" dirty="0">
+                <a:latin typeface="Verdana" panose="020B0604030504040204" pitchFamily="34" charset="0"/>
+                <a:ea typeface="Calibri" panose="020F0502020204030204" pitchFamily="34" charset="0"/>
+                <a:cs typeface="Times New Roman" panose="02020603050405020304" pitchFamily="18" charset="0"/>
+              </a:rPr>
+              <a:t>One try block can contain another try block i.e. nested try blocks can be permitted.</a:t>
+            </a:r>
+            <a:endParaRPr lang="en-IN" sz="1800" dirty="0">
+              <a:latin typeface="Calibri" panose="020F0502020204030204" pitchFamily="34" charset="0"/>
+              <a:ea typeface="Calibri" panose="020F0502020204030204" pitchFamily="34" charset="0"/>
+              <a:cs typeface="Times New Roman" panose="02020603050405020304" pitchFamily="18" charset="0"/>
+            </a:endParaRPr>
+          </a:p>
+          <a:p>
+            <a:pPr marL="0" indent="0">
+              <a:lnSpc>
+                <a:spcPct val="107000"/>
+              </a:lnSpc>
+              <a:spcAft>
+                <a:spcPts val="0"/>
+              </a:spcAft>
+              <a:buNone/>
+            </a:pPr>
+            <a:r>
+              <a:rPr lang="en-IN" sz="1400" b="1" u="sng" dirty="0">
+                <a:latin typeface="Verdana" panose="020B0604030504040204" pitchFamily="34" charset="0"/>
+                <a:ea typeface="Calibri" panose="020F0502020204030204" pitchFamily="34" charset="0"/>
+                <a:cs typeface="Times New Roman" panose="02020603050405020304" pitchFamily="18" charset="0"/>
+              </a:rPr>
+              <a:t>catch block:</a:t>
+            </a:r>
+            <a:endParaRPr lang="en-IN" sz="1400" dirty="0">
+              <a:latin typeface="Calibri" panose="020F0502020204030204" pitchFamily="34" charset="0"/>
+              <a:ea typeface="Calibri" panose="020F0502020204030204" pitchFamily="34" charset="0"/>
+              <a:cs typeface="Times New Roman" panose="02020603050405020304" pitchFamily="18" charset="0"/>
+            </a:endParaRPr>
+          </a:p>
+          <a:p>
+            <a:pPr marL="342900" lvl="0" indent="-342900">
+              <a:lnSpc>
+                <a:spcPct val="107000"/>
+              </a:lnSpc>
+              <a:spcAft>
+                <a:spcPts val="0"/>
+              </a:spcAft>
+              <a:buFont typeface="Wingdings" panose="05000000000000000000" pitchFamily="2" charset="2"/>
+              <a:buChar char=""/>
+            </a:pPr>
+            <a:r>
+              <a:rPr lang="en-IN" sz="1400" dirty="0">
+                <a:latin typeface="Verdana" panose="020B0604030504040204" pitchFamily="34" charset="0"/>
+                <a:ea typeface="Calibri" panose="020F0502020204030204" pitchFamily="34" charset="0"/>
+                <a:cs typeface="Times New Roman" panose="02020603050405020304" pitchFamily="18" charset="0"/>
+              </a:rPr>
+              <a:t>This is the block which will contains block of statements which will provide user friendly error messages instead of generating system error messages. In other words, catch block will supress system error messages and generates user friendly error messages.</a:t>
+            </a:r>
+            <a:endParaRPr lang="en-IN" sz="1400" dirty="0">
+              <a:latin typeface="Calibri" panose="020F0502020204030204" pitchFamily="34" charset="0"/>
+              <a:ea typeface="Calibri" panose="020F0502020204030204" pitchFamily="34" charset="0"/>
+              <a:cs typeface="Times New Roman" panose="02020603050405020304" pitchFamily="18" charset="0"/>
+            </a:endParaRPr>
+          </a:p>
+          <a:p>
+            <a:pPr marL="342900" lvl="0" indent="-342900">
+              <a:lnSpc>
+                <a:spcPct val="107000"/>
+              </a:lnSpc>
+              <a:spcAft>
+                <a:spcPts val="0"/>
+              </a:spcAft>
+              <a:buFont typeface="Wingdings" panose="05000000000000000000" pitchFamily="2" charset="2"/>
+              <a:buChar char=""/>
+            </a:pPr>
+            <a:r>
+              <a:rPr lang="en-IN" sz="1400" dirty="0">
+                <a:latin typeface="Verdana" panose="020B0604030504040204" pitchFamily="34" charset="0"/>
+                <a:ea typeface="Calibri" panose="020F0502020204030204" pitchFamily="34" charset="0"/>
+                <a:cs typeface="Times New Roman" panose="02020603050405020304" pitchFamily="18" charset="0"/>
+              </a:rPr>
+              <a:t>Writing catch block is nothing but handling the exception, JVM will execute an appropriate catch block if an exception occurs in try block.</a:t>
+            </a:r>
+          </a:p>
+          <a:p>
+            <a:pPr marL="342900" lvl="0" indent="-342900">
+              <a:lnSpc>
+                <a:spcPct val="107000"/>
+              </a:lnSpc>
+              <a:spcAft>
+                <a:spcPts val="0"/>
+              </a:spcAft>
+              <a:buFont typeface="Wingdings" panose="05000000000000000000" pitchFamily="2" charset="2"/>
+              <a:buChar char=""/>
+            </a:pPr>
+            <a:r>
+              <a:rPr lang="en-IN" sz="1400" dirty="0">
+                <a:latin typeface="Verdana" panose="020B0604030504040204" pitchFamily="34" charset="0"/>
+                <a:ea typeface="Calibri" panose="020F0502020204030204" pitchFamily="34" charset="0"/>
+                <a:cs typeface="Times New Roman" panose="02020603050405020304" pitchFamily="18" charset="0"/>
+              </a:rPr>
+              <a:t>At any point of time even though their exist many number of catch blocks, JVM can execute only one catch block depends on the type of exception occurs in the try block.</a:t>
+            </a:r>
+            <a:endParaRPr lang="en-IN" sz="1400" dirty="0">
+              <a:latin typeface="Calibri" panose="020F0502020204030204" pitchFamily="34" charset="0"/>
+              <a:ea typeface="Calibri" panose="020F0502020204030204" pitchFamily="34" charset="0"/>
+              <a:cs typeface="Times New Roman" panose="02020603050405020304" pitchFamily="18" charset="0"/>
+            </a:endParaRPr>
+          </a:p>
+          <a:p>
+            <a:pPr marL="342900" lvl="0" indent="-342900">
+              <a:lnSpc>
+                <a:spcPct val="107000"/>
+              </a:lnSpc>
+              <a:spcAft>
+                <a:spcPts val="0"/>
+              </a:spcAft>
+              <a:buFont typeface="Wingdings" panose="05000000000000000000" pitchFamily="2" charset="2"/>
+              <a:buChar char=""/>
+            </a:pPr>
+            <a:r>
+              <a:rPr lang="en-IN" sz="1400" dirty="0">
+                <a:latin typeface="Verdana" panose="020B0604030504040204" pitchFamily="34" charset="0"/>
+                <a:ea typeface="Calibri" panose="020F0502020204030204" pitchFamily="34" charset="0"/>
+                <a:cs typeface="Times New Roman" panose="02020603050405020304" pitchFamily="18" charset="0"/>
+              </a:rPr>
+              <a:t>If at all we write finally block, it must be written immediately after catch block or every catch block immediately followed by finally block or intermediate statements are not permitted between catch and finally block.</a:t>
+            </a:r>
+            <a:endParaRPr lang="en-IN" sz="1400" dirty="0">
+              <a:latin typeface="Calibri" panose="020F0502020204030204" pitchFamily="34" charset="0"/>
+              <a:ea typeface="Calibri" panose="020F0502020204030204" pitchFamily="34" charset="0"/>
+              <a:cs typeface="Times New Roman" panose="02020603050405020304" pitchFamily="18" charset="0"/>
+            </a:endParaRPr>
+          </a:p>
+          <a:p>
+            <a:pPr marL="342900" lvl="0" indent="-342900">
+              <a:lnSpc>
+                <a:spcPct val="107000"/>
+              </a:lnSpc>
+              <a:spcAft>
+                <a:spcPts val="0"/>
+              </a:spcAft>
+              <a:buFont typeface="Wingdings" panose="05000000000000000000" pitchFamily="2" charset="2"/>
+              <a:buChar char=""/>
+            </a:pPr>
+            <a:r>
+              <a:rPr lang="en-IN" sz="1400" dirty="0">
+                <a:latin typeface="Verdana" panose="020B0604030504040204" pitchFamily="34" charset="0"/>
+                <a:ea typeface="Calibri" panose="020F0502020204030204" pitchFamily="34" charset="0"/>
+                <a:cs typeface="Times New Roman" panose="02020603050405020304" pitchFamily="18" charset="0"/>
+              </a:rPr>
+              <a:t>In the catch block as a java programmer we declare an object of exception subclass and internally JVM will reference an object of exception sub class.</a:t>
+            </a:r>
+          </a:p>
+          <a:p>
+            <a:pPr marL="342900" lvl="0" indent="-342900">
+              <a:lnSpc>
+                <a:spcPct val="107000"/>
+              </a:lnSpc>
+              <a:spcAft>
+                <a:spcPts val="0"/>
+              </a:spcAft>
+              <a:buFont typeface="Wingdings" panose="05000000000000000000" pitchFamily="2" charset="2"/>
+              <a:buChar char=""/>
+            </a:pPr>
+            <a:r>
+              <a:rPr lang="en-IN" sz="1400" dirty="0">
+                <a:latin typeface="Verdana" panose="020B0604030504040204" pitchFamily="34" charset="0"/>
+                <a:ea typeface="Calibri" panose="020F0502020204030204" pitchFamily="34" charset="0"/>
+                <a:cs typeface="Times New Roman" panose="02020603050405020304" pitchFamily="18" charset="0"/>
+              </a:rPr>
+              <a:t>In some of the circumstances one catch block can contain try and catch block.</a:t>
+            </a:r>
+            <a:endParaRPr lang="en-IN" sz="1400" dirty="0">
+              <a:latin typeface="Calibri" panose="020F0502020204030204" pitchFamily="34" charset="0"/>
+              <a:ea typeface="Calibri" panose="020F0502020204030204" pitchFamily="34" charset="0"/>
+              <a:cs typeface="Times New Roman" panose="02020603050405020304" pitchFamily="18" charset="0"/>
+            </a:endParaRPr>
+          </a:p>
+          <a:p>
+            <a:pPr marL="0" indent="0">
+              <a:buNone/>
+            </a:pPr>
+            <a:endParaRPr lang="en-IN" sz="1400" dirty="0">
+              <a:latin typeface="Verdana" panose="020B0604030504040204" pitchFamily="34" charset="0"/>
+              <a:ea typeface="Verdana" panose="020B0604030504040204" pitchFamily="34" charset="0"/>
+              <a:cs typeface="Verdana" panose="020B0604030504040204" pitchFamily="34" charset="0"/>
+            </a:endParaRPr>
+          </a:p>
+        </p:txBody>
+      </p:sp>
+    </p:spTree>
+    <p:extLst>
+      <p:ext uri="{BB962C8B-B14F-4D97-AF65-F5344CB8AC3E}">
+        <p14:creationId xmlns:p14="http://schemas.microsoft.com/office/powerpoint/2010/main" val="2748524073"/>
+      </p:ext>
+    </p:extLst>
+  </p:cSld>
+  <p:clrMapOvr>
+    <a:masterClrMapping/>
+  </p:clrMapOvr>
+  <p:timing>
+    <p:tnLst>
+      <p:par>
+        <p:cTn id="1" dur="indefinite" restart="never" nodeType="tmRoot"/>
+      </p:par>
+    </p:tnLst>
+  </p:timing>
+</p:sld>
+</file>
+
+<file path=ppt/slides/slide39.xml><?xml version="1.0" encoding="utf-8"?>
+<p:sld xmlns:a="http://schemas.openxmlformats.org/drawingml/2006/main" xmlns:r="http://schemas.openxmlformats.org/officeDocument/2006/relationships" xmlns:p="http://schemas.openxmlformats.org/presentationml/2006/main">
+  <p:cSld>
+    <p:spTree>
+      <p:nvGrpSpPr>
+        <p:cNvPr id="1" name=""/>
+        <p:cNvGrpSpPr/>
+        <p:nvPr/>
+      </p:nvGrpSpPr>
+      <p:grpSpPr>
+        <a:xfrm>
+          <a:off x="0" y="0"/>
+          <a:ext cx="0" cy="0"/>
+          <a:chOff x="0" y="0"/>
+          <a:chExt cx="0" cy="0"/>
+        </a:xfrm>
+      </p:grpSpPr>
+      <p:sp>
+        <p:nvSpPr>
+          <p:cNvPr id="3" name="Content Placeholder 2"/>
+          <p:cNvSpPr>
+            <a:spLocks noGrp="1"/>
+          </p:cNvSpPr>
+          <p:nvPr>
+            <p:ph idx="1"/>
+          </p:nvPr>
+        </p:nvSpPr>
+        <p:spPr>
+          <a:xfrm>
+            <a:off x="128789" y="218941"/>
+            <a:ext cx="11925836" cy="6516710"/>
+          </a:xfrm>
+        </p:spPr>
+        <p:txBody>
+          <a:bodyPr>
+            <a:normAutofit/>
+          </a:bodyPr>
+          <a:lstStyle/>
+          <a:p>
+            <a:pPr>
+              <a:lnSpc>
+                <a:spcPct val="107000"/>
+              </a:lnSpc>
+              <a:spcAft>
+                <a:spcPts val="0"/>
+              </a:spcAft>
+            </a:pPr>
+            <a:r>
+              <a:rPr lang="en-IN" sz="1400" b="1" u="sng" dirty="0">
+                <a:latin typeface="Verdana" panose="020B0604030504040204" pitchFamily="34" charset="0"/>
+                <a:ea typeface="Calibri" panose="020F0502020204030204" pitchFamily="34" charset="0"/>
+                <a:cs typeface="Times New Roman" panose="02020603050405020304" pitchFamily="18" charset="0"/>
+              </a:rPr>
+              <a:t>finally block:</a:t>
+            </a:r>
+            <a:endParaRPr lang="en-IN" sz="1800" dirty="0">
+              <a:latin typeface="Calibri" panose="020F0502020204030204" pitchFamily="34" charset="0"/>
+              <a:ea typeface="Calibri" panose="020F0502020204030204" pitchFamily="34" charset="0"/>
+              <a:cs typeface="Times New Roman" panose="02020603050405020304" pitchFamily="18" charset="0"/>
+            </a:endParaRPr>
+          </a:p>
+          <a:p>
+            <a:pPr marL="342900" lvl="0" indent="-342900">
+              <a:lnSpc>
+                <a:spcPct val="107000"/>
+              </a:lnSpc>
+              <a:spcAft>
+                <a:spcPts val="0"/>
+              </a:spcAft>
+              <a:buFont typeface="Wingdings" panose="05000000000000000000" pitchFamily="2" charset="2"/>
+              <a:buChar char=""/>
+            </a:pPr>
+            <a:r>
+              <a:rPr lang="en-IN" sz="1400" dirty="0">
+                <a:latin typeface="Verdana" panose="020B0604030504040204" pitchFamily="34" charset="0"/>
+                <a:ea typeface="Calibri" panose="020F0502020204030204" pitchFamily="34" charset="0"/>
+                <a:cs typeface="Times New Roman" panose="02020603050405020304" pitchFamily="18" charset="0"/>
+              </a:rPr>
+              <a:t>It is the block in which we write block of statements which are used for relinquish (release or close) the resource/files/DB which are obtained in try block.</a:t>
+            </a:r>
+            <a:endParaRPr lang="en-IN" sz="1800" dirty="0">
+              <a:latin typeface="Calibri" panose="020F0502020204030204" pitchFamily="34" charset="0"/>
+              <a:ea typeface="Calibri" panose="020F0502020204030204" pitchFamily="34" charset="0"/>
+              <a:cs typeface="Times New Roman" panose="02020603050405020304" pitchFamily="18" charset="0"/>
+            </a:endParaRPr>
+          </a:p>
+          <a:p>
+            <a:pPr marL="342900" lvl="0" indent="-342900">
+              <a:lnSpc>
+                <a:spcPct val="107000"/>
+              </a:lnSpc>
+              <a:spcAft>
+                <a:spcPts val="0"/>
+              </a:spcAft>
+              <a:buFont typeface="Wingdings" panose="05000000000000000000" pitchFamily="2" charset="2"/>
+              <a:buChar char=""/>
+            </a:pPr>
+            <a:r>
+              <a:rPr lang="en-IN" sz="1400" dirty="0">
+                <a:latin typeface="Verdana" panose="020B0604030504040204" pitchFamily="34" charset="0"/>
+                <a:ea typeface="Calibri" panose="020F0502020204030204" pitchFamily="34" charset="0"/>
+                <a:cs typeface="Times New Roman" panose="02020603050405020304" pitchFamily="18" charset="0"/>
+              </a:rPr>
+              <a:t>Finally block will execute compulsory.</a:t>
+            </a:r>
+            <a:endParaRPr lang="en-IN" sz="1800" dirty="0">
+              <a:latin typeface="Calibri" panose="020F0502020204030204" pitchFamily="34" charset="0"/>
+              <a:ea typeface="Calibri" panose="020F0502020204030204" pitchFamily="34" charset="0"/>
+              <a:cs typeface="Times New Roman" panose="02020603050405020304" pitchFamily="18" charset="0"/>
+            </a:endParaRPr>
+          </a:p>
+          <a:p>
+            <a:pPr marL="342900" lvl="0" indent="-342900">
+              <a:lnSpc>
+                <a:spcPct val="107000"/>
+              </a:lnSpc>
+              <a:spcAft>
+                <a:spcPts val="0"/>
+              </a:spcAft>
+              <a:buFont typeface="Wingdings" panose="05000000000000000000" pitchFamily="2" charset="2"/>
+              <a:buChar char=""/>
+            </a:pPr>
+            <a:r>
+              <a:rPr lang="en-IN" sz="1400" dirty="0">
+                <a:latin typeface="Verdana" panose="020B0604030504040204" pitchFamily="34" charset="0"/>
+                <a:ea typeface="Calibri" panose="020F0502020204030204" pitchFamily="34" charset="0"/>
+                <a:cs typeface="Times New Roman" panose="02020603050405020304" pitchFamily="18" charset="0"/>
+              </a:rPr>
+              <a:t>Writing finally block is optional.</a:t>
+            </a:r>
+            <a:endParaRPr lang="en-IN" sz="1800" dirty="0">
+              <a:latin typeface="Calibri" panose="020F0502020204030204" pitchFamily="34" charset="0"/>
+              <a:ea typeface="Calibri" panose="020F0502020204030204" pitchFamily="34" charset="0"/>
+              <a:cs typeface="Times New Roman" panose="02020603050405020304" pitchFamily="18" charset="0"/>
+            </a:endParaRPr>
+          </a:p>
+          <a:p>
+            <a:pPr marL="342900" lvl="0" indent="-342900">
+              <a:lnSpc>
+                <a:spcPct val="107000"/>
+              </a:lnSpc>
+              <a:spcAft>
+                <a:spcPts val="0"/>
+              </a:spcAft>
+              <a:buFont typeface="Wingdings" panose="05000000000000000000" pitchFamily="2" charset="2"/>
+              <a:buChar char=""/>
+            </a:pPr>
+            <a:r>
+              <a:rPr lang="en-IN" sz="1400" dirty="0">
+                <a:latin typeface="Verdana" panose="020B0604030504040204" pitchFamily="34" charset="0"/>
+                <a:ea typeface="Calibri" panose="020F0502020204030204" pitchFamily="34" charset="0"/>
+                <a:cs typeface="Times New Roman" panose="02020603050405020304" pitchFamily="18" charset="0"/>
+              </a:rPr>
+              <a:t>For per java programme, It is highly recommended for java programmer to write only one finally block for releasing the resource which are appending in try block.</a:t>
+            </a:r>
+            <a:endParaRPr lang="en-IN" sz="1800" dirty="0">
+              <a:latin typeface="Calibri" panose="020F0502020204030204" pitchFamily="34" charset="0"/>
+              <a:ea typeface="Calibri" panose="020F0502020204030204" pitchFamily="34" charset="0"/>
+              <a:cs typeface="Times New Roman" panose="02020603050405020304" pitchFamily="18" charset="0"/>
+            </a:endParaRPr>
+          </a:p>
+          <a:p>
+            <a:pPr marL="342900" lvl="0" indent="-342900">
+              <a:lnSpc>
+                <a:spcPct val="107000"/>
+              </a:lnSpc>
+              <a:spcAft>
+                <a:spcPts val="0"/>
+              </a:spcAft>
+              <a:buFont typeface="Wingdings" panose="05000000000000000000" pitchFamily="2" charset="2"/>
+              <a:buChar char=""/>
+            </a:pPr>
+            <a:r>
+              <a:rPr lang="en-IN" sz="1400" dirty="0">
+                <a:latin typeface="Verdana" panose="020B0604030504040204" pitchFamily="34" charset="0"/>
+                <a:ea typeface="Calibri" panose="020F0502020204030204" pitchFamily="34" charset="0"/>
+                <a:cs typeface="Times New Roman" panose="02020603050405020304" pitchFamily="18" charset="0"/>
+              </a:rPr>
+              <a:t>In some of the circumstances, in the finally block one can write a try and catch block</a:t>
+            </a:r>
+            <a:r>
+              <a:rPr lang="en-IN" sz="1400" dirty="0" smtClean="0">
+                <a:latin typeface="Verdana" panose="020B0604030504040204" pitchFamily="34" charset="0"/>
+                <a:ea typeface="Calibri" panose="020F0502020204030204" pitchFamily="34" charset="0"/>
+                <a:cs typeface="Times New Roman" panose="02020603050405020304" pitchFamily="18" charset="0"/>
+              </a:rPr>
+              <a:t>.</a:t>
+            </a:r>
+          </a:p>
+          <a:p>
+            <a:pPr marL="0" lvl="0" indent="0">
+              <a:lnSpc>
+                <a:spcPct val="107000"/>
+              </a:lnSpc>
+              <a:spcAft>
+                <a:spcPts val="0"/>
+              </a:spcAft>
+              <a:buNone/>
+            </a:pPr>
+            <a:r>
+              <a:rPr lang="en-IN" sz="1800" b="1" u="sng" dirty="0"/>
+              <a:t>Throws keyword</a:t>
+            </a:r>
+            <a:r>
+              <a:rPr lang="en-IN" sz="1800" b="1" u="sng" dirty="0" smtClean="0"/>
+              <a:t>:</a:t>
+            </a:r>
+          </a:p>
+          <a:p>
+            <a:pPr>
+              <a:lnSpc>
+                <a:spcPct val="107000"/>
+              </a:lnSpc>
+            </a:pPr>
+            <a:r>
+              <a:rPr lang="en-IN" sz="1400" i="1" dirty="0">
+                <a:latin typeface="Verdana" panose="020B0604030504040204" pitchFamily="34" charset="0"/>
+                <a:ea typeface="Calibri" panose="020F0502020204030204" pitchFamily="34" charset="0"/>
+                <a:cs typeface="Times New Roman" panose="02020603050405020304" pitchFamily="18" charset="0"/>
+              </a:rPr>
+              <a:t>“Purpose of throws keyword is that it will express or describes the exceptions occurring in common method body</a:t>
+            </a:r>
+            <a:r>
+              <a:rPr lang="en-IN" sz="1400" i="1" dirty="0" smtClean="0">
+                <a:latin typeface="Verdana" panose="020B0604030504040204" pitchFamily="34" charset="0"/>
+                <a:ea typeface="Calibri" panose="020F0502020204030204" pitchFamily="34" charset="0"/>
+                <a:cs typeface="Times New Roman" panose="02020603050405020304" pitchFamily="18" charset="0"/>
+              </a:rPr>
+              <a:t>.”</a:t>
+            </a:r>
+            <a:endParaRPr lang="en-IN" sz="1400" i="1" dirty="0" smtClean="0">
+              <a:latin typeface="Calibri" panose="020F0502020204030204" pitchFamily="34" charset="0"/>
+              <a:ea typeface="Calibri" panose="020F0502020204030204" pitchFamily="34" charset="0"/>
+              <a:cs typeface="Times New Roman" panose="02020603050405020304" pitchFamily="18" charset="0"/>
+            </a:endParaRPr>
+          </a:p>
+          <a:p>
+            <a:pPr marL="0" indent="0">
+              <a:lnSpc>
+                <a:spcPct val="107000"/>
+              </a:lnSpc>
+              <a:buNone/>
+            </a:pPr>
+            <a:r>
+              <a:rPr lang="en-IN" sz="1400" i="1" dirty="0" smtClean="0">
+                <a:latin typeface="Verdana" panose="020B0604030504040204" pitchFamily="34" charset="0"/>
+                <a:ea typeface="Calibri" panose="020F0502020204030204" pitchFamily="34" charset="0"/>
+                <a:cs typeface="Times New Roman" panose="02020603050405020304" pitchFamily="18" charset="0"/>
+              </a:rPr>
+              <a:t>                                    </a:t>
+            </a:r>
+            <a:r>
+              <a:rPr lang="en-IN" sz="1400" i="1" dirty="0">
+                <a:latin typeface="Verdana" panose="020B0604030504040204" pitchFamily="34" charset="0"/>
+                <a:ea typeface="Calibri" panose="020F0502020204030204" pitchFamily="34" charset="0"/>
+                <a:cs typeface="Times New Roman" panose="02020603050405020304" pitchFamily="18" charset="0"/>
+              </a:rPr>
+              <a:t>OR</a:t>
+            </a:r>
+            <a:endParaRPr lang="en-IN" sz="1400" i="1" dirty="0">
+              <a:latin typeface="Calibri" panose="020F0502020204030204" pitchFamily="34" charset="0"/>
+              <a:ea typeface="Calibri" panose="020F0502020204030204" pitchFamily="34" charset="0"/>
+              <a:cs typeface="Times New Roman" panose="02020603050405020304" pitchFamily="18" charset="0"/>
+            </a:endParaRPr>
+          </a:p>
+          <a:p>
+            <a:pPr>
+              <a:lnSpc>
+                <a:spcPct val="107000"/>
+              </a:lnSpc>
+            </a:pPr>
+            <a:r>
+              <a:rPr lang="en-IN" sz="1400" i="1" dirty="0">
+                <a:latin typeface="Verdana" panose="020B0604030504040204" pitchFamily="34" charset="0"/>
+                <a:ea typeface="Calibri" panose="020F0502020204030204" pitchFamily="34" charset="0"/>
+                <a:cs typeface="Times New Roman" panose="02020603050405020304" pitchFamily="18" charset="0"/>
+              </a:rPr>
+              <a:t>“Throws is a keyword which gives an indication to the specific method to place the common exception method under try and catch block for generating user friendly error message.”</a:t>
+            </a:r>
+            <a:endParaRPr lang="en-IN" sz="1400" i="1" dirty="0">
+              <a:latin typeface="Calibri" panose="020F0502020204030204" pitchFamily="34" charset="0"/>
+              <a:ea typeface="Calibri" panose="020F0502020204030204" pitchFamily="34" charset="0"/>
+              <a:cs typeface="Times New Roman" panose="02020603050405020304" pitchFamily="18" charset="0"/>
+            </a:endParaRPr>
+          </a:p>
+          <a:p>
+            <a:pPr marL="0" indent="0">
+              <a:lnSpc>
+                <a:spcPct val="107000"/>
+              </a:lnSpc>
+              <a:spcAft>
+                <a:spcPts val="800"/>
+              </a:spcAft>
+              <a:buNone/>
+            </a:pPr>
+            <a:r>
+              <a:rPr lang="en-IN" sz="1400" b="1" u="sng" dirty="0" smtClean="0">
+                <a:latin typeface="Verdana" panose="020B0604030504040204" pitchFamily="34" charset="0"/>
+                <a:ea typeface="Calibri" panose="020F0502020204030204" pitchFamily="34" charset="0"/>
+                <a:cs typeface="Times New Roman" panose="02020603050405020304" pitchFamily="18" charset="0"/>
+              </a:rPr>
+              <a:t>Throw keyword: </a:t>
+            </a:r>
+            <a:endParaRPr lang="en-IN" sz="1800" u="sng" dirty="0">
+              <a:latin typeface="Calibri" panose="020F0502020204030204" pitchFamily="34" charset="0"/>
+              <a:ea typeface="Calibri" panose="020F0502020204030204" pitchFamily="34" charset="0"/>
+              <a:cs typeface="Times New Roman" panose="02020603050405020304" pitchFamily="18" charset="0"/>
+            </a:endParaRPr>
+          </a:p>
+          <a:p>
+            <a:pPr>
+              <a:lnSpc>
+                <a:spcPct val="107000"/>
+              </a:lnSpc>
+              <a:spcAft>
+                <a:spcPts val="800"/>
+              </a:spcAft>
+            </a:pPr>
+            <a:r>
+              <a:rPr lang="en-IN" sz="1400" i="1" dirty="0">
+                <a:latin typeface="Verdana" panose="020B0604030504040204" pitchFamily="34" charset="0"/>
+                <a:ea typeface="Calibri" panose="020F0502020204030204" pitchFamily="34" charset="0"/>
+                <a:cs typeface="Times New Roman" panose="02020603050405020304" pitchFamily="18" charset="0"/>
+              </a:rPr>
+              <a:t>It is keyword used for hitting/generating the exception which is occurring as a part of method </a:t>
+            </a:r>
+            <a:r>
+              <a:rPr lang="en-IN" sz="1400" i="1" dirty="0" smtClean="0">
+                <a:latin typeface="Verdana" panose="020B0604030504040204" pitchFamily="34" charset="0"/>
+                <a:ea typeface="Calibri" panose="020F0502020204030204" pitchFamily="34" charset="0"/>
+                <a:cs typeface="Times New Roman" panose="02020603050405020304" pitchFamily="18" charset="0"/>
+              </a:rPr>
+              <a:t>body.</a:t>
+            </a:r>
+            <a:endParaRPr lang="en-IN" sz="1800" dirty="0" smtClean="0">
+              <a:latin typeface="Calibri" panose="020F0502020204030204" pitchFamily="34" charset="0"/>
+              <a:ea typeface="Calibri" panose="020F0502020204030204" pitchFamily="34" charset="0"/>
+              <a:cs typeface="Times New Roman" panose="02020603050405020304" pitchFamily="18" charset="0"/>
+            </a:endParaRPr>
+          </a:p>
+          <a:p>
+            <a:pPr marL="0" indent="0">
+              <a:lnSpc>
+                <a:spcPct val="107000"/>
+              </a:lnSpc>
+              <a:spcAft>
+                <a:spcPts val="800"/>
+              </a:spcAft>
+              <a:buNone/>
+            </a:pPr>
+            <a:r>
+              <a:rPr lang="en-IN" sz="1800" dirty="0">
+                <a:latin typeface="Calibri" panose="020F0502020204030204" pitchFamily="34" charset="0"/>
+                <a:ea typeface="Calibri" panose="020F0502020204030204" pitchFamily="34" charset="0"/>
+                <a:cs typeface="Times New Roman" panose="02020603050405020304" pitchFamily="18" charset="0"/>
+              </a:rPr>
+              <a:t>	</a:t>
+            </a:r>
+            <a:r>
+              <a:rPr lang="en-IN" sz="1800" dirty="0" smtClean="0">
+                <a:latin typeface="Calibri" panose="020F0502020204030204" pitchFamily="34" charset="0"/>
+                <a:ea typeface="Calibri" panose="020F0502020204030204" pitchFamily="34" charset="0"/>
+                <a:cs typeface="Times New Roman" panose="02020603050405020304" pitchFamily="18" charset="0"/>
+              </a:rPr>
+              <a:t>		</a:t>
+            </a:r>
+            <a:r>
+              <a:rPr lang="en-IN" sz="1400" dirty="0" smtClean="0">
+                <a:latin typeface="Verdana" panose="020B0604030504040204" pitchFamily="34" charset="0"/>
+                <a:ea typeface="Calibri" panose="020F0502020204030204" pitchFamily="34" charset="0"/>
+                <a:cs typeface="Times New Roman" panose="02020603050405020304" pitchFamily="18" charset="0"/>
+              </a:rPr>
+              <a:t>OR</a:t>
+            </a:r>
+            <a:endParaRPr lang="en-IN" sz="1800" dirty="0">
+              <a:latin typeface="Calibri" panose="020F0502020204030204" pitchFamily="34" charset="0"/>
+              <a:ea typeface="Calibri" panose="020F0502020204030204" pitchFamily="34" charset="0"/>
+              <a:cs typeface="Times New Roman" panose="02020603050405020304" pitchFamily="18" charset="0"/>
+            </a:endParaRPr>
+          </a:p>
+          <a:p>
+            <a:pPr>
+              <a:lnSpc>
+                <a:spcPct val="107000"/>
+              </a:lnSpc>
+              <a:spcAft>
+                <a:spcPts val="800"/>
+              </a:spcAft>
+            </a:pPr>
+            <a:r>
+              <a:rPr lang="en-IN" sz="1400" i="1" dirty="0">
+                <a:latin typeface="Verdana" panose="020B0604030504040204" pitchFamily="34" charset="0"/>
+                <a:ea typeface="Calibri" panose="020F0502020204030204" pitchFamily="34" charset="0"/>
+                <a:cs typeface="Times New Roman" panose="02020603050405020304" pitchFamily="18" charset="0"/>
+              </a:rPr>
+              <a:t>Throw is keyword which is used for carrying the created exception from the method body and handover to the throws keyword.</a:t>
+            </a:r>
+            <a:endParaRPr lang="en-IN" sz="1800" dirty="0">
+              <a:latin typeface="Calibri" panose="020F0502020204030204" pitchFamily="34" charset="0"/>
+              <a:ea typeface="Calibri" panose="020F0502020204030204" pitchFamily="34" charset="0"/>
+              <a:cs typeface="Times New Roman" panose="02020603050405020304" pitchFamily="18" charset="0"/>
+            </a:endParaRPr>
+          </a:p>
+          <a:p>
+            <a:endParaRPr lang="en-IN" sz="1400" dirty="0">
+              <a:latin typeface="Verdana" panose="020B0604030504040204" pitchFamily="34" charset="0"/>
+              <a:ea typeface="Verdana" panose="020B0604030504040204" pitchFamily="34" charset="0"/>
+              <a:cs typeface="Verdana" panose="020B0604030504040204" pitchFamily="34" charset="0"/>
+            </a:endParaRPr>
+          </a:p>
+        </p:txBody>
+      </p:sp>
+    </p:spTree>
+    <p:extLst>
+      <p:ext uri="{BB962C8B-B14F-4D97-AF65-F5344CB8AC3E}">
+        <p14:creationId xmlns:p14="http://schemas.microsoft.com/office/powerpoint/2010/main" val="1703058131"/>
+      </p:ext>
+    </p:extLst>
+  </p:cSld>
+  <p:clrMapOvr>
+    <a:masterClrMapping/>
+  </p:clrMapOvr>
+  <p:timing>
+    <p:tnLst>
+      <p:par>
+        <p:cTn id="1" dur="indefinite" restart="never" nodeType="tmRoot"/>
+      </p:par>
+    </p:tnLst>
+  </p:timing>
+</p:sld>
+</file>
+
 <file path=ppt/slides/slide4.xml><?xml version="1.0" encoding="utf-8"?>
 <p:sld xmlns:a="http://schemas.openxmlformats.org/drawingml/2006/main" xmlns:r="http://schemas.openxmlformats.org/officeDocument/2006/relationships" xmlns:p="http://schemas.openxmlformats.org/presentationml/2006/main">
   <p:cSld>
@@ -18012,6 +20569,287 @@
     <p:extLst>
       <p:ext uri="{BB962C8B-B14F-4D97-AF65-F5344CB8AC3E}">
         <p14:creationId xmlns:p14="http://schemas.microsoft.com/office/powerpoint/2010/main" val="2899401096"/>
+      </p:ext>
+    </p:extLst>
+  </p:cSld>
+  <p:clrMapOvr>
+    <a:masterClrMapping/>
+  </p:clrMapOvr>
+  <p:timing>
+    <p:tnLst>
+      <p:par>
+        <p:cTn id="1" dur="indefinite" restart="never" nodeType="tmRoot"/>
+      </p:par>
+    </p:tnLst>
+  </p:timing>
+</p:sld>
+</file>
+
+<file path=ppt/slides/slide40.xml><?xml version="1.0" encoding="utf-8"?>
+<p:sld xmlns:a="http://schemas.openxmlformats.org/drawingml/2006/main" xmlns:r="http://schemas.openxmlformats.org/officeDocument/2006/relationships" xmlns:p="http://schemas.openxmlformats.org/presentationml/2006/main">
+  <p:cSld>
+    <p:spTree>
+      <p:nvGrpSpPr>
+        <p:cNvPr id="1" name=""/>
+        <p:cNvGrpSpPr/>
+        <p:nvPr/>
+      </p:nvGrpSpPr>
+      <p:grpSpPr>
+        <a:xfrm>
+          <a:off x="0" y="0"/>
+          <a:ext cx="0" cy="0"/>
+          <a:chOff x="0" y="0"/>
+          <a:chExt cx="0" cy="0"/>
+        </a:xfrm>
+      </p:grpSpPr>
+      <p:graphicFrame>
+        <p:nvGraphicFramePr>
+          <p:cNvPr id="7" name="Content Placeholder 6"/>
+          <p:cNvGraphicFramePr>
+            <a:graphicFrameLocks noGrp="1"/>
+          </p:cNvGraphicFramePr>
+          <p:nvPr>
+            <p:ph idx="1"/>
+          </p:nvPr>
+        </p:nvGraphicFramePr>
+        <p:xfrm>
+          <a:off x="811369" y="373486"/>
+          <a:ext cx="11101589" cy="6027314"/>
+        </p:xfrm>
+        <a:graphic>
+          <a:graphicData uri="http://schemas.openxmlformats.org/drawingml/2006/table">
+            <a:tbl>
+              <a:tblPr firstRow="1" firstCol="1" bandRow="1">
+                <a:tableStyleId>{16D9F66E-5EB9-4882-86FB-DCBF35E3C3E4}</a:tableStyleId>
+              </a:tblPr>
+              <a:tblGrid>
+                <a:gridCol w="5549560"/>
+                <a:gridCol w="5552029"/>
+              </a:tblGrid>
+              <a:tr h="549912">
+                <a:tc>
+                  <a:txBody>
+                    <a:bodyPr/>
+                    <a:lstStyle/>
+                    <a:p>
+                      <a:pPr>
+                        <a:lnSpc>
+                          <a:spcPct val="107000"/>
+                        </a:lnSpc>
+                        <a:spcAft>
+                          <a:spcPts val="0"/>
+                        </a:spcAft>
+                      </a:pPr>
+                      <a:r>
+                        <a:rPr lang="en-IN" sz="1600" dirty="0">
+                          <a:effectLst/>
+                          <a:latin typeface="Verdana" panose="020B0604030504040204" pitchFamily="34" charset="0"/>
+                          <a:ea typeface="Verdana" panose="020B0604030504040204" pitchFamily="34" charset="0"/>
+                          <a:cs typeface="Verdana" panose="020B0604030504040204" pitchFamily="34" charset="0"/>
+                        </a:rPr>
+                        <a:t>Throws</a:t>
+                      </a:r>
+                    </a:p>
+                  </a:txBody>
+                  <a:tcPr marL="68580" marR="68580" marT="0" marB="0"/>
+                </a:tc>
+                <a:tc>
+                  <a:txBody>
+                    <a:bodyPr/>
+                    <a:lstStyle/>
+                    <a:p>
+                      <a:pPr>
+                        <a:lnSpc>
+                          <a:spcPct val="107000"/>
+                        </a:lnSpc>
+                        <a:spcAft>
+                          <a:spcPts val="0"/>
+                        </a:spcAft>
+                      </a:pPr>
+                      <a:r>
+                        <a:rPr lang="en-IN" sz="1600">
+                          <a:effectLst/>
+                          <a:latin typeface="Verdana" panose="020B0604030504040204" pitchFamily="34" charset="0"/>
+                          <a:ea typeface="Verdana" panose="020B0604030504040204" pitchFamily="34" charset="0"/>
+                          <a:cs typeface="Verdana" panose="020B0604030504040204" pitchFamily="34" charset="0"/>
+                        </a:rPr>
+                        <a:t>Throw</a:t>
+                      </a:r>
+                    </a:p>
+                  </a:txBody>
+                  <a:tcPr marL="68580" marR="68580" marT="0" marB="0"/>
+                </a:tc>
+              </a:tr>
+              <a:tr h="1627994">
+                <a:tc>
+                  <a:txBody>
+                    <a:bodyPr/>
+                    <a:lstStyle/>
+                    <a:p>
+                      <a:pPr>
+                        <a:lnSpc>
+                          <a:spcPct val="107000"/>
+                        </a:lnSpc>
+                        <a:spcAft>
+                          <a:spcPts val="0"/>
+                        </a:spcAft>
+                      </a:pPr>
+                      <a:r>
+                        <a:rPr lang="en-IN" sz="1600" b="0" dirty="0">
+                          <a:effectLst/>
+                          <a:latin typeface="Verdana" panose="020B0604030504040204" pitchFamily="34" charset="0"/>
+                          <a:ea typeface="Verdana" panose="020B0604030504040204" pitchFamily="34" charset="0"/>
+                          <a:cs typeface="Verdana" panose="020B0604030504040204" pitchFamily="34" charset="0"/>
+                        </a:rPr>
+                        <a:t>Throws is keyword which gives an indication for placing the common exception method within try-catch blocks for generating the user friendly error message.</a:t>
+                      </a:r>
+                    </a:p>
+                  </a:txBody>
+                  <a:tcPr marL="68580" marR="68580" marT="0" marB="0"/>
+                </a:tc>
+                <a:tc>
+                  <a:txBody>
+                    <a:bodyPr/>
+                    <a:lstStyle/>
+                    <a:p>
+                      <a:pPr>
+                        <a:lnSpc>
+                          <a:spcPct val="107000"/>
+                        </a:lnSpc>
+                        <a:spcAft>
+                          <a:spcPts val="0"/>
+                        </a:spcAft>
+                      </a:pPr>
+                      <a:r>
+                        <a:rPr lang="en-IN" sz="1600">
+                          <a:effectLst/>
+                          <a:latin typeface="Verdana" panose="020B0604030504040204" pitchFamily="34" charset="0"/>
+                          <a:ea typeface="Verdana" panose="020B0604030504040204" pitchFamily="34" charset="0"/>
+                          <a:cs typeface="Verdana" panose="020B0604030504040204" pitchFamily="34" charset="0"/>
+                        </a:rPr>
+                        <a:t>Throw is a keyword used for hitting or generating the exception which is occurring as a part of method body.</a:t>
+                      </a:r>
+                    </a:p>
+                  </a:txBody>
+                  <a:tcPr marL="68580" marR="68580" marT="0" marB="0"/>
+                </a:tc>
+              </a:tr>
+              <a:tr h="1099832">
+                <a:tc>
+                  <a:txBody>
+                    <a:bodyPr/>
+                    <a:lstStyle/>
+                    <a:p>
+                      <a:pPr>
+                        <a:lnSpc>
+                          <a:spcPct val="107000"/>
+                        </a:lnSpc>
+                        <a:spcAft>
+                          <a:spcPts val="0"/>
+                        </a:spcAft>
+                      </a:pPr>
+                      <a:r>
+                        <a:rPr lang="en-IN" sz="1600" b="0">
+                          <a:effectLst/>
+                          <a:latin typeface="Verdana" panose="020B0604030504040204" pitchFamily="34" charset="0"/>
+                          <a:ea typeface="Verdana" panose="020B0604030504040204" pitchFamily="34" charset="0"/>
+                          <a:cs typeface="Verdana" panose="020B0604030504040204" pitchFamily="34" charset="0"/>
+                        </a:rPr>
+                        <a:t>The place of using throws keyword is always as a part of method heading.</a:t>
+                      </a:r>
+                    </a:p>
+                  </a:txBody>
+                  <a:tcPr marL="68580" marR="68580" marT="0" marB="0"/>
+                </a:tc>
+                <a:tc>
+                  <a:txBody>
+                    <a:bodyPr/>
+                    <a:lstStyle/>
+                    <a:p>
+                      <a:pPr>
+                        <a:lnSpc>
+                          <a:spcPct val="107000"/>
+                        </a:lnSpc>
+                        <a:spcAft>
+                          <a:spcPts val="0"/>
+                        </a:spcAft>
+                      </a:pPr>
+                      <a:r>
+                        <a:rPr lang="en-IN" sz="1600" dirty="0">
+                          <a:effectLst/>
+                          <a:latin typeface="Verdana" panose="020B0604030504040204" pitchFamily="34" charset="0"/>
+                          <a:ea typeface="Verdana" panose="020B0604030504040204" pitchFamily="34" charset="0"/>
+                          <a:cs typeface="Verdana" panose="020B0604030504040204" pitchFamily="34" charset="0"/>
+                        </a:rPr>
+                        <a:t>The place of using throw keyword is always as a part of method body.</a:t>
+                      </a:r>
+                    </a:p>
+                  </a:txBody>
+                  <a:tcPr marL="68580" marR="68580" marT="0" marB="0"/>
+                </a:tc>
+              </a:tr>
+              <a:tr h="2749576">
+                <a:tc>
+                  <a:txBody>
+                    <a:bodyPr/>
+                    <a:lstStyle/>
+                    <a:p>
+                      <a:pPr>
+                        <a:lnSpc>
+                          <a:spcPct val="107000"/>
+                        </a:lnSpc>
+                        <a:spcAft>
+                          <a:spcPts val="0"/>
+                        </a:spcAft>
+                      </a:pPr>
+                      <a:r>
+                        <a:rPr lang="en-IN" sz="1600" b="0" dirty="0">
+                          <a:effectLst/>
+                          <a:latin typeface="Verdana" panose="020B0604030504040204" pitchFamily="34" charset="0"/>
+                          <a:ea typeface="Verdana" panose="020B0604030504040204" pitchFamily="34" charset="0"/>
+                          <a:cs typeface="Verdana" panose="020B0604030504040204" pitchFamily="34" charset="0"/>
+                        </a:rPr>
+                        <a:t>When we write throws keyword as a part of method heading it is optional to write throw keyword as a part of method body. This is applicable in case of re-throwing the exception.</a:t>
+                      </a:r>
+                    </a:p>
+                  </a:txBody>
+                  <a:tcPr marL="68580" marR="68580" marT="0" marB="0"/>
+                </a:tc>
+                <a:tc>
+                  <a:txBody>
+                    <a:bodyPr/>
+                    <a:lstStyle/>
+                    <a:p>
+                      <a:pPr>
+                        <a:lnSpc>
+                          <a:spcPct val="107000"/>
+                        </a:lnSpc>
+                        <a:spcAft>
+                          <a:spcPts val="0"/>
+                        </a:spcAft>
+                      </a:pPr>
+                      <a:r>
+                        <a:rPr lang="en-IN" sz="1600" dirty="0">
+                          <a:effectLst/>
+                          <a:latin typeface="Verdana" panose="020B0604030504040204" pitchFamily="34" charset="0"/>
+                          <a:ea typeface="Verdana" panose="020B0604030504040204" pitchFamily="34" charset="0"/>
+                          <a:cs typeface="Verdana" panose="020B0604030504040204" pitchFamily="34" charset="0"/>
+                        </a:rPr>
+                        <a:t>Irrespective of type of exception we hot by using throw keyword as a part of method body, it is recommended to the Java programmer to write the throw keyword as a part of method body.</a:t>
+                      </a:r>
+                    </a:p>
+                  </a:txBody>
+                  <a:tcPr marL="68580" marR="68580" marT="0" marB="0"/>
+                </a:tc>
+              </a:tr>
+            </a:tbl>
+          </a:graphicData>
+        </a:graphic>
+      </p:graphicFrame>
+    </p:spTree>
+    <p:extLst>
+      <p:ext uri="{BB962C8B-B14F-4D97-AF65-F5344CB8AC3E}">
+        <p14:creationId xmlns:p14="http://schemas.microsoft.com/office/powerpoint/2010/main" val="109600644"/>
       </p:ext>
     </p:extLst>
   </p:cSld>

--- a/CoreJavaNotes.pptx
+++ b/CoreJavaNotes.pptx
@@ -5,7 +5,7 @@
     <p:sldMasterId id="2147483648" r:id="rId1"/>
   </p:sldMasterIdLst>
   <p:notesMasterIdLst>
-    <p:notesMasterId r:id="rId42"/>
+    <p:notesMasterId r:id="rId44"/>
   </p:notesMasterIdLst>
   <p:sldIdLst>
     <p:sldId id="265" r:id="rId2"/>
@@ -48,6 +48,8 @@
     <p:sldId id="302" r:id="rId39"/>
     <p:sldId id="303" r:id="rId40"/>
     <p:sldId id="304" r:id="rId41"/>
+    <p:sldId id="305" r:id="rId42"/>
+    <p:sldId id="306" r:id="rId43"/>
   </p:sldIdLst>
   <p:sldSz cx="12192000" cy="6858000"/>
   <p:notesSz cx="6858000" cy="9144000"/>
@@ -236,7 +238,7 @@
           <a:p>
             <a:fld id="{31A22706-0000-41AF-B6FF-4DE11A567547}" type="datetimeFigureOut">
               <a:rPr lang="en-IN" smtClean="0"/>
-              <a:t>27-01-2021</a:t>
+              <a:t>01-02-2021</a:t>
             </a:fld>
             <a:endParaRPr lang="en-IN"/>
           </a:p>
@@ -899,7 +901,7 @@
           <a:p>
             <a:fld id="{A4F3704B-ED65-4BAA-9587-8FAC4677B14E}" type="datetimeFigureOut">
               <a:rPr lang="en-IN" smtClean="0"/>
-              <a:t>27-01-2021</a:t>
+              <a:t>01-02-2021</a:t>
             </a:fld>
             <a:endParaRPr lang="en-IN"/>
           </a:p>
@@ -1069,7 +1071,7 @@
           <a:p>
             <a:fld id="{A4F3704B-ED65-4BAA-9587-8FAC4677B14E}" type="datetimeFigureOut">
               <a:rPr lang="en-IN" smtClean="0"/>
-              <a:t>27-01-2021</a:t>
+              <a:t>01-02-2021</a:t>
             </a:fld>
             <a:endParaRPr lang="en-IN"/>
           </a:p>
@@ -1249,7 +1251,7 @@
           <a:p>
             <a:fld id="{A4F3704B-ED65-4BAA-9587-8FAC4677B14E}" type="datetimeFigureOut">
               <a:rPr lang="en-IN" smtClean="0"/>
-              <a:t>27-01-2021</a:t>
+              <a:t>01-02-2021</a:t>
             </a:fld>
             <a:endParaRPr lang="en-IN"/>
           </a:p>
@@ -1419,7 +1421,7 @@
           <a:p>
             <a:fld id="{A4F3704B-ED65-4BAA-9587-8FAC4677B14E}" type="datetimeFigureOut">
               <a:rPr lang="en-IN" smtClean="0"/>
-              <a:t>27-01-2021</a:t>
+              <a:t>01-02-2021</a:t>
             </a:fld>
             <a:endParaRPr lang="en-IN"/>
           </a:p>
@@ -1665,7 +1667,7 @@
           <a:p>
             <a:fld id="{A4F3704B-ED65-4BAA-9587-8FAC4677B14E}" type="datetimeFigureOut">
               <a:rPr lang="en-IN" smtClean="0"/>
-              <a:t>27-01-2021</a:t>
+              <a:t>01-02-2021</a:t>
             </a:fld>
             <a:endParaRPr lang="en-IN"/>
           </a:p>
@@ -1897,7 +1899,7 @@
           <a:p>
             <a:fld id="{A4F3704B-ED65-4BAA-9587-8FAC4677B14E}" type="datetimeFigureOut">
               <a:rPr lang="en-IN" smtClean="0"/>
-              <a:t>27-01-2021</a:t>
+              <a:t>01-02-2021</a:t>
             </a:fld>
             <a:endParaRPr lang="en-IN"/>
           </a:p>
@@ -2264,7 +2266,7 @@
           <a:p>
             <a:fld id="{A4F3704B-ED65-4BAA-9587-8FAC4677B14E}" type="datetimeFigureOut">
               <a:rPr lang="en-IN" smtClean="0"/>
-              <a:t>27-01-2021</a:t>
+              <a:t>01-02-2021</a:t>
             </a:fld>
             <a:endParaRPr lang="en-IN"/>
           </a:p>
@@ -2382,7 +2384,7 @@
           <a:p>
             <a:fld id="{A4F3704B-ED65-4BAA-9587-8FAC4677B14E}" type="datetimeFigureOut">
               <a:rPr lang="en-IN" smtClean="0"/>
-              <a:t>27-01-2021</a:t>
+              <a:t>01-02-2021</a:t>
             </a:fld>
             <a:endParaRPr lang="en-IN"/>
           </a:p>
@@ -2477,7 +2479,7 @@
           <a:p>
             <a:fld id="{A4F3704B-ED65-4BAA-9587-8FAC4677B14E}" type="datetimeFigureOut">
               <a:rPr lang="en-IN" smtClean="0"/>
-              <a:t>27-01-2021</a:t>
+              <a:t>01-02-2021</a:t>
             </a:fld>
             <a:endParaRPr lang="en-IN"/>
           </a:p>
@@ -2754,7 +2756,7 @@
           <a:p>
             <a:fld id="{A4F3704B-ED65-4BAA-9587-8FAC4677B14E}" type="datetimeFigureOut">
               <a:rPr lang="en-IN" smtClean="0"/>
-              <a:t>27-01-2021</a:t>
+              <a:t>01-02-2021</a:t>
             </a:fld>
             <a:endParaRPr lang="en-IN"/>
           </a:p>
@@ -3007,7 +3009,7 @@
           <a:p>
             <a:fld id="{A4F3704B-ED65-4BAA-9587-8FAC4677B14E}" type="datetimeFigureOut">
               <a:rPr lang="en-IN" smtClean="0"/>
-              <a:t>27-01-2021</a:t>
+              <a:t>01-02-2021</a:t>
             </a:fld>
             <a:endParaRPr lang="en-IN"/>
           </a:p>
@@ -3220,7 +3222,7 @@
           <a:p>
             <a:fld id="{A4F3704B-ED65-4BAA-9587-8FAC4677B14E}" type="datetimeFigureOut">
               <a:rPr lang="en-IN" smtClean="0"/>
-              <a:t>27-01-2021</a:t>
+              <a:t>01-02-2021</a:t>
             </a:fld>
             <a:endParaRPr lang="en-IN"/>
           </a:p>
@@ -20866,6 +20868,1803 @@
 </p:sld>
 </file>
 
+<file path=ppt/slides/slide41.xml><?xml version="1.0" encoding="utf-8"?>
+<p:sld xmlns:a="http://schemas.openxmlformats.org/drawingml/2006/main" xmlns:r="http://schemas.openxmlformats.org/officeDocument/2006/relationships" xmlns:p="http://schemas.openxmlformats.org/presentationml/2006/main">
+  <p:cSld>
+    <p:spTree>
+      <p:nvGrpSpPr>
+        <p:cNvPr id="1" name=""/>
+        <p:cNvGrpSpPr/>
+        <p:nvPr/>
+      </p:nvGrpSpPr>
+      <p:grpSpPr>
+        <a:xfrm>
+          <a:off x="0" y="0"/>
+          <a:ext cx="0" cy="0"/>
+          <a:chOff x="0" y="0"/>
+          <a:chExt cx="0" cy="0"/>
+        </a:xfrm>
+      </p:grpSpPr>
+      <p:sp>
+        <p:nvSpPr>
+          <p:cNvPr id="71" name="Rounded Rectangle 70"/>
+          <p:cNvSpPr/>
+          <p:nvPr/>
+        </p:nvSpPr>
+        <p:spPr>
+          <a:xfrm>
+            <a:off x="1799741" y="364869"/>
+            <a:ext cx="1925320" cy="456565"/>
+          </a:xfrm>
+          <a:prstGeom prst="roundRect">
+            <a:avLst/>
+          </a:prstGeom>
+        </p:spPr>
+        <p:style>
+          <a:lnRef idx="1">
+            <a:schemeClr val="accent6"/>
+          </a:lnRef>
+          <a:fillRef idx="3">
+            <a:schemeClr val="accent6"/>
+          </a:fillRef>
+          <a:effectRef idx="2">
+            <a:schemeClr val="accent6"/>
+          </a:effectRef>
+          <a:fontRef idx="minor">
+            <a:schemeClr val="lt1"/>
+          </a:fontRef>
+        </p:style>
+        <p:txBody>
+          <a:bodyPr rot="0" spcFirstLastPara="0" vert="horz" wrap="square" lIns="91440" tIns="45720" rIns="91440" bIns="45720" numCol="1" spcCol="0" rtlCol="0" fromWordArt="0" anchor="ctr" anchorCtr="0" forceAA="0" compatLnSpc="1">
+            <a:prstTxWarp prst="textNoShape">
+              <a:avLst/>
+            </a:prstTxWarp>
+            <a:noAutofit/>
+          </a:bodyPr>
+          <a:lstStyle/>
+          <a:p>
+            <a:pPr algn="ctr">
+              <a:lnSpc>
+                <a:spcPct val="107000"/>
+              </a:lnSpc>
+              <a:spcAft>
+                <a:spcPts val="800"/>
+              </a:spcAft>
+            </a:pPr>
+            <a:r>
+              <a:rPr lang="en-IN" sz="1200" dirty="0">
+                <a:effectLst/>
+                <a:latin typeface="Verdana" panose="020B0604030504040204" pitchFamily="34" charset="0"/>
+                <a:ea typeface="Calibri" panose="020F0502020204030204" pitchFamily="34" charset="0"/>
+                <a:cs typeface="Times New Roman" panose="02020603050405020304" pitchFamily="18" charset="0"/>
+              </a:rPr>
+              <a:t>Primitive Data Type (PDT)</a:t>
+            </a:r>
+            <a:endParaRPr lang="en-IN" sz="1200" dirty="0">
+              <a:effectLst/>
+              <a:ea typeface="Calibri" panose="020F0502020204030204" pitchFamily="34" charset="0"/>
+              <a:cs typeface="Times New Roman" panose="02020603050405020304" pitchFamily="18" charset="0"/>
+            </a:endParaRPr>
+          </a:p>
+        </p:txBody>
+      </p:sp>
+      <p:sp>
+        <p:nvSpPr>
+          <p:cNvPr id="72" name="Rounded Rectangle 71"/>
+          <p:cNvSpPr/>
+          <p:nvPr/>
+        </p:nvSpPr>
+        <p:spPr>
+          <a:xfrm>
+            <a:off x="1961142" y="5915169"/>
+            <a:ext cx="1901190" cy="504825"/>
+          </a:xfrm>
+          <a:prstGeom prst="roundRect">
+            <a:avLst/>
+          </a:prstGeom>
+        </p:spPr>
+        <p:style>
+          <a:lnRef idx="1">
+            <a:schemeClr val="accent6"/>
+          </a:lnRef>
+          <a:fillRef idx="3">
+            <a:schemeClr val="accent6"/>
+          </a:fillRef>
+          <a:effectRef idx="2">
+            <a:schemeClr val="accent6"/>
+          </a:effectRef>
+          <a:fontRef idx="minor">
+            <a:schemeClr val="lt1"/>
+          </a:fontRef>
+        </p:style>
+        <p:txBody>
+          <a:bodyPr rot="0" spcFirstLastPara="0" vert="horz" wrap="square" lIns="91440" tIns="45720" rIns="91440" bIns="45720" numCol="1" spcCol="0" rtlCol="0" fromWordArt="0" anchor="ctr" anchorCtr="0" forceAA="0" compatLnSpc="1">
+            <a:prstTxWarp prst="textNoShape">
+              <a:avLst/>
+            </a:prstTxWarp>
+            <a:noAutofit/>
+          </a:bodyPr>
+          <a:lstStyle/>
+          <a:p>
+            <a:pPr algn="ctr">
+              <a:lnSpc>
+                <a:spcPct val="107000"/>
+              </a:lnSpc>
+              <a:spcAft>
+                <a:spcPts val="800"/>
+              </a:spcAft>
+            </a:pPr>
+            <a:r>
+              <a:rPr lang="en-IN" sz="1200" dirty="0">
+                <a:effectLst/>
+                <a:latin typeface="Verdana" panose="020B0604030504040204" pitchFamily="34" charset="0"/>
+                <a:ea typeface="Calibri" panose="020F0502020204030204" pitchFamily="34" charset="0"/>
+                <a:cs typeface="Times New Roman" panose="02020603050405020304" pitchFamily="18" charset="0"/>
+              </a:rPr>
+              <a:t>Wrapper Class Object (WCO)</a:t>
+            </a:r>
+            <a:endParaRPr lang="en-IN" sz="1200" dirty="0">
+              <a:effectLst/>
+              <a:ea typeface="Calibri" panose="020F0502020204030204" pitchFamily="34" charset="0"/>
+              <a:cs typeface="Times New Roman" panose="02020603050405020304" pitchFamily="18" charset="0"/>
+            </a:endParaRPr>
+          </a:p>
+        </p:txBody>
+      </p:sp>
+      <p:sp>
+        <p:nvSpPr>
+          <p:cNvPr id="73" name="Rounded Rectangle 72"/>
+          <p:cNvSpPr/>
+          <p:nvPr/>
+        </p:nvSpPr>
+        <p:spPr>
+          <a:xfrm>
+            <a:off x="8195185" y="2754057"/>
+            <a:ext cx="2075250" cy="605155"/>
+          </a:xfrm>
+          <a:prstGeom prst="roundRect">
+            <a:avLst/>
+          </a:prstGeom>
+        </p:spPr>
+        <p:style>
+          <a:lnRef idx="1">
+            <a:schemeClr val="accent6"/>
+          </a:lnRef>
+          <a:fillRef idx="3">
+            <a:schemeClr val="accent6"/>
+          </a:fillRef>
+          <a:effectRef idx="2">
+            <a:schemeClr val="accent6"/>
+          </a:effectRef>
+          <a:fontRef idx="minor">
+            <a:schemeClr val="lt1"/>
+          </a:fontRef>
+        </p:style>
+        <p:txBody>
+          <a:bodyPr rot="0" spcFirstLastPara="0" vert="horz" wrap="square" lIns="91440" tIns="45720" rIns="91440" bIns="45720" numCol="1" spcCol="0" rtlCol="0" fromWordArt="0" anchor="ctr" anchorCtr="0" forceAA="0" compatLnSpc="1">
+            <a:prstTxWarp prst="textNoShape">
+              <a:avLst/>
+            </a:prstTxWarp>
+            <a:noAutofit/>
+          </a:bodyPr>
+          <a:lstStyle/>
+          <a:p>
+            <a:pPr algn="ctr">
+              <a:lnSpc>
+                <a:spcPct val="107000"/>
+              </a:lnSpc>
+              <a:spcAft>
+                <a:spcPts val="800"/>
+              </a:spcAft>
+            </a:pPr>
+            <a:r>
+              <a:rPr lang="en-IN" sz="1200" dirty="0">
+                <a:effectLst/>
+                <a:latin typeface="Verdana" panose="020B0604030504040204" pitchFamily="34" charset="0"/>
+                <a:ea typeface="Calibri" panose="020F0502020204030204" pitchFamily="34" charset="0"/>
+                <a:cs typeface="Times New Roman" panose="02020603050405020304" pitchFamily="18" charset="0"/>
+              </a:rPr>
+              <a:t>Primitive String Object (PSO)</a:t>
+            </a:r>
+            <a:endParaRPr lang="en-IN" sz="1200" dirty="0">
+              <a:effectLst/>
+              <a:ea typeface="Calibri" panose="020F0502020204030204" pitchFamily="34" charset="0"/>
+              <a:cs typeface="Times New Roman" panose="02020603050405020304" pitchFamily="18" charset="0"/>
+            </a:endParaRPr>
+          </a:p>
+        </p:txBody>
+      </p:sp>
+      <p:cxnSp>
+        <p:nvCxnSpPr>
+          <p:cNvPr id="74" name="Straight Arrow Connector 73"/>
+          <p:cNvCxnSpPr/>
+          <p:nvPr/>
+        </p:nvCxnSpPr>
+        <p:spPr>
+          <a:xfrm>
+            <a:off x="2120607" y="848145"/>
+            <a:ext cx="1" cy="5031823"/>
+          </a:xfrm>
+          <a:prstGeom prst="straightConnector1">
+            <a:avLst/>
+          </a:prstGeom>
+          <a:ln>
+            <a:tailEnd type="triangle"/>
+          </a:ln>
+        </p:spPr>
+        <p:style>
+          <a:lnRef idx="1">
+            <a:schemeClr val="accent2"/>
+          </a:lnRef>
+          <a:fillRef idx="0">
+            <a:schemeClr val="accent2"/>
+          </a:fillRef>
+          <a:effectRef idx="0">
+            <a:schemeClr val="accent2"/>
+          </a:effectRef>
+          <a:fontRef idx="minor">
+            <a:schemeClr val="tx1"/>
+          </a:fontRef>
+        </p:style>
+      </p:cxnSp>
+      <p:cxnSp>
+        <p:nvCxnSpPr>
+          <p:cNvPr id="75" name="Straight Arrow Connector 74"/>
+          <p:cNvCxnSpPr/>
+          <p:nvPr/>
+        </p:nvCxnSpPr>
+        <p:spPr>
+          <a:xfrm>
+            <a:off x="6699125" y="3288092"/>
+            <a:ext cx="0" cy="0"/>
+          </a:xfrm>
+          <a:prstGeom prst="straightConnector1">
+            <a:avLst/>
+          </a:prstGeom>
+          <a:ln>
+            <a:tailEnd type="triangle"/>
+          </a:ln>
+        </p:spPr>
+        <p:style>
+          <a:lnRef idx="1">
+            <a:schemeClr val="accent1"/>
+          </a:lnRef>
+          <a:fillRef idx="0">
+            <a:schemeClr val="accent1"/>
+          </a:fillRef>
+          <a:effectRef idx="0">
+            <a:schemeClr val="accent1"/>
+          </a:effectRef>
+          <a:fontRef idx="minor">
+            <a:schemeClr val="tx1"/>
+          </a:fontRef>
+        </p:style>
+      </p:cxnSp>
+      <p:cxnSp>
+        <p:nvCxnSpPr>
+          <p:cNvPr id="76" name="Straight Arrow Connector 75"/>
+          <p:cNvCxnSpPr/>
+          <p:nvPr/>
+        </p:nvCxnSpPr>
+        <p:spPr>
+          <a:xfrm flipV="1">
+            <a:off x="3419827" y="769031"/>
+            <a:ext cx="18414" cy="5146138"/>
+          </a:xfrm>
+          <a:prstGeom prst="straightConnector1">
+            <a:avLst/>
+          </a:prstGeom>
+          <a:ln>
+            <a:tailEnd type="triangle"/>
+          </a:ln>
+        </p:spPr>
+        <p:style>
+          <a:lnRef idx="1">
+            <a:schemeClr val="accent2"/>
+          </a:lnRef>
+          <a:fillRef idx="0">
+            <a:schemeClr val="accent2"/>
+          </a:fillRef>
+          <a:effectRef idx="0">
+            <a:schemeClr val="accent2"/>
+          </a:effectRef>
+          <a:fontRef idx="minor">
+            <a:schemeClr val="tx1"/>
+          </a:fontRef>
+        </p:style>
+      </p:cxnSp>
+      <p:sp>
+        <p:nvSpPr>
+          <p:cNvPr id="77" name="Text Box 7"/>
+          <p:cNvSpPr txBox="1"/>
+          <p:nvPr/>
+        </p:nvSpPr>
+        <p:spPr>
+          <a:xfrm>
+            <a:off x="83060" y="2308604"/>
+            <a:ext cx="1861662" cy="498794"/>
+          </a:xfrm>
+          <a:prstGeom prst="rect">
+            <a:avLst/>
+          </a:prstGeom>
+          <a:solidFill>
+            <a:schemeClr val="lt1"/>
+          </a:solidFill>
+          <a:ln w="6350">
+            <a:noFill/>
+          </a:ln>
+          <a:effectLst/>
+        </p:spPr>
+        <p:style>
+          <a:lnRef idx="0">
+            <a:schemeClr val="accent1"/>
+          </a:lnRef>
+          <a:fillRef idx="0">
+            <a:schemeClr val="accent1"/>
+          </a:fillRef>
+          <a:effectRef idx="0">
+            <a:schemeClr val="accent1"/>
+          </a:effectRef>
+          <a:fontRef idx="minor">
+            <a:schemeClr val="dk1"/>
+          </a:fontRef>
+        </p:style>
+        <p:txBody>
+          <a:bodyPr rot="0" spcFirstLastPara="0" vert="horz" wrap="square" lIns="91440" tIns="45720" rIns="91440" bIns="45720" numCol="1" spcCol="0" rtlCol="0" fromWordArt="0" anchor="t" anchorCtr="0" forceAA="0" compatLnSpc="1">
+            <a:prstTxWarp prst="textNoShape">
+              <a:avLst/>
+            </a:prstTxWarp>
+            <a:noAutofit/>
+          </a:bodyPr>
+          <a:lstStyle/>
+          <a:p>
+            <a:pPr>
+              <a:lnSpc>
+                <a:spcPct val="107000"/>
+              </a:lnSpc>
+              <a:spcAft>
+                <a:spcPts val="0"/>
+              </a:spcAft>
+            </a:pPr>
+            <a:r>
+              <a:rPr lang="en-IN" sz="1200" dirty="0">
+                <a:effectLst/>
+                <a:latin typeface="Verdana" panose="020B0604030504040204" pitchFamily="34" charset="0"/>
+                <a:ea typeface="Calibri" panose="020F0502020204030204" pitchFamily="34" charset="0"/>
+                <a:cs typeface="Times New Roman" panose="02020603050405020304" pitchFamily="18" charset="0"/>
+              </a:rPr>
+              <a:t>constructor (PDT)</a:t>
+            </a:r>
+            <a:endParaRPr lang="en-IN" sz="1200" dirty="0">
+              <a:effectLst/>
+              <a:ea typeface="Calibri" panose="020F0502020204030204" pitchFamily="34" charset="0"/>
+              <a:cs typeface="Times New Roman" panose="02020603050405020304" pitchFamily="18" charset="0"/>
+            </a:endParaRPr>
+          </a:p>
+          <a:p>
+            <a:pPr>
+              <a:lnSpc>
+                <a:spcPct val="107000"/>
+              </a:lnSpc>
+              <a:spcAft>
+                <a:spcPts val="0"/>
+              </a:spcAft>
+            </a:pPr>
+            <a:r>
+              <a:rPr lang="en-IN" sz="1200" dirty="0" err="1">
+                <a:effectLst/>
+                <a:latin typeface="Verdana" panose="020B0604030504040204" pitchFamily="34" charset="0"/>
+                <a:ea typeface="Calibri" panose="020F0502020204030204" pitchFamily="34" charset="0"/>
+                <a:cs typeface="Times New Roman" panose="02020603050405020304" pitchFamily="18" charset="0"/>
+              </a:rPr>
+              <a:t>valueOf</a:t>
+            </a:r>
+            <a:r>
+              <a:rPr lang="en-IN" sz="1200" dirty="0">
+                <a:effectLst/>
+                <a:latin typeface="Verdana" panose="020B0604030504040204" pitchFamily="34" charset="0"/>
+                <a:ea typeface="Calibri" panose="020F0502020204030204" pitchFamily="34" charset="0"/>
+                <a:cs typeface="Times New Roman" panose="02020603050405020304" pitchFamily="18" charset="0"/>
+              </a:rPr>
+              <a:t> (PDT)</a:t>
+            </a:r>
+            <a:endParaRPr lang="en-IN" sz="1200" dirty="0">
+              <a:effectLst/>
+              <a:ea typeface="Calibri" panose="020F0502020204030204" pitchFamily="34" charset="0"/>
+              <a:cs typeface="Times New Roman" panose="02020603050405020304" pitchFamily="18" charset="0"/>
+            </a:endParaRPr>
+          </a:p>
+        </p:txBody>
+      </p:sp>
+      <p:sp>
+        <p:nvSpPr>
+          <p:cNvPr id="78" name="Text Box 8"/>
+          <p:cNvSpPr txBox="1"/>
+          <p:nvPr/>
+        </p:nvSpPr>
+        <p:spPr>
+          <a:xfrm>
+            <a:off x="2350371" y="2642633"/>
+            <a:ext cx="1033716" cy="311786"/>
+          </a:xfrm>
+          <a:prstGeom prst="rect">
+            <a:avLst/>
+          </a:prstGeom>
+          <a:solidFill>
+            <a:schemeClr val="lt1"/>
+          </a:solidFill>
+          <a:ln w="6350">
+            <a:noFill/>
+          </a:ln>
+          <a:effectLst/>
+        </p:spPr>
+        <p:style>
+          <a:lnRef idx="0">
+            <a:schemeClr val="accent1"/>
+          </a:lnRef>
+          <a:fillRef idx="0">
+            <a:schemeClr val="accent1"/>
+          </a:fillRef>
+          <a:effectRef idx="0">
+            <a:schemeClr val="accent1"/>
+          </a:effectRef>
+          <a:fontRef idx="minor">
+            <a:schemeClr val="dk1"/>
+          </a:fontRef>
+        </p:style>
+        <p:txBody>
+          <a:bodyPr rot="0" spcFirstLastPara="0" vert="horz" wrap="square" lIns="91440" tIns="45720" rIns="91440" bIns="45720" numCol="1" spcCol="0" rtlCol="0" fromWordArt="0" anchor="t" anchorCtr="0" forceAA="0" compatLnSpc="1">
+            <a:prstTxWarp prst="textNoShape">
+              <a:avLst/>
+            </a:prstTxWarp>
+            <a:noAutofit/>
+          </a:bodyPr>
+          <a:lstStyle/>
+          <a:p>
+            <a:pPr>
+              <a:lnSpc>
+                <a:spcPct val="107000"/>
+              </a:lnSpc>
+              <a:spcAft>
+                <a:spcPts val="0"/>
+              </a:spcAft>
+            </a:pPr>
+            <a:r>
+              <a:rPr lang="en-IN" sz="1200" dirty="0" err="1">
+                <a:effectLst/>
+                <a:latin typeface="Verdana" panose="020B0604030504040204" pitchFamily="34" charset="0"/>
+                <a:ea typeface="Calibri" panose="020F0502020204030204" pitchFamily="34" charset="0"/>
+                <a:cs typeface="Times New Roman" panose="02020603050405020304" pitchFamily="18" charset="0"/>
+              </a:rPr>
+              <a:t>xxxvalue</a:t>
+            </a:r>
+            <a:r>
+              <a:rPr lang="en-IN" sz="1200" dirty="0">
+                <a:effectLst/>
+                <a:latin typeface="Verdana" panose="020B0604030504040204" pitchFamily="34" charset="0"/>
+                <a:ea typeface="Calibri" panose="020F0502020204030204" pitchFamily="34" charset="0"/>
+                <a:cs typeface="Times New Roman" panose="02020603050405020304" pitchFamily="18" charset="0"/>
+              </a:rPr>
+              <a:t>()</a:t>
+            </a:r>
+            <a:endParaRPr lang="en-IN" sz="1200" dirty="0">
+              <a:effectLst/>
+              <a:ea typeface="Calibri" panose="020F0502020204030204" pitchFamily="34" charset="0"/>
+              <a:cs typeface="Times New Roman" panose="02020603050405020304" pitchFamily="18" charset="0"/>
+            </a:endParaRPr>
+          </a:p>
+        </p:txBody>
+      </p:sp>
+      <p:cxnSp>
+        <p:nvCxnSpPr>
+          <p:cNvPr id="79" name="Straight Arrow Connector 78"/>
+          <p:cNvCxnSpPr/>
+          <p:nvPr/>
+        </p:nvCxnSpPr>
+        <p:spPr>
+          <a:xfrm flipV="1">
+            <a:off x="3822293" y="2941658"/>
+            <a:ext cx="4360827" cy="2938311"/>
+          </a:xfrm>
+          <a:prstGeom prst="straightConnector1">
+            <a:avLst/>
+          </a:prstGeom>
+          <a:ln>
+            <a:tailEnd type="triangle"/>
+          </a:ln>
+        </p:spPr>
+        <p:style>
+          <a:lnRef idx="1">
+            <a:schemeClr val="accent2"/>
+          </a:lnRef>
+          <a:fillRef idx="0">
+            <a:schemeClr val="accent2"/>
+          </a:fillRef>
+          <a:effectRef idx="0">
+            <a:schemeClr val="accent2"/>
+          </a:effectRef>
+          <a:fontRef idx="minor">
+            <a:schemeClr val="tx1"/>
+          </a:fontRef>
+        </p:style>
+      </p:cxnSp>
+      <p:cxnSp>
+        <p:nvCxnSpPr>
+          <p:cNvPr id="80" name="Straight Arrow Connector 79"/>
+          <p:cNvCxnSpPr/>
+          <p:nvPr/>
+        </p:nvCxnSpPr>
+        <p:spPr>
+          <a:xfrm flipH="1">
+            <a:off x="3838714" y="3394412"/>
+            <a:ext cx="4356471" cy="2972677"/>
+          </a:xfrm>
+          <a:prstGeom prst="straightConnector1">
+            <a:avLst/>
+          </a:prstGeom>
+          <a:ln>
+            <a:tailEnd type="triangle"/>
+          </a:ln>
+        </p:spPr>
+        <p:style>
+          <a:lnRef idx="1">
+            <a:schemeClr val="accent2"/>
+          </a:lnRef>
+          <a:fillRef idx="0">
+            <a:schemeClr val="accent2"/>
+          </a:fillRef>
+          <a:effectRef idx="0">
+            <a:schemeClr val="accent2"/>
+          </a:effectRef>
+          <a:fontRef idx="minor">
+            <a:schemeClr val="tx1"/>
+          </a:fontRef>
+        </p:style>
+      </p:cxnSp>
+      <p:sp>
+        <p:nvSpPr>
+          <p:cNvPr id="81" name="Text Box 11"/>
+          <p:cNvSpPr txBox="1"/>
+          <p:nvPr/>
+        </p:nvSpPr>
+        <p:spPr>
+          <a:xfrm>
+            <a:off x="7230589" y="5300512"/>
+            <a:ext cx="1674028" cy="510329"/>
+          </a:xfrm>
+          <a:prstGeom prst="rect">
+            <a:avLst/>
+          </a:prstGeom>
+          <a:solidFill>
+            <a:schemeClr val="lt1"/>
+          </a:solidFill>
+          <a:ln w="6350">
+            <a:noFill/>
+          </a:ln>
+          <a:effectLst/>
+        </p:spPr>
+        <p:style>
+          <a:lnRef idx="0">
+            <a:schemeClr val="accent1"/>
+          </a:lnRef>
+          <a:fillRef idx="0">
+            <a:schemeClr val="accent1"/>
+          </a:fillRef>
+          <a:effectRef idx="0">
+            <a:schemeClr val="accent1"/>
+          </a:effectRef>
+          <a:fontRef idx="minor">
+            <a:schemeClr val="dk1"/>
+          </a:fontRef>
+        </p:style>
+        <p:txBody>
+          <a:bodyPr rot="0" spcFirstLastPara="0" vert="horz" wrap="square" lIns="91440" tIns="45720" rIns="91440" bIns="45720" numCol="1" spcCol="0" rtlCol="0" fromWordArt="0" anchor="t" anchorCtr="0" forceAA="0" compatLnSpc="1">
+            <a:prstTxWarp prst="textNoShape">
+              <a:avLst/>
+            </a:prstTxWarp>
+            <a:noAutofit/>
+          </a:bodyPr>
+          <a:lstStyle/>
+          <a:p>
+            <a:pPr>
+              <a:lnSpc>
+                <a:spcPct val="107000"/>
+              </a:lnSpc>
+              <a:spcAft>
+                <a:spcPts val="0"/>
+              </a:spcAft>
+            </a:pPr>
+            <a:r>
+              <a:rPr lang="en-IN" sz="1200" dirty="0">
+                <a:effectLst/>
+                <a:latin typeface="Verdana" panose="020B0604030504040204" pitchFamily="34" charset="0"/>
+                <a:ea typeface="Verdana" panose="020B0604030504040204" pitchFamily="34" charset="0"/>
+                <a:cs typeface="Verdana" panose="020B0604030504040204" pitchFamily="34" charset="0"/>
+              </a:rPr>
+              <a:t>constructor (</a:t>
+            </a:r>
+            <a:r>
+              <a:rPr lang="en-IN" sz="1200" dirty="0" err="1">
+                <a:effectLst/>
+                <a:latin typeface="Verdana" panose="020B0604030504040204" pitchFamily="34" charset="0"/>
+                <a:ea typeface="Verdana" panose="020B0604030504040204" pitchFamily="34" charset="0"/>
+                <a:cs typeface="Verdana" panose="020B0604030504040204" pitchFamily="34" charset="0"/>
+              </a:rPr>
+              <a:t>str</a:t>
+            </a:r>
+            <a:r>
+              <a:rPr lang="en-IN" sz="1200" dirty="0">
+                <a:effectLst/>
+                <a:latin typeface="Verdana" panose="020B0604030504040204" pitchFamily="34" charset="0"/>
+                <a:ea typeface="Verdana" panose="020B0604030504040204" pitchFamily="34" charset="0"/>
+                <a:cs typeface="Verdana" panose="020B0604030504040204" pitchFamily="34" charset="0"/>
+              </a:rPr>
+              <a:t>)</a:t>
+            </a:r>
+          </a:p>
+          <a:p>
+            <a:pPr>
+              <a:lnSpc>
+                <a:spcPct val="107000"/>
+              </a:lnSpc>
+              <a:spcAft>
+                <a:spcPts val="0"/>
+              </a:spcAft>
+            </a:pPr>
+            <a:r>
+              <a:rPr lang="en-IN" sz="1200" dirty="0" err="1">
+                <a:effectLst/>
+                <a:latin typeface="Verdana" panose="020B0604030504040204" pitchFamily="34" charset="0"/>
+                <a:ea typeface="Verdana" panose="020B0604030504040204" pitchFamily="34" charset="0"/>
+                <a:cs typeface="Verdana" panose="020B0604030504040204" pitchFamily="34" charset="0"/>
+              </a:rPr>
+              <a:t>valueOf</a:t>
+            </a:r>
+            <a:r>
+              <a:rPr lang="en-IN" sz="1200" dirty="0">
+                <a:effectLst/>
+                <a:latin typeface="Verdana" panose="020B0604030504040204" pitchFamily="34" charset="0"/>
+                <a:ea typeface="Verdana" panose="020B0604030504040204" pitchFamily="34" charset="0"/>
+                <a:cs typeface="Verdana" panose="020B0604030504040204" pitchFamily="34" charset="0"/>
+              </a:rPr>
+              <a:t> (</a:t>
+            </a:r>
+            <a:r>
+              <a:rPr lang="en-IN" sz="1200" dirty="0" err="1">
+                <a:effectLst/>
+                <a:latin typeface="Verdana" panose="020B0604030504040204" pitchFamily="34" charset="0"/>
+                <a:ea typeface="Verdana" panose="020B0604030504040204" pitchFamily="34" charset="0"/>
+                <a:cs typeface="Verdana" panose="020B0604030504040204" pitchFamily="34" charset="0"/>
+              </a:rPr>
+              <a:t>str</a:t>
+            </a:r>
+            <a:r>
+              <a:rPr lang="en-IN" sz="1200" dirty="0">
+                <a:effectLst/>
+                <a:latin typeface="Verdana" panose="020B0604030504040204" pitchFamily="34" charset="0"/>
+                <a:ea typeface="Verdana" panose="020B0604030504040204" pitchFamily="34" charset="0"/>
+                <a:cs typeface="Verdana" panose="020B0604030504040204" pitchFamily="34" charset="0"/>
+              </a:rPr>
+              <a:t>)</a:t>
+            </a:r>
+          </a:p>
+        </p:txBody>
+      </p:sp>
+      <p:sp>
+        <p:nvSpPr>
+          <p:cNvPr id="82" name="Oval 81"/>
+          <p:cNvSpPr/>
+          <p:nvPr/>
+        </p:nvSpPr>
+        <p:spPr>
+          <a:xfrm>
+            <a:off x="1972334" y="3473512"/>
+            <a:ext cx="296545" cy="290830"/>
+          </a:xfrm>
+          <a:prstGeom prst="ellipse">
+            <a:avLst/>
+          </a:prstGeom>
+        </p:spPr>
+        <p:style>
+          <a:lnRef idx="2">
+            <a:schemeClr val="accent5">
+              <a:shade val="50000"/>
+            </a:schemeClr>
+          </a:lnRef>
+          <a:fillRef idx="1">
+            <a:schemeClr val="accent5"/>
+          </a:fillRef>
+          <a:effectRef idx="0">
+            <a:schemeClr val="accent5"/>
+          </a:effectRef>
+          <a:fontRef idx="minor">
+            <a:schemeClr val="lt1"/>
+          </a:fontRef>
+        </p:style>
+        <p:txBody>
+          <a:bodyPr rot="0" spcFirstLastPara="0" vert="horz" wrap="square" lIns="91440" tIns="45720" rIns="91440" bIns="45720" numCol="1" spcCol="0" rtlCol="0" fromWordArt="0" anchor="ctr" anchorCtr="0" forceAA="0" compatLnSpc="1">
+            <a:prstTxWarp prst="textNoShape">
+              <a:avLst/>
+            </a:prstTxWarp>
+            <a:noAutofit/>
+          </a:bodyPr>
+          <a:lstStyle/>
+          <a:p>
+            <a:pPr algn="ctr">
+              <a:lnSpc>
+                <a:spcPct val="107000"/>
+              </a:lnSpc>
+              <a:spcAft>
+                <a:spcPts val="800"/>
+              </a:spcAft>
+            </a:pPr>
+            <a:r>
+              <a:rPr lang="en-IN" sz="1000" dirty="0">
+                <a:effectLst/>
+                <a:latin typeface="Verdana" panose="020B0604030504040204" pitchFamily="34" charset="0"/>
+                <a:ea typeface="Calibri" panose="020F0502020204030204" pitchFamily="34" charset="0"/>
+                <a:cs typeface="Times New Roman" panose="02020603050405020304" pitchFamily="18" charset="0"/>
+              </a:rPr>
+              <a:t>1</a:t>
+            </a:r>
+            <a:endParaRPr lang="en-IN" sz="1000" dirty="0">
+              <a:effectLst/>
+              <a:ea typeface="Calibri" panose="020F0502020204030204" pitchFamily="34" charset="0"/>
+              <a:cs typeface="Times New Roman" panose="02020603050405020304" pitchFamily="18" charset="0"/>
+            </a:endParaRPr>
+          </a:p>
+        </p:txBody>
+      </p:sp>
+      <p:sp>
+        <p:nvSpPr>
+          <p:cNvPr id="83" name="Oval 82"/>
+          <p:cNvSpPr/>
+          <p:nvPr/>
+        </p:nvSpPr>
+        <p:spPr>
+          <a:xfrm>
+            <a:off x="3259807" y="3411958"/>
+            <a:ext cx="320040" cy="302260"/>
+          </a:xfrm>
+          <a:prstGeom prst="ellipse">
+            <a:avLst/>
+          </a:prstGeom>
+        </p:spPr>
+        <p:style>
+          <a:lnRef idx="2">
+            <a:schemeClr val="accent5">
+              <a:shade val="50000"/>
+            </a:schemeClr>
+          </a:lnRef>
+          <a:fillRef idx="1">
+            <a:schemeClr val="accent5"/>
+          </a:fillRef>
+          <a:effectRef idx="0">
+            <a:schemeClr val="accent5"/>
+          </a:effectRef>
+          <a:fontRef idx="minor">
+            <a:schemeClr val="lt1"/>
+          </a:fontRef>
+        </p:style>
+        <p:txBody>
+          <a:bodyPr rot="0" spcFirstLastPara="0" vert="horz" wrap="square" lIns="91440" tIns="45720" rIns="91440" bIns="45720" numCol="1" spcCol="0" rtlCol="0" fromWordArt="0" anchor="ctr" anchorCtr="0" forceAA="0" compatLnSpc="1">
+            <a:prstTxWarp prst="textNoShape">
+              <a:avLst/>
+            </a:prstTxWarp>
+            <a:noAutofit/>
+          </a:bodyPr>
+          <a:lstStyle/>
+          <a:p>
+            <a:pPr algn="ctr">
+              <a:lnSpc>
+                <a:spcPct val="107000"/>
+              </a:lnSpc>
+              <a:spcAft>
+                <a:spcPts val="800"/>
+              </a:spcAft>
+            </a:pPr>
+            <a:r>
+              <a:rPr lang="en-IN" sz="1000" dirty="0">
+                <a:effectLst/>
+                <a:latin typeface="Verdana" panose="020B0604030504040204" pitchFamily="34" charset="0"/>
+                <a:ea typeface="Calibri" panose="020F0502020204030204" pitchFamily="34" charset="0"/>
+                <a:cs typeface="Times New Roman" panose="02020603050405020304" pitchFamily="18" charset="0"/>
+              </a:rPr>
+              <a:t>2</a:t>
+            </a:r>
+            <a:endParaRPr lang="en-IN" sz="1000" dirty="0">
+              <a:effectLst/>
+              <a:ea typeface="Calibri" panose="020F0502020204030204" pitchFamily="34" charset="0"/>
+              <a:cs typeface="Times New Roman" panose="02020603050405020304" pitchFamily="18" charset="0"/>
+            </a:endParaRPr>
+          </a:p>
+        </p:txBody>
+      </p:sp>
+      <p:sp>
+        <p:nvSpPr>
+          <p:cNvPr id="84" name="Oval 83"/>
+          <p:cNvSpPr/>
+          <p:nvPr/>
+        </p:nvSpPr>
+        <p:spPr>
+          <a:xfrm>
+            <a:off x="5959088" y="4670128"/>
+            <a:ext cx="320040" cy="302260"/>
+          </a:xfrm>
+          <a:prstGeom prst="ellipse">
+            <a:avLst/>
+          </a:prstGeom>
+        </p:spPr>
+        <p:style>
+          <a:lnRef idx="2">
+            <a:schemeClr val="accent5">
+              <a:shade val="50000"/>
+            </a:schemeClr>
+          </a:lnRef>
+          <a:fillRef idx="1">
+            <a:schemeClr val="accent5"/>
+          </a:fillRef>
+          <a:effectRef idx="0">
+            <a:schemeClr val="accent5"/>
+          </a:effectRef>
+          <a:fontRef idx="minor">
+            <a:schemeClr val="lt1"/>
+          </a:fontRef>
+        </p:style>
+        <p:txBody>
+          <a:bodyPr rot="0" spcFirstLastPara="0" vert="horz" wrap="square" lIns="91440" tIns="45720" rIns="91440" bIns="45720" numCol="1" spcCol="0" rtlCol="0" fromWordArt="0" anchor="ctr" anchorCtr="0" forceAA="0" compatLnSpc="1">
+            <a:prstTxWarp prst="textNoShape">
+              <a:avLst/>
+            </a:prstTxWarp>
+            <a:noAutofit/>
+          </a:bodyPr>
+          <a:lstStyle/>
+          <a:p>
+            <a:pPr algn="ctr">
+              <a:lnSpc>
+                <a:spcPct val="107000"/>
+              </a:lnSpc>
+              <a:spcAft>
+                <a:spcPts val="800"/>
+              </a:spcAft>
+            </a:pPr>
+            <a:r>
+              <a:rPr lang="en-IN" sz="1000" dirty="0">
+                <a:effectLst/>
+                <a:latin typeface="Verdana" panose="020B0604030504040204" pitchFamily="34" charset="0"/>
+                <a:ea typeface="Calibri" panose="020F0502020204030204" pitchFamily="34" charset="0"/>
+                <a:cs typeface="Times New Roman" panose="02020603050405020304" pitchFamily="18" charset="0"/>
+              </a:rPr>
+              <a:t>3</a:t>
+            </a:r>
+            <a:endParaRPr lang="en-IN" sz="1000" dirty="0">
+              <a:effectLst/>
+              <a:ea typeface="Calibri" panose="020F0502020204030204" pitchFamily="34" charset="0"/>
+              <a:cs typeface="Times New Roman" panose="02020603050405020304" pitchFamily="18" charset="0"/>
+            </a:endParaRPr>
+          </a:p>
+        </p:txBody>
+      </p:sp>
+      <p:sp>
+        <p:nvSpPr>
+          <p:cNvPr id="85" name="Oval 84"/>
+          <p:cNvSpPr/>
+          <p:nvPr/>
+        </p:nvSpPr>
+        <p:spPr>
+          <a:xfrm>
+            <a:off x="5054475" y="4729620"/>
+            <a:ext cx="320040" cy="302260"/>
+          </a:xfrm>
+          <a:prstGeom prst="ellipse">
+            <a:avLst/>
+          </a:prstGeom>
+        </p:spPr>
+        <p:style>
+          <a:lnRef idx="2">
+            <a:schemeClr val="accent5">
+              <a:shade val="50000"/>
+            </a:schemeClr>
+          </a:lnRef>
+          <a:fillRef idx="1">
+            <a:schemeClr val="accent5"/>
+          </a:fillRef>
+          <a:effectRef idx="0">
+            <a:schemeClr val="accent5"/>
+          </a:effectRef>
+          <a:fontRef idx="minor">
+            <a:schemeClr val="lt1"/>
+          </a:fontRef>
+        </p:style>
+        <p:txBody>
+          <a:bodyPr rot="0" spcFirstLastPara="0" vert="horz" wrap="square" lIns="91440" tIns="45720" rIns="91440" bIns="45720" numCol="1" spcCol="0" rtlCol="0" fromWordArt="0" anchor="ctr" anchorCtr="0" forceAA="0" compatLnSpc="1">
+            <a:prstTxWarp prst="textNoShape">
+              <a:avLst/>
+            </a:prstTxWarp>
+            <a:noAutofit/>
+          </a:bodyPr>
+          <a:lstStyle/>
+          <a:p>
+            <a:pPr algn="ctr">
+              <a:lnSpc>
+                <a:spcPct val="107000"/>
+              </a:lnSpc>
+              <a:spcAft>
+                <a:spcPts val="800"/>
+              </a:spcAft>
+            </a:pPr>
+            <a:r>
+              <a:rPr lang="en-IN" sz="1000">
+                <a:effectLst/>
+                <a:latin typeface="Verdana" panose="020B0604030504040204" pitchFamily="34" charset="0"/>
+                <a:ea typeface="Calibri" panose="020F0502020204030204" pitchFamily="34" charset="0"/>
+                <a:cs typeface="Times New Roman" panose="02020603050405020304" pitchFamily="18" charset="0"/>
+              </a:rPr>
+              <a:t>4</a:t>
+            </a:r>
+            <a:endParaRPr lang="en-IN" sz="1000">
+              <a:effectLst/>
+              <a:ea typeface="Calibri" panose="020F0502020204030204" pitchFamily="34" charset="0"/>
+              <a:cs typeface="Times New Roman" panose="02020603050405020304" pitchFamily="18" charset="0"/>
+            </a:endParaRPr>
+          </a:p>
+        </p:txBody>
+      </p:sp>
+      <p:cxnSp>
+        <p:nvCxnSpPr>
+          <p:cNvPr id="86" name="Straight Arrow Connector 85"/>
+          <p:cNvCxnSpPr/>
+          <p:nvPr/>
+        </p:nvCxnSpPr>
+        <p:spPr>
+          <a:xfrm flipH="1" flipV="1">
+            <a:off x="3670907" y="818058"/>
+            <a:ext cx="4665869" cy="1955929"/>
+          </a:xfrm>
+          <a:prstGeom prst="straightConnector1">
+            <a:avLst/>
+          </a:prstGeom>
+          <a:ln>
+            <a:tailEnd type="triangle"/>
+          </a:ln>
+        </p:spPr>
+        <p:style>
+          <a:lnRef idx="1">
+            <a:schemeClr val="accent2"/>
+          </a:lnRef>
+          <a:fillRef idx="0">
+            <a:schemeClr val="accent2"/>
+          </a:fillRef>
+          <a:effectRef idx="0">
+            <a:schemeClr val="accent2"/>
+          </a:effectRef>
+          <a:fontRef idx="minor">
+            <a:schemeClr val="tx1"/>
+          </a:fontRef>
+        </p:style>
+      </p:cxnSp>
+      <p:cxnSp>
+        <p:nvCxnSpPr>
+          <p:cNvPr id="87" name="Straight Arrow Connector 86"/>
+          <p:cNvCxnSpPr>
+            <a:endCxn id="73" idx="0"/>
+          </p:cNvCxnSpPr>
+          <p:nvPr/>
+        </p:nvCxnSpPr>
+        <p:spPr>
+          <a:xfrm>
+            <a:off x="3723344" y="420688"/>
+            <a:ext cx="5509466" cy="2333369"/>
+          </a:xfrm>
+          <a:prstGeom prst="straightConnector1">
+            <a:avLst/>
+          </a:prstGeom>
+          <a:ln>
+            <a:tailEnd type="triangle"/>
+          </a:ln>
+        </p:spPr>
+        <p:style>
+          <a:lnRef idx="1">
+            <a:schemeClr val="accent2"/>
+          </a:lnRef>
+          <a:fillRef idx="0">
+            <a:schemeClr val="accent2"/>
+          </a:fillRef>
+          <a:effectRef idx="0">
+            <a:schemeClr val="accent2"/>
+          </a:effectRef>
+          <a:fontRef idx="minor">
+            <a:schemeClr val="tx1"/>
+          </a:fontRef>
+        </p:style>
+      </p:cxnSp>
+      <p:sp>
+        <p:nvSpPr>
+          <p:cNvPr id="88" name="Text Box 18"/>
+          <p:cNvSpPr txBox="1"/>
+          <p:nvPr/>
+        </p:nvSpPr>
+        <p:spPr>
+          <a:xfrm>
+            <a:off x="4723020" y="4183807"/>
+            <a:ext cx="982949" cy="370206"/>
+          </a:xfrm>
+          <a:prstGeom prst="rect">
+            <a:avLst/>
+          </a:prstGeom>
+          <a:solidFill>
+            <a:schemeClr val="lt1"/>
+          </a:solidFill>
+          <a:ln w="6350">
+            <a:noFill/>
+          </a:ln>
+          <a:effectLst/>
+        </p:spPr>
+        <p:style>
+          <a:lnRef idx="0">
+            <a:schemeClr val="accent1"/>
+          </a:lnRef>
+          <a:fillRef idx="0">
+            <a:schemeClr val="accent1"/>
+          </a:fillRef>
+          <a:effectRef idx="0">
+            <a:schemeClr val="accent1"/>
+          </a:effectRef>
+          <a:fontRef idx="minor">
+            <a:schemeClr val="dk1"/>
+          </a:fontRef>
+        </p:style>
+        <p:txBody>
+          <a:bodyPr rot="0" spcFirstLastPara="0" vert="horz" wrap="square" lIns="91440" tIns="45720" rIns="91440" bIns="45720" numCol="1" spcCol="0" rtlCol="0" fromWordArt="0" anchor="t" anchorCtr="0" forceAA="0" compatLnSpc="1">
+            <a:prstTxWarp prst="textNoShape">
+              <a:avLst/>
+            </a:prstTxWarp>
+            <a:noAutofit/>
+          </a:bodyPr>
+          <a:lstStyle/>
+          <a:p>
+            <a:pPr>
+              <a:lnSpc>
+                <a:spcPct val="107000"/>
+              </a:lnSpc>
+              <a:spcAft>
+                <a:spcPts val="0"/>
+              </a:spcAft>
+            </a:pPr>
+            <a:r>
+              <a:rPr lang="en-IN" sz="1200" dirty="0" err="1">
+                <a:effectLst/>
+                <a:latin typeface="Verdana" panose="020B0604030504040204" pitchFamily="34" charset="0"/>
+                <a:ea typeface="Calibri" panose="020F0502020204030204" pitchFamily="34" charset="0"/>
+                <a:cs typeface="Times New Roman" panose="02020603050405020304" pitchFamily="18" charset="0"/>
+              </a:rPr>
+              <a:t>toString</a:t>
+            </a:r>
+            <a:r>
+              <a:rPr lang="en-IN" sz="1200" dirty="0">
+                <a:effectLst/>
+                <a:latin typeface="Verdana" panose="020B0604030504040204" pitchFamily="34" charset="0"/>
+                <a:ea typeface="Calibri" panose="020F0502020204030204" pitchFamily="34" charset="0"/>
+                <a:cs typeface="Times New Roman" panose="02020603050405020304" pitchFamily="18" charset="0"/>
+              </a:rPr>
+              <a:t>()</a:t>
+            </a:r>
+            <a:endParaRPr lang="en-IN" sz="1200" dirty="0">
+              <a:effectLst/>
+              <a:ea typeface="Calibri" panose="020F0502020204030204" pitchFamily="34" charset="0"/>
+              <a:cs typeface="Times New Roman" panose="02020603050405020304" pitchFamily="18" charset="0"/>
+            </a:endParaRPr>
+          </a:p>
+        </p:txBody>
+      </p:sp>
+      <p:sp>
+        <p:nvSpPr>
+          <p:cNvPr id="89" name="Text Box 19"/>
+          <p:cNvSpPr txBox="1"/>
+          <p:nvPr/>
+        </p:nvSpPr>
+        <p:spPr>
+          <a:xfrm>
+            <a:off x="4172720" y="1659700"/>
+            <a:ext cx="1370421" cy="429291"/>
+          </a:xfrm>
+          <a:prstGeom prst="rect">
+            <a:avLst/>
+          </a:prstGeom>
+          <a:solidFill>
+            <a:schemeClr val="lt1"/>
+          </a:solidFill>
+          <a:ln w="6350">
+            <a:noFill/>
+          </a:ln>
+          <a:effectLst/>
+        </p:spPr>
+        <p:style>
+          <a:lnRef idx="0">
+            <a:schemeClr val="accent1"/>
+          </a:lnRef>
+          <a:fillRef idx="0">
+            <a:schemeClr val="accent1"/>
+          </a:fillRef>
+          <a:effectRef idx="0">
+            <a:schemeClr val="accent1"/>
+          </a:effectRef>
+          <a:fontRef idx="minor">
+            <a:schemeClr val="dk1"/>
+          </a:fontRef>
+        </p:style>
+        <p:txBody>
+          <a:bodyPr rot="0" spcFirstLastPara="0" vert="horz" wrap="square" lIns="91440" tIns="45720" rIns="91440" bIns="45720" numCol="1" spcCol="0" rtlCol="0" fromWordArt="0" anchor="t" anchorCtr="0" forceAA="0" compatLnSpc="1">
+            <a:prstTxWarp prst="textNoShape">
+              <a:avLst/>
+            </a:prstTxWarp>
+            <a:noAutofit/>
+          </a:bodyPr>
+          <a:lstStyle/>
+          <a:p>
+            <a:pPr>
+              <a:lnSpc>
+                <a:spcPct val="107000"/>
+              </a:lnSpc>
+              <a:spcAft>
+                <a:spcPts val="0"/>
+              </a:spcAft>
+            </a:pPr>
+            <a:r>
+              <a:rPr lang="en-IN" sz="1200" dirty="0" err="1">
+                <a:effectLst/>
+                <a:latin typeface="Verdana" panose="020B0604030504040204" pitchFamily="34" charset="0"/>
+                <a:ea typeface="Calibri" panose="020F0502020204030204" pitchFamily="34" charset="0"/>
+                <a:cs typeface="Times New Roman" panose="02020603050405020304" pitchFamily="18" charset="0"/>
+              </a:rPr>
+              <a:t>parseXxx</a:t>
+            </a:r>
+            <a:r>
+              <a:rPr lang="en-IN" sz="1200" dirty="0">
+                <a:effectLst/>
+                <a:latin typeface="Verdana" panose="020B0604030504040204" pitchFamily="34" charset="0"/>
+                <a:ea typeface="Calibri" panose="020F0502020204030204" pitchFamily="34" charset="0"/>
+                <a:cs typeface="Times New Roman" panose="02020603050405020304" pitchFamily="18" charset="0"/>
+              </a:rPr>
+              <a:t>(S)</a:t>
+            </a:r>
+            <a:endParaRPr lang="en-IN" sz="1200" dirty="0">
+              <a:effectLst/>
+              <a:ea typeface="Calibri" panose="020F0502020204030204" pitchFamily="34" charset="0"/>
+              <a:cs typeface="Times New Roman" panose="02020603050405020304" pitchFamily="18" charset="0"/>
+            </a:endParaRPr>
+          </a:p>
+          <a:p>
+            <a:pPr>
+              <a:lnSpc>
+                <a:spcPct val="107000"/>
+              </a:lnSpc>
+              <a:spcAft>
+                <a:spcPts val="0"/>
+              </a:spcAft>
+            </a:pPr>
+            <a:r>
+              <a:rPr lang="en-IN" sz="1200" dirty="0">
+                <a:effectLst/>
+                <a:latin typeface="Verdana" panose="020B0604030504040204" pitchFamily="34" charset="0"/>
+                <a:ea typeface="Calibri" panose="020F0502020204030204" pitchFamily="34" charset="0"/>
+                <a:cs typeface="Times New Roman" panose="02020603050405020304" pitchFamily="18" charset="0"/>
+              </a:rPr>
+              <a:t>static method</a:t>
+            </a:r>
+            <a:endParaRPr lang="en-IN" sz="1200" dirty="0">
+              <a:effectLst/>
+              <a:ea typeface="Calibri" panose="020F0502020204030204" pitchFamily="34" charset="0"/>
+              <a:cs typeface="Times New Roman" panose="02020603050405020304" pitchFamily="18" charset="0"/>
+            </a:endParaRPr>
+          </a:p>
+        </p:txBody>
+      </p:sp>
+      <p:sp>
+        <p:nvSpPr>
+          <p:cNvPr id="90" name="Text Box 20"/>
+          <p:cNvSpPr txBox="1"/>
+          <p:nvPr/>
+        </p:nvSpPr>
+        <p:spPr>
+          <a:xfrm>
+            <a:off x="6882254" y="568947"/>
+            <a:ext cx="1519914" cy="607206"/>
+          </a:xfrm>
+          <a:prstGeom prst="rect">
+            <a:avLst/>
+          </a:prstGeom>
+          <a:solidFill>
+            <a:schemeClr val="lt1"/>
+          </a:solidFill>
+          <a:ln w="6350">
+            <a:noFill/>
+          </a:ln>
+          <a:effectLst/>
+        </p:spPr>
+        <p:style>
+          <a:lnRef idx="0">
+            <a:schemeClr val="accent1"/>
+          </a:lnRef>
+          <a:fillRef idx="0">
+            <a:schemeClr val="accent1"/>
+          </a:fillRef>
+          <a:effectRef idx="0">
+            <a:schemeClr val="accent1"/>
+          </a:effectRef>
+          <a:fontRef idx="minor">
+            <a:schemeClr val="dk1"/>
+          </a:fontRef>
+        </p:style>
+        <p:txBody>
+          <a:bodyPr rot="0" spcFirstLastPara="0" vert="horz" wrap="square" lIns="91440" tIns="45720" rIns="91440" bIns="45720" numCol="1" spcCol="0" rtlCol="0" fromWordArt="0" anchor="t" anchorCtr="0" forceAA="0" compatLnSpc="1">
+            <a:prstTxWarp prst="textNoShape">
+              <a:avLst/>
+            </a:prstTxWarp>
+            <a:noAutofit/>
+          </a:bodyPr>
+          <a:lstStyle/>
+          <a:p>
+            <a:pPr>
+              <a:lnSpc>
+                <a:spcPct val="107000"/>
+              </a:lnSpc>
+              <a:spcAft>
+                <a:spcPts val="0"/>
+              </a:spcAft>
+            </a:pPr>
+            <a:r>
+              <a:rPr lang="en-IN" sz="1200" dirty="0" err="1">
+                <a:effectLst/>
+                <a:latin typeface="Verdana" panose="020B0604030504040204" pitchFamily="34" charset="0"/>
+                <a:ea typeface="Calibri" panose="020F0502020204030204" pitchFamily="34" charset="0"/>
+                <a:cs typeface="Times New Roman" panose="02020603050405020304" pitchFamily="18" charset="0"/>
+              </a:rPr>
+              <a:t>toString</a:t>
+            </a:r>
+            <a:r>
+              <a:rPr lang="en-IN" sz="1200" dirty="0">
+                <a:effectLst/>
+                <a:latin typeface="Verdana" panose="020B0604030504040204" pitchFamily="34" charset="0"/>
+                <a:ea typeface="Calibri" panose="020F0502020204030204" pitchFamily="34" charset="0"/>
+                <a:cs typeface="Times New Roman" panose="02020603050405020304" pitchFamily="18" charset="0"/>
+              </a:rPr>
+              <a:t>(PDT)</a:t>
+            </a:r>
+            <a:endParaRPr lang="en-IN" sz="1200" dirty="0">
+              <a:effectLst/>
+              <a:ea typeface="Calibri" panose="020F0502020204030204" pitchFamily="34" charset="0"/>
+              <a:cs typeface="Times New Roman" panose="02020603050405020304" pitchFamily="18" charset="0"/>
+            </a:endParaRPr>
+          </a:p>
+          <a:p>
+            <a:pPr>
+              <a:lnSpc>
+                <a:spcPct val="107000"/>
+              </a:lnSpc>
+              <a:spcAft>
+                <a:spcPts val="0"/>
+              </a:spcAft>
+            </a:pPr>
+            <a:r>
+              <a:rPr lang="en-IN" sz="1200" dirty="0">
+                <a:effectLst/>
+                <a:latin typeface="Verdana" panose="020B0604030504040204" pitchFamily="34" charset="0"/>
+                <a:ea typeface="Calibri" panose="020F0502020204030204" pitchFamily="34" charset="0"/>
+                <a:cs typeface="Times New Roman" panose="02020603050405020304" pitchFamily="18" charset="0"/>
+              </a:rPr>
+              <a:t>static method</a:t>
+            </a:r>
+            <a:endParaRPr lang="en-IN" sz="1200" dirty="0">
+              <a:effectLst/>
+              <a:ea typeface="Calibri" panose="020F0502020204030204" pitchFamily="34" charset="0"/>
+              <a:cs typeface="Times New Roman" panose="02020603050405020304" pitchFamily="18" charset="0"/>
+            </a:endParaRPr>
+          </a:p>
+        </p:txBody>
+      </p:sp>
+      <p:sp>
+        <p:nvSpPr>
+          <p:cNvPr id="91" name="Oval 90"/>
+          <p:cNvSpPr/>
+          <p:nvPr/>
+        </p:nvSpPr>
+        <p:spPr>
+          <a:xfrm>
+            <a:off x="5713287" y="1624560"/>
+            <a:ext cx="320040" cy="302260"/>
+          </a:xfrm>
+          <a:prstGeom prst="ellipse">
+            <a:avLst/>
+          </a:prstGeom>
+        </p:spPr>
+        <p:style>
+          <a:lnRef idx="2">
+            <a:schemeClr val="accent5">
+              <a:shade val="50000"/>
+            </a:schemeClr>
+          </a:lnRef>
+          <a:fillRef idx="1">
+            <a:schemeClr val="accent5"/>
+          </a:fillRef>
+          <a:effectRef idx="0">
+            <a:schemeClr val="accent5"/>
+          </a:effectRef>
+          <a:fontRef idx="minor">
+            <a:schemeClr val="lt1"/>
+          </a:fontRef>
+        </p:style>
+        <p:txBody>
+          <a:bodyPr rot="0" spcFirstLastPara="0" vert="horz" wrap="square" lIns="91440" tIns="45720" rIns="91440" bIns="45720" numCol="1" spcCol="0" rtlCol="0" fromWordArt="0" anchor="ctr" anchorCtr="0" forceAA="0" compatLnSpc="1">
+            <a:prstTxWarp prst="textNoShape">
+              <a:avLst/>
+            </a:prstTxWarp>
+            <a:noAutofit/>
+          </a:bodyPr>
+          <a:lstStyle/>
+          <a:p>
+            <a:pPr algn="ctr">
+              <a:lnSpc>
+                <a:spcPct val="107000"/>
+              </a:lnSpc>
+              <a:spcAft>
+                <a:spcPts val="800"/>
+              </a:spcAft>
+            </a:pPr>
+            <a:r>
+              <a:rPr lang="en-IN" sz="1000" dirty="0">
+                <a:effectLst/>
+                <a:latin typeface="Verdana" panose="020B0604030504040204" pitchFamily="34" charset="0"/>
+                <a:ea typeface="Calibri" panose="020F0502020204030204" pitchFamily="34" charset="0"/>
+                <a:cs typeface="Times New Roman" panose="02020603050405020304" pitchFamily="18" charset="0"/>
+              </a:rPr>
+              <a:t>5</a:t>
+            </a:r>
+            <a:endParaRPr lang="en-IN" sz="1000" dirty="0">
+              <a:effectLst/>
+              <a:ea typeface="Calibri" panose="020F0502020204030204" pitchFamily="34" charset="0"/>
+              <a:cs typeface="Times New Roman" panose="02020603050405020304" pitchFamily="18" charset="0"/>
+            </a:endParaRPr>
+          </a:p>
+        </p:txBody>
+      </p:sp>
+      <p:sp>
+        <p:nvSpPr>
+          <p:cNvPr id="92" name="Oval 91"/>
+          <p:cNvSpPr/>
+          <p:nvPr/>
+        </p:nvSpPr>
+        <p:spPr>
+          <a:xfrm>
+            <a:off x="6203473" y="1386330"/>
+            <a:ext cx="320040" cy="302260"/>
+          </a:xfrm>
+          <a:prstGeom prst="ellipse">
+            <a:avLst/>
+          </a:prstGeom>
+        </p:spPr>
+        <p:style>
+          <a:lnRef idx="2">
+            <a:schemeClr val="accent5">
+              <a:shade val="50000"/>
+            </a:schemeClr>
+          </a:lnRef>
+          <a:fillRef idx="1">
+            <a:schemeClr val="accent5"/>
+          </a:fillRef>
+          <a:effectRef idx="0">
+            <a:schemeClr val="accent5"/>
+          </a:effectRef>
+          <a:fontRef idx="minor">
+            <a:schemeClr val="lt1"/>
+          </a:fontRef>
+        </p:style>
+        <p:txBody>
+          <a:bodyPr rot="0" spcFirstLastPara="0" vert="horz" wrap="square" lIns="91440" tIns="45720" rIns="91440" bIns="45720" numCol="1" spcCol="0" rtlCol="0" fromWordArt="0" anchor="ctr" anchorCtr="0" forceAA="0" compatLnSpc="1">
+            <a:prstTxWarp prst="textNoShape">
+              <a:avLst/>
+            </a:prstTxWarp>
+            <a:noAutofit/>
+          </a:bodyPr>
+          <a:lstStyle/>
+          <a:p>
+            <a:pPr algn="ctr">
+              <a:lnSpc>
+                <a:spcPct val="107000"/>
+              </a:lnSpc>
+              <a:spcAft>
+                <a:spcPts val="800"/>
+              </a:spcAft>
+            </a:pPr>
+            <a:r>
+              <a:rPr lang="en-IN" sz="1000" dirty="0">
+                <a:effectLst/>
+                <a:latin typeface="Verdana" panose="020B0604030504040204" pitchFamily="34" charset="0"/>
+                <a:ea typeface="Calibri" panose="020F0502020204030204" pitchFamily="34" charset="0"/>
+                <a:cs typeface="Times New Roman" panose="02020603050405020304" pitchFamily="18" charset="0"/>
+              </a:rPr>
+              <a:t>6</a:t>
+            </a:r>
+            <a:endParaRPr lang="en-IN" sz="1000" dirty="0">
+              <a:effectLst/>
+              <a:ea typeface="Calibri" panose="020F0502020204030204" pitchFamily="34" charset="0"/>
+              <a:cs typeface="Times New Roman" panose="02020603050405020304" pitchFamily="18" charset="0"/>
+            </a:endParaRPr>
+          </a:p>
+        </p:txBody>
+      </p:sp>
+      <p:sp>
+        <p:nvSpPr>
+          <p:cNvPr id="93" name="Rectangle 137"/>
+          <p:cNvSpPr>
+            <a:spLocks noChangeArrowheads="1"/>
+          </p:cNvSpPr>
+          <p:nvPr/>
+        </p:nvSpPr>
+        <p:spPr bwMode="auto">
+          <a:xfrm>
+            <a:off x="2459865" y="1056067"/>
+            <a:ext cx="12192000" cy="457200"/>
+          </a:xfrm>
+          <a:prstGeom prst="rect">
+            <a:avLst/>
+          </a:prstGeom>
+          <a:noFill/>
+          <a:ln>
+            <a:noFill/>
+          </a:ln>
+          <a:effectLst/>
+          <a:extLst>
+            <a:ext uri="{909E8E84-426E-40DD-AFC4-6F175D3DCCD1}">
+              <a14:hiddenFill xmlns:a14="http://schemas.microsoft.com/office/drawing/2010/main">
+                <a:solidFill>
+                  <a:schemeClr val="accent1"/>
+                </a:solidFill>
+              </a14:hiddenFill>
+            </a:ext>
+            <a:ext uri="{91240B29-F687-4F45-9708-019B960494DF}">
+              <a14:hiddenLine xmlns:a14="http://schemas.microsoft.com/office/drawing/2010/main" w="9525">
+                <a:solidFill>
+                  <a:schemeClr val="tx1"/>
+                </a:solidFill>
+                <a:miter lim="800000"/>
+                <a:headEnd/>
+                <a:tailEnd/>
+              </a14:hiddenLine>
+            </a:ext>
+            <a:ext uri="{AF507438-7753-43E0-B8FC-AC1667EBCBE1}">
+              <a14:hiddenEffects xmlns:a14="http://schemas.microsoft.com/office/drawing/2010/main">
+                <a:effectLst>
+                  <a:outerShdw dist="35921" dir="2700000" algn="ctr" rotWithShape="0">
+                    <a:schemeClr val="bg2"/>
+                  </a:outerShdw>
+                </a:effectLst>
+              </a14:hiddenEffects>
+            </a:ext>
+          </a:extLst>
+        </p:spPr>
+        <p:txBody>
+          <a:bodyPr vert="horz" wrap="none" lIns="91440" tIns="45720" rIns="91440" bIns="45720" numCol="1" anchor="ctr" anchorCtr="0" compatLnSpc="1">
+            <a:prstTxWarp prst="textNoShape">
+              <a:avLst/>
+            </a:prstTxWarp>
+            <a:spAutoFit/>
+          </a:bodyPr>
+          <a:lstStyle/>
+          <a:p>
+            <a:endParaRPr lang="en-IN"/>
+          </a:p>
+        </p:txBody>
+      </p:sp>
+    </p:spTree>
+    <p:extLst>
+      <p:ext uri="{BB962C8B-B14F-4D97-AF65-F5344CB8AC3E}">
+        <p14:creationId xmlns:p14="http://schemas.microsoft.com/office/powerpoint/2010/main" val="4205057190"/>
+      </p:ext>
+    </p:extLst>
+  </p:cSld>
+  <p:clrMapOvr>
+    <a:masterClrMapping/>
+  </p:clrMapOvr>
+  <p:timing>
+    <p:tnLst>
+      <p:par>
+        <p:cTn id="1" dur="indefinite" restart="never" nodeType="tmRoot"/>
+      </p:par>
+    </p:tnLst>
+  </p:timing>
+</p:sld>
+</file>
+
+<file path=ppt/slides/slide42.xml><?xml version="1.0" encoding="utf-8"?>
+<p:sld xmlns:a="http://schemas.openxmlformats.org/drawingml/2006/main" xmlns:r="http://schemas.openxmlformats.org/officeDocument/2006/relationships" xmlns:p="http://schemas.openxmlformats.org/presentationml/2006/main">
+  <p:cSld>
+    <p:spTree>
+      <p:nvGrpSpPr>
+        <p:cNvPr id="1" name=""/>
+        <p:cNvGrpSpPr/>
+        <p:nvPr/>
+      </p:nvGrpSpPr>
+      <p:grpSpPr>
+        <a:xfrm>
+          <a:off x="0" y="0"/>
+          <a:ext cx="0" cy="0"/>
+          <a:chOff x="0" y="0"/>
+          <a:chExt cx="0" cy="0"/>
+        </a:xfrm>
+      </p:grpSpPr>
+      <p:sp>
+        <p:nvSpPr>
+          <p:cNvPr id="2" name="Title 1"/>
+          <p:cNvSpPr>
+            <a:spLocks noGrp="1"/>
+          </p:cNvSpPr>
+          <p:nvPr>
+            <p:ph type="title"/>
+          </p:nvPr>
+        </p:nvSpPr>
+        <p:spPr>
+          <a:xfrm>
+            <a:off x="838200" y="365125"/>
+            <a:ext cx="10515600" cy="278819"/>
+          </a:xfrm>
+        </p:spPr>
+        <p:txBody>
+          <a:bodyPr>
+            <a:normAutofit fontScale="90000"/>
+          </a:bodyPr>
+          <a:lstStyle/>
+          <a:p>
+            <a:r>
+              <a:rPr lang="en-IN" sz="2000" b="1" dirty="0" smtClean="0">
+                <a:latin typeface="Verdana" panose="020B0604030504040204" pitchFamily="34" charset="0"/>
+                <a:ea typeface="Verdana" panose="020B0604030504040204" pitchFamily="34" charset="0"/>
+                <a:cs typeface="Verdana" panose="020B0604030504040204" pitchFamily="34" charset="0"/>
+              </a:rPr>
+              <a:t>String, String Buffer and String Builder</a:t>
+            </a:r>
+            <a:endParaRPr lang="en-IN" sz="2000" b="1" dirty="0">
+              <a:latin typeface="Verdana" panose="020B0604030504040204" pitchFamily="34" charset="0"/>
+              <a:ea typeface="Verdana" panose="020B0604030504040204" pitchFamily="34" charset="0"/>
+              <a:cs typeface="Verdana" panose="020B0604030504040204" pitchFamily="34" charset="0"/>
+            </a:endParaRPr>
+          </a:p>
+        </p:txBody>
+      </p:sp>
+      <p:sp>
+        <p:nvSpPr>
+          <p:cNvPr id="3" name="Content Placeholder 2"/>
+          <p:cNvSpPr>
+            <a:spLocks noGrp="1"/>
+          </p:cNvSpPr>
+          <p:nvPr>
+            <p:ph idx="1"/>
+          </p:nvPr>
+        </p:nvSpPr>
+        <p:spPr>
+          <a:xfrm>
+            <a:off x="838200" y="873457"/>
+            <a:ext cx="10515600" cy="5303506"/>
+          </a:xfrm>
+        </p:spPr>
+        <p:txBody>
+          <a:bodyPr>
+            <a:normAutofit/>
+          </a:bodyPr>
+          <a:lstStyle/>
+          <a:p>
+            <a:r>
+              <a:rPr lang="en-IN" sz="1400" dirty="0" smtClean="0">
+                <a:latin typeface="Verdana" panose="020B0604030504040204" pitchFamily="34" charset="0"/>
+                <a:ea typeface="Verdana" panose="020B0604030504040204" pitchFamily="34" charset="0"/>
+                <a:cs typeface="Verdana" panose="020B0604030504040204" pitchFamily="34" charset="0"/>
+              </a:rPr>
+              <a:t>String is a immutable sequence of characters and values can’t be changed in the same memory location.</a:t>
+            </a:r>
+          </a:p>
+          <a:p>
+            <a:r>
+              <a:rPr lang="en-IN" sz="1400" dirty="0" smtClean="0">
+                <a:latin typeface="Verdana" panose="020B0604030504040204" pitchFamily="34" charset="0"/>
+                <a:ea typeface="Verdana" panose="020B0604030504040204" pitchFamily="34" charset="0"/>
+                <a:cs typeface="Verdana" panose="020B0604030504040204" pitchFamily="34" charset="0"/>
+              </a:rPr>
+              <a:t>String Buffer is a thread-safe mutable sequence of characters.</a:t>
+            </a:r>
+          </a:p>
+          <a:p>
+            <a:r>
+              <a:rPr lang="en-IN" sz="1400" dirty="0" smtClean="0">
+                <a:latin typeface="Verdana" panose="020B0604030504040204" pitchFamily="34" charset="0"/>
+                <a:ea typeface="Verdana" panose="020B0604030504040204" pitchFamily="34" charset="0"/>
+                <a:cs typeface="Verdana" panose="020B0604030504040204" pitchFamily="34" charset="0"/>
+              </a:rPr>
+              <a:t>String Builder is also a mutable sequence of characters but not a thread-safe.</a:t>
+            </a:r>
+          </a:p>
+          <a:p>
+            <a:pPr marL="0" indent="0">
+              <a:buNone/>
+            </a:pPr>
+            <a:endParaRPr lang="en-IN" sz="1400" dirty="0">
+              <a:latin typeface="Verdana" panose="020B0604030504040204" pitchFamily="34" charset="0"/>
+              <a:ea typeface="Verdana" panose="020B0604030504040204" pitchFamily="34" charset="0"/>
+              <a:cs typeface="Verdana" panose="020B0604030504040204" pitchFamily="34" charset="0"/>
+            </a:endParaRPr>
+          </a:p>
+          <a:p>
+            <a:pPr marL="0" indent="0">
+              <a:buNone/>
+            </a:pPr>
+            <a:r>
+              <a:rPr lang="en-IN" sz="1400" dirty="0" smtClean="0">
+                <a:latin typeface="Verdana" panose="020B0604030504040204" pitchFamily="34" charset="0"/>
+                <a:ea typeface="Verdana" panose="020B0604030504040204" pitchFamily="34" charset="0"/>
+                <a:cs typeface="Verdana" panose="020B0604030504040204" pitchFamily="34" charset="0"/>
+              </a:rPr>
+              <a:t>Note:</a:t>
+            </a:r>
+          </a:p>
+          <a:p>
+            <a:r>
+              <a:rPr lang="en-IN" sz="1400" dirty="0" smtClean="0">
+                <a:latin typeface="Verdana" panose="020B0604030504040204" pitchFamily="34" charset="0"/>
+                <a:ea typeface="Verdana" panose="020B0604030504040204" pitchFamily="34" charset="0"/>
+                <a:cs typeface="Verdana" panose="020B0604030504040204" pitchFamily="34" charset="0"/>
+              </a:rPr>
+              <a:t>If we don’t want to store string modification in the same memory, we should choose String.</a:t>
+            </a:r>
+          </a:p>
+          <a:p>
+            <a:r>
+              <a:rPr lang="en-IN" sz="1400" dirty="0" smtClean="0">
+                <a:latin typeface="Verdana" panose="020B0604030504040204" pitchFamily="34" charset="0"/>
+                <a:ea typeface="Verdana" panose="020B0604030504040204" pitchFamily="34" charset="0"/>
+                <a:cs typeface="Verdana" panose="020B0604030504040204" pitchFamily="34" charset="0"/>
+              </a:rPr>
+              <a:t>To store modification in the same memory, we must choose String Buffe</a:t>
+            </a:r>
+            <a:r>
+              <a:rPr lang="en-IN" sz="1400" dirty="0" smtClean="0">
+                <a:latin typeface="Verdana" panose="020B0604030504040204" pitchFamily="34" charset="0"/>
+                <a:ea typeface="Verdana" panose="020B0604030504040204" pitchFamily="34" charset="0"/>
+                <a:cs typeface="Verdana" panose="020B0604030504040204" pitchFamily="34" charset="0"/>
+              </a:rPr>
+              <a:t>r or String Builder.</a:t>
+            </a:r>
+          </a:p>
+          <a:p>
+            <a:r>
+              <a:rPr lang="en-IN" sz="1400" dirty="0" smtClean="0">
+                <a:latin typeface="Verdana" panose="020B0604030504040204" pitchFamily="34" charset="0"/>
+                <a:ea typeface="Verdana" panose="020B0604030504040204" pitchFamily="34" charset="0"/>
+                <a:cs typeface="Verdana" panose="020B0604030504040204" pitchFamily="34" charset="0"/>
+              </a:rPr>
+              <a:t>Using </a:t>
+            </a:r>
+            <a:r>
+              <a:rPr lang="en-IN" sz="1400" dirty="0" err="1" smtClean="0">
+                <a:latin typeface="Verdana" panose="020B0604030504040204" pitchFamily="34" charset="0"/>
+                <a:ea typeface="Verdana" panose="020B0604030504040204" pitchFamily="34" charset="0"/>
+                <a:cs typeface="Verdana" panose="020B0604030504040204" pitchFamily="34" charset="0"/>
+              </a:rPr>
+              <a:t>StringBuffer</a:t>
+            </a:r>
+            <a:r>
+              <a:rPr lang="en-IN" sz="1400" dirty="0" smtClean="0">
+                <a:latin typeface="Verdana" panose="020B0604030504040204" pitchFamily="34" charset="0"/>
+                <a:ea typeface="Verdana" panose="020B0604030504040204" pitchFamily="34" charset="0"/>
+                <a:cs typeface="Verdana" panose="020B0604030504040204" pitchFamily="34" charset="0"/>
+              </a:rPr>
+              <a:t>(String) constructor we can convert String to </a:t>
+            </a:r>
+            <a:r>
+              <a:rPr lang="en-IN" sz="1400" dirty="0" err="1" smtClean="0">
+                <a:latin typeface="Verdana" panose="020B0604030504040204" pitchFamily="34" charset="0"/>
+                <a:ea typeface="Verdana" panose="020B0604030504040204" pitchFamily="34" charset="0"/>
+                <a:cs typeface="Verdana" panose="020B0604030504040204" pitchFamily="34" charset="0"/>
+              </a:rPr>
+              <a:t>StringBuffer</a:t>
+            </a:r>
+            <a:r>
+              <a:rPr lang="en-IN" sz="1400" dirty="0" smtClean="0">
+                <a:latin typeface="Verdana" panose="020B0604030504040204" pitchFamily="34" charset="0"/>
+                <a:ea typeface="Verdana" panose="020B0604030504040204" pitchFamily="34" charset="0"/>
+                <a:cs typeface="Verdana" panose="020B0604030504040204" pitchFamily="34" charset="0"/>
+              </a:rPr>
+              <a:t>.</a:t>
+            </a:r>
+          </a:p>
+          <a:p>
+            <a:r>
+              <a:rPr lang="en-IN" sz="1400" dirty="0" smtClean="0">
+                <a:latin typeface="Verdana" panose="020B0604030504040204" pitchFamily="34" charset="0"/>
+                <a:ea typeface="Verdana" panose="020B0604030504040204" pitchFamily="34" charset="0"/>
+                <a:cs typeface="Verdana" panose="020B0604030504040204" pitchFamily="34" charset="0"/>
+              </a:rPr>
+              <a:t>Using String(</a:t>
+            </a:r>
+            <a:r>
+              <a:rPr lang="en-IN" sz="1400" dirty="0" err="1" smtClean="0">
+                <a:latin typeface="Verdana" panose="020B0604030504040204" pitchFamily="34" charset="0"/>
+                <a:ea typeface="Verdana" panose="020B0604030504040204" pitchFamily="34" charset="0"/>
+                <a:cs typeface="Verdana" panose="020B0604030504040204" pitchFamily="34" charset="0"/>
+              </a:rPr>
+              <a:t>StringBuffer</a:t>
+            </a:r>
+            <a:r>
+              <a:rPr lang="en-IN" sz="1400" dirty="0" smtClean="0">
+                <a:latin typeface="Verdana" panose="020B0604030504040204" pitchFamily="34" charset="0"/>
+                <a:ea typeface="Verdana" panose="020B0604030504040204" pitchFamily="34" charset="0"/>
+                <a:cs typeface="Verdana" panose="020B0604030504040204" pitchFamily="34" charset="0"/>
+              </a:rPr>
+              <a:t>) constructor and </a:t>
+            </a:r>
+            <a:r>
+              <a:rPr lang="en-IN" sz="1400" dirty="0" err="1" smtClean="0">
+                <a:latin typeface="Verdana" panose="020B0604030504040204" pitchFamily="34" charset="0"/>
+                <a:ea typeface="Verdana" panose="020B0604030504040204" pitchFamily="34" charset="0"/>
+                <a:cs typeface="Verdana" panose="020B0604030504040204" pitchFamily="34" charset="0"/>
+              </a:rPr>
+              <a:t>StringBuffer.toString</a:t>
+            </a:r>
+            <a:r>
+              <a:rPr lang="en-IN" sz="1400" dirty="0" smtClean="0">
+                <a:latin typeface="Verdana" panose="020B0604030504040204" pitchFamily="34" charset="0"/>
+                <a:ea typeface="Verdana" panose="020B0604030504040204" pitchFamily="34" charset="0"/>
+                <a:cs typeface="Verdana" panose="020B0604030504040204" pitchFamily="34" charset="0"/>
+              </a:rPr>
+              <a:t>() we can convert </a:t>
+            </a:r>
+            <a:r>
+              <a:rPr lang="en-IN" sz="1400" dirty="0" err="1" smtClean="0">
+                <a:latin typeface="Verdana" panose="020B0604030504040204" pitchFamily="34" charset="0"/>
+                <a:ea typeface="Verdana" panose="020B0604030504040204" pitchFamily="34" charset="0"/>
+                <a:cs typeface="Verdana" panose="020B0604030504040204" pitchFamily="34" charset="0"/>
+              </a:rPr>
+              <a:t>StringBuffer</a:t>
+            </a:r>
+            <a:r>
+              <a:rPr lang="en-IN" sz="1400" dirty="0" smtClean="0">
+                <a:latin typeface="Verdana" panose="020B0604030504040204" pitchFamily="34" charset="0"/>
+                <a:ea typeface="Verdana" panose="020B0604030504040204" pitchFamily="34" charset="0"/>
+                <a:cs typeface="Verdana" panose="020B0604030504040204" pitchFamily="34" charset="0"/>
+              </a:rPr>
+              <a:t> to String.</a:t>
+            </a:r>
+          </a:p>
+          <a:p>
+            <a:pPr marL="0" indent="0">
+              <a:buNone/>
+            </a:pPr>
+            <a:endParaRPr lang="en-IN" sz="1400" dirty="0" smtClean="0">
+              <a:latin typeface="Verdana" panose="020B0604030504040204" pitchFamily="34" charset="0"/>
+              <a:ea typeface="Verdana" panose="020B0604030504040204" pitchFamily="34" charset="0"/>
+              <a:cs typeface="Verdana" panose="020B0604030504040204" pitchFamily="34" charset="0"/>
+            </a:endParaRPr>
+          </a:p>
+        </p:txBody>
+      </p:sp>
+    </p:spTree>
+    <p:extLst>
+      <p:ext uri="{BB962C8B-B14F-4D97-AF65-F5344CB8AC3E}">
+        <p14:creationId xmlns:p14="http://schemas.microsoft.com/office/powerpoint/2010/main" val="167727135"/>
+      </p:ext>
+    </p:extLst>
+  </p:cSld>
+  <p:clrMapOvr>
+    <a:masterClrMapping/>
+  </p:clrMapOvr>
+  <p:timing>
+    <p:tnLst>
+      <p:par>
+        <p:cTn id="1" dur="indefinite" restart="never" nodeType="tmRoot"/>
+      </p:par>
+    </p:tnLst>
+  </p:timing>
+</p:sld>
+</file>
+
 <file path=ppt/slides/slide5.xml><?xml version="1.0" encoding="utf-8"?>
 <p:sld xmlns:a="http://schemas.openxmlformats.org/drawingml/2006/main" xmlns:r="http://schemas.openxmlformats.org/officeDocument/2006/relationships" xmlns:p="http://schemas.openxmlformats.org/presentationml/2006/main">
   <p:cSld>
